--- a/Bootcamp/dan-22-html-css/dan-22-html-css.pptx
+++ b/Bootcamp/dan-22-html-css/dan-22-html-css.pptx
@@ -5,7 +5,7 @@
     <p:sldMasterId id="2147483648" r:id="rId4"/>
   </p:sldMasterIdLst>
   <p:notesMasterIdLst>
-    <p:notesMasterId r:id="rId29"/>
+    <p:notesMasterId r:id="rId32"/>
   </p:notesMasterIdLst>
   <p:sldIdLst>
     <p:sldId id="282" r:id="rId5"/>
@@ -19,19 +19,22 @@
     <p:sldId id="288" r:id="rId13"/>
     <p:sldId id="289" r:id="rId14"/>
     <p:sldId id="290" r:id="rId15"/>
-    <p:sldId id="263" r:id="rId16"/>
-    <p:sldId id="270" r:id="rId17"/>
-    <p:sldId id="266" r:id="rId18"/>
-    <p:sldId id="264" r:id="rId19"/>
-    <p:sldId id="272" r:id="rId20"/>
-    <p:sldId id="273" r:id="rId21"/>
-    <p:sldId id="274" r:id="rId22"/>
-    <p:sldId id="275" r:id="rId23"/>
-    <p:sldId id="267" r:id="rId24"/>
-    <p:sldId id="268" r:id="rId25"/>
-    <p:sldId id="269" r:id="rId26"/>
-    <p:sldId id="265" r:id="rId27"/>
-    <p:sldId id="276" r:id="rId28"/>
+    <p:sldId id="291" r:id="rId16"/>
+    <p:sldId id="293" r:id="rId17"/>
+    <p:sldId id="294" r:id="rId18"/>
+    <p:sldId id="263" r:id="rId19"/>
+    <p:sldId id="270" r:id="rId20"/>
+    <p:sldId id="266" r:id="rId21"/>
+    <p:sldId id="264" r:id="rId22"/>
+    <p:sldId id="272" r:id="rId23"/>
+    <p:sldId id="273" r:id="rId24"/>
+    <p:sldId id="274" r:id="rId25"/>
+    <p:sldId id="275" r:id="rId26"/>
+    <p:sldId id="267" r:id="rId27"/>
+    <p:sldId id="268" r:id="rId28"/>
+    <p:sldId id="269" r:id="rId29"/>
+    <p:sldId id="265" r:id="rId30"/>
+    <p:sldId id="276" r:id="rId31"/>
   </p:sldIdLst>
   <p:sldSz cx="12192000" cy="6858000"/>
   <p:notesSz cx="6858000" cy="9144000"/>
@@ -131,6 +134,45 @@
     </a:lvl9pPr>
   </p:defaultTextStyle>
   <p:extLst>
+    <p:ext uri="{521415D9-36F7-43E2-AB2F-B90AF26B5E84}">
+      <p14:sectionLst xmlns:p14="http://schemas.microsoft.com/office/powerpoint/2010/main">
+        <p14:section name="Default Section" id="{BCE7A638-9D50-4CF5-A8CB-B320F4624C46}">
+          <p14:sldIdLst>
+            <p14:sldId id="282"/>
+            <p14:sldId id="260"/>
+            <p14:sldId id="261"/>
+            <p14:sldId id="283"/>
+            <p14:sldId id="285"/>
+            <p14:sldId id="284"/>
+            <p14:sldId id="286"/>
+            <p14:sldId id="287"/>
+            <p14:sldId id="288"/>
+            <p14:sldId id="289"/>
+            <p14:sldId id="290"/>
+          </p14:sldIdLst>
+        </p14:section>
+        <p14:section name="Untitled Section" id="{1DB02032-E45E-4409-AD9E-959B3FA7150D}">
+          <p14:sldIdLst>
+            <p14:sldId id="291"/>
+            <p14:sldId id="293"/>
+            <p14:sldId id="294"/>
+            <p14:sldId id="263"/>
+            <p14:sldId id="270"/>
+            <p14:sldId id="266"/>
+            <p14:sldId id="264"/>
+            <p14:sldId id="272"/>
+            <p14:sldId id="273"/>
+            <p14:sldId id="274"/>
+            <p14:sldId id="275"/>
+            <p14:sldId id="267"/>
+            <p14:sldId id="268"/>
+            <p14:sldId id="269"/>
+            <p14:sldId id="265"/>
+            <p14:sldId id="276"/>
+          </p14:sldIdLst>
+        </p14:section>
+      </p14:sectionLst>
+    </p:ext>
     <p:ext uri="{EFAFB233-063F-42B5-8137-9DF3F51BA10A}">
       <p15:sldGuideLst xmlns:p15="http://schemas.microsoft.com/office/powerpoint/2012/main">
         <p15:guide id="1" orient="horz" pos="2160" userDrawn="1">
@@ -231,7 +273,7 @@
           <a:p>
             <a:fld id="{B2A70591-2E3C-5F42-A4E1-C0F5A0F4E5DB}" type="datetimeFigureOut">
               <a:rPr lang="en-US" smtClean="0"/>
-              <a:t>2/17/2025</a:t>
+              <a:t>2/19/2025</a:t>
             </a:fld>
             <a:endParaRPr lang="en-US"/>
           </a:p>
@@ -583,6 +625,118 @@
 </p:notes>
 </file>
 
+<file path=ppt/notesSlides/notesSlide10.xml><?xml version="1.0" encoding="utf-8"?>
+<p:notes xmlns:a="http://schemas.openxmlformats.org/drawingml/2006/main" xmlns:r="http://schemas.openxmlformats.org/officeDocument/2006/relationships" xmlns:p="http://schemas.openxmlformats.org/presentationml/2006/main">
+  <p:cSld>
+    <p:spTree>
+      <p:nvGrpSpPr>
+        <p:cNvPr id="1" name=""/>
+        <p:cNvGrpSpPr/>
+        <p:nvPr/>
+      </p:nvGrpSpPr>
+      <p:grpSpPr>
+        <a:xfrm>
+          <a:off x="0" y="0"/>
+          <a:ext cx="0" cy="0"/>
+          <a:chOff x="0" y="0"/>
+          <a:chExt cx="0" cy="0"/>
+        </a:xfrm>
+      </p:grpSpPr>
+      <p:sp>
+        <p:nvSpPr>
+          <p:cNvPr id="2" name="Slide Image Placeholder 1"/>
+          <p:cNvSpPr>
+            <a:spLocks noGrp="1" noRot="1" noChangeAspect="1"/>
+          </p:cNvSpPr>
+          <p:nvPr>
+            <p:ph type="sldImg"/>
+          </p:nvPr>
+        </p:nvSpPr>
+        <p:spPr/>
+      </p:sp>
+      <p:sp>
+        <p:nvSpPr>
+          <p:cNvPr id="3" name="Notes Placeholder 2"/>
+          <p:cNvSpPr>
+            <a:spLocks noGrp="1"/>
+          </p:cNvSpPr>
+          <p:nvPr>
+            <p:ph type="body" idx="1"/>
+          </p:nvPr>
+        </p:nvSpPr>
+        <p:spPr/>
+        <p:txBody>
+          <a:bodyPr/>
+          <a:lstStyle/>
+          <a:p>
+            <a:r>
+              <a:rPr lang="en-US" dirty="0"/>
+              <a:t>BONUS: </a:t>
+            </a:r>
+            <a:r>
+              <a:rPr lang="en-US" dirty="0" err="1"/>
+              <a:t>ispuni</a:t>
+            </a:r>
+            <a:r>
+              <a:rPr lang="en-US" dirty="0"/>
+              <a:t> </a:t>
+            </a:r>
+            <a:r>
+              <a:rPr lang="en-US" dirty="0" err="1"/>
+              <a:t>sve</a:t>
+            </a:r>
+            <a:r>
+              <a:rPr lang="en-US" dirty="0"/>
+              <a:t> </a:t>
+            </a:r>
+            <a:r>
+              <a:rPr lang="en-US" dirty="0" err="1"/>
+              <a:t>dane</a:t>
+            </a:r>
+            <a:r>
+              <a:rPr lang="en-US" dirty="0"/>
+              <a:t>.</a:t>
+            </a:r>
+            <a:endParaRPr lang="hr-HR" dirty="0"/>
+          </a:p>
+        </p:txBody>
+      </p:sp>
+      <p:sp>
+        <p:nvSpPr>
+          <p:cNvPr id="4" name="Slide Number Placeholder 3"/>
+          <p:cNvSpPr>
+            <a:spLocks noGrp="1"/>
+          </p:cNvSpPr>
+          <p:nvPr>
+            <p:ph type="sldNum" sz="quarter" idx="5"/>
+          </p:nvPr>
+        </p:nvSpPr>
+        <p:spPr/>
+        <p:txBody>
+          <a:bodyPr/>
+          <a:lstStyle/>
+          <a:p>
+            <a:fld id="{343B951A-A665-1949-AEDB-B62DC9BE7F13}" type="slidenum">
+              <a:rPr lang="en-US" smtClean="0"/>
+              <a:t>15</a:t>
+            </a:fld>
+            <a:endParaRPr lang="en-US"/>
+          </a:p>
+        </p:txBody>
+      </p:sp>
+    </p:spTree>
+    <p:extLst>
+      <p:ext uri="{BB962C8B-B14F-4D97-AF65-F5344CB8AC3E}">
+        <p14:creationId xmlns:p14="http://schemas.microsoft.com/office/powerpoint/2010/main" val="2169808605"/>
+      </p:ext>
+    </p:extLst>
+  </p:cSld>
+  <p:clrMapOvr>
+    <a:masterClrMapping/>
+  </p:clrMapOvr>
+</p:notes>
+</file>
+
 <file path=ppt/notesSlides/notesSlide2.xml><?xml version="1.0" encoding="utf-8"?>
 <p:notes xmlns:a="http://schemas.openxmlformats.org/drawingml/2006/main" xmlns:r="http://schemas.openxmlformats.org/officeDocument/2006/relationships" xmlns:p="http://schemas.openxmlformats.org/presentationml/2006/main">
   <p:cSld>
@@ -2078,6 +2232,147 @@
               </a:rPr>
               <a:t>&gt;</a:t>
             </a:r>
+            <a:endParaRPr lang="en-US" sz="1600" b="0" dirty="0">
+              <a:solidFill>
+                <a:srgbClr val="808080"/>
+              </a:solidFill>
+              <a:effectLst/>
+              <a:latin typeface="Consolas" panose="020B0609020204030204" pitchFamily="49" charset="0"/>
+            </a:endParaRPr>
+          </a:p>
+          <a:p>
+            <a:pPr>
+              <a:lnSpc>
+                <a:spcPts val="1425"/>
+              </a:lnSpc>
+            </a:pPr>
+            <a:endParaRPr lang="en-US" sz="1600" b="0" dirty="0">
+              <a:solidFill>
+                <a:srgbClr val="808080"/>
+              </a:solidFill>
+              <a:effectLst/>
+              <a:latin typeface="Consolas" panose="020B0609020204030204" pitchFamily="49" charset="0"/>
+            </a:endParaRPr>
+          </a:p>
+          <a:p>
+            <a:pPr rtl="0">
+              <a:spcBef>
+                <a:spcPts val="1200"/>
+              </a:spcBef>
+              <a:spcAft>
+                <a:spcPts val="1200"/>
+              </a:spcAft>
+            </a:pPr>
+            <a:r>
+              <a:rPr lang="en-US" sz="1800" b="1" i="0" u="none" strike="noStrike" dirty="0">
+                <a:solidFill>
+                  <a:srgbClr val="000000"/>
+                </a:solidFill>
+                <a:effectLst/>
+                <a:latin typeface="Arial" panose="020B0604020202020204" pitchFamily="34" charset="0"/>
+              </a:rPr>
+              <a:t>Without a closing slash (also valid in HTML5)</a:t>
+            </a:r>
+            <a:r>
+              <a:rPr lang="en-US" sz="1800" b="0" i="0" u="none" strike="noStrike" dirty="0">
+                <a:solidFill>
+                  <a:srgbClr val="000000"/>
+                </a:solidFill>
+                <a:effectLst/>
+                <a:latin typeface="Arial" panose="020B0604020202020204" pitchFamily="34" charset="0"/>
+              </a:rPr>
+              <a:t>:</a:t>
+            </a:r>
+            <a:br>
+              <a:rPr lang="en-US" sz="1800" b="0" i="0" u="none" strike="noStrike" dirty="0">
+                <a:solidFill>
+                  <a:srgbClr val="000000"/>
+                </a:solidFill>
+                <a:effectLst/>
+                <a:latin typeface="Arial" panose="020B0604020202020204" pitchFamily="34" charset="0"/>
+              </a:rPr>
+            </a:br>
+            <a:r>
+              <a:rPr lang="en-US" sz="1800" b="0" i="0" u="none" strike="noStrike" dirty="0">
+                <a:solidFill>
+                  <a:srgbClr val="188038"/>
+                </a:solidFill>
+                <a:effectLst/>
+                <a:latin typeface="Roboto Mono" panose="020F0502020204030204" pitchFamily="49" charset="0"/>
+              </a:rPr>
+              <a:t>&lt;</a:t>
+            </a:r>
+            <a:r>
+              <a:rPr lang="en-US" sz="1800" b="0" i="0" u="none" strike="noStrike" dirty="0" err="1">
+                <a:solidFill>
+                  <a:srgbClr val="188038"/>
+                </a:solidFill>
+                <a:effectLst/>
+                <a:latin typeface="Roboto Mono" panose="020F0502020204030204" pitchFamily="49" charset="0"/>
+              </a:rPr>
+              <a:t>br</a:t>
+            </a:r>
+            <a:r>
+              <a:rPr lang="en-US" sz="1800" b="0" i="0" u="none" strike="noStrike" dirty="0">
+                <a:solidFill>
+                  <a:srgbClr val="188038"/>
+                </a:solidFill>
+                <a:effectLst/>
+                <a:latin typeface="Roboto Mono" panose="020F0502020204030204" pitchFamily="49" charset="0"/>
+              </a:rPr>
+              <a:t>&gt;</a:t>
+            </a:r>
+            <a:endParaRPr lang="en-US" sz="2400" b="0" dirty="0">
+              <a:effectLst/>
+            </a:endParaRPr>
+          </a:p>
+          <a:p>
+            <a:pPr rtl="0">
+              <a:spcBef>
+                <a:spcPts val="1200"/>
+              </a:spcBef>
+              <a:spcAft>
+                <a:spcPts val="1200"/>
+              </a:spcAft>
+            </a:pPr>
+            <a:r>
+              <a:rPr lang="en-US" sz="1800" b="0" i="0" u="none" strike="noStrike" dirty="0">
+                <a:solidFill>
+                  <a:srgbClr val="188038"/>
+                </a:solidFill>
+                <a:effectLst/>
+                <a:latin typeface="Roboto Mono" panose="020F0502020204030204" pitchFamily="49" charset="0"/>
+              </a:rPr>
+              <a:t>&lt;</a:t>
+            </a:r>
+            <a:r>
+              <a:rPr lang="en-US" sz="1800" b="0" i="0" u="none" strike="noStrike" dirty="0" err="1">
+                <a:solidFill>
+                  <a:srgbClr val="188038"/>
+                </a:solidFill>
+                <a:effectLst/>
+                <a:latin typeface="Roboto Mono" panose="020F0502020204030204" pitchFamily="49" charset="0"/>
+              </a:rPr>
+              <a:t>hr</a:t>
+            </a:r>
+            <a:r>
+              <a:rPr lang="en-US" sz="1800" b="0" i="0" u="none" strike="noStrike" dirty="0">
+                <a:solidFill>
+                  <a:srgbClr val="188038"/>
+                </a:solidFill>
+                <a:effectLst/>
+                <a:latin typeface="Roboto Mono" panose="020F0502020204030204" pitchFamily="49" charset="0"/>
+              </a:rPr>
+              <a:t>&gt;</a:t>
+            </a:r>
+            <a:endParaRPr lang="en-US" sz="2400" b="0" dirty="0">
+              <a:effectLst/>
+            </a:endParaRPr>
+          </a:p>
+          <a:p>
+            <a:br>
+              <a:rPr lang="en-US" sz="2400" dirty="0"/>
+            </a:br>
             <a:endParaRPr lang="hr-HR" sz="1600" b="0" dirty="0">
               <a:solidFill>
                 <a:srgbClr val="CCCCCC"/>
@@ -2137,6 +2432,696 @@
     <p:extLst>
       <p:ext uri="{BB962C8B-B14F-4D97-AF65-F5344CB8AC3E}">
         <p14:creationId xmlns:p14="http://schemas.microsoft.com/office/powerpoint/2010/main" val="3527944031"/>
+      </p:ext>
+    </p:extLst>
+  </p:cSld>
+  <p:clrMapOvr>
+    <a:masterClrMapping/>
+  </p:clrMapOvr>
+</p:notes>
+</file>
+
+<file path=ppt/notesSlides/notesSlide7.xml><?xml version="1.0" encoding="utf-8"?>
+<p:notes xmlns:a="http://schemas.openxmlformats.org/drawingml/2006/main" xmlns:r="http://schemas.openxmlformats.org/officeDocument/2006/relationships" xmlns:p="http://schemas.openxmlformats.org/presentationml/2006/main">
+  <p:cSld>
+    <p:spTree>
+      <p:nvGrpSpPr>
+        <p:cNvPr id="1" name="">
+          <a:extLst>
+            <a:ext uri="{FF2B5EF4-FFF2-40B4-BE49-F238E27FC236}">
+              <a16:creationId xmlns:a16="http://schemas.microsoft.com/office/drawing/2014/main" id="{174D7956-2AD5-4EDA-2D82-8383A364C5E4}"/>
+            </a:ext>
+          </a:extLst>
+        </p:cNvPr>
+        <p:cNvGrpSpPr/>
+        <p:nvPr/>
+      </p:nvGrpSpPr>
+      <p:grpSpPr>
+        <a:xfrm>
+          <a:off x="0" y="0"/>
+          <a:ext cx="0" cy="0"/>
+          <a:chOff x="0" y="0"/>
+          <a:chExt cx="0" cy="0"/>
+        </a:xfrm>
+      </p:grpSpPr>
+      <p:sp>
+        <p:nvSpPr>
+          <p:cNvPr id="2" name="Slide Image Placeholder 1">
+            <a:extLst>
+              <a:ext uri="{FF2B5EF4-FFF2-40B4-BE49-F238E27FC236}">
+                <a16:creationId xmlns:a16="http://schemas.microsoft.com/office/drawing/2014/main" id="{A6FE20F5-E54A-19D5-45D8-B9E6089E2D5A}"/>
+              </a:ext>
+            </a:extLst>
+          </p:cNvPr>
+          <p:cNvSpPr>
+            <a:spLocks noGrp="1" noRot="1" noChangeAspect="1"/>
+          </p:cNvSpPr>
+          <p:nvPr>
+            <p:ph type="sldImg"/>
+          </p:nvPr>
+        </p:nvSpPr>
+        <p:spPr/>
+      </p:sp>
+      <p:sp>
+        <p:nvSpPr>
+          <p:cNvPr id="3" name="Notes Placeholder 2">
+            <a:extLst>
+              <a:ext uri="{FF2B5EF4-FFF2-40B4-BE49-F238E27FC236}">
+                <a16:creationId xmlns:a16="http://schemas.microsoft.com/office/drawing/2014/main" id="{2A2C1345-03E0-4937-2F65-D1A8996451D4}"/>
+              </a:ext>
+            </a:extLst>
+          </p:cNvPr>
+          <p:cNvSpPr>
+            <a:spLocks noGrp="1"/>
+          </p:cNvSpPr>
+          <p:nvPr>
+            <p:ph type="body" idx="1"/>
+          </p:nvPr>
+        </p:nvSpPr>
+        <p:spPr/>
+        <p:txBody>
+          <a:bodyPr/>
+          <a:lstStyle/>
+          <a:p>
+            <a:pPr lvl="1" algn="l" rtl="0" fontAlgn="base">
+              <a:spcBef>
+                <a:spcPts val="1200"/>
+              </a:spcBef>
+              <a:buFont typeface="Arial" panose="020B0604020202020204" pitchFamily="34" charset="0"/>
+              <a:buNone/>
+            </a:pPr>
+            <a:r>
+              <a:rPr lang="en-US" sz="1100" b="0" i="0" u="none" strike="noStrike" dirty="0" err="1">
+                <a:solidFill>
+                  <a:srgbClr val="000000"/>
+                </a:solidFill>
+                <a:effectLst/>
+                <a:latin typeface="Arial" panose="020B0604020202020204" pitchFamily="34" charset="0"/>
+              </a:rPr>
+              <a:t>Primjer</a:t>
+            </a:r>
+            <a:r>
+              <a:rPr lang="en-US" sz="1100" b="0" i="0" u="none" strike="noStrike" dirty="0">
+                <a:solidFill>
+                  <a:srgbClr val="000000"/>
+                </a:solidFill>
+                <a:effectLst/>
+                <a:latin typeface="Arial" panose="020B0604020202020204" pitchFamily="34" charset="0"/>
+              </a:rPr>
+              <a:t>: </a:t>
+            </a:r>
+            <a:r>
+              <a:rPr lang="en-US" sz="1100" b="0" i="0" u="sng" strike="noStrike" dirty="0">
+                <a:solidFill>
+                  <a:srgbClr val="000000"/>
+                </a:solidFill>
+                <a:effectLst/>
+                <a:latin typeface="Arial" panose="020B0604020202020204" pitchFamily="34" charset="0"/>
+              </a:rPr>
+              <a:t>https://www.atptour.com/en/rankings/singles</a:t>
+            </a:r>
+            <a:br>
+              <a:rPr lang="en-US" sz="1100" b="0" i="0" u="sng" strike="noStrike" dirty="0">
+                <a:solidFill>
+                  <a:srgbClr val="000000"/>
+                </a:solidFill>
+                <a:effectLst/>
+                <a:latin typeface="Arial" panose="020B0604020202020204" pitchFamily="34" charset="0"/>
+              </a:rPr>
+            </a:br>
+            <a:br>
+              <a:rPr lang="en-US" sz="1100" b="0" i="0" u="sng" strike="noStrike" dirty="0">
+                <a:solidFill>
+                  <a:srgbClr val="000000"/>
+                </a:solidFill>
+                <a:effectLst/>
+                <a:latin typeface="Arial" panose="020B0604020202020204" pitchFamily="34" charset="0"/>
+              </a:rPr>
+            </a:br>
+            <a:r>
+              <a:rPr lang="en-US" sz="1100" b="0" i="0" u="none" strike="noStrike" dirty="0" err="1">
+                <a:solidFill>
+                  <a:srgbClr val="000000"/>
+                </a:solidFill>
+                <a:effectLst/>
+                <a:latin typeface="Arial" panose="020B0604020202020204" pitchFamily="34" charset="0"/>
+              </a:rPr>
+              <a:t>Pokazi</a:t>
+            </a:r>
+            <a:r>
+              <a:rPr lang="en-US" sz="1100" b="0" i="0" u="none" strike="noStrike" dirty="0">
+                <a:solidFill>
+                  <a:srgbClr val="000000"/>
+                </a:solidFill>
+                <a:effectLst/>
+                <a:latin typeface="Arial" panose="020B0604020202020204" pitchFamily="34" charset="0"/>
+              </a:rPr>
+              <a:t> </a:t>
+            </a:r>
+            <a:r>
+              <a:rPr lang="en-US" sz="1100" b="0" i="0" u="none" strike="noStrike" dirty="0" err="1">
+                <a:solidFill>
+                  <a:srgbClr val="000000"/>
+                </a:solidFill>
+                <a:effectLst/>
+                <a:latin typeface="Arial" panose="020B0604020202020204" pitchFamily="34" charset="0"/>
+              </a:rPr>
+              <a:t>primjer</a:t>
+            </a:r>
+            <a:r>
+              <a:rPr lang="en-US" sz="1100" b="0" i="0" u="none" strike="noStrike" dirty="0">
+                <a:solidFill>
+                  <a:srgbClr val="000000"/>
+                </a:solidFill>
+                <a:effectLst/>
+                <a:latin typeface="Arial" panose="020B0604020202020204" pitchFamily="34" charset="0"/>
+              </a:rPr>
+              <a:t> </a:t>
+            </a:r>
+            <a:r>
+              <a:rPr lang="en-US" sz="1100" b="0" i="0" u="none" strike="noStrike" dirty="0" err="1">
+                <a:solidFill>
+                  <a:srgbClr val="000000"/>
+                </a:solidFill>
+                <a:effectLst/>
+                <a:latin typeface="Arial" panose="020B0604020202020204" pitchFamily="34" charset="0"/>
+              </a:rPr>
+              <a:t>iz</a:t>
+            </a:r>
+            <a:r>
+              <a:rPr lang="en-US" sz="1100" b="0" i="0" u="none" strike="noStrike" dirty="0">
+                <a:solidFill>
+                  <a:srgbClr val="000000"/>
+                </a:solidFill>
+                <a:effectLst/>
+                <a:latin typeface="Arial" panose="020B0604020202020204" pitchFamily="34" charset="0"/>
+              </a:rPr>
+              <a:t> </a:t>
+            </a:r>
+            <a:r>
+              <a:rPr lang="en-US" sz="1100" b="0" i="0" u="none" strike="noStrike" dirty="0" err="1">
+                <a:solidFill>
+                  <a:srgbClr val="000000"/>
+                </a:solidFill>
+                <a:effectLst/>
+                <a:latin typeface="Arial" panose="020B0604020202020204" pitchFamily="34" charset="0"/>
+              </a:rPr>
+              <a:t>ovoga</a:t>
+            </a:r>
+            <a:r>
+              <a:rPr lang="en-US" sz="1100" b="0" i="0" u="none" strike="noStrike" dirty="0">
+                <a:solidFill>
+                  <a:srgbClr val="000000"/>
+                </a:solidFill>
+                <a:effectLst/>
+                <a:latin typeface="Arial" panose="020B0604020202020204" pitchFamily="34" charset="0"/>
+              </a:rPr>
+              <a:t> </a:t>
+            </a:r>
+            <a:r>
+              <a:rPr lang="en-US" sz="1100" b="0" i="0" u="none" strike="noStrike" dirty="0" err="1">
+                <a:solidFill>
+                  <a:srgbClr val="000000"/>
+                </a:solidFill>
+                <a:effectLst/>
+                <a:latin typeface="Arial" panose="020B0604020202020204" pitchFamily="34" charset="0"/>
+              </a:rPr>
+              <a:t>linka</a:t>
+            </a:r>
+            <a:r>
+              <a:rPr lang="en-US" sz="1100" b="0" i="0" u="none" strike="noStrike" dirty="0">
+                <a:solidFill>
+                  <a:srgbClr val="000000"/>
+                </a:solidFill>
+                <a:effectLst/>
+                <a:latin typeface="Arial" panose="020B0604020202020204" pitchFamily="34" charset="0"/>
+              </a:rPr>
+              <a:t> u dev </a:t>
+            </a:r>
+            <a:r>
+              <a:rPr lang="en-US" sz="1100" b="0" i="0" u="none" strike="noStrike" dirty="0" err="1">
+                <a:solidFill>
+                  <a:srgbClr val="000000"/>
+                </a:solidFill>
+                <a:effectLst/>
+                <a:latin typeface="Arial" panose="020B0604020202020204" pitchFamily="34" charset="0"/>
+              </a:rPr>
+              <a:t>toolsu</a:t>
+            </a:r>
+            <a:r>
+              <a:rPr lang="en-US" sz="1100" b="0" i="0" u="none" strike="noStrike" dirty="0">
+                <a:solidFill>
+                  <a:srgbClr val="000000"/>
+                </a:solidFill>
+                <a:effectLst/>
+                <a:latin typeface="Arial" panose="020B0604020202020204" pitchFamily="34" charset="0"/>
+              </a:rPr>
+              <a:t> </a:t>
+            </a:r>
+            <a:r>
+              <a:rPr lang="en-US" sz="1100" b="0" i="0" u="none" strike="noStrike" dirty="0" err="1">
+                <a:solidFill>
+                  <a:srgbClr val="000000"/>
+                </a:solidFill>
+                <a:effectLst/>
+                <a:latin typeface="Arial" panose="020B0604020202020204" pitchFamily="34" charset="0"/>
+              </a:rPr>
+              <a:t>kako</a:t>
+            </a:r>
+            <a:r>
+              <a:rPr lang="en-US" sz="1100" b="0" i="0" u="none" strike="noStrike" dirty="0">
+                <a:solidFill>
+                  <a:srgbClr val="000000"/>
+                </a:solidFill>
+                <a:effectLst/>
+                <a:latin typeface="Arial" panose="020B0604020202020204" pitchFamily="34" charset="0"/>
+              </a:rPr>
+              <a:t> </a:t>
+            </a:r>
+            <a:r>
+              <a:rPr lang="en-US" sz="1100" b="0" i="0" u="none" strike="noStrike" dirty="0" err="1">
+                <a:solidFill>
+                  <a:srgbClr val="000000"/>
+                </a:solidFill>
+                <a:effectLst/>
+                <a:latin typeface="Arial" panose="020B0604020202020204" pitchFamily="34" charset="0"/>
+              </a:rPr>
+              <a:t>izgledaju</a:t>
+            </a:r>
+            <a:r>
+              <a:rPr lang="en-US" sz="1100" b="0" i="0" u="none" strike="noStrike" dirty="0">
+                <a:solidFill>
+                  <a:srgbClr val="000000"/>
+                </a:solidFill>
+                <a:effectLst/>
+                <a:latin typeface="Arial" panose="020B0604020202020204" pitchFamily="34" charset="0"/>
+              </a:rPr>
+              <a:t> list </a:t>
+            </a:r>
+            <a:r>
+              <a:rPr lang="en-US" sz="1100" b="0" i="0" u="none" strike="noStrike" dirty="0" err="1">
+                <a:solidFill>
+                  <a:srgbClr val="000000"/>
+                </a:solidFill>
+                <a:effectLst/>
+                <a:latin typeface="Arial" panose="020B0604020202020204" pitchFamily="34" charset="0"/>
+              </a:rPr>
+              <a:t>na</a:t>
+            </a:r>
+            <a:r>
+              <a:rPr lang="en-US" sz="1100" b="0" i="0" u="none" strike="noStrike" dirty="0">
+                <a:solidFill>
+                  <a:srgbClr val="000000"/>
+                </a:solidFill>
+                <a:effectLst/>
+                <a:latin typeface="Arial" panose="020B0604020202020204" pitchFamily="34" charset="0"/>
+              </a:rPr>
+              <a:t> </a:t>
+            </a:r>
+            <a:r>
+              <a:rPr lang="en-US" sz="1100" b="0" i="0" u="none" strike="noStrike" dirty="0" err="1">
+                <a:solidFill>
+                  <a:srgbClr val="000000"/>
+                </a:solidFill>
+                <a:effectLst/>
+                <a:latin typeface="Arial" panose="020B0604020202020204" pitchFamily="34" charset="0"/>
+              </a:rPr>
+              <a:t>sajtu</a:t>
+            </a:r>
+            <a:r>
+              <a:rPr lang="en-US" sz="1100" b="0" i="0" u="none" strike="noStrike" dirty="0">
+                <a:solidFill>
+                  <a:srgbClr val="000000"/>
+                </a:solidFill>
+                <a:effectLst/>
+                <a:latin typeface="Arial" panose="020B0604020202020204" pitchFamily="34" charset="0"/>
+              </a:rPr>
+              <a:t>.</a:t>
+            </a:r>
+          </a:p>
+        </p:txBody>
+      </p:sp>
+      <p:sp>
+        <p:nvSpPr>
+          <p:cNvPr id="4" name="Slide Number Placeholder 3">
+            <a:extLst>
+              <a:ext uri="{FF2B5EF4-FFF2-40B4-BE49-F238E27FC236}">
+                <a16:creationId xmlns:a16="http://schemas.microsoft.com/office/drawing/2014/main" id="{4D2316CF-7EB9-38C2-32FC-6D8F9CCB0CF7}"/>
+              </a:ext>
+            </a:extLst>
+          </p:cNvPr>
+          <p:cNvSpPr>
+            <a:spLocks noGrp="1"/>
+          </p:cNvSpPr>
+          <p:nvPr>
+            <p:ph type="sldNum" sz="quarter" idx="5"/>
+          </p:nvPr>
+        </p:nvSpPr>
+        <p:spPr/>
+        <p:txBody>
+          <a:bodyPr/>
+          <a:lstStyle/>
+          <a:p>
+            <a:fld id="{343B951A-A665-1949-AEDB-B62DC9BE7F13}" type="slidenum">
+              <a:rPr lang="en-US" smtClean="0"/>
+              <a:t>12</a:t>
+            </a:fld>
+            <a:endParaRPr lang="en-US"/>
+          </a:p>
+        </p:txBody>
+      </p:sp>
+    </p:spTree>
+    <p:extLst>
+      <p:ext uri="{BB962C8B-B14F-4D97-AF65-F5344CB8AC3E}">
+        <p14:creationId xmlns:p14="http://schemas.microsoft.com/office/powerpoint/2010/main" val="1654511626"/>
+      </p:ext>
+    </p:extLst>
+  </p:cSld>
+  <p:clrMapOvr>
+    <a:masterClrMapping/>
+  </p:clrMapOvr>
+</p:notes>
+</file>
+
+<file path=ppt/notesSlides/notesSlide8.xml><?xml version="1.0" encoding="utf-8"?>
+<p:notes xmlns:a="http://schemas.openxmlformats.org/drawingml/2006/main" xmlns:r="http://schemas.openxmlformats.org/officeDocument/2006/relationships" xmlns:p="http://schemas.openxmlformats.org/presentationml/2006/main">
+  <p:cSld>
+    <p:spTree>
+      <p:nvGrpSpPr>
+        <p:cNvPr id="1" name="">
+          <a:extLst>
+            <a:ext uri="{FF2B5EF4-FFF2-40B4-BE49-F238E27FC236}">
+              <a16:creationId xmlns:a16="http://schemas.microsoft.com/office/drawing/2014/main" id="{F4DCE070-4170-A954-8885-A72378E12EDF}"/>
+            </a:ext>
+          </a:extLst>
+        </p:cNvPr>
+        <p:cNvGrpSpPr/>
+        <p:nvPr/>
+      </p:nvGrpSpPr>
+      <p:grpSpPr>
+        <a:xfrm>
+          <a:off x="0" y="0"/>
+          <a:ext cx="0" cy="0"/>
+          <a:chOff x="0" y="0"/>
+          <a:chExt cx="0" cy="0"/>
+        </a:xfrm>
+      </p:grpSpPr>
+      <p:sp>
+        <p:nvSpPr>
+          <p:cNvPr id="2" name="Slide Image Placeholder 1">
+            <a:extLst>
+              <a:ext uri="{FF2B5EF4-FFF2-40B4-BE49-F238E27FC236}">
+                <a16:creationId xmlns:a16="http://schemas.microsoft.com/office/drawing/2014/main" id="{33BF21E2-A8C0-BF5D-65B5-003AF60F09EB}"/>
+              </a:ext>
+            </a:extLst>
+          </p:cNvPr>
+          <p:cNvSpPr>
+            <a:spLocks noGrp="1" noRot="1" noChangeAspect="1"/>
+          </p:cNvSpPr>
+          <p:nvPr>
+            <p:ph type="sldImg"/>
+          </p:nvPr>
+        </p:nvSpPr>
+        <p:spPr/>
+      </p:sp>
+      <p:sp>
+        <p:nvSpPr>
+          <p:cNvPr id="3" name="Notes Placeholder 2">
+            <a:extLst>
+              <a:ext uri="{FF2B5EF4-FFF2-40B4-BE49-F238E27FC236}">
+                <a16:creationId xmlns:a16="http://schemas.microsoft.com/office/drawing/2014/main" id="{AFBCAE87-0F78-A012-0371-3B4C752F22EC}"/>
+              </a:ext>
+            </a:extLst>
+          </p:cNvPr>
+          <p:cNvSpPr>
+            <a:spLocks noGrp="1"/>
+          </p:cNvSpPr>
+          <p:nvPr>
+            <p:ph type="body" idx="1"/>
+          </p:nvPr>
+        </p:nvSpPr>
+        <p:spPr/>
+        <p:txBody>
+          <a:bodyPr/>
+          <a:lstStyle/>
+          <a:p>
+            <a:r>
+              <a:rPr lang="hr-HR" sz="1600" b="1" dirty="0"/>
+              <a:t>Uobičajene greške koje treba izbjegavati:</a:t>
+            </a:r>
+          </a:p>
+          <a:p>
+            <a:r>
+              <a:rPr lang="hr-HR" sz="1600" dirty="0"/>
+              <a:t>❌ </a:t>
+            </a:r>
+            <a:r>
+              <a:rPr lang="hr-HR" sz="1600" b="1" dirty="0"/>
+              <a:t>Zaboravljanje zatvaranja oznaka</a:t>
+            </a:r>
+            <a:r>
+              <a:rPr lang="hr-HR" sz="1600" dirty="0"/>
+              <a:t> (&lt;/</a:t>
+            </a:r>
+            <a:r>
+              <a:rPr lang="hr-HR" sz="1600" dirty="0" err="1"/>
+              <a:t>ul</a:t>
+            </a:r>
+            <a:r>
+              <a:rPr lang="hr-HR" sz="1600" dirty="0"/>
+              <a:t>&gt; ili &lt;/</a:t>
+            </a:r>
+            <a:r>
+              <a:rPr lang="hr-HR" sz="1600" dirty="0" err="1"/>
+              <a:t>ol</a:t>
+            </a:r>
+            <a:r>
+              <a:rPr lang="hr-HR" sz="1600" dirty="0"/>
+              <a:t>&gt;).</a:t>
+            </a:r>
+            <a:br>
+              <a:rPr lang="hr-HR" sz="1600" dirty="0"/>
+            </a:br>
+            <a:r>
+              <a:rPr lang="hr-HR" sz="1600" dirty="0"/>
+              <a:t>❌ </a:t>
+            </a:r>
+            <a:r>
+              <a:rPr lang="hr-HR" sz="1600" b="1" dirty="0"/>
+              <a:t>Nepravilno uvlačenje koda, što otežava čitanje i održavanje.</a:t>
+            </a:r>
+            <a:br>
+              <a:rPr lang="hr-HR" sz="1600" dirty="0"/>
+            </a:br>
+            <a:r>
+              <a:rPr lang="hr-HR" sz="1600" dirty="0"/>
+              <a:t>❌ </a:t>
+            </a:r>
+            <a:r>
+              <a:rPr lang="hr-HR" sz="1600" b="1" dirty="0"/>
+              <a:t>Postavljanje &lt;/li&gt; prije zatvaranja ugniježđene liste umjesto nakon nje.</a:t>
+            </a:r>
+            <a:endParaRPr lang="hr-HR" sz="1600" dirty="0"/>
+          </a:p>
+        </p:txBody>
+      </p:sp>
+      <p:sp>
+        <p:nvSpPr>
+          <p:cNvPr id="4" name="Slide Number Placeholder 3">
+            <a:extLst>
+              <a:ext uri="{FF2B5EF4-FFF2-40B4-BE49-F238E27FC236}">
+                <a16:creationId xmlns:a16="http://schemas.microsoft.com/office/drawing/2014/main" id="{9FA303C3-8959-A931-F693-640233AFCBDD}"/>
+              </a:ext>
+            </a:extLst>
+          </p:cNvPr>
+          <p:cNvSpPr>
+            <a:spLocks noGrp="1"/>
+          </p:cNvSpPr>
+          <p:nvPr>
+            <p:ph type="sldNum" sz="quarter" idx="5"/>
+          </p:nvPr>
+        </p:nvSpPr>
+        <p:spPr/>
+        <p:txBody>
+          <a:bodyPr/>
+          <a:lstStyle/>
+          <a:p>
+            <a:fld id="{343B951A-A665-1949-AEDB-B62DC9BE7F13}" type="slidenum">
+              <a:rPr lang="en-US" smtClean="0"/>
+              <a:t>13</a:t>
+            </a:fld>
+            <a:endParaRPr lang="en-US"/>
+          </a:p>
+        </p:txBody>
+      </p:sp>
+    </p:spTree>
+    <p:extLst>
+      <p:ext uri="{BB962C8B-B14F-4D97-AF65-F5344CB8AC3E}">
+        <p14:creationId xmlns:p14="http://schemas.microsoft.com/office/powerpoint/2010/main" val="895496564"/>
+      </p:ext>
+    </p:extLst>
+  </p:cSld>
+  <p:clrMapOvr>
+    <a:masterClrMapping/>
+  </p:clrMapOvr>
+</p:notes>
+</file>
+
+<file path=ppt/notesSlides/notesSlide9.xml><?xml version="1.0" encoding="utf-8"?>
+<p:notes xmlns:a="http://schemas.openxmlformats.org/drawingml/2006/main" xmlns:r="http://schemas.openxmlformats.org/officeDocument/2006/relationships" xmlns:p="http://schemas.openxmlformats.org/presentationml/2006/main">
+  <p:cSld>
+    <p:spTree>
+      <p:nvGrpSpPr>
+        <p:cNvPr id="1" name="">
+          <a:extLst>
+            <a:ext uri="{FF2B5EF4-FFF2-40B4-BE49-F238E27FC236}">
+              <a16:creationId xmlns:a16="http://schemas.microsoft.com/office/drawing/2014/main" id="{3FA18DC4-D021-7958-C24A-1C3F8F22FCF9}"/>
+            </a:ext>
+          </a:extLst>
+        </p:cNvPr>
+        <p:cNvGrpSpPr/>
+        <p:nvPr/>
+      </p:nvGrpSpPr>
+      <p:grpSpPr>
+        <a:xfrm>
+          <a:off x="0" y="0"/>
+          <a:ext cx="0" cy="0"/>
+          <a:chOff x="0" y="0"/>
+          <a:chExt cx="0" cy="0"/>
+        </a:xfrm>
+      </p:grpSpPr>
+      <p:sp>
+        <p:nvSpPr>
+          <p:cNvPr id="2" name="Slide Image Placeholder 1">
+            <a:extLst>
+              <a:ext uri="{FF2B5EF4-FFF2-40B4-BE49-F238E27FC236}">
+                <a16:creationId xmlns:a16="http://schemas.microsoft.com/office/drawing/2014/main" id="{579629FA-59DB-B2E3-C4A2-D5AEFF0781DC}"/>
+              </a:ext>
+            </a:extLst>
+          </p:cNvPr>
+          <p:cNvSpPr>
+            <a:spLocks noGrp="1" noRot="1" noChangeAspect="1"/>
+          </p:cNvSpPr>
+          <p:nvPr>
+            <p:ph type="sldImg"/>
+          </p:nvPr>
+        </p:nvSpPr>
+        <p:spPr/>
+      </p:sp>
+      <p:sp>
+        <p:nvSpPr>
+          <p:cNvPr id="3" name="Notes Placeholder 2">
+            <a:extLst>
+              <a:ext uri="{FF2B5EF4-FFF2-40B4-BE49-F238E27FC236}">
+                <a16:creationId xmlns:a16="http://schemas.microsoft.com/office/drawing/2014/main" id="{1CFD8D40-B4F1-0787-9BBA-D2B23EEC5B9F}"/>
+              </a:ext>
+            </a:extLst>
+          </p:cNvPr>
+          <p:cNvSpPr>
+            <a:spLocks noGrp="1"/>
+          </p:cNvSpPr>
+          <p:nvPr>
+            <p:ph type="body" idx="1"/>
+          </p:nvPr>
+        </p:nvSpPr>
+        <p:spPr/>
+        <p:txBody>
+          <a:bodyPr/>
+          <a:lstStyle/>
+          <a:p>
+            <a:r>
+              <a:rPr lang="hr-HR" sz="1600" b="1" dirty="0"/>
+              <a:t>Uobičajene greške koje treba izbjegavati:</a:t>
+            </a:r>
+          </a:p>
+          <a:p>
+            <a:r>
+              <a:rPr lang="hr-HR" sz="1600" dirty="0"/>
+              <a:t>❌ </a:t>
+            </a:r>
+            <a:r>
+              <a:rPr lang="hr-HR" sz="1600" b="1" dirty="0"/>
+              <a:t>Zaboravljanje zatvaranja oznaka</a:t>
+            </a:r>
+            <a:r>
+              <a:rPr lang="hr-HR" sz="1600" dirty="0"/>
+              <a:t> (&lt;/</a:t>
+            </a:r>
+            <a:r>
+              <a:rPr lang="hr-HR" sz="1600" dirty="0" err="1"/>
+              <a:t>ul</a:t>
+            </a:r>
+            <a:r>
+              <a:rPr lang="hr-HR" sz="1600" dirty="0"/>
+              <a:t>&gt; ili &lt;/</a:t>
+            </a:r>
+            <a:r>
+              <a:rPr lang="hr-HR" sz="1600" dirty="0" err="1"/>
+              <a:t>ol</a:t>
+            </a:r>
+            <a:r>
+              <a:rPr lang="hr-HR" sz="1600" dirty="0"/>
+              <a:t>&gt;).</a:t>
+            </a:r>
+            <a:br>
+              <a:rPr lang="hr-HR" sz="1600" dirty="0"/>
+            </a:br>
+            <a:r>
+              <a:rPr lang="hr-HR" sz="1600" dirty="0"/>
+              <a:t>❌ </a:t>
+            </a:r>
+            <a:r>
+              <a:rPr lang="hr-HR" sz="1600" b="1" dirty="0"/>
+              <a:t>Nepravilno uvlačenje koda, što otežava čitanje i održavanje.</a:t>
+            </a:r>
+            <a:br>
+              <a:rPr lang="hr-HR" sz="1600" dirty="0"/>
+            </a:br>
+            <a:r>
+              <a:rPr lang="hr-HR" sz="1600" dirty="0"/>
+              <a:t>❌ </a:t>
+            </a:r>
+            <a:r>
+              <a:rPr lang="hr-HR" sz="1600" b="1" dirty="0"/>
+              <a:t>Postavljanje &lt;/li&gt; prije zatvaranja ugniježđene liste umjesto nakon nje.</a:t>
+            </a:r>
+            <a:endParaRPr lang="hr-HR" sz="1600" dirty="0"/>
+          </a:p>
+        </p:txBody>
+      </p:sp>
+      <p:sp>
+        <p:nvSpPr>
+          <p:cNvPr id="4" name="Slide Number Placeholder 3">
+            <a:extLst>
+              <a:ext uri="{FF2B5EF4-FFF2-40B4-BE49-F238E27FC236}">
+                <a16:creationId xmlns:a16="http://schemas.microsoft.com/office/drawing/2014/main" id="{1AEF8008-E724-2DD3-7B02-FC9B92B29961}"/>
+              </a:ext>
+            </a:extLst>
+          </p:cNvPr>
+          <p:cNvSpPr>
+            <a:spLocks noGrp="1"/>
+          </p:cNvSpPr>
+          <p:nvPr>
+            <p:ph type="sldNum" sz="quarter" idx="5"/>
+          </p:nvPr>
+        </p:nvSpPr>
+        <p:spPr/>
+        <p:txBody>
+          <a:bodyPr/>
+          <a:lstStyle/>
+          <a:p>
+            <a:fld id="{343B951A-A665-1949-AEDB-B62DC9BE7F13}" type="slidenum">
+              <a:rPr lang="en-US" smtClean="0"/>
+              <a:t>14</a:t>
+            </a:fld>
+            <a:endParaRPr lang="en-US"/>
+          </a:p>
+        </p:txBody>
+      </p:sp>
+    </p:spTree>
+    <p:extLst>
+      <p:ext uri="{BB962C8B-B14F-4D97-AF65-F5344CB8AC3E}">
+        <p14:creationId xmlns:p14="http://schemas.microsoft.com/office/powerpoint/2010/main" val="2484443407"/>
       </p:ext>
     </p:extLst>
   </p:cSld>
@@ -2838,7 +3823,7 @@
                 <a:ea typeface="Open Sans" panose="020B0606030504020204" pitchFamily="34" charset="0"/>
                 <a:cs typeface="Open Sans" panose="020B0606030504020204" pitchFamily="34" charset="0"/>
               </a:rPr>
-              <a:t>17/02/2025</a:t>
+              <a:t>19/02/2025</a:t>
             </a:fld>
             <a:endParaRPr lang="en-GB" sz="1800" b="0" i="0" kern="1200" dirty="0">
               <a:solidFill>
@@ -3583,7 +4568,7 @@
                 <a:ea typeface="Open Sans" panose="020B0606030504020204" pitchFamily="34" charset="0"/>
                 <a:cs typeface="Open Sans" panose="020B0606030504020204" pitchFamily="34" charset="0"/>
               </a:rPr>
-              <a:t>17/02/2025</a:t>
+              <a:t>19/02/2025</a:t>
             </a:fld>
             <a:endParaRPr lang="en-GB" sz="1800" b="0" i="0" kern="1200" dirty="0">
               <a:solidFill>
@@ -4106,7 +5091,7 @@
                 <a:ea typeface="Open Sans" panose="020B0606030504020204" pitchFamily="34" charset="0"/>
                 <a:cs typeface="Open Sans" panose="020B0606030504020204" pitchFamily="34" charset="0"/>
               </a:rPr>
-              <a:t>17/02/2025</a:t>
+              <a:t>19/02/2025</a:t>
             </a:fld>
             <a:endParaRPr lang="en-GB" sz="1800" b="0" i="0" kern="1200" dirty="0">
               <a:solidFill>
@@ -5072,7 +6057,7 @@
                 <a:ea typeface="Open Sans" panose="020B0606030504020204" pitchFamily="34" charset="0"/>
                 <a:cs typeface="Open Sans" panose="020B0606030504020204" pitchFamily="34" charset="0"/>
               </a:rPr>
-              <a:t>17/02/2025</a:t>
+              <a:t>19/02/2025</a:t>
             </a:fld>
             <a:endParaRPr lang="en-GB" sz="1800" b="0" i="0" kern="1200" dirty="0">
               <a:solidFill>
@@ -5511,7 +6496,7 @@
                 <a:ea typeface="Open Sans" panose="020B0606030504020204" pitchFamily="34" charset="0"/>
                 <a:cs typeface="Open Sans" panose="020B0606030504020204" pitchFamily="34" charset="0"/>
               </a:rPr>
-              <a:t>17/02/2025</a:t>
+              <a:t>19/02/2025</a:t>
             </a:fld>
             <a:endParaRPr lang="en-GB" sz="1800" b="0" i="0" kern="1200" dirty="0">
               <a:solidFill>
@@ -7281,7 +8266,7 @@
                 <a:ea typeface="Open Sans" pitchFamily="2" charset="0"/>
                 <a:cs typeface="Open Sans" pitchFamily="2" charset="0"/>
               </a:rPr>
-              <a:t>17/02/2025</a:t>
+              <a:t>19/02/2025</a:t>
             </a:fld>
             <a:endParaRPr lang="en-GB" sz="1800" b="0" i="0" kern="1200" dirty="0">
               <a:solidFill>
@@ -9031,7 +10016,7 @@
                 <a:ea typeface="Open Sans" pitchFamily="2" charset="0"/>
                 <a:cs typeface="Open Sans" pitchFamily="2" charset="0"/>
               </a:rPr>
-              <a:t>17/02/2025</a:t>
+              <a:t>19/02/2025</a:t>
             </a:fld>
             <a:endParaRPr lang="en-GB" sz="1800" b="0" i="0" kern="1200" dirty="0">
               <a:solidFill>
@@ -9548,7 +10533,7 @@
                 <a:ea typeface="Open Sans" panose="020B0606030504020204" pitchFamily="34" charset="0"/>
                 <a:cs typeface="Open Sans" panose="020B0606030504020204" pitchFamily="34" charset="0"/>
               </a:rPr>
-              <a:t>17/02/2025</a:t>
+              <a:t>19/02/2025</a:t>
             </a:fld>
             <a:endParaRPr lang="en-GB" sz="1800" b="0" i="0" kern="1200" dirty="0">
               <a:solidFill>
@@ -10145,7 +11130,7 @@
                 <a:ea typeface="Open Sans" pitchFamily="2" charset="0"/>
                 <a:cs typeface="Open Sans" pitchFamily="2" charset="0"/>
               </a:rPr>
-              <a:t>17/02/2025</a:t>
+              <a:t>19/02/2025</a:t>
             </a:fld>
             <a:endParaRPr lang="en-GB" sz="1800" b="0" i="0" kern="1200" dirty="0">
               <a:solidFill>
@@ -10685,7 +11670,7 @@
                 <a:ea typeface="Open Sans" panose="020B0606030504020204" pitchFamily="34" charset="0"/>
                 <a:cs typeface="Open Sans" panose="020B0606030504020204" pitchFamily="34" charset="0"/>
               </a:rPr>
-              <a:t>17/02/2025</a:t>
+              <a:t>19/02/2025</a:t>
             </a:fld>
             <a:endParaRPr lang="en-GB" sz="1800" b="0" i="0" kern="1200" dirty="0">
               <a:solidFill>
@@ -11386,7 +12371,7 @@
                 <a:ea typeface="Open Sans" panose="020B0606030504020204" pitchFamily="34" charset="0"/>
                 <a:cs typeface="Open Sans" panose="020B0606030504020204" pitchFamily="34" charset="0"/>
               </a:rPr>
-              <a:t>17/02/2025</a:t>
+              <a:t>19/02/2025</a:t>
             </a:fld>
             <a:endParaRPr lang="en-GB" sz="1800" b="0" i="0" kern="1200" dirty="0">
               <a:solidFill>
@@ -11749,7 +12734,7 @@
                 <a:ea typeface="Open Sans" pitchFamily="2" charset="0"/>
                 <a:cs typeface="Open Sans" pitchFamily="2" charset="0"/>
               </a:rPr>
-              <a:t>17/02/2025</a:t>
+              <a:t>19/02/2025</a:t>
             </a:fld>
             <a:endParaRPr lang="en-GB" sz="1800" b="0" i="0" kern="1200" dirty="0">
               <a:solidFill>
@@ -12144,7 +13129,7 @@
                 <a:ea typeface="Open Sans" pitchFamily="2" charset="0"/>
                 <a:cs typeface="Open Sans" pitchFamily="2" charset="0"/>
               </a:rPr>
-              <a:t>17/02/2025</a:t>
+              <a:t>19/02/2025</a:t>
             </a:fld>
             <a:endParaRPr lang="en-GB" sz="1800" b="0" i="0" kern="1200" dirty="0">
               <a:solidFill>
@@ -13330,7 +14315,13 @@
   <p:cSld>
     <p:spTree>
       <p:nvGrpSpPr>
-        <p:cNvPr id="1" name=""/>
+        <p:cNvPr id="1" name="">
+          <a:extLst>
+            <a:ext uri="{FF2B5EF4-FFF2-40B4-BE49-F238E27FC236}">
+              <a16:creationId xmlns:a16="http://schemas.microsoft.com/office/drawing/2014/main" id="{E02FF6BB-B3B9-CE16-C1A6-7B9E474ED154}"/>
+            </a:ext>
+          </a:extLst>
+        </p:cNvPr>
         <p:cNvGrpSpPr/>
         <p:nvPr/>
       </p:nvGrpSpPr>
@@ -13344,85 +14335,10 @@
       </p:grpSpPr>
       <p:sp>
         <p:nvSpPr>
-          <p:cNvPr id="2" name="Text Placeholder 1">
-            <a:extLst>
-              <a:ext uri="{FF2B5EF4-FFF2-40B4-BE49-F238E27FC236}">
-                <a16:creationId xmlns:a16="http://schemas.microsoft.com/office/drawing/2014/main" id="{D08E48B9-DBFB-4545-9C1E-FF2262888D85}"/>
-              </a:ext>
-            </a:extLst>
-          </p:cNvPr>
-          <p:cNvSpPr>
-            <a:spLocks noGrp="1"/>
-          </p:cNvSpPr>
-          <p:nvPr>
-            <p:ph type="body" idx="1"/>
-          </p:nvPr>
-        </p:nvSpPr>
-        <p:spPr/>
-        <p:txBody>
-          <a:bodyPr/>
-          <a:lstStyle/>
-          <a:p>
-            <a:endParaRPr lang="en-US"/>
-          </a:p>
-        </p:txBody>
-      </p:sp>
-      <p:sp>
-        <p:nvSpPr>
-          <p:cNvPr id="3" name="Content Placeholder 2">
-            <a:extLst>
-              <a:ext uri="{FF2B5EF4-FFF2-40B4-BE49-F238E27FC236}">
-                <a16:creationId xmlns:a16="http://schemas.microsoft.com/office/drawing/2014/main" id="{735B6B0B-E723-3548-BBE3-DE5BD880B934}"/>
-              </a:ext>
-            </a:extLst>
-          </p:cNvPr>
-          <p:cNvSpPr>
-            <a:spLocks noGrp="1"/>
-          </p:cNvSpPr>
-          <p:nvPr>
-            <p:ph sz="half" idx="2"/>
-          </p:nvPr>
-        </p:nvSpPr>
-        <p:spPr/>
-        <p:txBody>
-          <a:bodyPr/>
-          <a:lstStyle/>
-          <a:p>
-            <a:endParaRPr lang="en-US"/>
-          </a:p>
-        </p:txBody>
-      </p:sp>
-      <p:sp>
-        <p:nvSpPr>
-          <p:cNvPr id="4" name="Content Placeholder 3">
-            <a:extLst>
-              <a:ext uri="{FF2B5EF4-FFF2-40B4-BE49-F238E27FC236}">
-                <a16:creationId xmlns:a16="http://schemas.microsoft.com/office/drawing/2014/main" id="{549E7EBC-F522-134A-A530-C56BC33B5CF4}"/>
-              </a:ext>
-            </a:extLst>
-          </p:cNvPr>
-          <p:cNvSpPr>
-            <a:spLocks noGrp="1"/>
-          </p:cNvSpPr>
-          <p:nvPr>
-            <p:ph sz="quarter" idx="4"/>
-          </p:nvPr>
-        </p:nvSpPr>
-        <p:spPr/>
-        <p:txBody>
-          <a:bodyPr/>
-          <a:lstStyle/>
-          <a:p>
-            <a:endParaRPr lang="en-US"/>
-          </a:p>
-        </p:txBody>
-      </p:sp>
-      <p:sp>
-        <p:nvSpPr>
-          <p:cNvPr id="5" name="Title 4">
-            <a:extLst>
-              <a:ext uri="{FF2B5EF4-FFF2-40B4-BE49-F238E27FC236}">
-                <a16:creationId xmlns:a16="http://schemas.microsoft.com/office/drawing/2014/main" id="{6637F820-3C11-004B-9B8C-B2AF88FDE9F5}"/>
+          <p:cNvPr id="3" name="Title 2">
+            <a:extLst>
+              <a:ext uri="{FF2B5EF4-FFF2-40B4-BE49-F238E27FC236}">
+                <a16:creationId xmlns:a16="http://schemas.microsoft.com/office/drawing/2014/main" id="{807272A9-226E-C30F-EE6A-0A8E9B5CDEA9}"/>
               </a:ext>
             </a:extLst>
           </p:cNvPr>
@@ -13433,44 +14349,316 @@
             <p:ph type="title"/>
           </p:nvPr>
         </p:nvSpPr>
-        <p:spPr/>
+        <p:spPr>
+          <a:xfrm>
+            <a:off x="824023" y="836712"/>
+            <a:ext cx="10529777" cy="853976"/>
+          </a:xfrm>
+        </p:spPr>
         <p:txBody>
           <a:bodyPr/>
           <a:lstStyle/>
           <a:p>
-            <a:endParaRPr lang="en-US"/>
+            <a:r>
+              <a:rPr lang="hr-HR" dirty="0"/>
+              <a:t>Uvod u HTML liste</a:t>
+            </a:r>
+            <a:endParaRPr lang="en-US" dirty="0"/>
           </a:p>
         </p:txBody>
       </p:sp>
       <p:sp>
         <p:nvSpPr>
-          <p:cNvPr id="6" name="Text Placeholder 5">
-            <a:extLst>
-              <a:ext uri="{FF2B5EF4-FFF2-40B4-BE49-F238E27FC236}">
-                <a16:creationId xmlns:a16="http://schemas.microsoft.com/office/drawing/2014/main" id="{0B5A440B-ED31-2A48-B74C-130861AB8FE0}"/>
-              </a:ext>
-            </a:extLst>
-          </p:cNvPr>
-          <p:cNvSpPr>
-            <a:spLocks noGrp="1"/>
+          <p:cNvPr id="11" name="Title 2">
+            <a:extLst>
+              <a:ext uri="{FF2B5EF4-FFF2-40B4-BE49-F238E27FC236}">
+                <a16:creationId xmlns:a16="http://schemas.microsoft.com/office/drawing/2014/main" id="{C63DFD01-F438-5FE1-A205-9ADF59B1A15F}"/>
+              </a:ext>
+            </a:extLst>
+          </p:cNvPr>
+          <p:cNvSpPr txBox="1">
+            <a:spLocks/>
           </p:cNvSpPr>
-          <p:nvPr>
-            <p:ph type="body" idx="10"/>
-          </p:nvPr>
+          <p:nvPr/>
         </p:nvSpPr>
-        <p:spPr/>
+        <p:spPr>
+          <a:xfrm>
+            <a:off x="815162" y="1864329"/>
+            <a:ext cx="5273749" cy="853976"/>
+          </a:xfrm>
+          <a:prstGeom prst="rect">
+            <a:avLst/>
+          </a:prstGeom>
+        </p:spPr>
         <p:txBody>
-          <a:bodyPr/>
+          <a:bodyPr vert="horz" lIns="91440" tIns="45720" rIns="91440" bIns="45720" rtlCol="0" anchor="ctr">
+            <a:normAutofit/>
+          </a:bodyPr>
+          <a:lstStyle>
+            <a:lvl1pPr algn="l" defTabSz="914400" rtl="0" eaLnBrk="1" latinLnBrk="0" hangingPunct="1">
+              <a:lnSpc>
+                <a:spcPct val="90000"/>
+              </a:lnSpc>
+              <a:spcBef>
+                <a:spcPct val="0"/>
+              </a:spcBef>
+              <a:buNone/>
+              <a:defRPr sz="3600" b="1" i="0" kern="1200" cap="all" baseline="0">
+                <a:solidFill>
+                  <a:schemeClr val="tx2"/>
+                </a:solidFill>
+                <a:latin typeface="+mj-lt"/>
+                <a:ea typeface="Open Sans Semibold" panose="020B0606030504020204" pitchFamily="34" charset="0"/>
+                <a:cs typeface="Open Sans Semibold" panose="020B0606030504020204" pitchFamily="34" charset="0"/>
+              </a:defRPr>
+            </a:lvl1pPr>
+          </a:lstStyle>
+          <a:p>
+            <a:pPr algn="ctr"/>
+            <a:r>
+              <a:rPr lang="hr-HR" sz="2000" dirty="0">
+                <a:solidFill>
+                  <a:schemeClr val="tx1"/>
+                </a:solidFill>
+              </a:rPr>
+              <a:t>Neuređena lista</a:t>
+            </a:r>
+            <a:endParaRPr lang="en-US" sz="2000" dirty="0">
+              <a:solidFill>
+                <a:schemeClr val="tx1"/>
+              </a:solidFill>
+            </a:endParaRPr>
+          </a:p>
+        </p:txBody>
+      </p:sp>
+      <p:sp>
+        <p:nvSpPr>
+          <p:cNvPr id="14" name="Title 2">
+            <a:extLst>
+              <a:ext uri="{FF2B5EF4-FFF2-40B4-BE49-F238E27FC236}">
+                <a16:creationId xmlns:a16="http://schemas.microsoft.com/office/drawing/2014/main" id="{79D43945-075F-426D-61EF-70B12BC98D90}"/>
+              </a:ext>
+            </a:extLst>
+          </p:cNvPr>
+          <p:cNvSpPr txBox="1">
+            <a:spLocks/>
+          </p:cNvSpPr>
+          <p:nvPr/>
+        </p:nvSpPr>
+        <p:spPr>
+          <a:xfrm>
+            <a:off x="6103091" y="1864329"/>
+            <a:ext cx="5273749" cy="853976"/>
+          </a:xfrm>
+          <a:prstGeom prst="rect">
+            <a:avLst/>
+          </a:prstGeom>
+        </p:spPr>
+        <p:txBody>
+          <a:bodyPr vert="horz" lIns="91440" tIns="45720" rIns="91440" bIns="45720" rtlCol="0" anchor="ctr">
+            <a:normAutofit/>
+          </a:bodyPr>
+          <a:lstStyle>
+            <a:lvl1pPr algn="l" defTabSz="914400" rtl="0" eaLnBrk="1" latinLnBrk="0" hangingPunct="1">
+              <a:lnSpc>
+                <a:spcPct val="90000"/>
+              </a:lnSpc>
+              <a:spcBef>
+                <a:spcPct val="0"/>
+              </a:spcBef>
+              <a:buNone/>
+              <a:defRPr sz="3600" b="1" i="0" kern="1200" cap="all" baseline="0">
+                <a:solidFill>
+                  <a:schemeClr val="tx2"/>
+                </a:solidFill>
+                <a:latin typeface="+mj-lt"/>
+                <a:ea typeface="Open Sans Semibold" panose="020B0606030504020204" pitchFamily="34" charset="0"/>
+                <a:cs typeface="Open Sans Semibold" panose="020B0606030504020204" pitchFamily="34" charset="0"/>
+              </a:defRPr>
+            </a:lvl1pPr>
+          </a:lstStyle>
+          <a:p>
+            <a:pPr algn="ctr"/>
+            <a:r>
+              <a:rPr lang="hr-HR" sz="2000" dirty="0">
+                <a:solidFill>
+                  <a:schemeClr val="tx1"/>
+                </a:solidFill>
+              </a:rPr>
+              <a:t>uređena lista</a:t>
+            </a:r>
+            <a:endParaRPr lang="en-US" sz="2000" dirty="0">
+              <a:solidFill>
+                <a:schemeClr val="tx1"/>
+              </a:solidFill>
+            </a:endParaRPr>
+          </a:p>
+        </p:txBody>
+      </p:sp>
+      <p:pic>
+        <p:nvPicPr>
+          <p:cNvPr id="16" name="Picture 15">
+            <a:extLst>
+              <a:ext uri="{FF2B5EF4-FFF2-40B4-BE49-F238E27FC236}">
+                <a16:creationId xmlns:a16="http://schemas.microsoft.com/office/drawing/2014/main" id="{CE14727E-D89D-AC6F-29D1-3CE1D276DDAD}"/>
+              </a:ext>
+            </a:extLst>
+          </p:cNvPr>
+          <p:cNvPicPr>
+            <a:picLocks noChangeAspect="1"/>
+          </p:cNvPicPr>
+          <p:nvPr/>
+        </p:nvPicPr>
+        <p:blipFill>
+          <a:blip r:embed="rId3"/>
+          <a:stretch>
+            <a:fillRect/>
+          </a:stretch>
+        </p:blipFill>
+        <p:spPr>
+          <a:xfrm>
+            <a:off x="7547454" y="2718305"/>
+            <a:ext cx="2562225" cy="1038225"/>
+          </a:xfrm>
+          <a:prstGeom prst="rect">
+            <a:avLst/>
+          </a:prstGeom>
+        </p:spPr>
+      </p:pic>
+      <p:pic>
+        <p:nvPicPr>
+          <p:cNvPr id="18" name="Picture 17">
+            <a:extLst>
+              <a:ext uri="{FF2B5EF4-FFF2-40B4-BE49-F238E27FC236}">
+                <a16:creationId xmlns:a16="http://schemas.microsoft.com/office/drawing/2014/main" id="{FBC28195-E146-911F-3BEF-C120A7693A63}"/>
+              </a:ext>
+            </a:extLst>
+          </p:cNvPr>
+          <p:cNvPicPr>
+            <a:picLocks noChangeAspect="1"/>
+          </p:cNvPicPr>
+          <p:nvPr/>
+        </p:nvPicPr>
+        <p:blipFill>
+          <a:blip r:embed="rId4"/>
+          <a:stretch>
+            <a:fillRect/>
+          </a:stretch>
+        </p:blipFill>
+        <p:spPr>
+          <a:xfrm>
+            <a:off x="2532873" y="2632580"/>
+            <a:ext cx="1838325" cy="1123950"/>
+          </a:xfrm>
+          <a:prstGeom prst="rect">
+            <a:avLst/>
+          </a:prstGeom>
+        </p:spPr>
+      </p:pic>
+      <p:sp>
+        <p:nvSpPr>
+          <p:cNvPr id="19" name="TextBox 18">
+            <a:extLst>
+              <a:ext uri="{FF2B5EF4-FFF2-40B4-BE49-F238E27FC236}">
+                <a16:creationId xmlns:a16="http://schemas.microsoft.com/office/drawing/2014/main" id="{CEC3346E-12A1-9D09-9E42-ABAF4DC47166}"/>
+              </a:ext>
+            </a:extLst>
+          </p:cNvPr>
+          <p:cNvSpPr txBox="1"/>
+          <p:nvPr/>
+        </p:nvSpPr>
+        <p:spPr>
+          <a:xfrm>
+            <a:off x="2429539" y="4109282"/>
+            <a:ext cx="2126512" cy="830997"/>
+          </a:xfrm>
+          <a:prstGeom prst="rect">
+            <a:avLst/>
+          </a:prstGeom>
+          <a:noFill/>
+        </p:spPr>
+        <p:txBody>
+          <a:bodyPr wrap="square" rtlCol="0">
+            <a:spAutoFit/>
+          </a:bodyPr>
           <a:lstStyle/>
           <a:p>
-            <a:endParaRPr lang="en-US"/>
+            <a:r>
+              <a:rPr lang="en-US" sz="1200" dirty="0"/>
+              <a:t>- </a:t>
+            </a:r>
+            <a:r>
+              <a:rPr lang="hr-HR" sz="1200" dirty="0"/>
+              <a:t>Prikazuje listu s točkama.</a:t>
+            </a:r>
+            <a:br>
+              <a:rPr lang="hr-HR" sz="1200" dirty="0"/>
+            </a:br>
+            <a:r>
+              <a:rPr lang="en-US" sz="1200" dirty="0"/>
+              <a:t>- </a:t>
+            </a:r>
+            <a:r>
+              <a:rPr lang="hr-HR" sz="1200" dirty="0"/>
+              <a:t>Koristi se kada redoslijed nije bitan (npr. popis za kupovinu).</a:t>
+            </a:r>
+          </a:p>
+        </p:txBody>
+      </p:sp>
+      <p:sp>
+        <p:nvSpPr>
+          <p:cNvPr id="20" name="TextBox 19">
+            <a:extLst>
+              <a:ext uri="{FF2B5EF4-FFF2-40B4-BE49-F238E27FC236}">
+                <a16:creationId xmlns:a16="http://schemas.microsoft.com/office/drawing/2014/main" id="{EAE2906F-AFA4-7ECF-2216-3BD6043CE138}"/>
+              </a:ext>
+            </a:extLst>
+          </p:cNvPr>
+          <p:cNvSpPr txBox="1"/>
+          <p:nvPr/>
+        </p:nvSpPr>
+        <p:spPr>
+          <a:xfrm>
+            <a:off x="7765310" y="4108966"/>
+            <a:ext cx="2126512" cy="1015663"/>
+          </a:xfrm>
+          <a:prstGeom prst="rect">
+            <a:avLst/>
+          </a:prstGeom>
+          <a:noFill/>
+        </p:spPr>
+        <p:txBody>
+          <a:bodyPr wrap="square" rtlCol="0">
+            <a:spAutoFit/>
+          </a:bodyPr>
+          <a:lstStyle/>
+          <a:p>
+            <a:r>
+              <a:rPr lang="en-US" sz="1200" dirty="0"/>
+              <a:t>- </a:t>
+            </a:r>
+            <a:r>
+              <a:rPr lang="hr-HR" sz="1200" dirty="0"/>
+              <a:t>Prikazuje numeriranu listu.</a:t>
+            </a:r>
+            <a:br>
+              <a:rPr lang="hr-HR" sz="1200" dirty="0"/>
+            </a:br>
+            <a:r>
+              <a:rPr lang="en-US" sz="1200" dirty="0"/>
+              <a:t>- </a:t>
+            </a:r>
+            <a:r>
+              <a:rPr lang="hr-HR" sz="1200" dirty="0"/>
+              <a:t>Koristi se kada je redoslijed bitan (npr. upute, rang-liste).</a:t>
+            </a:r>
           </a:p>
         </p:txBody>
       </p:sp>
     </p:spTree>
     <p:extLst>
       <p:ext uri="{BB962C8B-B14F-4D97-AF65-F5344CB8AC3E}">
-        <p14:creationId xmlns:p14="http://schemas.microsoft.com/office/powerpoint/2010/main" val="2312110858"/>
+        <p14:creationId xmlns:p14="http://schemas.microsoft.com/office/powerpoint/2010/main" val="3570357047"/>
       </p:ext>
     </p:extLst>
   </p:cSld>
@@ -13485,7 +14673,13 @@
   <p:cSld>
     <p:spTree>
       <p:nvGrpSpPr>
-        <p:cNvPr id="1" name=""/>
+        <p:cNvPr id="1" name="">
+          <a:extLst>
+            <a:ext uri="{FF2B5EF4-FFF2-40B4-BE49-F238E27FC236}">
+              <a16:creationId xmlns:a16="http://schemas.microsoft.com/office/drawing/2014/main" id="{F576C9A0-49FF-B735-9EB8-4803D23A28C2}"/>
+            </a:ext>
+          </a:extLst>
+        </p:cNvPr>
         <p:cNvGrpSpPr/>
         <p:nvPr/>
       </p:nvGrpSpPr>
@@ -13499,10 +14693,10 @@
       </p:grpSpPr>
       <p:sp>
         <p:nvSpPr>
-          <p:cNvPr id="2" name="Title 1">
-            <a:extLst>
-              <a:ext uri="{FF2B5EF4-FFF2-40B4-BE49-F238E27FC236}">
-                <a16:creationId xmlns:a16="http://schemas.microsoft.com/office/drawing/2014/main" id="{56D3A5C2-59F0-1E4C-AE73-F09052EF7D07}"/>
+          <p:cNvPr id="3" name="Title 2">
+            <a:extLst>
+              <a:ext uri="{FF2B5EF4-FFF2-40B4-BE49-F238E27FC236}">
+                <a16:creationId xmlns:a16="http://schemas.microsoft.com/office/drawing/2014/main" id="{33513C0A-1A70-75D1-F597-A598E4CAA270}"/>
               </a:ext>
             </a:extLst>
           </p:cNvPr>
@@ -13513,69 +14707,326 @@
             <p:ph type="title"/>
           </p:nvPr>
         </p:nvSpPr>
-        <p:spPr/>
+        <p:spPr>
+          <a:xfrm>
+            <a:off x="824023" y="836712"/>
+            <a:ext cx="10529777" cy="853976"/>
+          </a:xfrm>
+        </p:spPr>
         <p:txBody>
           <a:bodyPr/>
           <a:lstStyle/>
           <a:p>
-            <a:endParaRPr lang="en-US"/>
+            <a:r>
+              <a:rPr lang="hr-HR" dirty="0"/>
+              <a:t>ugniježđene liste u HTML-u</a:t>
+            </a:r>
+            <a:endParaRPr lang="en-US" dirty="0"/>
           </a:p>
         </p:txBody>
       </p:sp>
       <p:sp>
         <p:nvSpPr>
-          <p:cNvPr id="3" name="Content Placeholder 2">
-            <a:extLst>
-              <a:ext uri="{FF2B5EF4-FFF2-40B4-BE49-F238E27FC236}">
-                <a16:creationId xmlns:a16="http://schemas.microsoft.com/office/drawing/2014/main" id="{D77705C5-220D-854C-82C7-3F5DFC84C305}"/>
-              </a:ext>
-            </a:extLst>
-          </p:cNvPr>
-          <p:cNvSpPr>
-            <a:spLocks noGrp="1"/>
+          <p:cNvPr id="11" name="Title 2">
+            <a:extLst>
+              <a:ext uri="{FF2B5EF4-FFF2-40B4-BE49-F238E27FC236}">
+                <a16:creationId xmlns:a16="http://schemas.microsoft.com/office/drawing/2014/main" id="{E1892E75-BA2C-FE89-D487-5766F10F7209}"/>
+              </a:ext>
+            </a:extLst>
+          </p:cNvPr>
+          <p:cNvSpPr txBox="1">
+            <a:spLocks/>
           </p:cNvSpPr>
-          <p:nvPr>
-            <p:ph sz="half" idx="1"/>
-          </p:nvPr>
+          <p:nvPr/>
         </p:nvSpPr>
-        <p:spPr/>
+        <p:spPr>
+          <a:xfrm>
+            <a:off x="815162" y="1864329"/>
+            <a:ext cx="5273749" cy="853976"/>
+          </a:xfrm>
+          <a:prstGeom prst="rect">
+            <a:avLst/>
+          </a:prstGeom>
+        </p:spPr>
         <p:txBody>
-          <a:bodyPr/>
-          <a:lstStyle/>
-          <a:p>
-            <a:endParaRPr lang="en-US"/>
+          <a:bodyPr vert="horz" lIns="91440" tIns="45720" rIns="91440" bIns="45720" rtlCol="0" anchor="ctr">
+            <a:normAutofit/>
+          </a:bodyPr>
+          <a:lstStyle>
+            <a:lvl1pPr algn="l" defTabSz="914400" rtl="0" eaLnBrk="1" latinLnBrk="0" hangingPunct="1">
+              <a:lnSpc>
+                <a:spcPct val="90000"/>
+              </a:lnSpc>
+              <a:spcBef>
+                <a:spcPct val="0"/>
+              </a:spcBef>
+              <a:buNone/>
+              <a:defRPr sz="3600" b="1" i="0" kern="1200" cap="all" baseline="0">
+                <a:solidFill>
+                  <a:schemeClr val="tx2"/>
+                </a:solidFill>
+                <a:latin typeface="+mj-lt"/>
+                <a:ea typeface="Open Sans Semibold" panose="020B0606030504020204" pitchFamily="34" charset="0"/>
+                <a:cs typeface="Open Sans Semibold" panose="020B0606030504020204" pitchFamily="34" charset="0"/>
+              </a:defRPr>
+            </a:lvl1pPr>
+          </a:lstStyle>
+          <a:p>
+            <a:pPr algn="ctr"/>
+            <a:r>
+              <a:rPr lang="en-US" sz="2000" dirty="0">
+                <a:solidFill>
+                  <a:srgbClr val="27954C"/>
+                </a:solidFill>
+              </a:rPr>
+              <a:t>DOBRO </a:t>
+            </a:r>
+            <a:r>
+              <a:rPr lang="hr-HR" sz="2000" dirty="0">
+                <a:solidFill>
+                  <a:srgbClr val="27954C"/>
+                </a:solidFill>
+              </a:rPr>
+              <a:t>ugniježđen</a:t>
+            </a:r>
+            <a:r>
+              <a:rPr lang="en-US" sz="2000" dirty="0">
+                <a:solidFill>
+                  <a:srgbClr val="27954C"/>
+                </a:solidFill>
+              </a:rPr>
+              <a:t>A</a:t>
+            </a:r>
+            <a:r>
+              <a:rPr lang="hr-HR" sz="2000" dirty="0">
+                <a:solidFill>
+                  <a:srgbClr val="27954C"/>
+                </a:solidFill>
+              </a:rPr>
+              <a:t> lista</a:t>
+            </a:r>
+            <a:endParaRPr lang="en-US" sz="2000" dirty="0">
+              <a:solidFill>
+                <a:srgbClr val="27954C"/>
+              </a:solidFill>
+            </a:endParaRPr>
           </a:p>
         </p:txBody>
       </p:sp>
       <p:sp>
         <p:nvSpPr>
-          <p:cNvPr id="4" name="Content Placeholder 3">
-            <a:extLst>
-              <a:ext uri="{FF2B5EF4-FFF2-40B4-BE49-F238E27FC236}">
-                <a16:creationId xmlns:a16="http://schemas.microsoft.com/office/drawing/2014/main" id="{903C23EB-4872-DF4F-8CB9-C3A8C07CBE46}"/>
-              </a:ext>
-            </a:extLst>
-          </p:cNvPr>
-          <p:cNvSpPr>
-            <a:spLocks noGrp="1"/>
+          <p:cNvPr id="14" name="Title 2">
+            <a:extLst>
+              <a:ext uri="{FF2B5EF4-FFF2-40B4-BE49-F238E27FC236}">
+                <a16:creationId xmlns:a16="http://schemas.microsoft.com/office/drawing/2014/main" id="{D37C8D54-1849-62A9-9C27-7590224BFB58}"/>
+              </a:ext>
+            </a:extLst>
+          </p:cNvPr>
+          <p:cNvSpPr txBox="1">
+            <a:spLocks/>
           </p:cNvSpPr>
-          <p:nvPr>
-            <p:ph sz="half" idx="2"/>
-          </p:nvPr>
+          <p:nvPr/>
         </p:nvSpPr>
-        <p:spPr/>
+        <p:spPr>
+          <a:xfrm>
+            <a:off x="6103091" y="1864329"/>
+            <a:ext cx="5273749" cy="853976"/>
+          </a:xfrm>
+          <a:prstGeom prst="rect">
+            <a:avLst/>
+          </a:prstGeom>
+        </p:spPr>
         <p:txBody>
-          <a:bodyPr/>
-          <a:lstStyle/>
-          <a:p>
-            <a:endParaRPr lang="en-US"/>
+          <a:bodyPr vert="horz" lIns="91440" tIns="45720" rIns="91440" bIns="45720" rtlCol="0" anchor="ctr">
+            <a:normAutofit/>
+          </a:bodyPr>
+          <a:lstStyle>
+            <a:lvl1pPr algn="l" defTabSz="914400" rtl="0" eaLnBrk="1" latinLnBrk="0" hangingPunct="1">
+              <a:lnSpc>
+                <a:spcPct val="90000"/>
+              </a:lnSpc>
+              <a:spcBef>
+                <a:spcPct val="0"/>
+              </a:spcBef>
+              <a:buNone/>
+              <a:defRPr sz="3600" b="1" i="0" kern="1200" cap="all" baseline="0">
+                <a:solidFill>
+                  <a:schemeClr val="tx2"/>
+                </a:solidFill>
+                <a:latin typeface="+mj-lt"/>
+                <a:ea typeface="Open Sans Semibold" panose="020B0606030504020204" pitchFamily="34" charset="0"/>
+                <a:cs typeface="Open Sans Semibold" panose="020B0606030504020204" pitchFamily="34" charset="0"/>
+              </a:defRPr>
+            </a:lvl1pPr>
+          </a:lstStyle>
+          <a:p>
+            <a:pPr algn="ctr"/>
+            <a:r>
+              <a:rPr lang="en-US" sz="2000" dirty="0" err="1">
+                <a:solidFill>
+                  <a:srgbClr val="FF0000"/>
+                </a:solidFill>
+              </a:rPr>
+              <a:t>loše</a:t>
+            </a:r>
+            <a:r>
+              <a:rPr lang="en-US" sz="2000" dirty="0">
+                <a:solidFill>
+                  <a:srgbClr val="FF0000"/>
+                </a:solidFill>
+              </a:rPr>
+              <a:t> </a:t>
+            </a:r>
+            <a:r>
+              <a:rPr lang="en-US" sz="2000" dirty="0" err="1">
+                <a:solidFill>
+                  <a:srgbClr val="FF0000"/>
+                </a:solidFill>
+              </a:rPr>
+              <a:t>formatiran</a:t>
+            </a:r>
+            <a:r>
+              <a:rPr lang="en-US" sz="2000" dirty="0">
+                <a:solidFill>
+                  <a:srgbClr val="FF0000"/>
+                </a:solidFill>
+              </a:rPr>
+              <a:t> </a:t>
+            </a:r>
+            <a:r>
+              <a:rPr lang="en-US" sz="2000" dirty="0" err="1">
+                <a:solidFill>
+                  <a:srgbClr val="FF0000"/>
+                </a:solidFill>
+              </a:rPr>
+              <a:t>kod</a:t>
+            </a:r>
+            <a:endParaRPr lang="en-US" sz="2000" dirty="0">
+              <a:solidFill>
+                <a:srgbClr val="FF0000"/>
+              </a:solidFill>
+            </a:endParaRPr>
           </a:p>
         </p:txBody>
       </p:sp>
+      <p:sp>
+        <p:nvSpPr>
+          <p:cNvPr id="19" name="TextBox 18">
+            <a:extLst>
+              <a:ext uri="{FF2B5EF4-FFF2-40B4-BE49-F238E27FC236}">
+                <a16:creationId xmlns:a16="http://schemas.microsoft.com/office/drawing/2014/main" id="{CBDAD661-6D94-064D-992A-1EED4A2D16E0}"/>
+              </a:ext>
+            </a:extLst>
+          </p:cNvPr>
+          <p:cNvSpPr txBox="1"/>
+          <p:nvPr/>
+        </p:nvSpPr>
+        <p:spPr>
+          <a:xfrm>
+            <a:off x="1621464" y="4293632"/>
+            <a:ext cx="3811773" cy="830997"/>
+          </a:xfrm>
+          <a:prstGeom prst="rect">
+            <a:avLst/>
+          </a:prstGeom>
+          <a:noFill/>
+        </p:spPr>
+        <p:txBody>
+          <a:bodyPr wrap="square" rtlCol="0">
+            <a:spAutoFit/>
+          </a:bodyPr>
+          <a:lstStyle/>
+          <a:p>
+            <a:r>
+              <a:rPr lang="en-US" sz="1200" dirty="0"/>
+              <a:t>- </a:t>
+            </a:r>
+            <a:r>
+              <a:rPr lang="hr-HR" sz="1200" dirty="0"/>
+              <a:t>Pomažu pri organiziranju hijerarhijskih podataka.</a:t>
+            </a:r>
+            <a:br>
+              <a:rPr lang="en-US" sz="1200" dirty="0"/>
+            </a:br>
+            <a:endParaRPr lang="en-US" sz="1200" dirty="0"/>
+          </a:p>
+          <a:p>
+            <a:r>
+              <a:rPr lang="en-US" sz="1200" dirty="0"/>
+              <a:t>- </a:t>
+            </a:r>
+            <a:r>
+              <a:rPr lang="pl-PL" sz="1200" dirty="0"/>
+              <a:t>Poboljšavaju strukturu sadržaja na web-stranicama</a:t>
+            </a:r>
+            <a:endParaRPr lang="hr-HR" sz="1200" dirty="0"/>
+          </a:p>
+        </p:txBody>
+      </p:sp>
+      <p:pic>
+        <p:nvPicPr>
+          <p:cNvPr id="2" name="Picture 1">
+            <a:extLst>
+              <a:ext uri="{FF2B5EF4-FFF2-40B4-BE49-F238E27FC236}">
+                <a16:creationId xmlns:a16="http://schemas.microsoft.com/office/drawing/2014/main" id="{CB99A736-837C-0C39-5A52-CC0A38790528}"/>
+              </a:ext>
+            </a:extLst>
+          </p:cNvPr>
+          <p:cNvPicPr>
+            <a:picLocks noChangeAspect="1"/>
+          </p:cNvPicPr>
+          <p:nvPr/>
+        </p:nvPicPr>
+        <p:blipFill>
+          <a:blip r:embed="rId3"/>
+          <a:stretch>
+            <a:fillRect/>
+          </a:stretch>
+        </p:blipFill>
+        <p:spPr>
+          <a:xfrm>
+            <a:off x="2552255" y="2486580"/>
+            <a:ext cx="1758251" cy="1622386"/>
+          </a:xfrm>
+          <a:prstGeom prst="rect">
+            <a:avLst/>
+          </a:prstGeom>
+        </p:spPr>
+      </p:pic>
+      <p:pic>
+        <p:nvPicPr>
+          <p:cNvPr id="5" name="Picture 4">
+            <a:extLst>
+              <a:ext uri="{FF2B5EF4-FFF2-40B4-BE49-F238E27FC236}">
+                <a16:creationId xmlns:a16="http://schemas.microsoft.com/office/drawing/2014/main" id="{9A15CC02-E185-B524-54F2-F14A522D78CC}"/>
+              </a:ext>
+            </a:extLst>
+          </p:cNvPr>
+          <p:cNvPicPr>
+            <a:picLocks noChangeAspect="1"/>
+          </p:cNvPicPr>
+          <p:nvPr/>
+        </p:nvPicPr>
+        <p:blipFill>
+          <a:blip r:embed="rId4"/>
+          <a:stretch>
+            <a:fillRect/>
+          </a:stretch>
+        </p:blipFill>
+        <p:spPr>
+          <a:xfrm>
+            <a:off x="7075966" y="2582161"/>
+            <a:ext cx="3505200" cy="1162050"/>
+          </a:xfrm>
+          <a:prstGeom prst="rect">
+            <a:avLst/>
+          </a:prstGeom>
+        </p:spPr>
+      </p:pic>
     </p:spTree>
     <p:extLst>
       <p:ext uri="{BB962C8B-B14F-4D97-AF65-F5344CB8AC3E}">
-        <p14:creationId xmlns:p14="http://schemas.microsoft.com/office/powerpoint/2010/main" val="3409978367"/>
+        <p14:creationId xmlns:p14="http://schemas.microsoft.com/office/powerpoint/2010/main" val="2057119122"/>
       </p:ext>
     </p:extLst>
   </p:cSld>
@@ -13590,7 +15041,13 @@
   <p:cSld>
     <p:spTree>
       <p:nvGrpSpPr>
-        <p:cNvPr id="1" name=""/>
+        <p:cNvPr id="1" name="">
+          <a:extLst>
+            <a:ext uri="{FF2B5EF4-FFF2-40B4-BE49-F238E27FC236}">
+              <a16:creationId xmlns:a16="http://schemas.microsoft.com/office/drawing/2014/main" id="{2D8E5026-5C52-6210-4214-FE1985F7EACA}"/>
+            </a:ext>
+          </a:extLst>
+        </p:cNvPr>
         <p:cNvGrpSpPr/>
         <p:nvPr/>
       </p:nvGrpSpPr>
@@ -13604,83 +15061,163 @@
       </p:grpSpPr>
       <p:sp>
         <p:nvSpPr>
-          <p:cNvPr id="2" name="Content Placeholder 1">
-            <a:extLst>
-              <a:ext uri="{FF2B5EF4-FFF2-40B4-BE49-F238E27FC236}">
-                <a16:creationId xmlns:a16="http://schemas.microsoft.com/office/drawing/2014/main" id="{539630EC-DDFF-DF4E-88AE-E9C1FFEB43AA}"/>
-              </a:ext>
-            </a:extLst>
-          </p:cNvPr>
-          <p:cNvSpPr>
-            <a:spLocks noGrp="1"/>
-          </p:cNvSpPr>
-          <p:nvPr>
-            <p:ph idx="1"/>
-          </p:nvPr>
+          <p:cNvPr id="7" name="TextBox 6">
+            <a:extLst>
+              <a:ext uri="{FF2B5EF4-FFF2-40B4-BE49-F238E27FC236}">
+                <a16:creationId xmlns:a16="http://schemas.microsoft.com/office/drawing/2014/main" id="{4B1D9A08-75F3-A606-051C-D22545847069}"/>
+              </a:ext>
+            </a:extLst>
+          </p:cNvPr>
+          <p:cNvSpPr txBox="1"/>
+          <p:nvPr/>
         </p:nvSpPr>
-        <p:spPr/>
+        <p:spPr>
+          <a:xfrm>
+            <a:off x="815162" y="525501"/>
+            <a:ext cx="10561678" cy="1323439"/>
+          </a:xfrm>
+          <a:prstGeom prst="rect">
+            <a:avLst/>
+          </a:prstGeom>
+          <a:noFill/>
+        </p:spPr>
         <p:txBody>
-          <a:bodyPr/>
+          <a:bodyPr wrap="square" rtlCol="0">
+            <a:spAutoFit/>
+          </a:bodyPr>
           <a:lstStyle/>
           <a:p>
-            <a:endParaRPr lang="en-US"/>
+            <a:r>
+              <a:rPr lang="hr-HR" sz="2000" dirty="0"/>
+              <a:t>Uobičajene greške koje treba izbjegavati</a:t>
+            </a:r>
+            <a:endParaRPr lang="en-US" sz="2000" dirty="0"/>
+          </a:p>
+          <a:p>
+            <a:endParaRPr lang="en-US" sz="1200" dirty="0"/>
+          </a:p>
+          <a:p>
+            <a:r>
+              <a:rPr lang="hr-HR" sz="1200" dirty="0"/>
+              <a:t>❌ </a:t>
+            </a:r>
+            <a:r>
+              <a:rPr lang="hr-HR" sz="1200" b="1" dirty="0"/>
+              <a:t>Zaboravljanje zatvaranja oznaka</a:t>
+            </a:r>
+            <a:r>
+              <a:rPr lang="hr-HR" sz="1200" dirty="0"/>
+              <a:t> (&lt;/</a:t>
+            </a:r>
+            <a:r>
+              <a:rPr lang="hr-HR" sz="1200" dirty="0" err="1"/>
+              <a:t>ul</a:t>
+            </a:r>
+            <a:r>
+              <a:rPr lang="hr-HR" sz="1200" dirty="0"/>
+              <a:t>&gt; ili &lt;/</a:t>
+            </a:r>
+            <a:r>
+              <a:rPr lang="hr-HR" sz="1200" dirty="0" err="1"/>
+              <a:t>ol</a:t>
+            </a:r>
+            <a:r>
+              <a:rPr lang="hr-HR" sz="1200" dirty="0"/>
+              <a:t>&gt;).</a:t>
+            </a:r>
+            <a:br>
+              <a:rPr lang="hr-HR" sz="1200" dirty="0"/>
+            </a:br>
+            <a:r>
+              <a:rPr lang="hr-HR" sz="1200" dirty="0"/>
+              <a:t>❌ </a:t>
+            </a:r>
+            <a:r>
+              <a:rPr lang="hr-HR" sz="1200" b="1" dirty="0"/>
+              <a:t>Nepravilno uvlačenje koda, što otežava čitanje i održavanje.</a:t>
+            </a:r>
+            <a:br>
+              <a:rPr lang="hr-HR" sz="1200" dirty="0"/>
+            </a:br>
+            <a:r>
+              <a:rPr lang="hr-HR" sz="1200" dirty="0"/>
+              <a:t>❌ </a:t>
+            </a:r>
+            <a:r>
+              <a:rPr lang="hr-HR" sz="1200" b="1" dirty="0"/>
+              <a:t>Postavljanje &lt;/li&gt; prije zatvaranja ugniježđene liste umjesto nakon nje.</a:t>
+            </a:r>
+            <a:endParaRPr lang="hr-HR" sz="1200" dirty="0"/>
+          </a:p>
+          <a:p>
+            <a:endParaRPr lang="hr-HR" sz="1200" dirty="0"/>
           </a:p>
         </p:txBody>
       </p:sp>
-      <p:sp>
-        <p:nvSpPr>
-          <p:cNvPr id="3" name="Title 2">
-            <a:extLst>
-              <a:ext uri="{FF2B5EF4-FFF2-40B4-BE49-F238E27FC236}">
-                <a16:creationId xmlns:a16="http://schemas.microsoft.com/office/drawing/2014/main" id="{13298024-5B15-D141-85A6-2269E3D22835}"/>
-              </a:ext>
-            </a:extLst>
-          </p:cNvPr>
-          <p:cNvSpPr>
-            <a:spLocks noGrp="1"/>
-          </p:cNvSpPr>
-          <p:nvPr>
-            <p:ph type="title"/>
-          </p:nvPr>
-        </p:nvSpPr>
-        <p:spPr/>
-        <p:txBody>
-          <a:bodyPr/>
-          <a:lstStyle/>
-          <a:p>
-            <a:endParaRPr lang="en-US"/>
-          </a:p>
-        </p:txBody>
-      </p:sp>
-      <p:sp>
-        <p:nvSpPr>
-          <p:cNvPr id="4" name="Text Placeholder 3">
-            <a:extLst>
-              <a:ext uri="{FF2B5EF4-FFF2-40B4-BE49-F238E27FC236}">
-                <a16:creationId xmlns:a16="http://schemas.microsoft.com/office/drawing/2014/main" id="{9400F9F1-4EFC-E343-A949-0DD51C549CA4}"/>
-              </a:ext>
-            </a:extLst>
-          </p:cNvPr>
-          <p:cNvSpPr>
-            <a:spLocks noGrp="1"/>
-          </p:cNvSpPr>
-          <p:nvPr>
-            <p:ph type="body" sz="half" idx="2"/>
-          </p:nvPr>
-        </p:nvSpPr>
-        <p:spPr/>
-        <p:txBody>
-          <a:bodyPr/>
-          <a:lstStyle/>
-          <a:p>
-            <a:endParaRPr lang="en-US"/>
-          </a:p>
-        </p:txBody>
-      </p:sp>
+      <p:pic>
+        <p:nvPicPr>
+          <p:cNvPr id="9" name="Picture 8">
+            <a:extLst>
+              <a:ext uri="{FF2B5EF4-FFF2-40B4-BE49-F238E27FC236}">
+                <a16:creationId xmlns:a16="http://schemas.microsoft.com/office/drawing/2014/main" id="{9C6A022D-3651-00EB-B9BB-F93B5515A862}"/>
+              </a:ext>
+            </a:extLst>
+          </p:cNvPr>
+          <p:cNvPicPr>
+            <a:picLocks noChangeAspect="1"/>
+          </p:cNvPicPr>
+          <p:nvPr/>
+        </p:nvPicPr>
+        <p:blipFill>
+          <a:blip r:embed="rId3"/>
+          <a:stretch>
+            <a:fillRect/>
+          </a:stretch>
+        </p:blipFill>
+        <p:spPr>
+          <a:xfrm>
+            <a:off x="2011768" y="2404064"/>
+            <a:ext cx="3086100" cy="1895475"/>
+          </a:xfrm>
+          <a:prstGeom prst="rect">
+            <a:avLst/>
+          </a:prstGeom>
+        </p:spPr>
+      </p:pic>
+      <p:pic>
+        <p:nvPicPr>
+          <p:cNvPr id="12" name="Picture 11">
+            <a:extLst>
+              <a:ext uri="{FF2B5EF4-FFF2-40B4-BE49-F238E27FC236}">
+                <a16:creationId xmlns:a16="http://schemas.microsoft.com/office/drawing/2014/main" id="{BA5DF9EB-392C-D678-02F5-7556ACF5FA2D}"/>
+              </a:ext>
+            </a:extLst>
+          </p:cNvPr>
+          <p:cNvPicPr>
+            <a:picLocks noChangeAspect="1"/>
+          </p:cNvPicPr>
+          <p:nvPr/>
+        </p:nvPicPr>
+        <p:blipFill>
+          <a:blip r:embed="rId4"/>
+          <a:stretch>
+            <a:fillRect/>
+          </a:stretch>
+        </p:blipFill>
+        <p:spPr>
+          <a:xfrm>
+            <a:off x="7147293" y="2404064"/>
+            <a:ext cx="2628900" cy="1943100"/>
+          </a:xfrm>
+          <a:prstGeom prst="rect">
+            <a:avLst/>
+          </a:prstGeom>
+        </p:spPr>
+      </p:pic>
     </p:spTree>
     <p:extLst>
       <p:ext uri="{BB962C8B-B14F-4D97-AF65-F5344CB8AC3E}">
-        <p14:creationId xmlns:p14="http://schemas.microsoft.com/office/powerpoint/2010/main" val="4060528130"/>
+        <p14:creationId xmlns:p14="http://schemas.microsoft.com/office/powerpoint/2010/main" val="4228893774"/>
       </p:ext>
     </p:extLst>
   </p:cSld>
@@ -13709,10 +15246,10 @@
       </p:grpSpPr>
       <p:sp>
         <p:nvSpPr>
-          <p:cNvPr id="2" name="Title 1">
-            <a:extLst>
-              <a:ext uri="{FF2B5EF4-FFF2-40B4-BE49-F238E27FC236}">
-                <a16:creationId xmlns:a16="http://schemas.microsoft.com/office/drawing/2014/main" id="{7A41964D-418A-5149-9251-325D8A052C92}"/>
+          <p:cNvPr id="5" name="Title 4">
+            <a:extLst>
+              <a:ext uri="{FF2B5EF4-FFF2-40B4-BE49-F238E27FC236}">
+                <a16:creationId xmlns:a16="http://schemas.microsoft.com/office/drawing/2014/main" id="{6637F820-3C11-004B-9B8C-B2AF88FDE9F5}"/>
               </a:ext>
             </a:extLst>
           </p:cNvPr>
@@ -13728,64 +15265,56 @@
           <a:bodyPr/>
           <a:lstStyle/>
           <a:p>
-            <a:endParaRPr lang="en-US"/>
+            <a:r>
+              <a:rPr lang="en-US" dirty="0"/>
+              <a:t>Ve</a:t>
+            </a:r>
+            <a:r>
+              <a:rPr lang="hr-HR" dirty="0" err="1"/>
+              <a:t>žba</a:t>
+            </a:r>
+            <a:r>
+              <a:rPr lang="hr-HR" dirty="0"/>
+              <a:t> 3</a:t>
+            </a:r>
+            <a:endParaRPr lang="en-US" dirty="0"/>
           </a:p>
         </p:txBody>
       </p:sp>
-      <p:sp>
-        <p:nvSpPr>
-          <p:cNvPr id="3" name="Content Placeholder 2">
-            <a:extLst>
-              <a:ext uri="{FF2B5EF4-FFF2-40B4-BE49-F238E27FC236}">
-                <a16:creationId xmlns:a16="http://schemas.microsoft.com/office/drawing/2014/main" id="{C9E1C2D1-39CB-C34C-B94C-7E3FEA66BAD3}"/>
-              </a:ext>
-            </a:extLst>
-          </p:cNvPr>
-          <p:cNvSpPr>
-            <a:spLocks noGrp="1"/>
-          </p:cNvSpPr>
-          <p:nvPr>
-            <p:ph idx="1"/>
-          </p:nvPr>
-        </p:nvSpPr>
-        <p:spPr/>
-        <p:txBody>
-          <a:bodyPr/>
-          <a:lstStyle/>
-          <a:p>
-            <a:endParaRPr lang="en-US"/>
-          </a:p>
-        </p:txBody>
-      </p:sp>
-      <p:sp>
-        <p:nvSpPr>
-          <p:cNvPr id="4" name="Text Placeholder 3">
-            <a:extLst>
-              <a:ext uri="{FF2B5EF4-FFF2-40B4-BE49-F238E27FC236}">
-                <a16:creationId xmlns:a16="http://schemas.microsoft.com/office/drawing/2014/main" id="{1F6A4A2C-EF06-D64F-9502-7073E0189494}"/>
-              </a:ext>
-            </a:extLst>
-          </p:cNvPr>
-          <p:cNvSpPr>
-            <a:spLocks noGrp="1"/>
-          </p:cNvSpPr>
-          <p:nvPr>
-            <p:ph type="body" sz="half" idx="2"/>
-          </p:nvPr>
-        </p:nvSpPr>
-        <p:spPr/>
-        <p:txBody>
-          <a:bodyPr/>
-          <a:lstStyle/>
-          <a:p>
-            <a:endParaRPr lang="en-US"/>
-          </a:p>
-        </p:txBody>
-      </p:sp>
+      <p:pic>
+        <p:nvPicPr>
+          <p:cNvPr id="8" name="Picture 7">
+            <a:extLst>
+              <a:ext uri="{FF2B5EF4-FFF2-40B4-BE49-F238E27FC236}">
+                <a16:creationId xmlns:a16="http://schemas.microsoft.com/office/drawing/2014/main" id="{E0077E34-EB90-48CA-BA56-BAA7161709EA}"/>
+              </a:ext>
+            </a:extLst>
+          </p:cNvPr>
+          <p:cNvPicPr>
+            <a:picLocks noChangeAspect="1"/>
+          </p:cNvPicPr>
+          <p:nvPr/>
+        </p:nvPicPr>
+        <p:blipFill>
+          <a:blip r:embed="rId3"/>
+          <a:stretch>
+            <a:fillRect/>
+          </a:stretch>
+        </p:blipFill>
+        <p:spPr>
+          <a:xfrm>
+            <a:off x="4035388" y="1907587"/>
+            <a:ext cx="4121224" cy="3692780"/>
+          </a:xfrm>
+          <a:prstGeom prst="rect">
+            <a:avLst/>
+          </a:prstGeom>
+        </p:spPr>
+      </p:pic>
     </p:spTree>
     <p:extLst>
       <p:ext uri="{BB962C8B-B14F-4D97-AF65-F5344CB8AC3E}">
-        <p14:creationId xmlns:p14="http://schemas.microsoft.com/office/powerpoint/2010/main" val="2910295038"/>
+        <p14:creationId xmlns:p14="http://schemas.microsoft.com/office/powerpoint/2010/main" val="2312110858"/>
       </p:ext>
     </p:extLst>
   </p:cSld>
@@ -13814,35 +15343,10 @@
       </p:grpSpPr>
       <p:sp>
         <p:nvSpPr>
-          <p:cNvPr id="2" name="Picture Placeholder 1">
-            <a:extLst>
-              <a:ext uri="{FF2B5EF4-FFF2-40B4-BE49-F238E27FC236}">
-                <a16:creationId xmlns:a16="http://schemas.microsoft.com/office/drawing/2014/main" id="{370126AC-D15F-C34C-B689-671D8108B86D}"/>
-              </a:ext>
-            </a:extLst>
-          </p:cNvPr>
-          <p:cNvSpPr>
-            <a:spLocks noGrp="1"/>
-          </p:cNvSpPr>
-          <p:nvPr>
-            <p:ph type="pic" idx="1"/>
-          </p:nvPr>
-        </p:nvSpPr>
-        <p:spPr/>
-        <p:txBody>
-          <a:bodyPr/>
-          <a:lstStyle/>
-          <a:p>
-            <a:endParaRPr lang="hr-HR"/>
-          </a:p>
-        </p:txBody>
-      </p:sp>
-      <p:sp>
-        <p:nvSpPr>
-          <p:cNvPr id="3" name="Title 2">
-            <a:extLst>
-              <a:ext uri="{FF2B5EF4-FFF2-40B4-BE49-F238E27FC236}">
-                <a16:creationId xmlns:a16="http://schemas.microsoft.com/office/drawing/2014/main" id="{04919E52-B0DF-4744-A84F-2D4BB1527675}"/>
+          <p:cNvPr id="2" name="Title 1">
+            <a:extLst>
+              <a:ext uri="{FF2B5EF4-FFF2-40B4-BE49-F238E27FC236}">
+                <a16:creationId xmlns:a16="http://schemas.microsoft.com/office/drawing/2014/main" id="{56D3A5C2-59F0-1E4C-AE73-F09052EF7D07}"/>
               </a:ext>
             </a:extLst>
           </p:cNvPr>
@@ -13858,16 +15362,24 @@
           <a:bodyPr/>
           <a:lstStyle/>
           <a:p>
-            <a:endParaRPr lang="en-US"/>
+            <a:r>
+              <a:rPr lang="it-IT" dirty="0"/>
+              <a:t>HTML </a:t>
+            </a:r>
+            <a:r>
+              <a:rPr lang="it-IT" dirty="0" err="1"/>
+              <a:t>Atributi</a:t>
+            </a:r>
+            <a:endParaRPr lang="en-US" dirty="0"/>
           </a:p>
         </p:txBody>
       </p:sp>
       <p:sp>
         <p:nvSpPr>
-          <p:cNvPr id="4" name="Text Placeholder 3">
-            <a:extLst>
-              <a:ext uri="{FF2B5EF4-FFF2-40B4-BE49-F238E27FC236}">
-                <a16:creationId xmlns:a16="http://schemas.microsoft.com/office/drawing/2014/main" id="{E8D84524-89A4-DB47-BF72-911F1FE04E38}"/>
+          <p:cNvPr id="3" name="Content Placeholder 2">
+            <a:extLst>
+              <a:ext uri="{FF2B5EF4-FFF2-40B4-BE49-F238E27FC236}">
+                <a16:creationId xmlns:a16="http://schemas.microsoft.com/office/drawing/2014/main" id="{D77705C5-220D-854C-82C7-3F5DFC84C305}"/>
               </a:ext>
             </a:extLst>
           </p:cNvPr>
@@ -13875,22 +15387,88 @@
             <a:spLocks noGrp="1"/>
           </p:cNvSpPr>
           <p:nvPr>
-            <p:ph type="body" sz="half" idx="2"/>
+            <p:ph sz="half" idx="1"/>
           </p:nvPr>
         </p:nvSpPr>
-        <p:spPr/>
+        <p:spPr>
+          <a:xfrm>
+            <a:off x="838199" y="1928557"/>
+            <a:ext cx="11304181" cy="1420699"/>
+          </a:xfrm>
+        </p:spPr>
         <p:txBody>
           <a:bodyPr/>
           <a:lstStyle/>
           <a:p>
-            <a:endParaRPr lang="en-US"/>
+            <a:r>
+              <a:rPr lang="hr-HR" dirty="0"/>
+              <a:t>HTML elementi mogu imati </a:t>
+            </a:r>
+            <a:r>
+              <a:rPr lang="hr-HR" b="1" dirty="0"/>
+              <a:t>atribute</a:t>
+            </a:r>
+            <a:r>
+              <a:rPr lang="hr-HR" dirty="0"/>
+              <a:t> koji dodaju dodatne informacije o elementu.</a:t>
+            </a:r>
+            <a:endParaRPr lang="en-US" dirty="0"/>
+          </a:p>
+          <a:p>
+            <a:r>
+              <a:rPr lang="hr-HR" dirty="0"/>
+              <a:t>Atributi se </a:t>
+            </a:r>
+            <a:r>
+              <a:rPr lang="hr-HR" b="1" dirty="0"/>
+              <a:t>nalaze unutar </a:t>
+            </a:r>
+            <a:r>
+              <a:rPr lang="hr-HR" b="1" dirty="0" err="1"/>
+              <a:t>otvarajuće</a:t>
+            </a:r>
+            <a:r>
+              <a:rPr lang="hr-HR" b="1" dirty="0"/>
+              <a:t> oznake</a:t>
+            </a:r>
+            <a:endParaRPr lang="en-US" dirty="0"/>
           </a:p>
         </p:txBody>
       </p:sp>
+      <p:pic>
+        <p:nvPicPr>
+          <p:cNvPr id="6" name="Picture 5">
+            <a:extLst>
+              <a:ext uri="{FF2B5EF4-FFF2-40B4-BE49-F238E27FC236}">
+                <a16:creationId xmlns:a16="http://schemas.microsoft.com/office/drawing/2014/main" id="{4B6A6D31-22C0-FADC-E55F-844F29FAFDAE}"/>
+              </a:ext>
+            </a:extLst>
+          </p:cNvPr>
+          <p:cNvPicPr>
+            <a:picLocks noChangeAspect="1"/>
+          </p:cNvPicPr>
+          <p:nvPr/>
+        </p:nvPicPr>
+        <p:blipFill>
+          <a:blip r:embed="rId2"/>
+          <a:stretch>
+            <a:fillRect/>
+          </a:stretch>
+        </p:blipFill>
+        <p:spPr>
+          <a:xfrm>
+            <a:off x="3745565" y="3817089"/>
+            <a:ext cx="4700869" cy="803866"/>
+          </a:xfrm>
+          <a:prstGeom prst="rect">
+            <a:avLst/>
+          </a:prstGeom>
+        </p:spPr>
+      </p:pic>
     </p:spTree>
     <p:extLst>
       <p:ext uri="{BB962C8B-B14F-4D97-AF65-F5344CB8AC3E}">
-        <p14:creationId xmlns:p14="http://schemas.microsoft.com/office/powerpoint/2010/main" val="467984945"/>
+        <p14:creationId xmlns:p14="http://schemas.microsoft.com/office/powerpoint/2010/main" val="3409978367"/>
       </p:ext>
     </p:extLst>
   </p:cSld>
@@ -13919,10 +15497,10 @@
       </p:grpSpPr>
       <p:sp>
         <p:nvSpPr>
-          <p:cNvPr id="2" name="Picture Placeholder 1">
-            <a:extLst>
-              <a:ext uri="{FF2B5EF4-FFF2-40B4-BE49-F238E27FC236}">
-                <a16:creationId xmlns:a16="http://schemas.microsoft.com/office/drawing/2014/main" id="{468A8BD2-A213-D84B-81C2-22B08D0AB3A5}"/>
+          <p:cNvPr id="2" name="Content Placeholder 1">
+            <a:extLst>
+              <a:ext uri="{FF2B5EF4-FFF2-40B4-BE49-F238E27FC236}">
+                <a16:creationId xmlns:a16="http://schemas.microsoft.com/office/drawing/2014/main" id="{539630EC-DDFF-DF4E-88AE-E9C1FFEB43AA}"/>
               </a:ext>
             </a:extLst>
           </p:cNvPr>
@@ -13930,7 +15508,7 @@
             <a:spLocks noGrp="1"/>
           </p:cNvSpPr>
           <p:nvPr>
-            <p:ph type="pic" idx="1"/>
+            <p:ph idx="1"/>
           </p:nvPr>
         </p:nvSpPr>
         <p:spPr/>
@@ -13938,7 +15516,7 @@
           <a:bodyPr/>
           <a:lstStyle/>
           <a:p>
-            <a:endParaRPr lang="hr-HR"/>
+            <a:endParaRPr lang="en-US"/>
           </a:p>
         </p:txBody>
       </p:sp>
@@ -13947,7 +15525,7 @@
           <p:cNvPr id="3" name="Title 2">
             <a:extLst>
               <a:ext uri="{FF2B5EF4-FFF2-40B4-BE49-F238E27FC236}">
-                <a16:creationId xmlns:a16="http://schemas.microsoft.com/office/drawing/2014/main" id="{C2F5710F-F47B-5D48-AB17-8114747C121E}"/>
+                <a16:creationId xmlns:a16="http://schemas.microsoft.com/office/drawing/2014/main" id="{13298024-5B15-D141-85A6-2269E3D22835}"/>
               </a:ext>
             </a:extLst>
           </p:cNvPr>
@@ -13972,7 +15550,7 @@
           <p:cNvPr id="4" name="Text Placeholder 3">
             <a:extLst>
               <a:ext uri="{FF2B5EF4-FFF2-40B4-BE49-F238E27FC236}">
-                <a16:creationId xmlns:a16="http://schemas.microsoft.com/office/drawing/2014/main" id="{D9C85A26-91D2-374F-9D13-0ADE24F86EB2}"/>
+                <a16:creationId xmlns:a16="http://schemas.microsoft.com/office/drawing/2014/main" id="{9400F9F1-4EFC-E343-A949-0DD51C549CA4}"/>
               </a:ext>
             </a:extLst>
           </p:cNvPr>
@@ -13995,7 +15573,7 @@
     </p:spTree>
     <p:extLst>
       <p:ext uri="{BB962C8B-B14F-4D97-AF65-F5344CB8AC3E}">
-        <p14:creationId xmlns:p14="http://schemas.microsoft.com/office/powerpoint/2010/main" val="3792986467"/>
+        <p14:creationId xmlns:p14="http://schemas.microsoft.com/office/powerpoint/2010/main" val="4060528130"/>
       </p:ext>
     </p:extLst>
   </p:cSld>
@@ -14024,35 +15602,10 @@
       </p:grpSpPr>
       <p:sp>
         <p:nvSpPr>
-          <p:cNvPr id="2" name="Picture Placeholder 1">
-            <a:extLst>
-              <a:ext uri="{FF2B5EF4-FFF2-40B4-BE49-F238E27FC236}">
-                <a16:creationId xmlns:a16="http://schemas.microsoft.com/office/drawing/2014/main" id="{27073D57-D0A7-D349-AD31-87A41BE5CCD7}"/>
-              </a:ext>
-            </a:extLst>
-          </p:cNvPr>
-          <p:cNvSpPr>
-            <a:spLocks noGrp="1"/>
-          </p:cNvSpPr>
-          <p:nvPr>
-            <p:ph type="pic" idx="1"/>
-          </p:nvPr>
-        </p:nvSpPr>
-        <p:spPr/>
-        <p:txBody>
-          <a:bodyPr/>
-          <a:lstStyle/>
-          <a:p>
-            <a:endParaRPr lang="hr-HR"/>
-          </a:p>
-        </p:txBody>
-      </p:sp>
-      <p:sp>
-        <p:nvSpPr>
-          <p:cNvPr id="3" name="Title 2">
-            <a:extLst>
-              <a:ext uri="{FF2B5EF4-FFF2-40B4-BE49-F238E27FC236}">
-                <a16:creationId xmlns:a16="http://schemas.microsoft.com/office/drawing/2014/main" id="{243E68CE-7075-714C-976F-A78F01BD8978}"/>
+          <p:cNvPr id="2" name="Title 1">
+            <a:extLst>
+              <a:ext uri="{FF2B5EF4-FFF2-40B4-BE49-F238E27FC236}">
+                <a16:creationId xmlns:a16="http://schemas.microsoft.com/office/drawing/2014/main" id="{7A41964D-418A-5149-9251-325D8A052C92}"/>
               </a:ext>
             </a:extLst>
           </p:cNvPr>
@@ -14074,10 +15627,35 @@
       </p:sp>
       <p:sp>
         <p:nvSpPr>
+          <p:cNvPr id="3" name="Content Placeholder 2">
+            <a:extLst>
+              <a:ext uri="{FF2B5EF4-FFF2-40B4-BE49-F238E27FC236}">
+                <a16:creationId xmlns:a16="http://schemas.microsoft.com/office/drawing/2014/main" id="{C9E1C2D1-39CB-C34C-B94C-7E3FEA66BAD3}"/>
+              </a:ext>
+            </a:extLst>
+          </p:cNvPr>
+          <p:cNvSpPr>
+            <a:spLocks noGrp="1"/>
+          </p:cNvSpPr>
+          <p:nvPr>
+            <p:ph idx="1"/>
+          </p:nvPr>
+        </p:nvSpPr>
+        <p:spPr/>
+        <p:txBody>
+          <a:bodyPr/>
+          <a:lstStyle/>
+          <a:p>
+            <a:endParaRPr lang="en-US"/>
+          </a:p>
+        </p:txBody>
+      </p:sp>
+      <p:sp>
+        <p:nvSpPr>
           <p:cNvPr id="4" name="Text Placeholder 3">
             <a:extLst>
               <a:ext uri="{FF2B5EF4-FFF2-40B4-BE49-F238E27FC236}">
-                <a16:creationId xmlns:a16="http://schemas.microsoft.com/office/drawing/2014/main" id="{175F125A-4424-674F-9E40-B904CD37D3F8}"/>
+                <a16:creationId xmlns:a16="http://schemas.microsoft.com/office/drawing/2014/main" id="{1F6A4A2C-EF06-D64F-9502-7073E0189494}"/>
               </a:ext>
             </a:extLst>
           </p:cNvPr>
@@ -14100,7 +15678,7 @@
     </p:spTree>
     <p:extLst>
       <p:ext uri="{BB962C8B-B14F-4D97-AF65-F5344CB8AC3E}">
-        <p14:creationId xmlns:p14="http://schemas.microsoft.com/office/powerpoint/2010/main" val="3417820645"/>
+        <p14:creationId xmlns:p14="http://schemas.microsoft.com/office/powerpoint/2010/main" val="2910295038"/>
       </p:ext>
     </p:extLst>
   </p:cSld>
@@ -14132,7 +15710,7 @@
           <p:cNvPr id="2" name="Picture Placeholder 1">
             <a:extLst>
               <a:ext uri="{FF2B5EF4-FFF2-40B4-BE49-F238E27FC236}">
-                <a16:creationId xmlns:a16="http://schemas.microsoft.com/office/drawing/2014/main" id="{76DF399B-6A53-F045-AB09-8553BE7D18AF}"/>
+                <a16:creationId xmlns:a16="http://schemas.microsoft.com/office/drawing/2014/main" id="{370126AC-D15F-C34C-B689-671D8108B86D}"/>
               </a:ext>
             </a:extLst>
           </p:cNvPr>
@@ -14157,7 +15735,7 @@
           <p:cNvPr id="3" name="Title 2">
             <a:extLst>
               <a:ext uri="{FF2B5EF4-FFF2-40B4-BE49-F238E27FC236}">
-                <a16:creationId xmlns:a16="http://schemas.microsoft.com/office/drawing/2014/main" id="{ECD12B56-F705-924A-AE46-58078BF5E475}"/>
+                <a16:creationId xmlns:a16="http://schemas.microsoft.com/office/drawing/2014/main" id="{04919E52-B0DF-4744-A84F-2D4BB1527675}"/>
               </a:ext>
             </a:extLst>
           </p:cNvPr>
@@ -14182,7 +15760,7 @@
           <p:cNvPr id="4" name="Text Placeholder 3">
             <a:extLst>
               <a:ext uri="{FF2B5EF4-FFF2-40B4-BE49-F238E27FC236}">
-                <a16:creationId xmlns:a16="http://schemas.microsoft.com/office/drawing/2014/main" id="{84A19C17-CB0D-6D45-8CDC-6A8A3C7935D5}"/>
+                <a16:creationId xmlns:a16="http://schemas.microsoft.com/office/drawing/2014/main" id="{E8D84524-89A4-DB47-BF72-911F1FE04E38}"/>
               </a:ext>
             </a:extLst>
           </p:cNvPr>
@@ -14205,7 +15783,7 @@
     </p:spTree>
     <p:extLst>
       <p:ext uri="{BB962C8B-B14F-4D97-AF65-F5344CB8AC3E}">
-        <p14:creationId xmlns:p14="http://schemas.microsoft.com/office/powerpoint/2010/main" val="593540478"/>
+        <p14:creationId xmlns:p14="http://schemas.microsoft.com/office/powerpoint/2010/main" val="467984945"/>
       </p:ext>
     </p:extLst>
   </p:cSld>
@@ -14421,7 +15999,7 @@
           <p:cNvPr id="2" name="Picture Placeholder 1">
             <a:extLst>
               <a:ext uri="{FF2B5EF4-FFF2-40B4-BE49-F238E27FC236}">
-                <a16:creationId xmlns:a16="http://schemas.microsoft.com/office/drawing/2014/main" id="{60BED653-EDD3-2740-B4D7-3BA94AB0927F}"/>
+                <a16:creationId xmlns:a16="http://schemas.microsoft.com/office/drawing/2014/main" id="{468A8BD2-A213-D84B-81C2-22B08D0AB3A5}"/>
               </a:ext>
             </a:extLst>
           </p:cNvPr>
@@ -14446,7 +16024,7 @@
           <p:cNvPr id="3" name="Title 2">
             <a:extLst>
               <a:ext uri="{FF2B5EF4-FFF2-40B4-BE49-F238E27FC236}">
-                <a16:creationId xmlns:a16="http://schemas.microsoft.com/office/drawing/2014/main" id="{F9EDE337-697C-1F4A-BD1C-1E21E5AC9CC3}"/>
+                <a16:creationId xmlns:a16="http://schemas.microsoft.com/office/drawing/2014/main" id="{C2F5710F-F47B-5D48-AB17-8114747C121E}"/>
               </a:ext>
             </a:extLst>
           </p:cNvPr>
@@ -14471,7 +16049,7 @@
           <p:cNvPr id="4" name="Text Placeholder 3">
             <a:extLst>
               <a:ext uri="{FF2B5EF4-FFF2-40B4-BE49-F238E27FC236}">
-                <a16:creationId xmlns:a16="http://schemas.microsoft.com/office/drawing/2014/main" id="{EB844BC3-717A-7545-B49A-751CE87839A5}"/>
+                <a16:creationId xmlns:a16="http://schemas.microsoft.com/office/drawing/2014/main" id="{D9C85A26-91D2-374F-9D13-0ADE24F86EB2}"/>
               </a:ext>
             </a:extLst>
           </p:cNvPr>
@@ -14494,7 +16072,7 @@
     </p:spTree>
     <p:extLst>
       <p:ext uri="{BB962C8B-B14F-4D97-AF65-F5344CB8AC3E}">
-        <p14:creationId xmlns:p14="http://schemas.microsoft.com/office/powerpoint/2010/main" val="1653808951"/>
+        <p14:creationId xmlns:p14="http://schemas.microsoft.com/office/powerpoint/2010/main" val="3792986467"/>
       </p:ext>
     </p:extLst>
   </p:cSld>
@@ -14523,10 +16101,35 @@
       </p:grpSpPr>
       <p:sp>
         <p:nvSpPr>
-          <p:cNvPr id="2" name="Title 1">
-            <a:extLst>
-              <a:ext uri="{FF2B5EF4-FFF2-40B4-BE49-F238E27FC236}">
-                <a16:creationId xmlns:a16="http://schemas.microsoft.com/office/drawing/2014/main" id="{89615F57-06D6-114F-B0B0-2381BD57A614}"/>
+          <p:cNvPr id="2" name="Picture Placeholder 1">
+            <a:extLst>
+              <a:ext uri="{FF2B5EF4-FFF2-40B4-BE49-F238E27FC236}">
+                <a16:creationId xmlns:a16="http://schemas.microsoft.com/office/drawing/2014/main" id="{27073D57-D0A7-D349-AD31-87A41BE5CCD7}"/>
+              </a:ext>
+            </a:extLst>
+          </p:cNvPr>
+          <p:cNvSpPr>
+            <a:spLocks noGrp="1"/>
+          </p:cNvSpPr>
+          <p:nvPr>
+            <p:ph type="pic" idx="1"/>
+          </p:nvPr>
+        </p:nvSpPr>
+        <p:spPr/>
+        <p:txBody>
+          <a:bodyPr/>
+          <a:lstStyle/>
+          <a:p>
+            <a:endParaRPr lang="hr-HR"/>
+          </a:p>
+        </p:txBody>
+      </p:sp>
+      <p:sp>
+        <p:nvSpPr>
+          <p:cNvPr id="3" name="Title 2">
+            <a:extLst>
+              <a:ext uri="{FF2B5EF4-FFF2-40B4-BE49-F238E27FC236}">
+                <a16:creationId xmlns:a16="http://schemas.microsoft.com/office/drawing/2014/main" id="{243E68CE-7075-714C-976F-A78F01BD8978}"/>
               </a:ext>
             </a:extLst>
           </p:cNvPr>
@@ -14546,10 +16149,35 @@
           </a:p>
         </p:txBody>
       </p:sp>
+      <p:sp>
+        <p:nvSpPr>
+          <p:cNvPr id="4" name="Text Placeholder 3">
+            <a:extLst>
+              <a:ext uri="{FF2B5EF4-FFF2-40B4-BE49-F238E27FC236}">
+                <a16:creationId xmlns:a16="http://schemas.microsoft.com/office/drawing/2014/main" id="{175F125A-4424-674F-9E40-B904CD37D3F8}"/>
+              </a:ext>
+            </a:extLst>
+          </p:cNvPr>
+          <p:cNvSpPr>
+            <a:spLocks noGrp="1"/>
+          </p:cNvSpPr>
+          <p:nvPr>
+            <p:ph type="body" sz="half" idx="2"/>
+          </p:nvPr>
+        </p:nvSpPr>
+        <p:spPr/>
+        <p:txBody>
+          <a:bodyPr/>
+          <a:lstStyle/>
+          <a:p>
+            <a:endParaRPr lang="en-US"/>
+          </a:p>
+        </p:txBody>
+      </p:sp>
     </p:spTree>
     <p:extLst>
       <p:ext uri="{BB962C8B-B14F-4D97-AF65-F5344CB8AC3E}">
-        <p14:creationId xmlns:p14="http://schemas.microsoft.com/office/powerpoint/2010/main" val="2898697033"/>
+        <p14:creationId xmlns:p14="http://schemas.microsoft.com/office/powerpoint/2010/main" val="3417820645"/>
       </p:ext>
     </p:extLst>
   </p:cSld>
@@ -14578,10 +16206,35 @@
       </p:grpSpPr>
       <p:sp>
         <p:nvSpPr>
-          <p:cNvPr id="2" name="Title 1">
-            <a:extLst>
-              <a:ext uri="{FF2B5EF4-FFF2-40B4-BE49-F238E27FC236}">
-                <a16:creationId xmlns:a16="http://schemas.microsoft.com/office/drawing/2014/main" id="{A04A47B7-61BE-0D4C-B4A4-6CC6F0BF5213}"/>
+          <p:cNvPr id="2" name="Picture Placeholder 1">
+            <a:extLst>
+              <a:ext uri="{FF2B5EF4-FFF2-40B4-BE49-F238E27FC236}">
+                <a16:creationId xmlns:a16="http://schemas.microsoft.com/office/drawing/2014/main" id="{76DF399B-6A53-F045-AB09-8553BE7D18AF}"/>
+              </a:ext>
+            </a:extLst>
+          </p:cNvPr>
+          <p:cNvSpPr>
+            <a:spLocks noGrp="1"/>
+          </p:cNvSpPr>
+          <p:nvPr>
+            <p:ph type="pic" idx="1"/>
+          </p:nvPr>
+        </p:nvSpPr>
+        <p:spPr/>
+        <p:txBody>
+          <a:bodyPr/>
+          <a:lstStyle/>
+          <a:p>
+            <a:endParaRPr lang="hr-HR"/>
+          </a:p>
+        </p:txBody>
+      </p:sp>
+      <p:sp>
+        <p:nvSpPr>
+          <p:cNvPr id="3" name="Title 2">
+            <a:extLst>
+              <a:ext uri="{FF2B5EF4-FFF2-40B4-BE49-F238E27FC236}">
+                <a16:creationId xmlns:a16="http://schemas.microsoft.com/office/drawing/2014/main" id="{ECD12B56-F705-924A-AE46-58078BF5E475}"/>
               </a:ext>
             </a:extLst>
           </p:cNvPr>
@@ -14601,10 +16254,35 @@
           </a:p>
         </p:txBody>
       </p:sp>
+      <p:sp>
+        <p:nvSpPr>
+          <p:cNvPr id="4" name="Text Placeholder 3">
+            <a:extLst>
+              <a:ext uri="{FF2B5EF4-FFF2-40B4-BE49-F238E27FC236}">
+                <a16:creationId xmlns:a16="http://schemas.microsoft.com/office/drawing/2014/main" id="{84A19C17-CB0D-6D45-8CDC-6A8A3C7935D5}"/>
+              </a:ext>
+            </a:extLst>
+          </p:cNvPr>
+          <p:cNvSpPr>
+            <a:spLocks noGrp="1"/>
+          </p:cNvSpPr>
+          <p:nvPr>
+            <p:ph type="body" sz="half" idx="2"/>
+          </p:nvPr>
+        </p:nvSpPr>
+        <p:spPr/>
+        <p:txBody>
+          <a:bodyPr/>
+          <a:lstStyle/>
+          <a:p>
+            <a:endParaRPr lang="en-US"/>
+          </a:p>
+        </p:txBody>
+      </p:sp>
     </p:spTree>
     <p:extLst>
       <p:ext uri="{BB962C8B-B14F-4D97-AF65-F5344CB8AC3E}">
-        <p14:creationId xmlns:p14="http://schemas.microsoft.com/office/powerpoint/2010/main" val="3109468112"/>
+        <p14:creationId xmlns:p14="http://schemas.microsoft.com/office/powerpoint/2010/main" val="593540478"/>
       </p:ext>
     </p:extLst>
   </p:cSld>
@@ -14636,6 +16314,221 @@
           <p:cNvPr id="2" name="Picture Placeholder 1">
             <a:extLst>
               <a:ext uri="{FF2B5EF4-FFF2-40B4-BE49-F238E27FC236}">
+                <a16:creationId xmlns:a16="http://schemas.microsoft.com/office/drawing/2014/main" id="{60BED653-EDD3-2740-B4D7-3BA94AB0927F}"/>
+              </a:ext>
+            </a:extLst>
+          </p:cNvPr>
+          <p:cNvSpPr>
+            <a:spLocks noGrp="1"/>
+          </p:cNvSpPr>
+          <p:nvPr>
+            <p:ph type="pic" idx="1"/>
+          </p:nvPr>
+        </p:nvSpPr>
+        <p:spPr/>
+        <p:txBody>
+          <a:bodyPr/>
+          <a:lstStyle/>
+          <a:p>
+            <a:endParaRPr lang="hr-HR"/>
+          </a:p>
+        </p:txBody>
+      </p:sp>
+      <p:sp>
+        <p:nvSpPr>
+          <p:cNvPr id="3" name="Title 2">
+            <a:extLst>
+              <a:ext uri="{FF2B5EF4-FFF2-40B4-BE49-F238E27FC236}">
+                <a16:creationId xmlns:a16="http://schemas.microsoft.com/office/drawing/2014/main" id="{F9EDE337-697C-1F4A-BD1C-1E21E5AC9CC3}"/>
+              </a:ext>
+            </a:extLst>
+          </p:cNvPr>
+          <p:cNvSpPr>
+            <a:spLocks noGrp="1"/>
+          </p:cNvSpPr>
+          <p:nvPr>
+            <p:ph type="title"/>
+          </p:nvPr>
+        </p:nvSpPr>
+        <p:spPr/>
+        <p:txBody>
+          <a:bodyPr/>
+          <a:lstStyle/>
+          <a:p>
+            <a:endParaRPr lang="en-US"/>
+          </a:p>
+        </p:txBody>
+      </p:sp>
+      <p:sp>
+        <p:nvSpPr>
+          <p:cNvPr id="4" name="Text Placeholder 3">
+            <a:extLst>
+              <a:ext uri="{FF2B5EF4-FFF2-40B4-BE49-F238E27FC236}">
+                <a16:creationId xmlns:a16="http://schemas.microsoft.com/office/drawing/2014/main" id="{EB844BC3-717A-7545-B49A-751CE87839A5}"/>
+              </a:ext>
+            </a:extLst>
+          </p:cNvPr>
+          <p:cNvSpPr>
+            <a:spLocks noGrp="1"/>
+          </p:cNvSpPr>
+          <p:nvPr>
+            <p:ph type="body" sz="half" idx="2"/>
+          </p:nvPr>
+        </p:nvSpPr>
+        <p:spPr/>
+        <p:txBody>
+          <a:bodyPr/>
+          <a:lstStyle/>
+          <a:p>
+            <a:endParaRPr lang="en-US"/>
+          </a:p>
+        </p:txBody>
+      </p:sp>
+    </p:spTree>
+    <p:extLst>
+      <p:ext uri="{BB962C8B-B14F-4D97-AF65-F5344CB8AC3E}">
+        <p14:creationId xmlns:p14="http://schemas.microsoft.com/office/powerpoint/2010/main" val="1653808951"/>
+      </p:ext>
+    </p:extLst>
+  </p:cSld>
+  <p:clrMapOvr>
+    <a:masterClrMapping/>
+  </p:clrMapOvr>
+</p:sld>
+</file>
+
+<file path=ppt/slides/slide24.xml><?xml version="1.0" encoding="utf-8"?>
+<p:sld xmlns:a="http://schemas.openxmlformats.org/drawingml/2006/main" xmlns:r="http://schemas.openxmlformats.org/officeDocument/2006/relationships" xmlns:p="http://schemas.openxmlformats.org/presentationml/2006/main">
+  <p:cSld>
+    <p:spTree>
+      <p:nvGrpSpPr>
+        <p:cNvPr id="1" name=""/>
+        <p:cNvGrpSpPr/>
+        <p:nvPr/>
+      </p:nvGrpSpPr>
+      <p:grpSpPr>
+        <a:xfrm>
+          <a:off x="0" y="0"/>
+          <a:ext cx="0" cy="0"/>
+          <a:chOff x="0" y="0"/>
+          <a:chExt cx="0" cy="0"/>
+        </a:xfrm>
+      </p:grpSpPr>
+      <p:sp>
+        <p:nvSpPr>
+          <p:cNvPr id="2" name="Title 1">
+            <a:extLst>
+              <a:ext uri="{FF2B5EF4-FFF2-40B4-BE49-F238E27FC236}">
+                <a16:creationId xmlns:a16="http://schemas.microsoft.com/office/drawing/2014/main" id="{89615F57-06D6-114F-B0B0-2381BD57A614}"/>
+              </a:ext>
+            </a:extLst>
+          </p:cNvPr>
+          <p:cNvSpPr>
+            <a:spLocks noGrp="1"/>
+          </p:cNvSpPr>
+          <p:nvPr>
+            <p:ph type="title"/>
+          </p:nvPr>
+        </p:nvSpPr>
+        <p:spPr/>
+        <p:txBody>
+          <a:bodyPr/>
+          <a:lstStyle/>
+          <a:p>
+            <a:endParaRPr lang="en-US"/>
+          </a:p>
+        </p:txBody>
+      </p:sp>
+    </p:spTree>
+    <p:extLst>
+      <p:ext uri="{BB962C8B-B14F-4D97-AF65-F5344CB8AC3E}">
+        <p14:creationId xmlns:p14="http://schemas.microsoft.com/office/powerpoint/2010/main" val="2898697033"/>
+      </p:ext>
+    </p:extLst>
+  </p:cSld>
+  <p:clrMapOvr>
+    <a:masterClrMapping/>
+  </p:clrMapOvr>
+</p:sld>
+</file>
+
+<file path=ppt/slides/slide25.xml><?xml version="1.0" encoding="utf-8"?>
+<p:sld xmlns:a="http://schemas.openxmlformats.org/drawingml/2006/main" xmlns:r="http://schemas.openxmlformats.org/officeDocument/2006/relationships" xmlns:p="http://schemas.openxmlformats.org/presentationml/2006/main">
+  <p:cSld>
+    <p:spTree>
+      <p:nvGrpSpPr>
+        <p:cNvPr id="1" name=""/>
+        <p:cNvGrpSpPr/>
+        <p:nvPr/>
+      </p:nvGrpSpPr>
+      <p:grpSpPr>
+        <a:xfrm>
+          <a:off x="0" y="0"/>
+          <a:ext cx="0" cy="0"/>
+          <a:chOff x="0" y="0"/>
+          <a:chExt cx="0" cy="0"/>
+        </a:xfrm>
+      </p:grpSpPr>
+      <p:sp>
+        <p:nvSpPr>
+          <p:cNvPr id="2" name="Title 1">
+            <a:extLst>
+              <a:ext uri="{FF2B5EF4-FFF2-40B4-BE49-F238E27FC236}">
+                <a16:creationId xmlns:a16="http://schemas.microsoft.com/office/drawing/2014/main" id="{A04A47B7-61BE-0D4C-B4A4-6CC6F0BF5213}"/>
+              </a:ext>
+            </a:extLst>
+          </p:cNvPr>
+          <p:cNvSpPr>
+            <a:spLocks noGrp="1"/>
+          </p:cNvSpPr>
+          <p:nvPr>
+            <p:ph type="title"/>
+          </p:nvPr>
+        </p:nvSpPr>
+        <p:spPr/>
+        <p:txBody>
+          <a:bodyPr/>
+          <a:lstStyle/>
+          <a:p>
+            <a:endParaRPr lang="en-US"/>
+          </a:p>
+        </p:txBody>
+      </p:sp>
+    </p:spTree>
+    <p:extLst>
+      <p:ext uri="{BB962C8B-B14F-4D97-AF65-F5344CB8AC3E}">
+        <p14:creationId xmlns:p14="http://schemas.microsoft.com/office/powerpoint/2010/main" val="3109468112"/>
+      </p:ext>
+    </p:extLst>
+  </p:cSld>
+  <p:clrMapOvr>
+    <a:masterClrMapping/>
+  </p:clrMapOvr>
+</p:sld>
+</file>
+
+<file path=ppt/slides/slide26.xml><?xml version="1.0" encoding="utf-8"?>
+<p:sld xmlns:a="http://schemas.openxmlformats.org/drawingml/2006/main" xmlns:r="http://schemas.openxmlformats.org/officeDocument/2006/relationships" xmlns:p="http://schemas.openxmlformats.org/presentationml/2006/main">
+  <p:cSld>
+    <p:spTree>
+      <p:nvGrpSpPr>
+        <p:cNvPr id="1" name=""/>
+        <p:cNvGrpSpPr/>
+        <p:nvPr/>
+      </p:nvGrpSpPr>
+      <p:grpSpPr>
+        <a:xfrm>
+          <a:off x="0" y="0"/>
+          <a:ext cx="0" cy="0"/>
+          <a:chOff x="0" y="0"/>
+          <a:chExt cx="0" cy="0"/>
+        </a:xfrm>
+      </p:grpSpPr>
+      <p:sp>
+        <p:nvSpPr>
+          <p:cNvPr id="2" name="Picture Placeholder 1">
+            <a:extLst>
+              <a:ext uri="{FF2B5EF4-FFF2-40B4-BE49-F238E27FC236}">
                 <a16:creationId xmlns:a16="http://schemas.microsoft.com/office/drawing/2014/main" id="{1DBD7D0D-B1DE-8040-B44B-32162AA6C297}"/>
               </a:ext>
             </a:extLst>
@@ -14669,7 +16562,7 @@
 </p:sld>
 </file>
 
-<file path=ppt/slides/slide24.xml><?xml version="1.0" encoding="utf-8"?>
+<file path=ppt/slides/slide27.xml><?xml version="1.0" encoding="utf-8"?>
 <p:sld xmlns:a="http://schemas.openxmlformats.org/drawingml/2006/main" xmlns:r="http://schemas.openxmlformats.org/officeDocument/2006/relationships" xmlns:p="http://schemas.openxmlformats.org/presentationml/2006/main">
   <p:cSld>
     <p:spTree>
@@ -17956,15 +19849,6 @@
 </file>
 
 <file path=customXml/item1.xml><?xml version="1.0" encoding="utf-8"?>
-<?mso-contentType ?>
-<FormTemplates xmlns="http://schemas.microsoft.com/sharepoint/v3/contenttype/forms">
-  <Display>DocumentLibraryForm</Display>
-  <Edit>DocumentLibraryForm</Edit>
-  <New>DocumentLibraryForm</New>
-</FormTemplates>
-</file>
-
-<file path=customXml/item2.xml><?xml version="1.0" encoding="utf-8"?>
 <p:properties xmlns:p="http://schemas.microsoft.com/office/2006/metadata/properties" xmlns:xsi="http://www.w3.org/2001/XMLSchema-instance" xmlns:pc="http://schemas.microsoft.com/office/infopath/2007/PartnerControls">
   <documentManagement>
     <lcf76f155ced4ddcb4097134ff3c332f xmlns="40806f44-bc4a-4ea4-b660-c6da93f8f179">
@@ -17973,6 +19857,15 @@
     <TaxCatchAll xmlns="758d0d8f-b783-4c78-ab73-9740c97b97cf" xsi:nil="true"/>
   </documentManagement>
 </p:properties>
+</file>
+
+<file path=customXml/item2.xml><?xml version="1.0" encoding="utf-8"?>
+<?mso-contentType ?>
+<FormTemplates xmlns="http://schemas.microsoft.com/sharepoint/v3/contenttype/forms">
+  <Display>DocumentLibraryForm</Display>
+  <Edit>DocumentLibraryForm</Edit>
+  <New>DocumentLibraryForm</New>
+</FormTemplates>
 </file>
 
 <file path=customXml/item3.xml><?xml version="1.0" encoding="utf-8"?>
@@ -18193,23 +20086,26 @@
 </file>
 
 <file path=customXml/itemProps1.xml><?xml version="1.0" encoding="utf-8"?>
-<ds:datastoreItem xmlns:ds="http://schemas.openxmlformats.org/officeDocument/2006/customXml" ds:itemID="{46915D30-CAA6-465E-907F-1770D4E3B01D}">
+<ds:datastoreItem xmlns:ds="http://schemas.openxmlformats.org/officeDocument/2006/customXml" ds:itemID="{61E72F81-8533-461E-8E71-A6D77294CFEF}">
   <ds:schemaRefs>
-    <ds:schemaRef ds:uri="http://schemas.microsoft.com/sharepoint/v3/contenttype/forms"/>
+    <ds:schemaRef ds:uri="http://purl.org/dc/elements/1.1/"/>
+    <ds:schemaRef ds:uri="http://www.w3.org/XML/1998/namespace"/>
+    <ds:schemaRef ds:uri="http://purl.org/dc/terms/"/>
+    <ds:schemaRef ds:uri="http://schemas.microsoft.com/office/2006/documentManagement/types"/>
+    <ds:schemaRef ds:uri="40806f44-bc4a-4ea4-b660-c6da93f8f179"/>
+    <ds:schemaRef ds:uri="http://schemas.openxmlformats.org/package/2006/metadata/core-properties"/>
+    <ds:schemaRef ds:uri="http://purl.org/dc/dcmitype/"/>
+    <ds:schemaRef ds:uri="http://schemas.microsoft.com/office/infopath/2007/PartnerControls"/>
+    <ds:schemaRef ds:uri="758d0d8f-b783-4c78-ab73-9740c97b97cf"/>
+    <ds:schemaRef ds:uri="http://schemas.microsoft.com/office/2006/metadata/properties"/>
   </ds:schemaRefs>
 </ds:datastoreItem>
 </file>
 
 <file path=customXml/itemProps2.xml><?xml version="1.0" encoding="utf-8"?>
-<ds:datastoreItem xmlns:ds="http://schemas.openxmlformats.org/officeDocument/2006/customXml" ds:itemID="{61E72F81-8533-461E-8E71-A6D77294CFEF}">
+<ds:datastoreItem xmlns:ds="http://schemas.openxmlformats.org/officeDocument/2006/customXml" ds:itemID="{46915D30-CAA6-465E-907F-1770D4E3B01D}">
   <ds:schemaRefs>
-    <ds:schemaRef ds:uri="http://schemas.microsoft.com/office/2006/metadata/properties"/>
-    <ds:schemaRef ds:uri="http://schemas.microsoft.com/office/infopath/2007/PartnerControls"/>
-    <ds:schemaRef ds:uri="http://schemas.microsoft.com/sharepoint/v3"/>
-    <ds:schemaRef ds:uri="d4fbcfa9-262e-4385-b740-b3934901262c"/>
-    <ds:schemaRef ds:uri="96e17af9-d576-436f-bb23-eded3c88783b"/>
-    <ds:schemaRef ds:uri="40806f44-bc4a-4ea4-b660-c6da93f8f179"/>
-    <ds:schemaRef ds:uri="758d0d8f-b783-4c78-ab73-9740c97b97cf"/>
+    <ds:schemaRef ds:uri="http://schemas.microsoft.com/sharepoint/v3/contenttype/forms"/>
   </ds:schemaRefs>
 </ds:datastoreItem>
 </file>

--- a/Bootcamp/dan-22-html-css/dan-22-html-css.pptx
+++ b/Bootcamp/dan-22-html-css/dan-22-html-css.pptx
@@ -5,7 +5,7 @@
     <p:sldMasterId id="2147483648" r:id="rId4"/>
   </p:sldMasterIdLst>
   <p:notesMasterIdLst>
-    <p:notesMasterId r:id="rId32"/>
+    <p:notesMasterId r:id="rId39"/>
   </p:notesMasterIdLst>
   <p:sldIdLst>
     <p:sldId id="282" r:id="rId5"/>
@@ -24,17 +24,24 @@
     <p:sldId id="294" r:id="rId18"/>
     <p:sldId id="263" r:id="rId19"/>
     <p:sldId id="270" r:id="rId20"/>
-    <p:sldId id="266" r:id="rId21"/>
-    <p:sldId id="264" r:id="rId22"/>
-    <p:sldId id="272" r:id="rId23"/>
-    <p:sldId id="273" r:id="rId24"/>
-    <p:sldId id="274" r:id="rId25"/>
-    <p:sldId id="275" r:id="rId26"/>
-    <p:sldId id="267" r:id="rId27"/>
-    <p:sldId id="268" r:id="rId28"/>
-    <p:sldId id="269" r:id="rId29"/>
-    <p:sldId id="265" r:id="rId30"/>
-    <p:sldId id="276" r:id="rId31"/>
+    <p:sldId id="296" r:id="rId21"/>
+    <p:sldId id="298" r:id="rId22"/>
+    <p:sldId id="297" r:id="rId23"/>
+    <p:sldId id="299" r:id="rId24"/>
+    <p:sldId id="300" r:id="rId25"/>
+    <p:sldId id="301" r:id="rId26"/>
+    <p:sldId id="302" r:id="rId27"/>
+    <p:sldId id="266" r:id="rId28"/>
+    <p:sldId id="264" r:id="rId29"/>
+    <p:sldId id="272" r:id="rId30"/>
+    <p:sldId id="273" r:id="rId31"/>
+    <p:sldId id="274" r:id="rId32"/>
+    <p:sldId id="275" r:id="rId33"/>
+    <p:sldId id="267" r:id="rId34"/>
+    <p:sldId id="268" r:id="rId35"/>
+    <p:sldId id="269" r:id="rId36"/>
+    <p:sldId id="265" r:id="rId37"/>
+    <p:sldId id="276" r:id="rId38"/>
   </p:sldIdLst>
   <p:sldSz cx="12192000" cy="6858000"/>
   <p:notesSz cx="6858000" cy="9144000"/>
@@ -158,6 +165,13 @@
             <p14:sldId id="294"/>
             <p14:sldId id="263"/>
             <p14:sldId id="270"/>
+            <p14:sldId id="296"/>
+            <p14:sldId id="298"/>
+            <p14:sldId id="297"/>
+            <p14:sldId id="299"/>
+            <p14:sldId id="300"/>
+            <p14:sldId id="301"/>
+            <p14:sldId id="302"/>
             <p14:sldId id="266"/>
             <p14:sldId id="264"/>
             <p14:sldId id="272"/>
@@ -728,6 +742,532 @@
     <p:extLst>
       <p:ext uri="{BB962C8B-B14F-4D97-AF65-F5344CB8AC3E}">
         <p14:creationId xmlns:p14="http://schemas.microsoft.com/office/powerpoint/2010/main" val="2169808605"/>
+      </p:ext>
+    </p:extLst>
+  </p:cSld>
+  <p:clrMapOvr>
+    <a:masterClrMapping/>
+  </p:clrMapOvr>
+</p:notes>
+</file>
+
+<file path=ppt/notesSlides/notesSlide11.xml><?xml version="1.0" encoding="utf-8"?>
+<p:notes xmlns:a="http://schemas.openxmlformats.org/drawingml/2006/main" xmlns:r="http://schemas.openxmlformats.org/officeDocument/2006/relationships" xmlns:p="http://schemas.openxmlformats.org/presentationml/2006/main">
+  <p:cSld>
+    <p:spTree>
+      <p:nvGrpSpPr>
+        <p:cNvPr id="1" name=""/>
+        <p:cNvGrpSpPr/>
+        <p:nvPr/>
+      </p:nvGrpSpPr>
+      <p:grpSpPr>
+        <a:xfrm>
+          <a:off x="0" y="0"/>
+          <a:ext cx="0" cy="0"/>
+          <a:chOff x="0" y="0"/>
+          <a:chExt cx="0" cy="0"/>
+        </a:xfrm>
+      </p:grpSpPr>
+      <p:sp>
+        <p:nvSpPr>
+          <p:cNvPr id="2" name="Slide Image Placeholder 1"/>
+          <p:cNvSpPr>
+            <a:spLocks noGrp="1" noRot="1" noChangeAspect="1"/>
+          </p:cNvSpPr>
+          <p:nvPr>
+            <p:ph type="sldImg"/>
+          </p:nvPr>
+        </p:nvSpPr>
+        <p:spPr/>
+      </p:sp>
+      <p:sp>
+        <p:nvSpPr>
+          <p:cNvPr id="3" name="Notes Placeholder 2"/>
+          <p:cNvSpPr>
+            <a:spLocks noGrp="1"/>
+          </p:cNvSpPr>
+          <p:nvPr>
+            <p:ph type="body" idx="1"/>
+          </p:nvPr>
+        </p:nvSpPr>
+        <p:spPr/>
+        <p:txBody>
+          <a:bodyPr/>
+          <a:lstStyle/>
+          <a:p>
+            <a:r>
+              <a:rPr lang="en-US" dirty="0" err="1"/>
+              <a:t>Obavezno</a:t>
+            </a:r>
+            <a:r>
+              <a:rPr lang="en-US" dirty="0"/>
+              <a:t> resource</a:t>
+            </a:r>
+            <a:br>
+              <a:rPr lang="en-US" dirty="0"/>
+            </a:br>
+            <a:br>
+              <a:rPr lang="en-US" dirty="0"/>
+            </a:br>
+            <a:r>
+              <a:rPr lang="en-US" dirty="0"/>
+              <a:t>https://www.w3schools.com/html/html_attributes.asp</a:t>
+            </a:r>
+            <a:endParaRPr lang="hr-HR" dirty="0"/>
+          </a:p>
+        </p:txBody>
+      </p:sp>
+      <p:sp>
+        <p:nvSpPr>
+          <p:cNvPr id="4" name="Slide Number Placeholder 3"/>
+          <p:cNvSpPr>
+            <a:spLocks noGrp="1"/>
+          </p:cNvSpPr>
+          <p:nvPr>
+            <p:ph type="sldNum" sz="quarter" idx="5"/>
+          </p:nvPr>
+        </p:nvSpPr>
+        <p:spPr/>
+        <p:txBody>
+          <a:bodyPr/>
+          <a:lstStyle/>
+          <a:p>
+            <a:fld id="{343B951A-A665-1949-AEDB-B62DC9BE7F13}" type="slidenum">
+              <a:rPr lang="en-US" smtClean="0"/>
+              <a:t>16</a:t>
+            </a:fld>
+            <a:endParaRPr lang="en-US"/>
+          </a:p>
+        </p:txBody>
+      </p:sp>
+    </p:spTree>
+    <p:extLst>
+      <p:ext uri="{BB962C8B-B14F-4D97-AF65-F5344CB8AC3E}">
+        <p14:creationId xmlns:p14="http://schemas.microsoft.com/office/powerpoint/2010/main" val="1496103376"/>
+      </p:ext>
+    </p:extLst>
+  </p:cSld>
+  <p:clrMapOvr>
+    <a:masterClrMapping/>
+  </p:clrMapOvr>
+</p:notes>
+</file>
+
+<file path=ppt/notesSlides/notesSlide12.xml><?xml version="1.0" encoding="utf-8"?>
+<p:notes xmlns:a="http://schemas.openxmlformats.org/drawingml/2006/main" xmlns:r="http://schemas.openxmlformats.org/officeDocument/2006/relationships" xmlns:p="http://schemas.openxmlformats.org/presentationml/2006/main">
+  <p:cSld>
+    <p:spTree>
+      <p:nvGrpSpPr>
+        <p:cNvPr id="1" name=""/>
+        <p:cNvGrpSpPr/>
+        <p:nvPr/>
+      </p:nvGrpSpPr>
+      <p:grpSpPr>
+        <a:xfrm>
+          <a:off x="0" y="0"/>
+          <a:ext cx="0" cy="0"/>
+          <a:chOff x="0" y="0"/>
+          <a:chExt cx="0" cy="0"/>
+        </a:xfrm>
+      </p:grpSpPr>
+      <p:sp>
+        <p:nvSpPr>
+          <p:cNvPr id="2" name="Slide Image Placeholder 1"/>
+          <p:cNvSpPr>
+            <a:spLocks noGrp="1" noRot="1" noChangeAspect="1"/>
+          </p:cNvSpPr>
+          <p:nvPr>
+            <p:ph type="sldImg"/>
+          </p:nvPr>
+        </p:nvSpPr>
+        <p:spPr/>
+      </p:sp>
+      <p:sp>
+        <p:nvSpPr>
+          <p:cNvPr id="3" name="Notes Placeholder 2"/>
+          <p:cNvSpPr>
+            <a:spLocks noGrp="1"/>
+          </p:cNvSpPr>
+          <p:nvPr>
+            <p:ph type="body" idx="1"/>
+          </p:nvPr>
+        </p:nvSpPr>
+        <p:spPr/>
+        <p:txBody>
+          <a:bodyPr/>
+          <a:lstStyle/>
+          <a:p>
+            <a:r>
+              <a:rPr lang="en-US" dirty="0"/>
+              <a:t>https://www.w3schools.com/html/html_attributes.asp</a:t>
+            </a:r>
+            <a:endParaRPr lang="hr-HR" dirty="0"/>
+          </a:p>
+        </p:txBody>
+      </p:sp>
+      <p:sp>
+        <p:nvSpPr>
+          <p:cNvPr id="4" name="Slide Number Placeholder 3"/>
+          <p:cNvSpPr>
+            <a:spLocks noGrp="1"/>
+          </p:cNvSpPr>
+          <p:nvPr>
+            <p:ph type="sldNum" sz="quarter" idx="5"/>
+          </p:nvPr>
+        </p:nvSpPr>
+        <p:spPr/>
+        <p:txBody>
+          <a:bodyPr/>
+          <a:lstStyle/>
+          <a:p>
+            <a:fld id="{343B951A-A665-1949-AEDB-B62DC9BE7F13}" type="slidenum">
+              <a:rPr lang="en-US" smtClean="0"/>
+              <a:t>19</a:t>
+            </a:fld>
+            <a:endParaRPr lang="en-US"/>
+          </a:p>
+        </p:txBody>
+      </p:sp>
+    </p:spTree>
+    <p:extLst>
+      <p:ext uri="{BB962C8B-B14F-4D97-AF65-F5344CB8AC3E}">
+        <p14:creationId xmlns:p14="http://schemas.microsoft.com/office/powerpoint/2010/main" val="2816558922"/>
+      </p:ext>
+    </p:extLst>
+  </p:cSld>
+  <p:clrMapOvr>
+    <a:masterClrMapping/>
+  </p:clrMapOvr>
+</p:notes>
+</file>
+
+<file path=ppt/notesSlides/notesSlide13.xml><?xml version="1.0" encoding="utf-8"?>
+<p:notes xmlns:a="http://schemas.openxmlformats.org/drawingml/2006/main" xmlns:r="http://schemas.openxmlformats.org/officeDocument/2006/relationships" xmlns:p="http://schemas.openxmlformats.org/presentationml/2006/main">
+  <p:cSld>
+    <p:spTree>
+      <p:nvGrpSpPr>
+        <p:cNvPr id="1" name="">
+          <a:extLst>
+            <a:ext uri="{FF2B5EF4-FFF2-40B4-BE49-F238E27FC236}">
+              <a16:creationId xmlns:a16="http://schemas.microsoft.com/office/drawing/2014/main" id="{3C1CD36F-A56B-B805-5860-6D4D0983859B}"/>
+            </a:ext>
+          </a:extLst>
+        </p:cNvPr>
+        <p:cNvGrpSpPr/>
+        <p:nvPr/>
+      </p:nvGrpSpPr>
+      <p:grpSpPr>
+        <a:xfrm>
+          <a:off x="0" y="0"/>
+          <a:ext cx="0" cy="0"/>
+          <a:chOff x="0" y="0"/>
+          <a:chExt cx="0" cy="0"/>
+        </a:xfrm>
+      </p:grpSpPr>
+      <p:sp>
+        <p:nvSpPr>
+          <p:cNvPr id="2" name="Slide Image Placeholder 1">
+            <a:extLst>
+              <a:ext uri="{FF2B5EF4-FFF2-40B4-BE49-F238E27FC236}">
+                <a16:creationId xmlns:a16="http://schemas.microsoft.com/office/drawing/2014/main" id="{051DC01C-52F4-8E0F-B7F5-6199257282D5}"/>
+              </a:ext>
+            </a:extLst>
+          </p:cNvPr>
+          <p:cNvSpPr>
+            <a:spLocks noGrp="1" noRot="1" noChangeAspect="1"/>
+          </p:cNvSpPr>
+          <p:nvPr>
+            <p:ph type="sldImg"/>
+          </p:nvPr>
+        </p:nvSpPr>
+        <p:spPr/>
+      </p:sp>
+      <p:sp>
+        <p:nvSpPr>
+          <p:cNvPr id="3" name="Notes Placeholder 2">
+            <a:extLst>
+              <a:ext uri="{FF2B5EF4-FFF2-40B4-BE49-F238E27FC236}">
+                <a16:creationId xmlns:a16="http://schemas.microsoft.com/office/drawing/2014/main" id="{BDCFECC0-8E77-EB6C-C20F-6FC874C2990C}"/>
+              </a:ext>
+            </a:extLst>
+          </p:cNvPr>
+          <p:cNvSpPr>
+            <a:spLocks noGrp="1"/>
+          </p:cNvSpPr>
+          <p:nvPr>
+            <p:ph type="body" idx="1"/>
+          </p:nvPr>
+        </p:nvSpPr>
+        <p:spPr/>
+        <p:txBody>
+          <a:bodyPr/>
+          <a:lstStyle/>
+          <a:p>
+            <a:r>
+              <a:rPr lang="en-US" dirty="0"/>
+              <a:t>https://www.w3schools.com/html/html_attributes.asp</a:t>
+            </a:r>
+            <a:endParaRPr lang="hr-HR" dirty="0"/>
+          </a:p>
+        </p:txBody>
+      </p:sp>
+      <p:sp>
+        <p:nvSpPr>
+          <p:cNvPr id="4" name="Slide Number Placeholder 3">
+            <a:extLst>
+              <a:ext uri="{FF2B5EF4-FFF2-40B4-BE49-F238E27FC236}">
+                <a16:creationId xmlns:a16="http://schemas.microsoft.com/office/drawing/2014/main" id="{7096E7FC-37F2-DC3D-AC3C-1A852F549C1C}"/>
+              </a:ext>
+            </a:extLst>
+          </p:cNvPr>
+          <p:cNvSpPr>
+            <a:spLocks noGrp="1"/>
+          </p:cNvSpPr>
+          <p:nvPr>
+            <p:ph type="sldNum" sz="quarter" idx="5"/>
+          </p:nvPr>
+        </p:nvSpPr>
+        <p:spPr/>
+        <p:txBody>
+          <a:bodyPr/>
+          <a:lstStyle/>
+          <a:p>
+            <a:fld id="{343B951A-A665-1949-AEDB-B62DC9BE7F13}" type="slidenum">
+              <a:rPr lang="en-US" smtClean="0"/>
+              <a:t>20</a:t>
+            </a:fld>
+            <a:endParaRPr lang="en-US"/>
+          </a:p>
+        </p:txBody>
+      </p:sp>
+    </p:spTree>
+    <p:extLst>
+      <p:ext uri="{BB962C8B-B14F-4D97-AF65-F5344CB8AC3E}">
+        <p14:creationId xmlns:p14="http://schemas.microsoft.com/office/powerpoint/2010/main" val="1064853168"/>
+      </p:ext>
+    </p:extLst>
+  </p:cSld>
+  <p:clrMapOvr>
+    <a:masterClrMapping/>
+  </p:clrMapOvr>
+</p:notes>
+</file>
+
+<file path=ppt/notesSlides/notesSlide14.xml><?xml version="1.0" encoding="utf-8"?>
+<p:notes xmlns:a="http://schemas.openxmlformats.org/drawingml/2006/main" xmlns:r="http://schemas.openxmlformats.org/officeDocument/2006/relationships" xmlns:p="http://schemas.openxmlformats.org/presentationml/2006/main">
+  <p:cSld>
+    <p:spTree>
+      <p:nvGrpSpPr>
+        <p:cNvPr id="1" name="">
+          <a:extLst>
+            <a:ext uri="{FF2B5EF4-FFF2-40B4-BE49-F238E27FC236}">
+              <a16:creationId xmlns:a16="http://schemas.microsoft.com/office/drawing/2014/main" id="{57FA1A52-FBEC-C649-B37C-9E3791F1064E}"/>
+            </a:ext>
+          </a:extLst>
+        </p:cNvPr>
+        <p:cNvGrpSpPr/>
+        <p:nvPr/>
+      </p:nvGrpSpPr>
+      <p:grpSpPr>
+        <a:xfrm>
+          <a:off x="0" y="0"/>
+          <a:ext cx="0" cy="0"/>
+          <a:chOff x="0" y="0"/>
+          <a:chExt cx="0" cy="0"/>
+        </a:xfrm>
+      </p:grpSpPr>
+      <p:sp>
+        <p:nvSpPr>
+          <p:cNvPr id="2" name="Slide Image Placeholder 1">
+            <a:extLst>
+              <a:ext uri="{FF2B5EF4-FFF2-40B4-BE49-F238E27FC236}">
+                <a16:creationId xmlns:a16="http://schemas.microsoft.com/office/drawing/2014/main" id="{0BFE6B27-FE2F-D028-03E7-2F9427FA34FC}"/>
+              </a:ext>
+            </a:extLst>
+          </p:cNvPr>
+          <p:cNvSpPr>
+            <a:spLocks noGrp="1" noRot="1" noChangeAspect="1"/>
+          </p:cNvSpPr>
+          <p:nvPr>
+            <p:ph type="sldImg"/>
+          </p:nvPr>
+        </p:nvSpPr>
+        <p:spPr/>
+      </p:sp>
+      <p:sp>
+        <p:nvSpPr>
+          <p:cNvPr id="3" name="Notes Placeholder 2">
+            <a:extLst>
+              <a:ext uri="{FF2B5EF4-FFF2-40B4-BE49-F238E27FC236}">
+                <a16:creationId xmlns:a16="http://schemas.microsoft.com/office/drawing/2014/main" id="{DCCB0239-B926-DDF1-45AF-3D9D5E26FA92}"/>
+              </a:ext>
+            </a:extLst>
+          </p:cNvPr>
+          <p:cNvSpPr>
+            <a:spLocks noGrp="1"/>
+          </p:cNvSpPr>
+          <p:nvPr>
+            <p:ph type="body" idx="1"/>
+          </p:nvPr>
+        </p:nvSpPr>
+        <p:spPr/>
+        <p:txBody>
+          <a:bodyPr/>
+          <a:lstStyle/>
+          <a:p>
+            <a:r>
+              <a:rPr lang="en-US" dirty="0"/>
+              <a:t>https://www.w3schools.com/html/html_attributes.asp</a:t>
+            </a:r>
+            <a:endParaRPr lang="hr-HR" dirty="0"/>
+          </a:p>
+        </p:txBody>
+      </p:sp>
+      <p:sp>
+        <p:nvSpPr>
+          <p:cNvPr id="4" name="Slide Number Placeholder 3">
+            <a:extLst>
+              <a:ext uri="{FF2B5EF4-FFF2-40B4-BE49-F238E27FC236}">
+                <a16:creationId xmlns:a16="http://schemas.microsoft.com/office/drawing/2014/main" id="{DB17405A-5ECC-3F0B-6222-6417DFA8FD72}"/>
+              </a:ext>
+            </a:extLst>
+          </p:cNvPr>
+          <p:cNvSpPr>
+            <a:spLocks noGrp="1"/>
+          </p:cNvSpPr>
+          <p:nvPr>
+            <p:ph type="sldNum" sz="quarter" idx="5"/>
+          </p:nvPr>
+        </p:nvSpPr>
+        <p:spPr/>
+        <p:txBody>
+          <a:bodyPr/>
+          <a:lstStyle/>
+          <a:p>
+            <a:fld id="{343B951A-A665-1949-AEDB-B62DC9BE7F13}" type="slidenum">
+              <a:rPr lang="en-US" smtClean="0"/>
+              <a:t>21</a:t>
+            </a:fld>
+            <a:endParaRPr lang="en-US"/>
+          </a:p>
+        </p:txBody>
+      </p:sp>
+    </p:spTree>
+    <p:extLst>
+      <p:ext uri="{BB962C8B-B14F-4D97-AF65-F5344CB8AC3E}">
+        <p14:creationId xmlns:p14="http://schemas.microsoft.com/office/powerpoint/2010/main" val="2275240029"/>
+      </p:ext>
+    </p:extLst>
+  </p:cSld>
+  <p:clrMapOvr>
+    <a:masterClrMapping/>
+  </p:clrMapOvr>
+</p:notes>
+</file>
+
+<file path=ppt/notesSlides/notesSlide15.xml><?xml version="1.0" encoding="utf-8"?>
+<p:notes xmlns:a="http://schemas.openxmlformats.org/drawingml/2006/main" xmlns:r="http://schemas.openxmlformats.org/officeDocument/2006/relationships" xmlns:p="http://schemas.openxmlformats.org/presentationml/2006/main">
+  <p:cSld>
+    <p:spTree>
+      <p:nvGrpSpPr>
+        <p:cNvPr id="1" name="">
+          <a:extLst>
+            <a:ext uri="{FF2B5EF4-FFF2-40B4-BE49-F238E27FC236}">
+              <a16:creationId xmlns:a16="http://schemas.microsoft.com/office/drawing/2014/main" id="{E3191A89-AF98-C0E1-4ABC-AEBEE7E8FE41}"/>
+            </a:ext>
+          </a:extLst>
+        </p:cNvPr>
+        <p:cNvGrpSpPr/>
+        <p:nvPr/>
+      </p:nvGrpSpPr>
+      <p:grpSpPr>
+        <a:xfrm>
+          <a:off x="0" y="0"/>
+          <a:ext cx="0" cy="0"/>
+          <a:chOff x="0" y="0"/>
+          <a:chExt cx="0" cy="0"/>
+        </a:xfrm>
+      </p:grpSpPr>
+      <p:sp>
+        <p:nvSpPr>
+          <p:cNvPr id="2" name="Slide Image Placeholder 1">
+            <a:extLst>
+              <a:ext uri="{FF2B5EF4-FFF2-40B4-BE49-F238E27FC236}">
+                <a16:creationId xmlns:a16="http://schemas.microsoft.com/office/drawing/2014/main" id="{5DB80508-D263-E4B8-12BD-983B7D169D9B}"/>
+              </a:ext>
+            </a:extLst>
+          </p:cNvPr>
+          <p:cNvSpPr>
+            <a:spLocks noGrp="1" noRot="1" noChangeAspect="1"/>
+          </p:cNvSpPr>
+          <p:nvPr>
+            <p:ph type="sldImg"/>
+          </p:nvPr>
+        </p:nvSpPr>
+        <p:spPr/>
+      </p:sp>
+      <p:sp>
+        <p:nvSpPr>
+          <p:cNvPr id="3" name="Notes Placeholder 2">
+            <a:extLst>
+              <a:ext uri="{FF2B5EF4-FFF2-40B4-BE49-F238E27FC236}">
+                <a16:creationId xmlns:a16="http://schemas.microsoft.com/office/drawing/2014/main" id="{EBE71A36-1557-5674-5C1B-E1ABC3CF067D}"/>
+              </a:ext>
+            </a:extLst>
+          </p:cNvPr>
+          <p:cNvSpPr>
+            <a:spLocks noGrp="1"/>
+          </p:cNvSpPr>
+          <p:nvPr>
+            <p:ph type="body" idx="1"/>
+          </p:nvPr>
+        </p:nvSpPr>
+        <p:spPr/>
+        <p:txBody>
+          <a:bodyPr/>
+          <a:lstStyle/>
+          <a:p>
+            <a:r>
+              <a:rPr lang="en-US" dirty="0"/>
+              <a:t>https://www.w3schools.com/html/html_attributes.asp</a:t>
+            </a:r>
+            <a:endParaRPr lang="hr-HR" dirty="0"/>
+          </a:p>
+        </p:txBody>
+      </p:sp>
+      <p:sp>
+        <p:nvSpPr>
+          <p:cNvPr id="4" name="Slide Number Placeholder 3">
+            <a:extLst>
+              <a:ext uri="{FF2B5EF4-FFF2-40B4-BE49-F238E27FC236}">
+                <a16:creationId xmlns:a16="http://schemas.microsoft.com/office/drawing/2014/main" id="{B955D5D0-9BF4-DB22-7400-94A50638279D}"/>
+              </a:ext>
+            </a:extLst>
+          </p:cNvPr>
+          <p:cNvSpPr>
+            <a:spLocks noGrp="1"/>
+          </p:cNvSpPr>
+          <p:nvPr>
+            <p:ph type="sldNum" sz="quarter" idx="5"/>
+          </p:nvPr>
+        </p:nvSpPr>
+        <p:spPr/>
+        <p:txBody>
+          <a:bodyPr/>
+          <a:lstStyle/>
+          <a:p>
+            <a:fld id="{343B951A-A665-1949-AEDB-B62DC9BE7F13}" type="slidenum">
+              <a:rPr lang="en-US" smtClean="0"/>
+              <a:t>23</a:t>
+            </a:fld>
+            <a:endParaRPr lang="en-US"/>
+          </a:p>
+        </p:txBody>
+      </p:sp>
+    </p:spTree>
+    <p:extLst>
+      <p:ext uri="{BB962C8B-B14F-4D97-AF65-F5344CB8AC3E}">
+        <p14:creationId xmlns:p14="http://schemas.microsoft.com/office/powerpoint/2010/main" val="1384151150"/>
       </p:ext>
     </p:extLst>
   </p:cSld>
@@ -15450,21 +15990,201 @@
           <p:nvPr/>
         </p:nvPicPr>
         <p:blipFill>
-          <a:blip r:embed="rId2"/>
+          <a:blip r:embed="rId3"/>
           <a:stretch>
             <a:fillRect/>
           </a:stretch>
         </p:blipFill>
         <p:spPr>
           <a:xfrm>
-            <a:off x="3745565" y="3817089"/>
-            <a:ext cx="4700869" cy="803866"/>
+            <a:off x="8110230" y="2638906"/>
+            <a:ext cx="3601533" cy="615875"/>
           </a:xfrm>
           <a:prstGeom prst="rect">
             <a:avLst/>
           </a:prstGeom>
         </p:spPr>
       </p:pic>
+      <p:sp>
+        <p:nvSpPr>
+          <p:cNvPr id="4" name="Title 2">
+            <a:extLst>
+              <a:ext uri="{FF2B5EF4-FFF2-40B4-BE49-F238E27FC236}">
+                <a16:creationId xmlns:a16="http://schemas.microsoft.com/office/drawing/2014/main" id="{CBCDF2DF-07A0-2894-4B19-A52DF1EAE838}"/>
+              </a:ext>
+            </a:extLst>
+          </p:cNvPr>
+          <p:cNvSpPr txBox="1">
+            <a:spLocks/>
+          </p:cNvSpPr>
+          <p:nvPr/>
+        </p:nvSpPr>
+        <p:spPr>
+          <a:xfrm>
+            <a:off x="6645352" y="3508745"/>
+            <a:ext cx="5273749" cy="853976"/>
+          </a:xfrm>
+          <a:prstGeom prst="rect">
+            <a:avLst/>
+          </a:prstGeom>
+        </p:spPr>
+        <p:txBody>
+          <a:bodyPr vert="horz" lIns="91440" tIns="45720" rIns="91440" bIns="45720" rtlCol="0" anchor="ctr">
+            <a:normAutofit/>
+          </a:bodyPr>
+          <a:lstStyle>
+            <a:lvl1pPr algn="l" defTabSz="914400" rtl="0" eaLnBrk="1" latinLnBrk="0" hangingPunct="1">
+              <a:lnSpc>
+                <a:spcPct val="90000"/>
+              </a:lnSpc>
+              <a:spcBef>
+                <a:spcPct val="0"/>
+              </a:spcBef>
+              <a:buNone/>
+              <a:defRPr sz="3600" b="1" i="0" kern="1200" cap="all" baseline="0">
+                <a:solidFill>
+                  <a:schemeClr val="tx2"/>
+                </a:solidFill>
+                <a:latin typeface="+mj-lt"/>
+                <a:ea typeface="Open Sans Semibold" panose="020B0606030504020204" pitchFamily="34" charset="0"/>
+                <a:cs typeface="Open Sans Semibold" panose="020B0606030504020204" pitchFamily="34" charset="0"/>
+              </a:defRPr>
+            </a:lvl1pPr>
+          </a:lstStyle>
+          <a:p>
+            <a:pPr algn="ctr"/>
+            <a:r>
+              <a:rPr lang="hr-HR" sz="2000" dirty="0"/>
+              <a:t>GLOBALNI ATRIBUTI</a:t>
+            </a:r>
+            <a:endParaRPr lang="en-US" sz="2000" dirty="0"/>
+          </a:p>
+        </p:txBody>
+      </p:sp>
+      <p:pic>
+        <p:nvPicPr>
+          <p:cNvPr id="5" name="Picture 4">
+            <a:extLst>
+              <a:ext uri="{FF2B5EF4-FFF2-40B4-BE49-F238E27FC236}">
+                <a16:creationId xmlns:a16="http://schemas.microsoft.com/office/drawing/2014/main" id="{1439F440-8CE2-4C40-EDBC-849C5DF14B78}"/>
+              </a:ext>
+            </a:extLst>
+          </p:cNvPr>
+          <p:cNvPicPr>
+            <a:picLocks noChangeAspect="1"/>
+          </p:cNvPicPr>
+          <p:nvPr/>
+        </p:nvPicPr>
+        <p:blipFill>
+          <a:blip r:embed="rId4"/>
+          <a:stretch>
+            <a:fillRect/>
+          </a:stretch>
+        </p:blipFill>
+        <p:spPr>
+          <a:xfrm>
+            <a:off x="2338058" y="4450500"/>
+            <a:ext cx="3267075" cy="333375"/>
+          </a:xfrm>
+          <a:prstGeom prst="rect">
+            <a:avLst/>
+          </a:prstGeom>
+        </p:spPr>
+      </p:pic>
+      <p:pic>
+        <p:nvPicPr>
+          <p:cNvPr id="7" name="Picture 6">
+            <a:extLst>
+              <a:ext uri="{FF2B5EF4-FFF2-40B4-BE49-F238E27FC236}">
+                <a16:creationId xmlns:a16="http://schemas.microsoft.com/office/drawing/2014/main" id="{AC5ED3E9-7557-ABF9-387D-0540147D126D}"/>
+              </a:ext>
+            </a:extLst>
+          </p:cNvPr>
+          <p:cNvPicPr>
+            <a:picLocks noChangeAspect="1"/>
+          </p:cNvPicPr>
+          <p:nvPr/>
+        </p:nvPicPr>
+        <p:blipFill>
+          <a:blip r:embed="rId5"/>
+          <a:stretch>
+            <a:fillRect/>
+          </a:stretch>
+        </p:blipFill>
+        <p:spPr>
+          <a:xfrm>
+            <a:off x="6911605" y="4379063"/>
+            <a:ext cx="4610100" cy="809625"/>
+          </a:xfrm>
+          <a:prstGeom prst="rect">
+            <a:avLst/>
+          </a:prstGeom>
+        </p:spPr>
+      </p:pic>
+      <p:sp>
+        <p:nvSpPr>
+          <p:cNvPr id="8" name="Title 2">
+            <a:extLst>
+              <a:ext uri="{FF2B5EF4-FFF2-40B4-BE49-F238E27FC236}">
+                <a16:creationId xmlns:a16="http://schemas.microsoft.com/office/drawing/2014/main" id="{B61D10EF-A65B-C798-C91B-ACD2C90786A8}"/>
+              </a:ext>
+            </a:extLst>
+          </p:cNvPr>
+          <p:cNvSpPr txBox="1">
+            <a:spLocks/>
+          </p:cNvSpPr>
+          <p:nvPr/>
+        </p:nvSpPr>
+        <p:spPr>
+          <a:xfrm>
+            <a:off x="1449572" y="3508745"/>
+            <a:ext cx="5273749" cy="853976"/>
+          </a:xfrm>
+          <a:prstGeom prst="rect">
+            <a:avLst/>
+          </a:prstGeom>
+        </p:spPr>
+        <p:txBody>
+          <a:bodyPr vert="horz" lIns="91440" tIns="45720" rIns="91440" bIns="45720" rtlCol="0" anchor="ctr">
+            <a:normAutofit/>
+          </a:bodyPr>
+          <a:lstStyle>
+            <a:lvl1pPr algn="l" defTabSz="914400" rtl="0" eaLnBrk="1" latinLnBrk="0" hangingPunct="1">
+              <a:lnSpc>
+                <a:spcPct val="90000"/>
+              </a:lnSpc>
+              <a:spcBef>
+                <a:spcPct val="0"/>
+              </a:spcBef>
+              <a:buNone/>
+              <a:defRPr sz="3600" b="1" i="0" kern="1200" cap="all" baseline="0">
+                <a:solidFill>
+                  <a:schemeClr val="tx2"/>
+                </a:solidFill>
+                <a:latin typeface="+mj-lt"/>
+                <a:ea typeface="Open Sans Semibold" panose="020B0606030504020204" pitchFamily="34" charset="0"/>
+                <a:cs typeface="Open Sans Semibold" panose="020B0606030504020204" pitchFamily="34" charset="0"/>
+              </a:defRPr>
+            </a:lvl1pPr>
+          </a:lstStyle>
+          <a:p>
+            <a:pPr algn="ctr"/>
+            <a:r>
+              <a:rPr lang="en-US" sz="2000" dirty="0"/>
+              <a:t>SPE</a:t>
+            </a:r>
+            <a:r>
+              <a:rPr lang="hr-HR" sz="2000" dirty="0" err="1"/>
+              <a:t>cifični</a:t>
+            </a:r>
+            <a:r>
+              <a:rPr lang="hr-HR" sz="2000" dirty="0"/>
+              <a:t> ATRIBUTI</a:t>
+            </a:r>
+            <a:endParaRPr lang="en-US" sz="2000" dirty="0"/>
+          </a:p>
+        </p:txBody>
+      </p:sp>
     </p:spTree>
     <p:extLst>
       <p:ext uri="{BB962C8B-B14F-4D97-AF65-F5344CB8AC3E}">
@@ -15483,7 +16203,13 @@
   <p:cSld>
     <p:spTree>
       <p:nvGrpSpPr>
-        <p:cNvPr id="1" name=""/>
+        <p:cNvPr id="1" name="">
+          <a:extLst>
+            <a:ext uri="{FF2B5EF4-FFF2-40B4-BE49-F238E27FC236}">
+              <a16:creationId xmlns:a16="http://schemas.microsoft.com/office/drawing/2014/main" id="{4733E83F-A14B-6F5A-51D7-7C283885B5C2}"/>
+            </a:ext>
+          </a:extLst>
+        </p:cNvPr>
         <p:cNvGrpSpPr/>
         <p:nvPr/>
       </p:nvGrpSpPr>
@@ -15497,35 +16223,10 @@
       </p:grpSpPr>
       <p:sp>
         <p:nvSpPr>
-          <p:cNvPr id="2" name="Content Placeholder 1">
-            <a:extLst>
-              <a:ext uri="{FF2B5EF4-FFF2-40B4-BE49-F238E27FC236}">
-                <a16:creationId xmlns:a16="http://schemas.microsoft.com/office/drawing/2014/main" id="{539630EC-DDFF-DF4E-88AE-E9C1FFEB43AA}"/>
-              </a:ext>
-            </a:extLst>
-          </p:cNvPr>
-          <p:cNvSpPr>
-            <a:spLocks noGrp="1"/>
-          </p:cNvSpPr>
-          <p:nvPr>
-            <p:ph idx="1"/>
-          </p:nvPr>
-        </p:nvSpPr>
-        <p:spPr/>
-        <p:txBody>
-          <a:bodyPr/>
-          <a:lstStyle/>
-          <a:p>
-            <a:endParaRPr lang="en-US"/>
-          </a:p>
-        </p:txBody>
-      </p:sp>
-      <p:sp>
-        <p:nvSpPr>
-          <p:cNvPr id="3" name="Title 2">
-            <a:extLst>
-              <a:ext uri="{FF2B5EF4-FFF2-40B4-BE49-F238E27FC236}">
-                <a16:creationId xmlns:a16="http://schemas.microsoft.com/office/drawing/2014/main" id="{13298024-5B15-D141-85A6-2269E3D22835}"/>
+          <p:cNvPr id="2" name="Title 1">
+            <a:extLst>
+              <a:ext uri="{FF2B5EF4-FFF2-40B4-BE49-F238E27FC236}">
+                <a16:creationId xmlns:a16="http://schemas.microsoft.com/office/drawing/2014/main" id="{3DD384B9-9DB7-13E5-6467-AADF34FEFA69}"/>
               </a:ext>
             </a:extLst>
           </p:cNvPr>
@@ -15541,16 +16242,20 @@
           <a:bodyPr/>
           <a:lstStyle/>
           <a:p>
-            <a:endParaRPr lang="en-US"/>
+            <a:r>
+              <a:rPr lang="it-IT" dirty="0"/>
+              <a:t>ANCOR ELEMENT</a:t>
+            </a:r>
+            <a:endParaRPr lang="en-US" dirty="0"/>
           </a:p>
         </p:txBody>
       </p:sp>
       <p:sp>
         <p:nvSpPr>
-          <p:cNvPr id="4" name="Text Placeholder 3">
-            <a:extLst>
-              <a:ext uri="{FF2B5EF4-FFF2-40B4-BE49-F238E27FC236}">
-                <a16:creationId xmlns:a16="http://schemas.microsoft.com/office/drawing/2014/main" id="{9400F9F1-4EFC-E343-A949-0DD51C549CA4}"/>
+          <p:cNvPr id="3" name="Content Placeholder 2">
+            <a:extLst>
+              <a:ext uri="{FF2B5EF4-FFF2-40B4-BE49-F238E27FC236}">
+                <a16:creationId xmlns:a16="http://schemas.microsoft.com/office/drawing/2014/main" id="{D4161300-AA9C-A055-2DAE-6A3D06023B20}"/>
               </a:ext>
             </a:extLst>
           </p:cNvPr>
@@ -15558,22 +16263,124 @@
             <a:spLocks noGrp="1"/>
           </p:cNvSpPr>
           <p:nvPr>
-            <p:ph type="body" sz="half" idx="2"/>
+            <p:ph sz="half" idx="1"/>
           </p:nvPr>
         </p:nvSpPr>
-        <p:spPr/>
+        <p:spPr>
+          <a:xfrm>
+            <a:off x="838199" y="1928557"/>
+            <a:ext cx="11304181" cy="1420699"/>
+          </a:xfrm>
+        </p:spPr>
         <p:txBody>
           <a:bodyPr/>
           <a:lstStyle/>
           <a:p>
-            <a:endParaRPr lang="en-US"/>
+            <a:r>
+              <a:rPr lang="en-US" b="1" u="sng" dirty="0" err="1"/>
+              <a:t>href</a:t>
+            </a:r>
+            <a:r>
+              <a:rPr lang="en-US" b="1" dirty="0"/>
+              <a:t> </a:t>
+            </a:r>
+            <a:r>
+              <a:rPr lang="hr-HR" b="1" dirty="0"/>
+              <a:t>atribut</a:t>
+            </a:r>
+            <a:r>
+              <a:rPr lang="hr-HR" dirty="0"/>
+              <a:t> određuje </a:t>
+            </a:r>
+            <a:r>
+              <a:rPr lang="hr-HR" b="1" dirty="0"/>
+              <a:t>URL na koji link vodi</a:t>
+            </a:r>
+            <a:r>
+              <a:rPr lang="hr-HR" dirty="0"/>
+              <a:t>.</a:t>
+            </a:r>
+            <a:r>
+              <a:rPr lang="en-US" dirty="0"/>
+              <a:t> </a:t>
+            </a:r>
+            <a:r>
+              <a:rPr lang="hr-HR" dirty="0"/>
+              <a:t>Atributi se </a:t>
+            </a:r>
+            <a:r>
+              <a:rPr lang="hr-HR" b="1" dirty="0"/>
+              <a:t>nalaze unutar </a:t>
+            </a:r>
+            <a:r>
+              <a:rPr lang="hr-HR" b="1" dirty="0" err="1"/>
+              <a:t>otvarajuće</a:t>
+            </a:r>
+            <a:r>
+              <a:rPr lang="hr-HR" b="1" dirty="0"/>
+              <a:t> oznake</a:t>
+            </a:r>
+            <a:endParaRPr lang="en-US" b="1" dirty="0"/>
+          </a:p>
+          <a:p>
+            <a:r>
+              <a:rPr lang="en-US" b="1" dirty="0"/>
+              <a:t>Bez </a:t>
+            </a:r>
+            <a:r>
+              <a:rPr lang="en-US" b="1" u="sng" dirty="0" err="1"/>
+              <a:t>href</a:t>
+            </a:r>
+            <a:r>
+              <a:rPr lang="en-US" b="1" u="sng" dirty="0"/>
+              <a:t> </a:t>
+            </a:r>
+            <a:r>
+              <a:rPr lang="hr-HR" b="1" dirty="0"/>
+              <a:t>atributa</a:t>
+            </a:r>
+            <a:r>
+              <a:rPr lang="hr-HR" dirty="0"/>
+              <a:t>, link nije aktivan</a:t>
+            </a:r>
+            <a:endParaRPr lang="en-US" dirty="0"/>
           </a:p>
         </p:txBody>
       </p:sp>
+      <p:pic>
+        <p:nvPicPr>
+          <p:cNvPr id="5" name="Picture 4">
+            <a:extLst>
+              <a:ext uri="{FF2B5EF4-FFF2-40B4-BE49-F238E27FC236}">
+                <a16:creationId xmlns:a16="http://schemas.microsoft.com/office/drawing/2014/main" id="{B466C05F-409A-9D14-E008-6CB1FB73BE40}"/>
+              </a:ext>
+            </a:extLst>
+          </p:cNvPr>
+          <p:cNvPicPr>
+            <a:picLocks noChangeAspect="1"/>
+          </p:cNvPicPr>
+          <p:nvPr/>
+        </p:nvPicPr>
+        <p:blipFill>
+          <a:blip r:embed="rId2"/>
+          <a:stretch>
+            <a:fillRect/>
+          </a:stretch>
+        </p:blipFill>
+        <p:spPr>
+          <a:xfrm>
+            <a:off x="2343815" y="3944679"/>
+            <a:ext cx="8114420" cy="808075"/>
+          </a:xfrm>
+          <a:prstGeom prst="rect">
+            <a:avLst/>
+          </a:prstGeom>
+        </p:spPr>
+      </p:pic>
     </p:spTree>
     <p:extLst>
       <p:ext uri="{BB962C8B-B14F-4D97-AF65-F5344CB8AC3E}">
-        <p14:creationId xmlns:p14="http://schemas.microsoft.com/office/powerpoint/2010/main" val="4060528130"/>
+        <p14:creationId xmlns:p14="http://schemas.microsoft.com/office/powerpoint/2010/main" val="667199230"/>
       </p:ext>
     </p:extLst>
   </p:cSld>
@@ -15588,7 +16395,13 @@
   <p:cSld>
     <p:spTree>
       <p:nvGrpSpPr>
-        <p:cNvPr id="1" name=""/>
+        <p:cNvPr id="1" name="">
+          <a:extLst>
+            <a:ext uri="{FF2B5EF4-FFF2-40B4-BE49-F238E27FC236}">
+              <a16:creationId xmlns:a16="http://schemas.microsoft.com/office/drawing/2014/main" id="{F3F20421-03C0-1CD8-4141-7D3FB5A24418}"/>
+            </a:ext>
+          </a:extLst>
+        </p:cNvPr>
         <p:cNvGrpSpPr/>
         <p:nvPr/>
       </p:nvGrpSpPr>
@@ -15605,7 +16418,7 @@
           <p:cNvPr id="2" name="Title 1">
             <a:extLst>
               <a:ext uri="{FF2B5EF4-FFF2-40B4-BE49-F238E27FC236}">
-                <a16:creationId xmlns:a16="http://schemas.microsoft.com/office/drawing/2014/main" id="{7A41964D-418A-5149-9251-325D8A052C92}"/>
+                <a16:creationId xmlns:a16="http://schemas.microsoft.com/office/drawing/2014/main" id="{7A7D59D9-B13C-2D67-CB0F-DE8187D5D1B1}"/>
               </a:ext>
             </a:extLst>
           </p:cNvPr>
@@ -15621,7 +16434,11 @@
           <a:bodyPr/>
           <a:lstStyle/>
           <a:p>
-            <a:endParaRPr lang="en-US"/>
+            <a:r>
+              <a:rPr lang="it-IT" dirty="0"/>
+              <a:t>IMG ELEMENT</a:t>
+            </a:r>
+            <a:endParaRPr lang="en-US" dirty="0"/>
           </a:p>
         </p:txBody>
       </p:sp>
@@ -15630,7 +16447,7 @@
           <p:cNvPr id="3" name="Content Placeholder 2">
             <a:extLst>
               <a:ext uri="{FF2B5EF4-FFF2-40B4-BE49-F238E27FC236}">
-                <a16:creationId xmlns:a16="http://schemas.microsoft.com/office/drawing/2014/main" id="{C9E1C2D1-39CB-C34C-B94C-7E3FEA66BAD3}"/>
+                <a16:creationId xmlns:a16="http://schemas.microsoft.com/office/drawing/2014/main" id="{DE1DD1A0-7C3A-1CC6-9F45-9F695FFC5231}"/>
               </a:ext>
             </a:extLst>
           </p:cNvPr>
@@ -15638,47 +16455,536 @@
             <a:spLocks noGrp="1"/>
           </p:cNvSpPr>
           <p:nvPr>
-            <p:ph idx="1"/>
+            <p:ph sz="half" idx="1"/>
           </p:nvPr>
         </p:nvSpPr>
-        <p:spPr/>
+        <p:spPr>
+          <a:xfrm>
+            <a:off x="838199" y="1928557"/>
+            <a:ext cx="11304181" cy="1420699"/>
+          </a:xfrm>
+        </p:spPr>
         <p:txBody>
           <a:bodyPr/>
           <a:lstStyle/>
           <a:p>
-            <a:endParaRPr lang="en-US"/>
+            <a:r>
+              <a:rPr lang="en-US" b="1" u="sng" dirty="0" err="1"/>
+              <a:t>src</a:t>
+            </a:r>
+            <a:r>
+              <a:rPr lang="en-US" b="1" dirty="0"/>
+              <a:t> </a:t>
+            </a:r>
+            <a:r>
+              <a:rPr lang="en-US" b="1" dirty="0" err="1"/>
+              <a:t>atribut</a:t>
+            </a:r>
+            <a:r>
+              <a:rPr lang="en-US" dirty="0"/>
+              <a:t> (source) </a:t>
+            </a:r>
+            <a:r>
+              <a:rPr lang="en-US" dirty="0" err="1"/>
+              <a:t>definira</a:t>
+            </a:r>
+            <a:r>
+              <a:rPr lang="en-US" dirty="0"/>
+              <a:t> </a:t>
+            </a:r>
+            <a:r>
+              <a:rPr lang="en-US" b="1" dirty="0" err="1"/>
+              <a:t>izvor</a:t>
+            </a:r>
+            <a:r>
+              <a:rPr lang="en-US" b="1" dirty="0"/>
+              <a:t> </a:t>
+            </a:r>
+            <a:r>
+              <a:rPr lang="en-US" b="1" dirty="0" err="1"/>
+              <a:t>slike</a:t>
+            </a:r>
+            <a:endParaRPr lang="en-US" b="1" dirty="0"/>
+          </a:p>
+          <a:p>
+            <a:r>
+              <a:rPr lang="en-US" b="1" dirty="0"/>
+              <a:t>&lt;</a:t>
+            </a:r>
+            <a:r>
+              <a:rPr lang="en-US" b="1" dirty="0" err="1"/>
+              <a:t>img</a:t>
+            </a:r>
+            <a:r>
+              <a:rPr lang="en-US" b="1" dirty="0"/>
+              <a:t>&gt; </a:t>
+            </a:r>
+            <a:r>
+              <a:rPr lang="hr-HR" dirty="0"/>
+              <a:t>nema zatvarajući tag</a:t>
+            </a:r>
+            <a:r>
+              <a:rPr lang="en-US" dirty="0"/>
+              <a:t>, </a:t>
+            </a:r>
+            <a:r>
+              <a:rPr lang="hr-HR" dirty="0"/>
+              <a:t>jer je </a:t>
+            </a:r>
+            <a:r>
+              <a:rPr lang="hr-HR" b="1" dirty="0" err="1"/>
+              <a:t>void</a:t>
+            </a:r>
+            <a:r>
+              <a:rPr lang="hr-HR" b="1" dirty="0"/>
+              <a:t> element</a:t>
+            </a:r>
+            <a:r>
+              <a:rPr lang="hr-HR" dirty="0"/>
+              <a:t> (</a:t>
+            </a:r>
+            <a:r>
+              <a:rPr lang="hr-HR" dirty="0" err="1"/>
+              <a:t>samozatvarajući</a:t>
+            </a:r>
+            <a:r>
+              <a:rPr lang="hr-HR" dirty="0"/>
+              <a:t>)</a:t>
+            </a:r>
+            <a:endParaRPr lang="en-US" dirty="0"/>
           </a:p>
         </p:txBody>
       </p:sp>
+      <p:pic>
+        <p:nvPicPr>
+          <p:cNvPr id="6" name="Picture 5">
+            <a:extLst>
+              <a:ext uri="{FF2B5EF4-FFF2-40B4-BE49-F238E27FC236}">
+                <a16:creationId xmlns:a16="http://schemas.microsoft.com/office/drawing/2014/main" id="{69AC1331-7484-9F7C-8FE6-19469C109E73}"/>
+              </a:ext>
+            </a:extLst>
+          </p:cNvPr>
+          <p:cNvPicPr>
+            <a:picLocks noChangeAspect="1"/>
+          </p:cNvPicPr>
+          <p:nvPr/>
+        </p:nvPicPr>
+        <p:blipFill>
+          <a:blip r:embed="rId2"/>
+          <a:stretch>
+            <a:fillRect/>
+          </a:stretch>
+        </p:blipFill>
+        <p:spPr>
+          <a:xfrm>
+            <a:off x="2295845" y="3349256"/>
+            <a:ext cx="7493983" cy="1057974"/>
+          </a:xfrm>
+          <a:prstGeom prst="rect">
+            <a:avLst/>
+          </a:prstGeom>
+        </p:spPr>
+      </p:pic>
       <p:sp>
         <p:nvSpPr>
-          <p:cNvPr id="4" name="Text Placeholder 3">
-            <a:extLst>
-              <a:ext uri="{FF2B5EF4-FFF2-40B4-BE49-F238E27FC236}">
-                <a16:creationId xmlns:a16="http://schemas.microsoft.com/office/drawing/2014/main" id="{1F6A4A2C-EF06-D64F-9502-7073E0189494}"/>
+          <p:cNvPr id="7" name="Rectangle 1">
+            <a:extLst>
+              <a:ext uri="{FF2B5EF4-FFF2-40B4-BE49-F238E27FC236}">
+                <a16:creationId xmlns:a16="http://schemas.microsoft.com/office/drawing/2014/main" id="{BE613728-BE2F-CFD7-3243-34F4047A89C9}"/>
               </a:ext>
             </a:extLst>
           </p:cNvPr>
           <p:cNvSpPr>
-            <a:spLocks noGrp="1"/>
+            <a:spLocks noChangeArrowheads="1"/>
           </p:cNvSpPr>
-          <p:nvPr>
-            <p:ph type="body" sz="half" idx="2"/>
-          </p:nvPr>
+          <p:nvPr/>
         </p:nvSpPr>
-        <p:spPr/>
+        <p:spPr bwMode="auto">
+          <a:xfrm>
+            <a:off x="1345018" y="4530045"/>
+            <a:ext cx="7305205" cy="1200329"/>
+          </a:xfrm>
+          <a:prstGeom prst="rect">
+            <a:avLst/>
+          </a:prstGeom>
+          <a:noFill/>
+          <a:ln>
+            <a:noFill/>
+          </a:ln>
+          <a:effectLst/>
+          <a:extLst>
+            <a:ext uri="{909E8E84-426E-40DD-AFC4-6F175D3DCCD1}">
+              <a14:hiddenFill xmlns:a14="http://schemas.microsoft.com/office/drawing/2010/main">
+                <a:solidFill>
+                  <a:schemeClr val="accent1"/>
+                </a:solidFill>
+              </a14:hiddenFill>
+            </a:ext>
+            <a:ext uri="{91240B29-F687-4F45-9708-019B960494DF}">
+              <a14:hiddenLine xmlns:a14="http://schemas.microsoft.com/office/drawing/2010/main" w="9525">
+                <a:solidFill>
+                  <a:schemeClr val="tx1"/>
+                </a:solidFill>
+                <a:miter lim="800000"/>
+                <a:headEnd/>
+                <a:tailEnd/>
+              </a14:hiddenLine>
+            </a:ext>
+            <a:ext uri="{AF507438-7753-43E0-B8FC-AC1667EBCBE1}">
+              <a14:hiddenEffects xmlns:a14="http://schemas.microsoft.com/office/drawing/2010/main">
+                <a:effectLst>
+                  <a:outerShdw dist="35921" dir="2700000" algn="ctr" rotWithShape="0">
+                    <a:schemeClr val="bg2"/>
+                  </a:outerShdw>
+                </a:effectLst>
+              </a14:hiddenEffects>
+            </a:ext>
+          </a:extLst>
+        </p:spPr>
         <p:txBody>
-          <a:bodyPr/>
+          <a:bodyPr vert="horz" wrap="none" lIns="91440" tIns="45720" rIns="91440" bIns="45720" numCol="1" anchor="ctr" anchorCtr="0" compatLnSpc="1">
+            <a:prstTxWarp prst="textNoShape">
+              <a:avLst/>
+            </a:prstTxWarp>
+            <a:spAutoFit/>
+          </a:bodyPr>
           <a:lstStyle/>
           <a:p>
-            <a:endParaRPr lang="en-US"/>
+            <a:pPr marL="0" marR="0" lvl="0" indent="0" algn="l" defTabSz="914400" rtl="0" eaLnBrk="0" fontAlgn="base" latinLnBrk="0" hangingPunct="0">
+              <a:lnSpc>
+                <a:spcPct val="100000"/>
+              </a:lnSpc>
+              <a:spcBef>
+                <a:spcPct val="0"/>
+              </a:spcBef>
+              <a:spcAft>
+                <a:spcPct val="0"/>
+              </a:spcAft>
+              <a:buClrTx/>
+              <a:buSzTx/>
+              <a:buFontTx/>
+              <a:buNone/>
+              <a:tabLst/>
+            </a:pPr>
+            <a:r>
+              <a:rPr kumimoji="0" lang="sr-Latn-RS" altLang="sr-Latn-RS" sz="1800" b="1" i="0" u="none" strike="noStrike" cap="none" normalizeH="0" baseline="0" dirty="0">
+                <a:ln>
+                  <a:noFill/>
+                </a:ln>
+                <a:solidFill>
+                  <a:schemeClr val="tx1"/>
+                </a:solidFill>
+                <a:effectLst/>
+                <a:latin typeface="Arial" panose="020B0604020202020204" pitchFamily="34" charset="0"/>
+              </a:rPr>
+              <a:t>Zašto je</a:t>
+            </a:r>
+            <a:r>
+              <a:rPr kumimoji="0" lang="en-US" altLang="sr-Latn-RS" sz="1800" b="1" i="0" u="none" strike="noStrike" cap="none" normalizeH="0" baseline="0" dirty="0">
+                <a:ln>
+                  <a:noFill/>
+                </a:ln>
+                <a:solidFill>
+                  <a:schemeClr val="tx1"/>
+                </a:solidFill>
+                <a:effectLst/>
+                <a:latin typeface="Arial" panose="020B0604020202020204" pitchFamily="34" charset="0"/>
+              </a:rPr>
+              <a:t> alt </a:t>
+            </a:r>
+            <a:r>
+              <a:rPr kumimoji="0" lang="en-US" altLang="sr-Latn-RS" sz="1800" b="1" i="0" u="none" strike="noStrike" cap="none" normalizeH="0" baseline="0" dirty="0" err="1">
+                <a:ln>
+                  <a:noFill/>
+                </a:ln>
+                <a:solidFill>
+                  <a:schemeClr val="tx1"/>
+                </a:solidFill>
+                <a:effectLst/>
+                <a:latin typeface="Arial" panose="020B0604020202020204" pitchFamily="34" charset="0"/>
+              </a:rPr>
+              <a:t>va</a:t>
+            </a:r>
+            <a:r>
+              <a:rPr lang="hr-HR" altLang="sr-Latn-RS" b="1" dirty="0" err="1">
+                <a:latin typeface="Arial" panose="020B0604020202020204" pitchFamily="34" charset="0"/>
+              </a:rPr>
+              <a:t>žan</a:t>
+            </a:r>
+            <a:r>
+              <a:rPr lang="en-US" altLang="sr-Latn-RS" b="1" dirty="0">
+                <a:latin typeface="Arial" panose="020B0604020202020204" pitchFamily="34" charset="0"/>
+              </a:rPr>
+              <a:t>?</a:t>
+            </a:r>
+            <a:endParaRPr kumimoji="0" lang="sr-Latn-RS" altLang="sr-Latn-RS" sz="1800" b="0" i="0" u="none" strike="noStrike" cap="none" normalizeH="0" baseline="0" dirty="0">
+              <a:ln>
+                <a:noFill/>
+              </a:ln>
+              <a:solidFill>
+                <a:schemeClr val="tx1"/>
+              </a:solidFill>
+              <a:effectLst/>
+              <a:latin typeface="Arial" panose="020B0604020202020204" pitchFamily="34" charset="0"/>
+            </a:endParaRPr>
+          </a:p>
+          <a:p>
+            <a:pPr marL="0" marR="0" lvl="0" indent="0" algn="l" defTabSz="914400" rtl="0" eaLnBrk="0" fontAlgn="base" latinLnBrk="0" hangingPunct="0">
+              <a:lnSpc>
+                <a:spcPct val="100000"/>
+              </a:lnSpc>
+              <a:spcBef>
+                <a:spcPct val="0"/>
+              </a:spcBef>
+              <a:spcAft>
+                <a:spcPct val="0"/>
+              </a:spcAft>
+              <a:buClrTx/>
+              <a:buSzTx/>
+              <a:buFontTx/>
+              <a:buChar char="•"/>
+              <a:tabLst/>
+            </a:pPr>
+            <a:r>
+              <a:rPr kumimoji="0" lang="en-US" altLang="sr-Latn-RS" sz="1800" b="0" i="0" u="none" strike="noStrike" cap="none" normalizeH="0" baseline="0" dirty="0">
+                <a:ln>
+                  <a:noFill/>
+                </a:ln>
+                <a:solidFill>
+                  <a:schemeClr val="tx1"/>
+                </a:solidFill>
+                <a:effectLst/>
+                <a:latin typeface="Arial" panose="020B0604020202020204" pitchFamily="34" charset="0"/>
+              </a:rPr>
+              <a:t> </a:t>
+            </a:r>
+            <a:r>
+              <a:rPr kumimoji="0" lang="sr-Latn-RS" altLang="sr-Latn-RS" sz="1800" b="0" i="0" u="none" strike="noStrike" cap="none" normalizeH="0" baseline="0" dirty="0">
+                <a:ln>
+                  <a:noFill/>
+                </a:ln>
+                <a:solidFill>
+                  <a:schemeClr val="tx1"/>
+                </a:solidFill>
+                <a:effectLst/>
+                <a:latin typeface="Arial" panose="020B0604020202020204" pitchFamily="34" charset="0"/>
+              </a:rPr>
+              <a:t>Pomaže </a:t>
+            </a:r>
+            <a:r>
+              <a:rPr kumimoji="0" lang="en-US" altLang="sr-Latn-RS" sz="1800" b="1" i="0" u="none" strike="noStrike" cap="none" normalizeH="0" baseline="0" dirty="0" err="1">
+                <a:ln>
+                  <a:noFill/>
+                </a:ln>
+                <a:solidFill>
+                  <a:schemeClr val="tx1"/>
+                </a:solidFill>
+                <a:effectLst/>
+                <a:latin typeface="Arial" panose="020B0604020202020204" pitchFamily="34" charset="0"/>
+              </a:rPr>
+              <a:t>slijepim</a:t>
+            </a:r>
+            <a:r>
+              <a:rPr kumimoji="0" lang="sr-Latn-RS" altLang="sr-Latn-RS" sz="1800" b="1" i="0" u="none" strike="noStrike" cap="none" normalizeH="0" baseline="0" dirty="0">
+                <a:ln>
+                  <a:noFill/>
+                </a:ln>
+                <a:solidFill>
+                  <a:schemeClr val="tx1"/>
+                </a:solidFill>
+                <a:effectLst/>
+                <a:latin typeface="Arial" panose="020B0604020202020204" pitchFamily="34" charset="0"/>
+              </a:rPr>
+              <a:t> i </a:t>
+            </a:r>
+            <a:r>
+              <a:rPr kumimoji="0" lang="sr-Latn-RS" altLang="sr-Latn-RS" sz="1800" b="1" i="0" u="none" strike="noStrike" cap="none" normalizeH="0" baseline="0" dirty="0" err="1">
+                <a:ln>
+                  <a:noFill/>
+                </a:ln>
+                <a:solidFill>
+                  <a:schemeClr val="tx1"/>
+                </a:solidFill>
+                <a:effectLst/>
+                <a:latin typeface="Arial" panose="020B0604020202020204" pitchFamily="34" charset="0"/>
+              </a:rPr>
+              <a:t>slabovidn</a:t>
+            </a:r>
+            <a:r>
+              <a:rPr kumimoji="0" lang="en-US" altLang="sr-Latn-RS" sz="1800" b="1" i="0" u="none" strike="noStrike" cap="none" normalizeH="0" baseline="0" dirty="0" err="1">
+                <a:ln>
+                  <a:noFill/>
+                </a:ln>
+                <a:solidFill>
+                  <a:schemeClr val="tx1"/>
+                </a:solidFill>
+                <a:effectLst/>
+                <a:latin typeface="Arial" panose="020B0604020202020204" pitchFamily="34" charset="0"/>
+              </a:rPr>
+              <a:t>im</a:t>
+            </a:r>
+            <a:r>
+              <a:rPr kumimoji="0" lang="sr-Latn-RS" altLang="sr-Latn-RS" sz="1800" b="0" i="0" u="none" strike="noStrike" cap="none" normalizeH="0" baseline="0" dirty="0">
+                <a:ln>
+                  <a:noFill/>
+                </a:ln>
+                <a:solidFill>
+                  <a:schemeClr val="tx1"/>
+                </a:solidFill>
+                <a:effectLst/>
+                <a:latin typeface="Arial" panose="020B0604020202020204" pitchFamily="34" charset="0"/>
+              </a:rPr>
+              <a:t> </a:t>
+            </a:r>
+            <a:r>
+              <a:rPr lang="en-US" altLang="sr-Latn-RS" dirty="0" err="1">
+                <a:latin typeface="Arial" panose="020B0604020202020204" pitchFamily="34" charset="0"/>
+              </a:rPr>
+              <a:t>osobama</a:t>
+            </a:r>
+            <a:r>
+              <a:rPr lang="en-US" altLang="sr-Latn-RS" dirty="0">
+                <a:latin typeface="Arial" panose="020B0604020202020204" pitchFamily="34" charset="0"/>
+              </a:rPr>
+              <a:t> da </a:t>
+            </a:r>
+            <a:r>
+              <a:rPr lang="en-US" altLang="sr-Latn-RS" dirty="0" err="1">
+                <a:latin typeface="Arial" panose="020B0604020202020204" pitchFamily="34" charset="0"/>
+              </a:rPr>
+              <a:t>razumiju</a:t>
+            </a:r>
+            <a:r>
+              <a:rPr kumimoji="0" lang="sr-Latn-RS" altLang="sr-Latn-RS" sz="1800" b="0" i="0" u="none" strike="noStrike" cap="none" normalizeH="0" baseline="0" dirty="0">
+                <a:ln>
+                  <a:noFill/>
+                </a:ln>
+                <a:solidFill>
+                  <a:schemeClr val="tx1"/>
+                </a:solidFill>
+                <a:effectLst/>
+                <a:latin typeface="Arial" panose="020B0604020202020204" pitchFamily="34" charset="0"/>
+              </a:rPr>
+              <a:t> sadržaj slike.</a:t>
+            </a:r>
+          </a:p>
+          <a:p>
+            <a:pPr marL="0" marR="0" lvl="0" indent="0" algn="l" defTabSz="914400" rtl="0" eaLnBrk="0" fontAlgn="base" latinLnBrk="0" hangingPunct="0">
+              <a:lnSpc>
+                <a:spcPct val="100000"/>
+              </a:lnSpc>
+              <a:spcBef>
+                <a:spcPct val="0"/>
+              </a:spcBef>
+              <a:spcAft>
+                <a:spcPct val="0"/>
+              </a:spcAft>
+              <a:buClrTx/>
+              <a:buSzTx/>
+              <a:buFontTx/>
+              <a:buChar char="•"/>
+              <a:tabLst/>
+            </a:pPr>
+            <a:r>
+              <a:rPr kumimoji="0" lang="en-US" altLang="sr-Latn-RS" sz="1800" b="0" i="0" u="none" strike="noStrike" cap="none" normalizeH="0" baseline="0" dirty="0">
+                <a:ln>
+                  <a:noFill/>
+                </a:ln>
+                <a:solidFill>
+                  <a:schemeClr val="tx1"/>
+                </a:solidFill>
+                <a:effectLst/>
+                <a:latin typeface="Arial" panose="020B0604020202020204" pitchFamily="34" charset="0"/>
+              </a:rPr>
+              <a:t> </a:t>
+            </a:r>
+            <a:r>
+              <a:rPr kumimoji="0" lang="sr-Latn-RS" altLang="sr-Latn-RS" sz="1800" b="0" i="0" u="none" strike="noStrike" cap="none" normalizeH="0" baseline="0" dirty="0">
+                <a:ln>
+                  <a:noFill/>
+                </a:ln>
+                <a:solidFill>
+                  <a:schemeClr val="tx1"/>
+                </a:solidFill>
+                <a:effectLst/>
+                <a:latin typeface="Arial" panose="020B0604020202020204" pitchFamily="34" charset="0"/>
+              </a:rPr>
+              <a:t>Kada slika </a:t>
+            </a:r>
+            <a:r>
+              <a:rPr kumimoji="0" lang="sr-Latn-RS" altLang="sr-Latn-RS" sz="1800" b="1" i="0" u="none" strike="noStrike" cap="none" normalizeH="0" baseline="0" dirty="0">
+                <a:ln>
+                  <a:noFill/>
+                </a:ln>
+                <a:solidFill>
+                  <a:schemeClr val="tx1"/>
+                </a:solidFill>
+                <a:effectLst/>
+                <a:latin typeface="Arial" panose="020B0604020202020204" pitchFamily="34" charset="0"/>
+              </a:rPr>
+              <a:t>ne može učita</a:t>
+            </a:r>
+            <a:r>
+              <a:rPr kumimoji="0" lang="en-US" altLang="sr-Latn-RS" sz="1800" b="1" i="0" u="none" strike="noStrike" cap="none" normalizeH="0" baseline="0" dirty="0" err="1">
+                <a:ln>
+                  <a:noFill/>
+                </a:ln>
+                <a:solidFill>
+                  <a:schemeClr val="tx1"/>
+                </a:solidFill>
+                <a:effectLst/>
+                <a:latin typeface="Arial" panose="020B0604020202020204" pitchFamily="34" charset="0"/>
+              </a:rPr>
+              <a:t>ti</a:t>
+            </a:r>
+            <a:r>
+              <a:rPr kumimoji="0" lang="sr-Latn-RS" altLang="sr-Latn-RS" sz="1800" b="0" i="0" u="none" strike="noStrike" cap="none" normalizeH="0" baseline="0" dirty="0">
+                <a:ln>
+                  <a:noFill/>
+                </a:ln>
+                <a:solidFill>
+                  <a:schemeClr val="tx1"/>
+                </a:solidFill>
+                <a:effectLst/>
+                <a:latin typeface="Arial" panose="020B0604020202020204" pitchFamily="34" charset="0"/>
+              </a:rPr>
+              <a:t>, prikazuje se alternativni tekst.</a:t>
+            </a:r>
+          </a:p>
+          <a:p>
+            <a:pPr marL="0" marR="0" lvl="0" indent="0" algn="l" defTabSz="914400" rtl="0" eaLnBrk="0" fontAlgn="base" latinLnBrk="0" hangingPunct="0">
+              <a:lnSpc>
+                <a:spcPct val="100000"/>
+              </a:lnSpc>
+              <a:spcBef>
+                <a:spcPct val="0"/>
+              </a:spcBef>
+              <a:spcAft>
+                <a:spcPct val="0"/>
+              </a:spcAft>
+              <a:buClrTx/>
+              <a:buSzTx/>
+              <a:buFontTx/>
+              <a:buNone/>
+              <a:tabLst/>
+            </a:pPr>
+            <a:endParaRPr kumimoji="0" lang="sr-Latn-RS" altLang="sr-Latn-RS" sz="1800" b="0" i="0" u="none" strike="noStrike" cap="none" normalizeH="0" baseline="0" dirty="0">
+              <a:ln>
+                <a:noFill/>
+              </a:ln>
+              <a:solidFill>
+                <a:schemeClr val="tx1"/>
+              </a:solidFill>
+              <a:effectLst/>
+              <a:latin typeface="Arial" panose="020B0604020202020204" pitchFamily="34" charset="0"/>
+            </a:endParaRPr>
           </a:p>
         </p:txBody>
       </p:sp>
     </p:spTree>
     <p:extLst>
       <p:ext uri="{BB962C8B-B14F-4D97-AF65-F5344CB8AC3E}">
-        <p14:creationId xmlns:p14="http://schemas.microsoft.com/office/powerpoint/2010/main" val="2910295038"/>
+        <p14:creationId xmlns:p14="http://schemas.microsoft.com/office/powerpoint/2010/main" val="335678129"/>
       </p:ext>
     </p:extLst>
   </p:cSld>
@@ -15707,35 +17013,10 @@
       </p:grpSpPr>
       <p:sp>
         <p:nvSpPr>
-          <p:cNvPr id="2" name="Picture Placeholder 1">
-            <a:extLst>
-              <a:ext uri="{FF2B5EF4-FFF2-40B4-BE49-F238E27FC236}">
-                <a16:creationId xmlns:a16="http://schemas.microsoft.com/office/drawing/2014/main" id="{370126AC-D15F-C34C-B689-671D8108B86D}"/>
-              </a:ext>
-            </a:extLst>
-          </p:cNvPr>
-          <p:cNvSpPr>
-            <a:spLocks noGrp="1"/>
-          </p:cNvSpPr>
-          <p:nvPr>
-            <p:ph type="pic" idx="1"/>
-          </p:nvPr>
-        </p:nvSpPr>
-        <p:spPr/>
-        <p:txBody>
-          <a:bodyPr/>
-          <a:lstStyle/>
-          <a:p>
-            <a:endParaRPr lang="hr-HR"/>
-          </a:p>
-        </p:txBody>
-      </p:sp>
-      <p:sp>
-        <p:nvSpPr>
-          <p:cNvPr id="3" name="Title 2">
-            <a:extLst>
-              <a:ext uri="{FF2B5EF4-FFF2-40B4-BE49-F238E27FC236}">
-                <a16:creationId xmlns:a16="http://schemas.microsoft.com/office/drawing/2014/main" id="{04919E52-B0DF-4744-A84F-2D4BB1527675}"/>
+          <p:cNvPr id="2" name="Title 1">
+            <a:extLst>
+              <a:ext uri="{FF2B5EF4-FFF2-40B4-BE49-F238E27FC236}">
+                <a16:creationId xmlns:a16="http://schemas.microsoft.com/office/drawing/2014/main" id="{B12CF89F-AD41-B6E5-10AE-C058425E08A6}"/>
               </a:ext>
             </a:extLst>
           </p:cNvPr>
@@ -15751,16 +17032,28 @@
           <a:bodyPr/>
           <a:lstStyle/>
           <a:p>
-            <a:endParaRPr lang="en-US"/>
+            <a:r>
+              <a:rPr lang="en-US" dirty="0"/>
+              <a:t>VJE</a:t>
+            </a:r>
+            <a:r>
+              <a:rPr lang="hr-HR" dirty="0"/>
+              <a:t>ž</a:t>
+            </a:r>
+            <a:r>
+              <a:rPr lang="en-US" dirty="0"/>
+              <a:t>BA 4</a:t>
+            </a:r>
+            <a:endParaRPr lang="hr-HR" dirty="0"/>
           </a:p>
         </p:txBody>
       </p:sp>
       <p:sp>
         <p:nvSpPr>
-          <p:cNvPr id="4" name="Text Placeholder 3">
-            <a:extLst>
-              <a:ext uri="{FF2B5EF4-FFF2-40B4-BE49-F238E27FC236}">
-                <a16:creationId xmlns:a16="http://schemas.microsoft.com/office/drawing/2014/main" id="{E8D84524-89A4-DB47-BF72-911F1FE04E38}"/>
+          <p:cNvPr id="3" name="Content Placeholder 2">
+            <a:extLst>
+              <a:ext uri="{FF2B5EF4-FFF2-40B4-BE49-F238E27FC236}">
+                <a16:creationId xmlns:a16="http://schemas.microsoft.com/office/drawing/2014/main" id="{BA7FD5FC-31FD-BB75-D99F-EB82B07DDB48}"/>
               </a:ext>
             </a:extLst>
           </p:cNvPr>
@@ -15768,22 +17061,72 @@
             <a:spLocks noGrp="1"/>
           </p:cNvSpPr>
           <p:nvPr>
-            <p:ph type="body" sz="half" idx="2"/>
+            <p:ph sz="half" idx="1"/>
           </p:nvPr>
         </p:nvSpPr>
-        <p:spPr/>
+        <p:spPr>
+          <a:xfrm>
+            <a:off x="838200" y="1928557"/>
+            <a:ext cx="10515600" cy="500983"/>
+          </a:xfrm>
+        </p:spPr>
         <p:txBody>
           <a:bodyPr/>
           <a:lstStyle/>
           <a:p>
-            <a:endParaRPr lang="en-US"/>
+            <a:r>
+              <a:rPr lang="hr-HR" dirty="0" err="1"/>
+              <a:t>Procitati</a:t>
+            </a:r>
+            <a:r>
+              <a:rPr lang="hr-HR" dirty="0"/>
+              <a:t> stranicu na W3 </a:t>
+            </a:r>
+            <a:r>
+              <a:rPr lang="hr-HR" dirty="0" err="1"/>
+              <a:t>Schools</a:t>
+            </a:r>
+            <a:r>
+              <a:rPr lang="hr-HR" dirty="0"/>
+              <a:t> i riješiti kviz</a:t>
+            </a:r>
           </a:p>
         </p:txBody>
       </p:sp>
+      <p:pic>
+        <p:nvPicPr>
+          <p:cNvPr id="6" name="Picture 5">
+            <a:extLst>
+              <a:ext uri="{FF2B5EF4-FFF2-40B4-BE49-F238E27FC236}">
+                <a16:creationId xmlns:a16="http://schemas.microsoft.com/office/drawing/2014/main" id="{D1AFA791-8E70-7FDE-D36D-785984762B6C}"/>
+              </a:ext>
+            </a:extLst>
+          </p:cNvPr>
+          <p:cNvPicPr>
+            <a:picLocks noChangeAspect="1"/>
+          </p:cNvPicPr>
+          <p:nvPr/>
+        </p:nvPicPr>
+        <p:blipFill>
+          <a:blip r:embed="rId3"/>
+          <a:stretch>
+            <a:fillRect/>
+          </a:stretch>
+        </p:blipFill>
+        <p:spPr>
+          <a:xfrm>
+            <a:off x="2515375" y="2667409"/>
+            <a:ext cx="7161249" cy="2709318"/>
+          </a:xfrm>
+          <a:prstGeom prst="rect">
+            <a:avLst/>
+          </a:prstGeom>
+        </p:spPr>
+      </p:pic>
     </p:spTree>
     <p:extLst>
       <p:ext uri="{BB962C8B-B14F-4D97-AF65-F5344CB8AC3E}">
-        <p14:creationId xmlns:p14="http://schemas.microsoft.com/office/powerpoint/2010/main" val="467984945"/>
+        <p14:creationId xmlns:p14="http://schemas.microsoft.com/office/powerpoint/2010/main" val="2152335743"/>
       </p:ext>
     </p:extLst>
   </p:cSld>
@@ -15982,7 +17325,13 @@
   <p:cSld>
     <p:spTree>
       <p:nvGrpSpPr>
-        <p:cNvPr id="1" name=""/>
+        <p:cNvPr id="1" name="">
+          <a:extLst>
+            <a:ext uri="{FF2B5EF4-FFF2-40B4-BE49-F238E27FC236}">
+              <a16:creationId xmlns:a16="http://schemas.microsoft.com/office/drawing/2014/main" id="{4889D1B7-5DD9-0DFD-8BE7-B23B73F94251}"/>
+            </a:ext>
+          </a:extLst>
+        </p:cNvPr>
         <p:cNvGrpSpPr/>
         <p:nvPr/>
       </p:nvGrpSpPr>
@@ -15996,35 +17345,10 @@
       </p:grpSpPr>
       <p:sp>
         <p:nvSpPr>
-          <p:cNvPr id="2" name="Picture Placeholder 1">
-            <a:extLst>
-              <a:ext uri="{FF2B5EF4-FFF2-40B4-BE49-F238E27FC236}">
-                <a16:creationId xmlns:a16="http://schemas.microsoft.com/office/drawing/2014/main" id="{468A8BD2-A213-D84B-81C2-22B08D0AB3A5}"/>
-              </a:ext>
-            </a:extLst>
-          </p:cNvPr>
-          <p:cNvSpPr>
-            <a:spLocks noGrp="1"/>
-          </p:cNvSpPr>
-          <p:nvPr>
-            <p:ph type="pic" idx="1"/>
-          </p:nvPr>
-        </p:nvSpPr>
-        <p:spPr/>
-        <p:txBody>
-          <a:bodyPr/>
-          <a:lstStyle/>
-          <a:p>
-            <a:endParaRPr lang="hr-HR"/>
-          </a:p>
-        </p:txBody>
-      </p:sp>
-      <p:sp>
-        <p:nvSpPr>
-          <p:cNvPr id="3" name="Title 2">
-            <a:extLst>
-              <a:ext uri="{FF2B5EF4-FFF2-40B4-BE49-F238E27FC236}">
-                <a16:creationId xmlns:a16="http://schemas.microsoft.com/office/drawing/2014/main" id="{C2F5710F-F47B-5D48-AB17-8114747C121E}"/>
+          <p:cNvPr id="2" name="Title 1">
+            <a:extLst>
+              <a:ext uri="{FF2B5EF4-FFF2-40B4-BE49-F238E27FC236}">
+                <a16:creationId xmlns:a16="http://schemas.microsoft.com/office/drawing/2014/main" id="{D640A853-B772-BFC7-CA69-47D2D2C6CDB8}"/>
               </a:ext>
             </a:extLst>
           </p:cNvPr>
@@ -16040,16 +17364,19 @@
           <a:bodyPr/>
           <a:lstStyle/>
           <a:p>
-            <a:endParaRPr lang="en-US"/>
+            <a:r>
+              <a:rPr lang="hr-HR" dirty="0"/>
+              <a:t>Apsolutne i Relativne Putanje u HTML-u</a:t>
+            </a:r>
           </a:p>
         </p:txBody>
       </p:sp>
       <p:sp>
         <p:nvSpPr>
-          <p:cNvPr id="4" name="Text Placeholder 3">
-            <a:extLst>
-              <a:ext uri="{FF2B5EF4-FFF2-40B4-BE49-F238E27FC236}">
-                <a16:creationId xmlns:a16="http://schemas.microsoft.com/office/drawing/2014/main" id="{D9C85A26-91D2-374F-9D13-0ADE24F86EB2}"/>
+          <p:cNvPr id="3" name="Content Placeholder 2">
+            <a:extLst>
+              <a:ext uri="{FF2B5EF4-FFF2-40B4-BE49-F238E27FC236}">
+                <a16:creationId xmlns:a16="http://schemas.microsoft.com/office/drawing/2014/main" id="{074A47B6-531F-843D-407E-E1A529772741}"/>
               </a:ext>
             </a:extLst>
           </p:cNvPr>
@@ -16057,22 +17384,442 @@
             <a:spLocks noGrp="1"/>
           </p:cNvSpPr>
           <p:nvPr>
-            <p:ph type="body" sz="half" idx="2"/>
+            <p:ph sz="half" idx="1"/>
           </p:nvPr>
         </p:nvSpPr>
-        <p:spPr/>
+        <p:spPr>
+          <a:xfrm>
+            <a:off x="838200" y="1928557"/>
+            <a:ext cx="10515600" cy="738852"/>
+          </a:xfrm>
+        </p:spPr>
         <p:txBody>
-          <a:bodyPr/>
+          <a:bodyPr>
+            <a:normAutofit fontScale="70000" lnSpcReduction="20000"/>
+          </a:bodyPr>
           <a:lstStyle/>
           <a:p>
-            <a:endParaRPr lang="en-US"/>
+            <a:r>
+              <a:rPr lang="hr-HR" dirty="0"/>
+              <a:t>Putanja datoteke je </a:t>
+            </a:r>
+            <a:r>
+              <a:rPr lang="hr-HR" b="1" dirty="0"/>
+              <a:t>jedinstvena lokacija</a:t>
+            </a:r>
+            <a:r>
+              <a:rPr lang="hr-HR" dirty="0"/>
+              <a:t> na računa</a:t>
+            </a:r>
+            <a:r>
+              <a:rPr lang="en-US" dirty="0" err="1"/>
+              <a:t>lu</a:t>
+            </a:r>
+            <a:r>
+              <a:rPr lang="hr-HR" dirty="0"/>
+              <a:t> </a:t>
+            </a:r>
+            <a:r>
+              <a:rPr lang="hr-HR" dirty="0" err="1"/>
+              <a:t>gd</a:t>
+            </a:r>
+            <a:r>
+              <a:rPr lang="en-US" dirty="0"/>
+              <a:t>j</a:t>
+            </a:r>
+            <a:r>
+              <a:rPr lang="hr-HR" dirty="0"/>
+              <a:t>e se nalazi određeni </a:t>
+            </a:r>
+            <a:r>
+              <a:rPr lang="hr-HR" dirty="0" err="1"/>
+              <a:t>fajl</a:t>
+            </a:r>
+            <a:r>
+              <a:rPr lang="hr-HR" dirty="0"/>
+              <a:t> ili folder.</a:t>
+            </a:r>
+            <a:endParaRPr lang="en-US" dirty="0"/>
+          </a:p>
+          <a:p>
+            <a:r>
+              <a:rPr lang="hr-HR" dirty="0"/>
+              <a:t>To možemo </a:t>
+            </a:r>
+            <a:r>
+              <a:rPr lang="hr-HR" dirty="0" err="1"/>
+              <a:t>uporediti</a:t>
+            </a:r>
+            <a:r>
+              <a:rPr lang="hr-HR" dirty="0"/>
+              <a:t> sa </a:t>
+            </a:r>
+            <a:r>
+              <a:rPr lang="hr-HR" b="1" dirty="0"/>
+              <a:t>adresom u stvarnom </a:t>
+            </a:r>
+            <a:r>
+              <a:rPr lang="hr-HR" b="1" dirty="0" err="1"/>
+              <a:t>sv</a:t>
+            </a:r>
+            <a:r>
+              <a:rPr lang="en-US" b="1" dirty="0" err="1"/>
+              <a:t>ije</a:t>
+            </a:r>
+            <a:r>
+              <a:rPr lang="hr-HR" b="1" dirty="0"/>
+              <a:t>tu</a:t>
+            </a:r>
+            <a:endParaRPr lang="hr-HR" dirty="0"/>
+          </a:p>
+        </p:txBody>
+      </p:sp>
+      <p:sp>
+        <p:nvSpPr>
+          <p:cNvPr id="4" name="Title 2">
+            <a:extLst>
+              <a:ext uri="{FF2B5EF4-FFF2-40B4-BE49-F238E27FC236}">
+                <a16:creationId xmlns:a16="http://schemas.microsoft.com/office/drawing/2014/main" id="{F26E1C4B-DAE6-3D61-83BB-CB36041A5D96}"/>
+              </a:ext>
+            </a:extLst>
+          </p:cNvPr>
+          <p:cNvSpPr txBox="1">
+            <a:spLocks/>
+          </p:cNvSpPr>
+          <p:nvPr/>
+        </p:nvSpPr>
+        <p:spPr>
+          <a:xfrm>
+            <a:off x="0" y="2905278"/>
+            <a:ext cx="5273749" cy="853976"/>
+          </a:xfrm>
+          <a:prstGeom prst="rect">
+            <a:avLst/>
+          </a:prstGeom>
+        </p:spPr>
+        <p:txBody>
+          <a:bodyPr vert="horz" lIns="91440" tIns="45720" rIns="91440" bIns="45720" rtlCol="0" anchor="ctr">
+            <a:normAutofit/>
+          </a:bodyPr>
+          <a:lstStyle>
+            <a:lvl1pPr algn="l" defTabSz="914400" rtl="0" eaLnBrk="1" latinLnBrk="0" hangingPunct="1">
+              <a:lnSpc>
+                <a:spcPct val="90000"/>
+              </a:lnSpc>
+              <a:spcBef>
+                <a:spcPct val="0"/>
+              </a:spcBef>
+              <a:buNone/>
+              <a:defRPr sz="3600" b="1" i="0" kern="1200" cap="all" baseline="0">
+                <a:solidFill>
+                  <a:schemeClr val="tx2"/>
+                </a:solidFill>
+                <a:latin typeface="+mj-lt"/>
+                <a:ea typeface="Open Sans Semibold" panose="020B0606030504020204" pitchFamily="34" charset="0"/>
+                <a:cs typeface="Open Sans Semibold" panose="020B0606030504020204" pitchFamily="34" charset="0"/>
+              </a:defRPr>
+            </a:lvl1pPr>
+          </a:lstStyle>
+          <a:p>
+            <a:pPr algn="ctr"/>
+            <a:r>
+              <a:rPr lang="en-US" sz="2000" dirty="0"/>
+              <a:t>APSOLUTNA PUTANJA</a:t>
+            </a:r>
+          </a:p>
+        </p:txBody>
+      </p:sp>
+      <p:sp>
+        <p:nvSpPr>
+          <p:cNvPr id="5" name="Title 2">
+            <a:extLst>
+              <a:ext uri="{FF2B5EF4-FFF2-40B4-BE49-F238E27FC236}">
+                <a16:creationId xmlns:a16="http://schemas.microsoft.com/office/drawing/2014/main" id="{17039AD3-E91A-71C4-BC8E-4C1EADA4EF6A}"/>
+              </a:ext>
+            </a:extLst>
+          </p:cNvPr>
+          <p:cNvSpPr txBox="1">
+            <a:spLocks/>
+          </p:cNvSpPr>
+          <p:nvPr/>
+        </p:nvSpPr>
+        <p:spPr>
+          <a:xfrm>
+            <a:off x="-104553" y="4134294"/>
+            <a:ext cx="5273749" cy="853976"/>
+          </a:xfrm>
+          <a:prstGeom prst="rect">
+            <a:avLst/>
+          </a:prstGeom>
+        </p:spPr>
+        <p:txBody>
+          <a:bodyPr vert="horz" lIns="91440" tIns="45720" rIns="91440" bIns="45720" rtlCol="0" anchor="ctr">
+            <a:normAutofit/>
+          </a:bodyPr>
+          <a:lstStyle>
+            <a:lvl1pPr algn="l" defTabSz="914400" rtl="0" eaLnBrk="1" latinLnBrk="0" hangingPunct="1">
+              <a:lnSpc>
+                <a:spcPct val="90000"/>
+              </a:lnSpc>
+              <a:spcBef>
+                <a:spcPct val="0"/>
+              </a:spcBef>
+              <a:buNone/>
+              <a:defRPr sz="3600" b="1" i="0" kern="1200" cap="all" baseline="0">
+                <a:solidFill>
+                  <a:schemeClr val="tx2"/>
+                </a:solidFill>
+                <a:latin typeface="+mj-lt"/>
+                <a:ea typeface="Open Sans Semibold" panose="020B0606030504020204" pitchFamily="34" charset="0"/>
+                <a:cs typeface="Open Sans Semibold" panose="020B0606030504020204" pitchFamily="34" charset="0"/>
+              </a:defRPr>
+            </a:lvl1pPr>
+          </a:lstStyle>
+          <a:p>
+            <a:pPr algn="ctr"/>
+            <a:r>
+              <a:rPr lang="en-US" sz="2000" dirty="0"/>
+              <a:t>RELATIVNA PUTANJA</a:t>
+            </a:r>
+          </a:p>
+        </p:txBody>
+      </p:sp>
+      <p:pic>
+        <p:nvPicPr>
+          <p:cNvPr id="9" name="Picture 8">
+            <a:extLst>
+              <a:ext uri="{FF2B5EF4-FFF2-40B4-BE49-F238E27FC236}">
+                <a16:creationId xmlns:a16="http://schemas.microsoft.com/office/drawing/2014/main" id="{3B9DAAC8-486C-91A2-99AA-ECA5431A4799}"/>
+              </a:ext>
+            </a:extLst>
+          </p:cNvPr>
+          <p:cNvPicPr>
+            <a:picLocks noChangeAspect="1"/>
+          </p:cNvPicPr>
+          <p:nvPr/>
+        </p:nvPicPr>
+        <p:blipFill>
+          <a:blip r:embed="rId3"/>
+          <a:stretch>
+            <a:fillRect/>
+          </a:stretch>
+        </p:blipFill>
+        <p:spPr>
+          <a:xfrm>
+            <a:off x="4801153" y="3103666"/>
+            <a:ext cx="3971925" cy="457200"/>
+          </a:xfrm>
+          <a:prstGeom prst="rect">
+            <a:avLst/>
+          </a:prstGeom>
+        </p:spPr>
+      </p:pic>
+      <p:pic>
+        <p:nvPicPr>
+          <p:cNvPr id="11" name="Picture 10">
+            <a:extLst>
+              <a:ext uri="{FF2B5EF4-FFF2-40B4-BE49-F238E27FC236}">
+                <a16:creationId xmlns:a16="http://schemas.microsoft.com/office/drawing/2014/main" id="{5CB4BFB4-D5D9-77CD-13D8-CAB3487D5741}"/>
+              </a:ext>
+            </a:extLst>
+          </p:cNvPr>
+          <p:cNvPicPr>
+            <a:picLocks noChangeAspect="1"/>
+          </p:cNvPicPr>
+          <p:nvPr/>
+        </p:nvPicPr>
+        <p:blipFill>
+          <a:blip r:embed="rId4"/>
+          <a:stretch>
+            <a:fillRect/>
+          </a:stretch>
+        </p:blipFill>
+        <p:spPr>
+          <a:xfrm>
+            <a:off x="4801153" y="4012907"/>
+            <a:ext cx="1962150" cy="466725"/>
+          </a:xfrm>
+          <a:prstGeom prst="rect">
+            <a:avLst/>
+          </a:prstGeom>
+        </p:spPr>
+      </p:pic>
+      <p:pic>
+        <p:nvPicPr>
+          <p:cNvPr id="13" name="Picture 12">
+            <a:extLst>
+              <a:ext uri="{FF2B5EF4-FFF2-40B4-BE49-F238E27FC236}">
+                <a16:creationId xmlns:a16="http://schemas.microsoft.com/office/drawing/2014/main" id="{6F19DEF0-D7E8-F81D-71E5-AF5612D4D713}"/>
+              </a:ext>
+            </a:extLst>
+          </p:cNvPr>
+          <p:cNvPicPr>
+            <a:picLocks noChangeAspect="1"/>
+          </p:cNvPicPr>
+          <p:nvPr/>
+        </p:nvPicPr>
+        <p:blipFill>
+          <a:blip r:embed="rId5"/>
+          <a:stretch>
+            <a:fillRect/>
+          </a:stretch>
+        </p:blipFill>
+        <p:spPr>
+          <a:xfrm>
+            <a:off x="4801153" y="4733286"/>
+            <a:ext cx="1714500" cy="542925"/>
+          </a:xfrm>
+          <a:prstGeom prst="rect">
+            <a:avLst/>
+          </a:prstGeom>
+        </p:spPr>
+      </p:pic>
+      <p:sp>
+        <p:nvSpPr>
+          <p:cNvPr id="14" name="Title 2">
+            <a:extLst>
+              <a:ext uri="{FF2B5EF4-FFF2-40B4-BE49-F238E27FC236}">
+                <a16:creationId xmlns:a16="http://schemas.microsoft.com/office/drawing/2014/main" id="{F3D84742-1CE5-0871-CE7A-009980F3C2FB}"/>
+              </a:ext>
+            </a:extLst>
+          </p:cNvPr>
+          <p:cNvSpPr txBox="1">
+            <a:spLocks/>
+          </p:cNvSpPr>
+          <p:nvPr/>
+        </p:nvSpPr>
+        <p:spPr>
+          <a:xfrm>
+            <a:off x="5236535" y="4546856"/>
+            <a:ext cx="5273749" cy="853976"/>
+          </a:xfrm>
+          <a:prstGeom prst="rect">
+            <a:avLst/>
+          </a:prstGeom>
+        </p:spPr>
+        <p:txBody>
+          <a:bodyPr vert="horz" lIns="91440" tIns="45720" rIns="91440" bIns="45720" rtlCol="0" anchor="ctr">
+            <a:normAutofit/>
+          </a:bodyPr>
+          <a:lstStyle>
+            <a:lvl1pPr algn="l" defTabSz="914400" rtl="0" eaLnBrk="1" latinLnBrk="0" hangingPunct="1">
+              <a:lnSpc>
+                <a:spcPct val="90000"/>
+              </a:lnSpc>
+              <a:spcBef>
+                <a:spcPct val="0"/>
+              </a:spcBef>
+              <a:buNone/>
+              <a:defRPr sz="3600" b="1" i="0" kern="1200" cap="all" baseline="0">
+                <a:solidFill>
+                  <a:schemeClr val="tx2"/>
+                </a:solidFill>
+                <a:latin typeface="+mj-lt"/>
+                <a:ea typeface="Open Sans Semibold" panose="020B0606030504020204" pitchFamily="34" charset="0"/>
+                <a:cs typeface="Open Sans Semibold" panose="020B0606030504020204" pitchFamily="34" charset="0"/>
+              </a:defRPr>
+            </a:lvl1pPr>
+          </a:lstStyle>
+          <a:p>
+            <a:pPr algn="ctr"/>
+            <a:r>
+              <a:rPr lang="en-US" sz="1400" dirty="0">
+                <a:solidFill>
+                  <a:schemeClr val="accent3"/>
+                </a:solidFill>
+              </a:rPr>
+              <a:t>TRENUTNI DIREKTORIJ</a:t>
+            </a:r>
+          </a:p>
+        </p:txBody>
+      </p:sp>
+      <p:sp>
+        <p:nvSpPr>
+          <p:cNvPr id="15" name="Title 2">
+            <a:extLst>
+              <a:ext uri="{FF2B5EF4-FFF2-40B4-BE49-F238E27FC236}">
+                <a16:creationId xmlns:a16="http://schemas.microsoft.com/office/drawing/2014/main" id="{E88BF854-4F9E-CBF8-748C-115D94ED4AB6}"/>
+              </a:ext>
+            </a:extLst>
+          </p:cNvPr>
+          <p:cNvSpPr txBox="1">
+            <a:spLocks/>
+          </p:cNvSpPr>
+          <p:nvPr/>
+        </p:nvSpPr>
+        <p:spPr>
+          <a:xfrm>
+            <a:off x="5075494" y="3814520"/>
+            <a:ext cx="5273749" cy="853976"/>
+          </a:xfrm>
+          <a:prstGeom prst="rect">
+            <a:avLst/>
+          </a:prstGeom>
+        </p:spPr>
+        <p:txBody>
+          <a:bodyPr vert="horz" lIns="91440" tIns="45720" rIns="91440" bIns="45720" rtlCol="0" anchor="ctr">
+            <a:normAutofit/>
+          </a:bodyPr>
+          <a:lstStyle>
+            <a:lvl1pPr algn="l" defTabSz="914400" rtl="0" eaLnBrk="1" latinLnBrk="0" hangingPunct="1">
+              <a:lnSpc>
+                <a:spcPct val="90000"/>
+              </a:lnSpc>
+              <a:spcBef>
+                <a:spcPct val="0"/>
+              </a:spcBef>
+              <a:buNone/>
+              <a:defRPr sz="3600" b="1" i="0" kern="1200" cap="all" baseline="0">
+                <a:solidFill>
+                  <a:schemeClr val="tx2"/>
+                </a:solidFill>
+                <a:latin typeface="+mj-lt"/>
+                <a:ea typeface="Open Sans Semibold" panose="020B0606030504020204" pitchFamily="34" charset="0"/>
+                <a:cs typeface="Open Sans Semibold" panose="020B0606030504020204" pitchFamily="34" charset="0"/>
+              </a:defRPr>
+            </a:lvl1pPr>
+          </a:lstStyle>
+          <a:p>
+            <a:pPr algn="ctr"/>
+            <a:r>
+              <a:rPr lang="en-US" sz="1400" dirty="0" err="1">
+                <a:solidFill>
+                  <a:schemeClr val="accent3"/>
+                </a:solidFill>
+              </a:rPr>
+              <a:t>Jedan</a:t>
+            </a:r>
+            <a:r>
+              <a:rPr lang="en-US" sz="1400" dirty="0">
+                <a:solidFill>
+                  <a:schemeClr val="accent3"/>
+                </a:solidFill>
+              </a:rPr>
+              <a:t> </a:t>
+            </a:r>
+            <a:r>
+              <a:rPr lang="en-US" sz="1400" dirty="0" err="1">
+                <a:solidFill>
+                  <a:schemeClr val="accent3"/>
+                </a:solidFill>
+              </a:rPr>
+              <a:t>nivo</a:t>
+            </a:r>
+            <a:r>
+              <a:rPr lang="en-US" sz="1400" dirty="0">
+                <a:solidFill>
+                  <a:schemeClr val="accent3"/>
+                </a:solidFill>
+              </a:rPr>
+              <a:t> gore</a:t>
+            </a:r>
           </a:p>
         </p:txBody>
       </p:sp>
     </p:spTree>
     <p:extLst>
       <p:ext uri="{BB962C8B-B14F-4D97-AF65-F5344CB8AC3E}">
-        <p14:creationId xmlns:p14="http://schemas.microsoft.com/office/powerpoint/2010/main" val="3792986467"/>
+        <p14:creationId xmlns:p14="http://schemas.microsoft.com/office/powerpoint/2010/main" val="1322434337"/>
       </p:ext>
     </p:extLst>
   </p:cSld>
@@ -16087,7 +17834,13 @@
   <p:cSld>
     <p:spTree>
       <p:nvGrpSpPr>
-        <p:cNvPr id="1" name=""/>
+        <p:cNvPr id="1" name="">
+          <a:extLst>
+            <a:ext uri="{FF2B5EF4-FFF2-40B4-BE49-F238E27FC236}">
+              <a16:creationId xmlns:a16="http://schemas.microsoft.com/office/drawing/2014/main" id="{45071D0D-9E4D-4BCF-131C-61ADEC02B18D}"/>
+            </a:ext>
+          </a:extLst>
+        </p:cNvPr>
         <p:cNvGrpSpPr/>
         <p:nvPr/>
       </p:nvGrpSpPr>
@@ -16101,35 +17854,10 @@
       </p:grpSpPr>
       <p:sp>
         <p:nvSpPr>
-          <p:cNvPr id="2" name="Picture Placeholder 1">
-            <a:extLst>
-              <a:ext uri="{FF2B5EF4-FFF2-40B4-BE49-F238E27FC236}">
-                <a16:creationId xmlns:a16="http://schemas.microsoft.com/office/drawing/2014/main" id="{27073D57-D0A7-D349-AD31-87A41BE5CCD7}"/>
-              </a:ext>
-            </a:extLst>
-          </p:cNvPr>
-          <p:cNvSpPr>
-            <a:spLocks noGrp="1"/>
-          </p:cNvSpPr>
-          <p:nvPr>
-            <p:ph type="pic" idx="1"/>
-          </p:nvPr>
-        </p:nvSpPr>
-        <p:spPr/>
-        <p:txBody>
-          <a:bodyPr/>
-          <a:lstStyle/>
-          <a:p>
-            <a:endParaRPr lang="hr-HR"/>
-          </a:p>
-        </p:txBody>
-      </p:sp>
-      <p:sp>
-        <p:nvSpPr>
-          <p:cNvPr id="3" name="Title 2">
-            <a:extLst>
-              <a:ext uri="{FF2B5EF4-FFF2-40B4-BE49-F238E27FC236}">
-                <a16:creationId xmlns:a16="http://schemas.microsoft.com/office/drawing/2014/main" id="{243E68CE-7075-714C-976F-A78F01BD8978}"/>
+          <p:cNvPr id="2" name="Title 1">
+            <a:extLst>
+              <a:ext uri="{FF2B5EF4-FFF2-40B4-BE49-F238E27FC236}">
+                <a16:creationId xmlns:a16="http://schemas.microsoft.com/office/drawing/2014/main" id="{66CA8945-D26D-4EEC-C04E-7F1497C06673}"/>
               </a:ext>
             </a:extLst>
           </p:cNvPr>
@@ -16145,16 +17873,28 @@
           <a:bodyPr/>
           <a:lstStyle/>
           <a:p>
-            <a:endParaRPr lang="en-US"/>
+            <a:r>
+              <a:rPr lang="en-US" dirty="0"/>
+              <a:t>VJE</a:t>
+            </a:r>
+            <a:r>
+              <a:rPr lang="hr-HR" dirty="0"/>
+              <a:t>ž</a:t>
+            </a:r>
+            <a:r>
+              <a:rPr lang="en-US" dirty="0"/>
+              <a:t>BA 5</a:t>
+            </a:r>
+            <a:endParaRPr lang="hr-HR" dirty="0"/>
           </a:p>
         </p:txBody>
       </p:sp>
       <p:sp>
         <p:nvSpPr>
-          <p:cNvPr id="4" name="Text Placeholder 3">
-            <a:extLst>
-              <a:ext uri="{FF2B5EF4-FFF2-40B4-BE49-F238E27FC236}">
-                <a16:creationId xmlns:a16="http://schemas.microsoft.com/office/drawing/2014/main" id="{175F125A-4424-674F-9E40-B904CD37D3F8}"/>
+          <p:cNvPr id="3" name="Content Placeholder 2">
+            <a:extLst>
+              <a:ext uri="{FF2B5EF4-FFF2-40B4-BE49-F238E27FC236}">
+                <a16:creationId xmlns:a16="http://schemas.microsoft.com/office/drawing/2014/main" id="{A92C34CF-B4BC-B5C8-8BD5-B902FD262D13}"/>
               </a:ext>
             </a:extLst>
           </p:cNvPr>
@@ -16162,22 +17902,98 @@
             <a:spLocks noGrp="1"/>
           </p:cNvSpPr>
           <p:nvPr>
-            <p:ph type="body" sz="half" idx="2"/>
+            <p:ph sz="half" idx="1"/>
           </p:nvPr>
         </p:nvSpPr>
-        <p:spPr/>
+        <p:spPr>
+          <a:xfrm>
+            <a:off x="838200" y="1928557"/>
+            <a:ext cx="10515600" cy="500983"/>
+          </a:xfrm>
+        </p:spPr>
         <p:txBody>
           <a:bodyPr/>
           <a:lstStyle/>
           <a:p>
-            <a:endParaRPr lang="en-US"/>
+            <a:r>
+              <a:rPr lang="en-US" dirty="0" err="1"/>
+              <a:t>Pove</a:t>
+            </a:r>
+            <a:r>
+              <a:rPr lang="hr-HR" dirty="0" err="1"/>
+              <a:t>žite</a:t>
+            </a:r>
+            <a:r>
+              <a:rPr lang="hr-HR" dirty="0"/>
+              <a:t> pravilno slike u projektu</a:t>
+            </a:r>
           </a:p>
         </p:txBody>
       </p:sp>
+      <p:pic>
+        <p:nvPicPr>
+          <p:cNvPr id="5" name="Picture 4">
+            <a:extLst>
+              <a:ext uri="{FF2B5EF4-FFF2-40B4-BE49-F238E27FC236}">
+                <a16:creationId xmlns:a16="http://schemas.microsoft.com/office/drawing/2014/main" id="{226DC682-7767-A6A2-B554-221FCEC30048}"/>
+              </a:ext>
+            </a:extLst>
+          </p:cNvPr>
+          <p:cNvPicPr>
+            <a:picLocks noChangeAspect="1"/>
+          </p:cNvPicPr>
+          <p:nvPr/>
+        </p:nvPicPr>
+        <p:blipFill>
+          <a:blip r:embed="rId3"/>
+          <a:stretch>
+            <a:fillRect/>
+          </a:stretch>
+        </p:blipFill>
+        <p:spPr>
+          <a:xfrm>
+            <a:off x="1108666" y="2765572"/>
+            <a:ext cx="4286250" cy="2305050"/>
+          </a:xfrm>
+          <a:prstGeom prst="rect">
+            <a:avLst/>
+          </a:prstGeom>
+        </p:spPr>
+      </p:pic>
+      <p:pic>
+        <p:nvPicPr>
+          <p:cNvPr id="8" name="Picture 7">
+            <a:extLst>
+              <a:ext uri="{FF2B5EF4-FFF2-40B4-BE49-F238E27FC236}">
+                <a16:creationId xmlns:a16="http://schemas.microsoft.com/office/drawing/2014/main" id="{1D8788FC-A570-CA0E-24FD-362988F632C7}"/>
+              </a:ext>
+            </a:extLst>
+          </p:cNvPr>
+          <p:cNvPicPr>
+            <a:picLocks noChangeAspect="1"/>
+          </p:cNvPicPr>
+          <p:nvPr/>
+        </p:nvPicPr>
+        <p:blipFill>
+          <a:blip r:embed="rId4"/>
+          <a:stretch>
+            <a:fillRect/>
+          </a:stretch>
+        </p:blipFill>
+        <p:spPr>
+          <a:xfrm>
+            <a:off x="6995703" y="2598408"/>
+            <a:ext cx="1834325" cy="2601654"/>
+          </a:xfrm>
+          <a:prstGeom prst="rect">
+            <a:avLst/>
+          </a:prstGeom>
+        </p:spPr>
+      </p:pic>
     </p:spTree>
     <p:extLst>
       <p:ext uri="{BB962C8B-B14F-4D97-AF65-F5344CB8AC3E}">
-        <p14:creationId xmlns:p14="http://schemas.microsoft.com/office/powerpoint/2010/main" val="3417820645"/>
+        <p14:creationId xmlns:p14="http://schemas.microsoft.com/office/powerpoint/2010/main" val="3383151279"/>
       </p:ext>
     </p:extLst>
   </p:cSld>
@@ -16192,7 +18008,13 @@
   <p:cSld>
     <p:spTree>
       <p:nvGrpSpPr>
-        <p:cNvPr id="1" name=""/>
+        <p:cNvPr id="1" name="">
+          <a:extLst>
+            <a:ext uri="{FF2B5EF4-FFF2-40B4-BE49-F238E27FC236}">
+              <a16:creationId xmlns:a16="http://schemas.microsoft.com/office/drawing/2014/main" id="{84868BA1-16B0-ED49-3BA4-8BB33255BE18}"/>
+            </a:ext>
+          </a:extLst>
+        </p:cNvPr>
         <p:cNvGrpSpPr/>
         <p:nvPr/>
       </p:nvGrpSpPr>
@@ -16206,35 +18028,10 @@
       </p:grpSpPr>
       <p:sp>
         <p:nvSpPr>
-          <p:cNvPr id="2" name="Picture Placeholder 1">
-            <a:extLst>
-              <a:ext uri="{FF2B5EF4-FFF2-40B4-BE49-F238E27FC236}">
-                <a16:creationId xmlns:a16="http://schemas.microsoft.com/office/drawing/2014/main" id="{76DF399B-6A53-F045-AB09-8553BE7D18AF}"/>
-              </a:ext>
-            </a:extLst>
-          </p:cNvPr>
-          <p:cNvSpPr>
-            <a:spLocks noGrp="1"/>
-          </p:cNvSpPr>
-          <p:nvPr>
-            <p:ph type="pic" idx="1"/>
-          </p:nvPr>
-        </p:nvSpPr>
-        <p:spPr/>
-        <p:txBody>
-          <a:bodyPr/>
-          <a:lstStyle/>
-          <a:p>
-            <a:endParaRPr lang="hr-HR"/>
-          </a:p>
-        </p:txBody>
-      </p:sp>
-      <p:sp>
-        <p:nvSpPr>
-          <p:cNvPr id="3" name="Title 2">
-            <a:extLst>
-              <a:ext uri="{FF2B5EF4-FFF2-40B4-BE49-F238E27FC236}">
-                <a16:creationId xmlns:a16="http://schemas.microsoft.com/office/drawing/2014/main" id="{ECD12B56-F705-924A-AE46-58078BF5E475}"/>
+          <p:cNvPr id="2" name="Title 1">
+            <a:extLst>
+              <a:ext uri="{FF2B5EF4-FFF2-40B4-BE49-F238E27FC236}">
+                <a16:creationId xmlns:a16="http://schemas.microsoft.com/office/drawing/2014/main" id="{38041C32-B135-B959-EA04-AC153648B261}"/>
               </a:ext>
             </a:extLst>
           </p:cNvPr>
@@ -16250,16 +18047,24 @@
           <a:bodyPr/>
           <a:lstStyle/>
           <a:p>
-            <a:endParaRPr lang="en-US"/>
+            <a:r>
+              <a:rPr lang="hr-HR" dirty="0"/>
+              <a:t>Višestranih Web </a:t>
+            </a:r>
+            <a:r>
+              <a:rPr lang="hr-HR" dirty="0" err="1"/>
+              <a:t>Sajtova</a:t>
+            </a:r>
+            <a:endParaRPr lang="en-US" dirty="0"/>
           </a:p>
         </p:txBody>
       </p:sp>
       <p:sp>
         <p:nvSpPr>
-          <p:cNvPr id="4" name="Text Placeholder 3">
-            <a:extLst>
-              <a:ext uri="{FF2B5EF4-FFF2-40B4-BE49-F238E27FC236}">
-                <a16:creationId xmlns:a16="http://schemas.microsoft.com/office/drawing/2014/main" id="{84A19C17-CB0D-6D45-8CDC-6A8A3C7935D5}"/>
+          <p:cNvPr id="3" name="Content Placeholder 2">
+            <a:extLst>
+              <a:ext uri="{FF2B5EF4-FFF2-40B4-BE49-F238E27FC236}">
+                <a16:creationId xmlns:a16="http://schemas.microsoft.com/office/drawing/2014/main" id="{9803477E-E538-F0DA-276A-8B78179F9458}"/>
               </a:ext>
             </a:extLst>
           </p:cNvPr>
@@ -16267,22 +18072,124 @@
             <a:spLocks noGrp="1"/>
           </p:cNvSpPr>
           <p:nvPr>
-            <p:ph type="body" sz="half" idx="2"/>
+            <p:ph sz="half" idx="1"/>
           </p:nvPr>
         </p:nvSpPr>
-        <p:spPr/>
+        <p:spPr>
+          <a:xfrm>
+            <a:off x="838199" y="1928557"/>
+            <a:ext cx="11304181" cy="1420699"/>
+          </a:xfrm>
+        </p:spPr>
         <p:txBody>
           <a:bodyPr/>
           <a:lstStyle/>
           <a:p>
-            <a:endParaRPr lang="en-US"/>
+            <a:r>
+              <a:rPr lang="en-US" b="1" u="sng" dirty="0" err="1"/>
+              <a:t>href</a:t>
+            </a:r>
+            <a:r>
+              <a:rPr lang="en-US" b="1" dirty="0"/>
+              <a:t> </a:t>
+            </a:r>
+            <a:r>
+              <a:rPr lang="hr-HR" b="1" dirty="0"/>
+              <a:t>atribut</a:t>
+            </a:r>
+            <a:r>
+              <a:rPr lang="hr-HR" dirty="0"/>
+              <a:t> određuje </a:t>
+            </a:r>
+            <a:r>
+              <a:rPr lang="hr-HR" b="1" dirty="0"/>
+              <a:t>URL na koji link vodi</a:t>
+            </a:r>
+            <a:r>
+              <a:rPr lang="hr-HR" dirty="0"/>
+              <a:t>.</a:t>
+            </a:r>
+            <a:r>
+              <a:rPr lang="en-US" dirty="0"/>
+              <a:t> </a:t>
+            </a:r>
+            <a:r>
+              <a:rPr lang="hr-HR" dirty="0"/>
+              <a:t>Atributi se </a:t>
+            </a:r>
+            <a:r>
+              <a:rPr lang="hr-HR" b="1" dirty="0"/>
+              <a:t>nalaze unutar </a:t>
+            </a:r>
+            <a:r>
+              <a:rPr lang="hr-HR" b="1" dirty="0" err="1"/>
+              <a:t>otvarajuće</a:t>
+            </a:r>
+            <a:r>
+              <a:rPr lang="hr-HR" b="1" dirty="0"/>
+              <a:t> oznake</a:t>
+            </a:r>
+            <a:endParaRPr lang="en-US" b="1" dirty="0"/>
+          </a:p>
+          <a:p>
+            <a:r>
+              <a:rPr lang="en-US" b="1" dirty="0"/>
+              <a:t>Bez </a:t>
+            </a:r>
+            <a:r>
+              <a:rPr lang="en-US" b="1" u="sng" dirty="0" err="1"/>
+              <a:t>href</a:t>
+            </a:r>
+            <a:r>
+              <a:rPr lang="en-US" b="1" u="sng" dirty="0"/>
+              <a:t> </a:t>
+            </a:r>
+            <a:r>
+              <a:rPr lang="hr-HR" b="1" dirty="0"/>
+              <a:t>atributa</a:t>
+            </a:r>
+            <a:r>
+              <a:rPr lang="hr-HR" dirty="0"/>
+              <a:t>, link nije aktivan</a:t>
+            </a:r>
+            <a:endParaRPr lang="en-US" dirty="0"/>
           </a:p>
         </p:txBody>
       </p:sp>
+      <p:pic>
+        <p:nvPicPr>
+          <p:cNvPr id="5" name="Picture 4">
+            <a:extLst>
+              <a:ext uri="{FF2B5EF4-FFF2-40B4-BE49-F238E27FC236}">
+                <a16:creationId xmlns:a16="http://schemas.microsoft.com/office/drawing/2014/main" id="{3EF6B959-EB98-76AC-A460-3C25FD91DA85}"/>
+              </a:ext>
+            </a:extLst>
+          </p:cNvPr>
+          <p:cNvPicPr>
+            <a:picLocks noChangeAspect="1"/>
+          </p:cNvPicPr>
+          <p:nvPr/>
+        </p:nvPicPr>
+        <p:blipFill>
+          <a:blip r:embed="rId2"/>
+          <a:stretch>
+            <a:fillRect/>
+          </a:stretch>
+        </p:blipFill>
+        <p:spPr>
+          <a:xfrm>
+            <a:off x="2343815" y="3944679"/>
+            <a:ext cx="8114420" cy="808075"/>
+          </a:xfrm>
+          <a:prstGeom prst="rect">
+            <a:avLst/>
+          </a:prstGeom>
+        </p:spPr>
+      </p:pic>
     </p:spTree>
     <p:extLst>
       <p:ext uri="{BB962C8B-B14F-4D97-AF65-F5344CB8AC3E}">
-        <p14:creationId xmlns:p14="http://schemas.microsoft.com/office/powerpoint/2010/main" val="593540478"/>
+        <p14:creationId xmlns:p14="http://schemas.microsoft.com/office/powerpoint/2010/main" val="900596397"/>
       </p:ext>
     </p:extLst>
   </p:cSld>
@@ -16297,7 +18204,13 @@
   <p:cSld>
     <p:spTree>
       <p:nvGrpSpPr>
-        <p:cNvPr id="1" name=""/>
+        <p:cNvPr id="1" name="">
+          <a:extLst>
+            <a:ext uri="{FF2B5EF4-FFF2-40B4-BE49-F238E27FC236}">
+              <a16:creationId xmlns:a16="http://schemas.microsoft.com/office/drawing/2014/main" id="{25B890B7-9F08-6340-968E-EE68DD7FBB1B}"/>
+            </a:ext>
+          </a:extLst>
+        </p:cNvPr>
         <p:cNvGrpSpPr/>
         <p:nvPr/>
       </p:nvGrpSpPr>
@@ -16311,35 +18224,10 @@
       </p:grpSpPr>
       <p:sp>
         <p:nvSpPr>
-          <p:cNvPr id="2" name="Picture Placeholder 1">
-            <a:extLst>
-              <a:ext uri="{FF2B5EF4-FFF2-40B4-BE49-F238E27FC236}">
-                <a16:creationId xmlns:a16="http://schemas.microsoft.com/office/drawing/2014/main" id="{60BED653-EDD3-2740-B4D7-3BA94AB0927F}"/>
-              </a:ext>
-            </a:extLst>
-          </p:cNvPr>
-          <p:cNvSpPr>
-            <a:spLocks noGrp="1"/>
-          </p:cNvSpPr>
-          <p:nvPr>
-            <p:ph type="pic" idx="1"/>
-          </p:nvPr>
-        </p:nvSpPr>
-        <p:spPr/>
-        <p:txBody>
-          <a:bodyPr/>
-          <a:lstStyle/>
-          <a:p>
-            <a:endParaRPr lang="hr-HR"/>
-          </a:p>
-        </p:txBody>
-      </p:sp>
-      <p:sp>
-        <p:nvSpPr>
-          <p:cNvPr id="3" name="Title 2">
-            <a:extLst>
-              <a:ext uri="{FF2B5EF4-FFF2-40B4-BE49-F238E27FC236}">
-                <a16:creationId xmlns:a16="http://schemas.microsoft.com/office/drawing/2014/main" id="{F9EDE337-697C-1F4A-BD1C-1E21E5AC9CC3}"/>
+          <p:cNvPr id="2" name="Title 1">
+            <a:extLst>
+              <a:ext uri="{FF2B5EF4-FFF2-40B4-BE49-F238E27FC236}">
+                <a16:creationId xmlns:a16="http://schemas.microsoft.com/office/drawing/2014/main" id="{5795D434-A89C-C825-698C-F28B33CCED7D}"/>
               </a:ext>
             </a:extLst>
           </p:cNvPr>
@@ -16355,16 +18243,28 @@
           <a:bodyPr/>
           <a:lstStyle/>
           <a:p>
-            <a:endParaRPr lang="en-US"/>
+            <a:r>
+              <a:rPr lang="en-US" dirty="0"/>
+              <a:t>VJE</a:t>
+            </a:r>
+            <a:r>
+              <a:rPr lang="hr-HR" dirty="0"/>
+              <a:t>ž</a:t>
+            </a:r>
+            <a:r>
+              <a:rPr lang="en-US" dirty="0"/>
+              <a:t>BA 6</a:t>
+            </a:r>
+            <a:endParaRPr lang="hr-HR" dirty="0"/>
           </a:p>
         </p:txBody>
       </p:sp>
       <p:sp>
         <p:nvSpPr>
-          <p:cNvPr id="4" name="Text Placeholder 3">
-            <a:extLst>
-              <a:ext uri="{FF2B5EF4-FFF2-40B4-BE49-F238E27FC236}">
-                <a16:creationId xmlns:a16="http://schemas.microsoft.com/office/drawing/2014/main" id="{EB844BC3-717A-7545-B49A-751CE87839A5}"/>
+          <p:cNvPr id="3" name="Content Placeholder 2">
+            <a:extLst>
+              <a:ext uri="{FF2B5EF4-FFF2-40B4-BE49-F238E27FC236}">
+                <a16:creationId xmlns:a16="http://schemas.microsoft.com/office/drawing/2014/main" id="{FF6C9E6F-1C86-38C5-FAA5-B28D0DC48B1F}"/>
               </a:ext>
             </a:extLst>
           </p:cNvPr>
@@ -16372,22 +18272,88 @@
             <a:spLocks noGrp="1"/>
           </p:cNvSpPr>
           <p:nvPr>
-            <p:ph type="body" sz="half" idx="2"/>
+            <p:ph sz="half" idx="1"/>
           </p:nvPr>
         </p:nvSpPr>
-        <p:spPr/>
+        <p:spPr>
+          <a:xfrm>
+            <a:off x="838200" y="1690689"/>
+            <a:ext cx="6976730" cy="2147664"/>
+          </a:xfrm>
+        </p:spPr>
         <p:txBody>
-          <a:bodyPr/>
+          <a:bodyPr>
+            <a:normAutofit/>
+          </a:bodyPr>
           <a:lstStyle/>
           <a:p>
-            <a:endParaRPr lang="en-US"/>
+            <a:r>
+              <a:rPr lang="hr-HR" dirty="0"/>
+              <a:t>Izradite</a:t>
+            </a:r>
+            <a:r>
+              <a:rPr lang="en-US" dirty="0"/>
+              <a:t> vi</a:t>
+            </a:r>
+            <a:r>
+              <a:rPr lang="hr-HR" dirty="0" err="1"/>
+              <a:t>šestraničan</a:t>
+            </a:r>
+            <a:r>
+              <a:rPr lang="hr-HR" dirty="0"/>
+              <a:t> sajt. </a:t>
+            </a:r>
+          </a:p>
+          <a:p>
+            <a:pPr lvl="1"/>
+            <a:r>
+              <a:rPr lang="hr-HR" dirty="0"/>
+              <a:t>Klik na sliku vodi nas na o nama stranicu</a:t>
+            </a:r>
+          </a:p>
+          <a:p>
+            <a:pPr lvl="1"/>
+            <a:r>
+              <a:rPr lang="hr-HR" dirty="0"/>
+              <a:t>Klik na Kontaktirajte me, vodi nas na kontakt stranicu</a:t>
+            </a:r>
           </a:p>
         </p:txBody>
       </p:sp>
+      <p:pic>
+        <p:nvPicPr>
+          <p:cNvPr id="6" name="Picture 5">
+            <a:extLst>
+              <a:ext uri="{FF2B5EF4-FFF2-40B4-BE49-F238E27FC236}">
+                <a16:creationId xmlns:a16="http://schemas.microsoft.com/office/drawing/2014/main" id="{4DF09889-26FC-55C4-28F7-B8373051B1C6}"/>
+              </a:ext>
+            </a:extLst>
+          </p:cNvPr>
+          <p:cNvPicPr>
+            <a:picLocks noChangeAspect="1"/>
+          </p:cNvPicPr>
+          <p:nvPr/>
+        </p:nvPicPr>
+        <p:blipFill>
+          <a:blip r:embed="rId3"/>
+          <a:stretch>
+            <a:fillRect/>
+          </a:stretch>
+        </p:blipFill>
+        <p:spPr>
+          <a:xfrm>
+            <a:off x="8560759" y="1026909"/>
+            <a:ext cx="2348245" cy="4325715"/>
+          </a:xfrm>
+          <a:prstGeom prst="rect">
+            <a:avLst/>
+          </a:prstGeom>
+        </p:spPr>
+      </p:pic>
     </p:spTree>
     <p:extLst>
       <p:ext uri="{BB962C8B-B14F-4D97-AF65-F5344CB8AC3E}">
-        <p14:creationId xmlns:p14="http://schemas.microsoft.com/office/powerpoint/2010/main" val="1653808951"/>
+        <p14:creationId xmlns:p14="http://schemas.microsoft.com/office/powerpoint/2010/main" val="2646069575"/>
       </p:ext>
     </p:extLst>
   </p:cSld>
@@ -16416,10 +18382,35 @@
       </p:grpSpPr>
       <p:sp>
         <p:nvSpPr>
-          <p:cNvPr id="2" name="Title 1">
-            <a:extLst>
-              <a:ext uri="{FF2B5EF4-FFF2-40B4-BE49-F238E27FC236}">
-                <a16:creationId xmlns:a16="http://schemas.microsoft.com/office/drawing/2014/main" id="{89615F57-06D6-114F-B0B0-2381BD57A614}"/>
+          <p:cNvPr id="2" name="Content Placeholder 1">
+            <a:extLst>
+              <a:ext uri="{FF2B5EF4-FFF2-40B4-BE49-F238E27FC236}">
+                <a16:creationId xmlns:a16="http://schemas.microsoft.com/office/drawing/2014/main" id="{539630EC-DDFF-DF4E-88AE-E9C1FFEB43AA}"/>
+              </a:ext>
+            </a:extLst>
+          </p:cNvPr>
+          <p:cNvSpPr>
+            <a:spLocks noGrp="1"/>
+          </p:cNvSpPr>
+          <p:nvPr>
+            <p:ph idx="1"/>
+          </p:nvPr>
+        </p:nvSpPr>
+        <p:spPr/>
+        <p:txBody>
+          <a:bodyPr/>
+          <a:lstStyle/>
+          <a:p>
+            <a:endParaRPr lang="en-US"/>
+          </a:p>
+        </p:txBody>
+      </p:sp>
+      <p:sp>
+        <p:nvSpPr>
+          <p:cNvPr id="3" name="Title 2">
+            <a:extLst>
+              <a:ext uri="{FF2B5EF4-FFF2-40B4-BE49-F238E27FC236}">
+                <a16:creationId xmlns:a16="http://schemas.microsoft.com/office/drawing/2014/main" id="{13298024-5B15-D141-85A6-2269E3D22835}"/>
               </a:ext>
             </a:extLst>
           </p:cNvPr>
@@ -16439,10 +18430,35 @@
           </a:p>
         </p:txBody>
       </p:sp>
+      <p:sp>
+        <p:nvSpPr>
+          <p:cNvPr id="4" name="Text Placeholder 3">
+            <a:extLst>
+              <a:ext uri="{FF2B5EF4-FFF2-40B4-BE49-F238E27FC236}">
+                <a16:creationId xmlns:a16="http://schemas.microsoft.com/office/drawing/2014/main" id="{9400F9F1-4EFC-E343-A949-0DD51C549CA4}"/>
+              </a:ext>
+            </a:extLst>
+          </p:cNvPr>
+          <p:cNvSpPr>
+            <a:spLocks noGrp="1"/>
+          </p:cNvSpPr>
+          <p:nvPr>
+            <p:ph type="body" sz="half" idx="2"/>
+          </p:nvPr>
+        </p:nvSpPr>
+        <p:spPr/>
+        <p:txBody>
+          <a:bodyPr/>
+          <a:lstStyle/>
+          <a:p>
+            <a:endParaRPr lang="en-US"/>
+          </a:p>
+        </p:txBody>
+      </p:sp>
     </p:spTree>
     <p:extLst>
       <p:ext uri="{BB962C8B-B14F-4D97-AF65-F5344CB8AC3E}">
-        <p14:creationId xmlns:p14="http://schemas.microsoft.com/office/powerpoint/2010/main" val="2898697033"/>
+        <p14:creationId xmlns:p14="http://schemas.microsoft.com/office/powerpoint/2010/main" val="4060528130"/>
       </p:ext>
     </p:extLst>
   </p:cSld>
@@ -16474,7 +18490,7 @@
           <p:cNvPr id="2" name="Title 1">
             <a:extLst>
               <a:ext uri="{FF2B5EF4-FFF2-40B4-BE49-F238E27FC236}">
-                <a16:creationId xmlns:a16="http://schemas.microsoft.com/office/drawing/2014/main" id="{A04A47B7-61BE-0D4C-B4A4-6CC6F0BF5213}"/>
+                <a16:creationId xmlns:a16="http://schemas.microsoft.com/office/drawing/2014/main" id="{7A41964D-418A-5149-9251-325D8A052C92}"/>
               </a:ext>
             </a:extLst>
           </p:cNvPr>
@@ -16494,10 +18510,60 @@
           </a:p>
         </p:txBody>
       </p:sp>
+      <p:sp>
+        <p:nvSpPr>
+          <p:cNvPr id="3" name="Content Placeholder 2">
+            <a:extLst>
+              <a:ext uri="{FF2B5EF4-FFF2-40B4-BE49-F238E27FC236}">
+                <a16:creationId xmlns:a16="http://schemas.microsoft.com/office/drawing/2014/main" id="{C9E1C2D1-39CB-C34C-B94C-7E3FEA66BAD3}"/>
+              </a:ext>
+            </a:extLst>
+          </p:cNvPr>
+          <p:cNvSpPr>
+            <a:spLocks noGrp="1"/>
+          </p:cNvSpPr>
+          <p:nvPr>
+            <p:ph idx="1"/>
+          </p:nvPr>
+        </p:nvSpPr>
+        <p:spPr/>
+        <p:txBody>
+          <a:bodyPr/>
+          <a:lstStyle/>
+          <a:p>
+            <a:endParaRPr lang="en-US"/>
+          </a:p>
+        </p:txBody>
+      </p:sp>
+      <p:sp>
+        <p:nvSpPr>
+          <p:cNvPr id="4" name="Text Placeholder 3">
+            <a:extLst>
+              <a:ext uri="{FF2B5EF4-FFF2-40B4-BE49-F238E27FC236}">
+                <a16:creationId xmlns:a16="http://schemas.microsoft.com/office/drawing/2014/main" id="{1F6A4A2C-EF06-D64F-9502-7073E0189494}"/>
+              </a:ext>
+            </a:extLst>
+          </p:cNvPr>
+          <p:cNvSpPr>
+            <a:spLocks noGrp="1"/>
+          </p:cNvSpPr>
+          <p:nvPr>
+            <p:ph type="body" sz="half" idx="2"/>
+          </p:nvPr>
+        </p:nvSpPr>
+        <p:spPr/>
+        <p:txBody>
+          <a:bodyPr/>
+          <a:lstStyle/>
+          <a:p>
+            <a:endParaRPr lang="en-US"/>
+          </a:p>
+        </p:txBody>
+      </p:sp>
     </p:spTree>
     <p:extLst>
       <p:ext uri="{BB962C8B-B14F-4D97-AF65-F5344CB8AC3E}">
-        <p14:creationId xmlns:p14="http://schemas.microsoft.com/office/powerpoint/2010/main" val="3109468112"/>
+        <p14:creationId xmlns:p14="http://schemas.microsoft.com/office/powerpoint/2010/main" val="2910295038"/>
       </p:ext>
     </p:extLst>
   </p:cSld>
@@ -16529,7 +18595,7 @@
           <p:cNvPr id="2" name="Picture Placeholder 1">
             <a:extLst>
               <a:ext uri="{FF2B5EF4-FFF2-40B4-BE49-F238E27FC236}">
-                <a16:creationId xmlns:a16="http://schemas.microsoft.com/office/drawing/2014/main" id="{1DBD7D0D-B1DE-8040-B44B-32162AA6C297}"/>
+                <a16:creationId xmlns:a16="http://schemas.microsoft.com/office/drawing/2014/main" id="{370126AC-D15F-C34C-B689-671D8108B86D}"/>
               </a:ext>
             </a:extLst>
           </p:cNvPr>
@@ -16549,10 +18615,60 @@
           </a:p>
         </p:txBody>
       </p:sp>
+      <p:sp>
+        <p:nvSpPr>
+          <p:cNvPr id="3" name="Title 2">
+            <a:extLst>
+              <a:ext uri="{FF2B5EF4-FFF2-40B4-BE49-F238E27FC236}">
+                <a16:creationId xmlns:a16="http://schemas.microsoft.com/office/drawing/2014/main" id="{04919E52-B0DF-4744-A84F-2D4BB1527675}"/>
+              </a:ext>
+            </a:extLst>
+          </p:cNvPr>
+          <p:cNvSpPr>
+            <a:spLocks noGrp="1"/>
+          </p:cNvSpPr>
+          <p:nvPr>
+            <p:ph type="title"/>
+          </p:nvPr>
+        </p:nvSpPr>
+        <p:spPr/>
+        <p:txBody>
+          <a:bodyPr/>
+          <a:lstStyle/>
+          <a:p>
+            <a:endParaRPr lang="en-US"/>
+          </a:p>
+        </p:txBody>
+      </p:sp>
+      <p:sp>
+        <p:nvSpPr>
+          <p:cNvPr id="4" name="Text Placeholder 3">
+            <a:extLst>
+              <a:ext uri="{FF2B5EF4-FFF2-40B4-BE49-F238E27FC236}">
+                <a16:creationId xmlns:a16="http://schemas.microsoft.com/office/drawing/2014/main" id="{E8D84524-89A4-DB47-BF72-911F1FE04E38}"/>
+              </a:ext>
+            </a:extLst>
+          </p:cNvPr>
+          <p:cNvSpPr>
+            <a:spLocks noGrp="1"/>
+          </p:cNvSpPr>
+          <p:nvPr>
+            <p:ph type="body" sz="half" idx="2"/>
+          </p:nvPr>
+        </p:nvSpPr>
+        <p:spPr/>
+        <p:txBody>
+          <a:bodyPr/>
+          <a:lstStyle/>
+          <a:p>
+            <a:endParaRPr lang="en-US"/>
+          </a:p>
+        </p:txBody>
+      </p:sp>
     </p:spTree>
     <p:extLst>
       <p:ext uri="{BB962C8B-B14F-4D97-AF65-F5344CB8AC3E}">
-        <p14:creationId xmlns:p14="http://schemas.microsoft.com/office/powerpoint/2010/main" val="4203295900"/>
+        <p14:creationId xmlns:p14="http://schemas.microsoft.com/office/powerpoint/2010/main" val="467984945"/>
       </p:ext>
     </p:extLst>
   </p:cSld>
@@ -16584,7 +18700,7 @@
           <p:cNvPr id="2" name="Picture Placeholder 1">
             <a:extLst>
               <a:ext uri="{FF2B5EF4-FFF2-40B4-BE49-F238E27FC236}">
-                <a16:creationId xmlns:a16="http://schemas.microsoft.com/office/drawing/2014/main" id="{B47FCF73-5994-0949-995C-6E9C93611ABA}"/>
+                <a16:creationId xmlns:a16="http://schemas.microsoft.com/office/drawing/2014/main" id="{468A8BD2-A213-D84B-81C2-22B08D0AB3A5}"/>
               </a:ext>
             </a:extLst>
           </p:cNvPr>
@@ -16604,10 +18720,270 @@
           </a:p>
         </p:txBody>
       </p:sp>
+      <p:sp>
+        <p:nvSpPr>
+          <p:cNvPr id="3" name="Title 2">
+            <a:extLst>
+              <a:ext uri="{FF2B5EF4-FFF2-40B4-BE49-F238E27FC236}">
+                <a16:creationId xmlns:a16="http://schemas.microsoft.com/office/drawing/2014/main" id="{C2F5710F-F47B-5D48-AB17-8114747C121E}"/>
+              </a:ext>
+            </a:extLst>
+          </p:cNvPr>
+          <p:cNvSpPr>
+            <a:spLocks noGrp="1"/>
+          </p:cNvSpPr>
+          <p:nvPr>
+            <p:ph type="title"/>
+          </p:nvPr>
+        </p:nvSpPr>
+        <p:spPr/>
+        <p:txBody>
+          <a:bodyPr/>
+          <a:lstStyle/>
+          <a:p>
+            <a:endParaRPr lang="en-US"/>
+          </a:p>
+        </p:txBody>
+      </p:sp>
+      <p:sp>
+        <p:nvSpPr>
+          <p:cNvPr id="4" name="Text Placeholder 3">
+            <a:extLst>
+              <a:ext uri="{FF2B5EF4-FFF2-40B4-BE49-F238E27FC236}">
+                <a16:creationId xmlns:a16="http://schemas.microsoft.com/office/drawing/2014/main" id="{D9C85A26-91D2-374F-9D13-0ADE24F86EB2}"/>
+              </a:ext>
+            </a:extLst>
+          </p:cNvPr>
+          <p:cNvSpPr>
+            <a:spLocks noGrp="1"/>
+          </p:cNvSpPr>
+          <p:nvPr>
+            <p:ph type="body" sz="half" idx="2"/>
+          </p:nvPr>
+        </p:nvSpPr>
+        <p:spPr/>
+        <p:txBody>
+          <a:bodyPr/>
+          <a:lstStyle/>
+          <a:p>
+            <a:endParaRPr lang="en-US"/>
+          </a:p>
+        </p:txBody>
+      </p:sp>
     </p:spTree>
     <p:extLst>
       <p:ext uri="{BB962C8B-B14F-4D97-AF65-F5344CB8AC3E}">
-        <p14:creationId xmlns:p14="http://schemas.microsoft.com/office/powerpoint/2010/main" val="2667114017"/>
+        <p14:creationId xmlns:p14="http://schemas.microsoft.com/office/powerpoint/2010/main" val="3792986467"/>
+      </p:ext>
+    </p:extLst>
+  </p:cSld>
+  <p:clrMapOvr>
+    <a:masterClrMapping/>
+  </p:clrMapOvr>
+</p:sld>
+</file>
+
+<file path=ppt/slides/slide28.xml><?xml version="1.0" encoding="utf-8"?>
+<p:sld xmlns:a="http://schemas.openxmlformats.org/drawingml/2006/main" xmlns:r="http://schemas.openxmlformats.org/officeDocument/2006/relationships" xmlns:p="http://schemas.openxmlformats.org/presentationml/2006/main">
+  <p:cSld>
+    <p:spTree>
+      <p:nvGrpSpPr>
+        <p:cNvPr id="1" name=""/>
+        <p:cNvGrpSpPr/>
+        <p:nvPr/>
+      </p:nvGrpSpPr>
+      <p:grpSpPr>
+        <a:xfrm>
+          <a:off x="0" y="0"/>
+          <a:ext cx="0" cy="0"/>
+          <a:chOff x="0" y="0"/>
+          <a:chExt cx="0" cy="0"/>
+        </a:xfrm>
+      </p:grpSpPr>
+      <p:sp>
+        <p:nvSpPr>
+          <p:cNvPr id="2" name="Picture Placeholder 1">
+            <a:extLst>
+              <a:ext uri="{FF2B5EF4-FFF2-40B4-BE49-F238E27FC236}">
+                <a16:creationId xmlns:a16="http://schemas.microsoft.com/office/drawing/2014/main" id="{27073D57-D0A7-D349-AD31-87A41BE5CCD7}"/>
+              </a:ext>
+            </a:extLst>
+          </p:cNvPr>
+          <p:cNvSpPr>
+            <a:spLocks noGrp="1"/>
+          </p:cNvSpPr>
+          <p:nvPr>
+            <p:ph type="pic" idx="1"/>
+          </p:nvPr>
+        </p:nvSpPr>
+        <p:spPr/>
+        <p:txBody>
+          <a:bodyPr/>
+          <a:lstStyle/>
+          <a:p>
+            <a:endParaRPr lang="hr-HR"/>
+          </a:p>
+        </p:txBody>
+      </p:sp>
+      <p:sp>
+        <p:nvSpPr>
+          <p:cNvPr id="3" name="Title 2">
+            <a:extLst>
+              <a:ext uri="{FF2B5EF4-FFF2-40B4-BE49-F238E27FC236}">
+                <a16:creationId xmlns:a16="http://schemas.microsoft.com/office/drawing/2014/main" id="{243E68CE-7075-714C-976F-A78F01BD8978}"/>
+              </a:ext>
+            </a:extLst>
+          </p:cNvPr>
+          <p:cNvSpPr>
+            <a:spLocks noGrp="1"/>
+          </p:cNvSpPr>
+          <p:nvPr>
+            <p:ph type="title"/>
+          </p:nvPr>
+        </p:nvSpPr>
+        <p:spPr/>
+        <p:txBody>
+          <a:bodyPr/>
+          <a:lstStyle/>
+          <a:p>
+            <a:endParaRPr lang="en-US"/>
+          </a:p>
+        </p:txBody>
+      </p:sp>
+      <p:sp>
+        <p:nvSpPr>
+          <p:cNvPr id="4" name="Text Placeholder 3">
+            <a:extLst>
+              <a:ext uri="{FF2B5EF4-FFF2-40B4-BE49-F238E27FC236}">
+                <a16:creationId xmlns:a16="http://schemas.microsoft.com/office/drawing/2014/main" id="{175F125A-4424-674F-9E40-B904CD37D3F8}"/>
+              </a:ext>
+            </a:extLst>
+          </p:cNvPr>
+          <p:cNvSpPr>
+            <a:spLocks noGrp="1"/>
+          </p:cNvSpPr>
+          <p:nvPr>
+            <p:ph type="body" sz="half" idx="2"/>
+          </p:nvPr>
+        </p:nvSpPr>
+        <p:spPr/>
+        <p:txBody>
+          <a:bodyPr/>
+          <a:lstStyle/>
+          <a:p>
+            <a:endParaRPr lang="en-US"/>
+          </a:p>
+        </p:txBody>
+      </p:sp>
+    </p:spTree>
+    <p:extLst>
+      <p:ext uri="{BB962C8B-B14F-4D97-AF65-F5344CB8AC3E}">
+        <p14:creationId xmlns:p14="http://schemas.microsoft.com/office/powerpoint/2010/main" val="3417820645"/>
+      </p:ext>
+    </p:extLst>
+  </p:cSld>
+  <p:clrMapOvr>
+    <a:masterClrMapping/>
+  </p:clrMapOvr>
+</p:sld>
+</file>
+
+<file path=ppt/slides/slide29.xml><?xml version="1.0" encoding="utf-8"?>
+<p:sld xmlns:a="http://schemas.openxmlformats.org/drawingml/2006/main" xmlns:r="http://schemas.openxmlformats.org/officeDocument/2006/relationships" xmlns:p="http://schemas.openxmlformats.org/presentationml/2006/main">
+  <p:cSld>
+    <p:spTree>
+      <p:nvGrpSpPr>
+        <p:cNvPr id="1" name=""/>
+        <p:cNvGrpSpPr/>
+        <p:nvPr/>
+      </p:nvGrpSpPr>
+      <p:grpSpPr>
+        <a:xfrm>
+          <a:off x="0" y="0"/>
+          <a:ext cx="0" cy="0"/>
+          <a:chOff x="0" y="0"/>
+          <a:chExt cx="0" cy="0"/>
+        </a:xfrm>
+      </p:grpSpPr>
+      <p:sp>
+        <p:nvSpPr>
+          <p:cNvPr id="2" name="Picture Placeholder 1">
+            <a:extLst>
+              <a:ext uri="{FF2B5EF4-FFF2-40B4-BE49-F238E27FC236}">
+                <a16:creationId xmlns:a16="http://schemas.microsoft.com/office/drawing/2014/main" id="{76DF399B-6A53-F045-AB09-8553BE7D18AF}"/>
+              </a:ext>
+            </a:extLst>
+          </p:cNvPr>
+          <p:cNvSpPr>
+            <a:spLocks noGrp="1"/>
+          </p:cNvSpPr>
+          <p:nvPr>
+            <p:ph type="pic" idx="1"/>
+          </p:nvPr>
+        </p:nvSpPr>
+        <p:spPr/>
+        <p:txBody>
+          <a:bodyPr/>
+          <a:lstStyle/>
+          <a:p>
+            <a:endParaRPr lang="hr-HR"/>
+          </a:p>
+        </p:txBody>
+      </p:sp>
+      <p:sp>
+        <p:nvSpPr>
+          <p:cNvPr id="3" name="Title 2">
+            <a:extLst>
+              <a:ext uri="{FF2B5EF4-FFF2-40B4-BE49-F238E27FC236}">
+                <a16:creationId xmlns:a16="http://schemas.microsoft.com/office/drawing/2014/main" id="{ECD12B56-F705-924A-AE46-58078BF5E475}"/>
+              </a:ext>
+            </a:extLst>
+          </p:cNvPr>
+          <p:cNvSpPr>
+            <a:spLocks noGrp="1"/>
+          </p:cNvSpPr>
+          <p:nvPr>
+            <p:ph type="title"/>
+          </p:nvPr>
+        </p:nvSpPr>
+        <p:spPr/>
+        <p:txBody>
+          <a:bodyPr/>
+          <a:lstStyle/>
+          <a:p>
+            <a:endParaRPr lang="en-US"/>
+          </a:p>
+        </p:txBody>
+      </p:sp>
+      <p:sp>
+        <p:nvSpPr>
+          <p:cNvPr id="4" name="Text Placeholder 3">
+            <a:extLst>
+              <a:ext uri="{FF2B5EF4-FFF2-40B4-BE49-F238E27FC236}">
+                <a16:creationId xmlns:a16="http://schemas.microsoft.com/office/drawing/2014/main" id="{84A19C17-CB0D-6D45-8CDC-6A8A3C7935D5}"/>
+              </a:ext>
+            </a:extLst>
+          </p:cNvPr>
+          <p:cNvSpPr>
+            <a:spLocks noGrp="1"/>
+          </p:cNvSpPr>
+          <p:nvPr>
+            <p:ph type="body" sz="half" idx="2"/>
+          </p:nvPr>
+        </p:nvSpPr>
+        <p:spPr/>
+        <p:txBody>
+          <a:bodyPr/>
+          <a:lstStyle/>
+          <a:p>
+            <a:endParaRPr lang="en-US"/>
+          </a:p>
+        </p:txBody>
+      </p:sp>
+    </p:spTree>
+    <p:extLst>
+      <p:ext uri="{BB962C8B-B14F-4D97-AF65-F5344CB8AC3E}">
+        <p14:creationId xmlns:p14="http://schemas.microsoft.com/office/powerpoint/2010/main" val="593540478"/>
       </p:ext>
     </p:extLst>
   </p:cSld>
@@ -17182,6 +19558,331 @@
     <p:extLst>
       <p:ext uri="{BB962C8B-B14F-4D97-AF65-F5344CB8AC3E}">
         <p14:creationId xmlns:p14="http://schemas.microsoft.com/office/powerpoint/2010/main" val="2415075138"/>
+      </p:ext>
+    </p:extLst>
+  </p:cSld>
+  <p:clrMapOvr>
+    <a:masterClrMapping/>
+  </p:clrMapOvr>
+</p:sld>
+</file>
+
+<file path=ppt/slides/slide30.xml><?xml version="1.0" encoding="utf-8"?>
+<p:sld xmlns:a="http://schemas.openxmlformats.org/drawingml/2006/main" xmlns:r="http://schemas.openxmlformats.org/officeDocument/2006/relationships" xmlns:p="http://schemas.openxmlformats.org/presentationml/2006/main">
+  <p:cSld>
+    <p:spTree>
+      <p:nvGrpSpPr>
+        <p:cNvPr id="1" name=""/>
+        <p:cNvGrpSpPr/>
+        <p:nvPr/>
+      </p:nvGrpSpPr>
+      <p:grpSpPr>
+        <a:xfrm>
+          <a:off x="0" y="0"/>
+          <a:ext cx="0" cy="0"/>
+          <a:chOff x="0" y="0"/>
+          <a:chExt cx="0" cy="0"/>
+        </a:xfrm>
+      </p:grpSpPr>
+      <p:sp>
+        <p:nvSpPr>
+          <p:cNvPr id="2" name="Picture Placeholder 1">
+            <a:extLst>
+              <a:ext uri="{FF2B5EF4-FFF2-40B4-BE49-F238E27FC236}">
+                <a16:creationId xmlns:a16="http://schemas.microsoft.com/office/drawing/2014/main" id="{60BED653-EDD3-2740-B4D7-3BA94AB0927F}"/>
+              </a:ext>
+            </a:extLst>
+          </p:cNvPr>
+          <p:cNvSpPr>
+            <a:spLocks noGrp="1"/>
+          </p:cNvSpPr>
+          <p:nvPr>
+            <p:ph type="pic" idx="1"/>
+          </p:nvPr>
+        </p:nvSpPr>
+        <p:spPr/>
+        <p:txBody>
+          <a:bodyPr/>
+          <a:lstStyle/>
+          <a:p>
+            <a:endParaRPr lang="hr-HR"/>
+          </a:p>
+        </p:txBody>
+      </p:sp>
+      <p:sp>
+        <p:nvSpPr>
+          <p:cNvPr id="3" name="Title 2">
+            <a:extLst>
+              <a:ext uri="{FF2B5EF4-FFF2-40B4-BE49-F238E27FC236}">
+                <a16:creationId xmlns:a16="http://schemas.microsoft.com/office/drawing/2014/main" id="{F9EDE337-697C-1F4A-BD1C-1E21E5AC9CC3}"/>
+              </a:ext>
+            </a:extLst>
+          </p:cNvPr>
+          <p:cNvSpPr>
+            <a:spLocks noGrp="1"/>
+          </p:cNvSpPr>
+          <p:nvPr>
+            <p:ph type="title"/>
+          </p:nvPr>
+        </p:nvSpPr>
+        <p:spPr/>
+        <p:txBody>
+          <a:bodyPr/>
+          <a:lstStyle/>
+          <a:p>
+            <a:endParaRPr lang="en-US"/>
+          </a:p>
+        </p:txBody>
+      </p:sp>
+      <p:sp>
+        <p:nvSpPr>
+          <p:cNvPr id="4" name="Text Placeholder 3">
+            <a:extLst>
+              <a:ext uri="{FF2B5EF4-FFF2-40B4-BE49-F238E27FC236}">
+                <a16:creationId xmlns:a16="http://schemas.microsoft.com/office/drawing/2014/main" id="{EB844BC3-717A-7545-B49A-751CE87839A5}"/>
+              </a:ext>
+            </a:extLst>
+          </p:cNvPr>
+          <p:cNvSpPr>
+            <a:spLocks noGrp="1"/>
+          </p:cNvSpPr>
+          <p:nvPr>
+            <p:ph type="body" sz="half" idx="2"/>
+          </p:nvPr>
+        </p:nvSpPr>
+        <p:spPr/>
+        <p:txBody>
+          <a:bodyPr/>
+          <a:lstStyle/>
+          <a:p>
+            <a:endParaRPr lang="en-US"/>
+          </a:p>
+        </p:txBody>
+      </p:sp>
+    </p:spTree>
+    <p:extLst>
+      <p:ext uri="{BB962C8B-B14F-4D97-AF65-F5344CB8AC3E}">
+        <p14:creationId xmlns:p14="http://schemas.microsoft.com/office/powerpoint/2010/main" val="1653808951"/>
+      </p:ext>
+    </p:extLst>
+  </p:cSld>
+  <p:clrMapOvr>
+    <a:masterClrMapping/>
+  </p:clrMapOvr>
+</p:sld>
+</file>
+
+<file path=ppt/slides/slide31.xml><?xml version="1.0" encoding="utf-8"?>
+<p:sld xmlns:a="http://schemas.openxmlformats.org/drawingml/2006/main" xmlns:r="http://schemas.openxmlformats.org/officeDocument/2006/relationships" xmlns:p="http://schemas.openxmlformats.org/presentationml/2006/main">
+  <p:cSld>
+    <p:spTree>
+      <p:nvGrpSpPr>
+        <p:cNvPr id="1" name=""/>
+        <p:cNvGrpSpPr/>
+        <p:nvPr/>
+      </p:nvGrpSpPr>
+      <p:grpSpPr>
+        <a:xfrm>
+          <a:off x="0" y="0"/>
+          <a:ext cx="0" cy="0"/>
+          <a:chOff x="0" y="0"/>
+          <a:chExt cx="0" cy="0"/>
+        </a:xfrm>
+      </p:grpSpPr>
+      <p:sp>
+        <p:nvSpPr>
+          <p:cNvPr id="2" name="Title 1">
+            <a:extLst>
+              <a:ext uri="{FF2B5EF4-FFF2-40B4-BE49-F238E27FC236}">
+                <a16:creationId xmlns:a16="http://schemas.microsoft.com/office/drawing/2014/main" id="{89615F57-06D6-114F-B0B0-2381BD57A614}"/>
+              </a:ext>
+            </a:extLst>
+          </p:cNvPr>
+          <p:cNvSpPr>
+            <a:spLocks noGrp="1"/>
+          </p:cNvSpPr>
+          <p:nvPr>
+            <p:ph type="title"/>
+          </p:nvPr>
+        </p:nvSpPr>
+        <p:spPr/>
+        <p:txBody>
+          <a:bodyPr/>
+          <a:lstStyle/>
+          <a:p>
+            <a:endParaRPr lang="en-US"/>
+          </a:p>
+        </p:txBody>
+      </p:sp>
+    </p:spTree>
+    <p:extLst>
+      <p:ext uri="{BB962C8B-B14F-4D97-AF65-F5344CB8AC3E}">
+        <p14:creationId xmlns:p14="http://schemas.microsoft.com/office/powerpoint/2010/main" val="2898697033"/>
+      </p:ext>
+    </p:extLst>
+  </p:cSld>
+  <p:clrMapOvr>
+    <a:masterClrMapping/>
+  </p:clrMapOvr>
+</p:sld>
+</file>
+
+<file path=ppt/slides/slide32.xml><?xml version="1.0" encoding="utf-8"?>
+<p:sld xmlns:a="http://schemas.openxmlformats.org/drawingml/2006/main" xmlns:r="http://schemas.openxmlformats.org/officeDocument/2006/relationships" xmlns:p="http://schemas.openxmlformats.org/presentationml/2006/main">
+  <p:cSld>
+    <p:spTree>
+      <p:nvGrpSpPr>
+        <p:cNvPr id="1" name=""/>
+        <p:cNvGrpSpPr/>
+        <p:nvPr/>
+      </p:nvGrpSpPr>
+      <p:grpSpPr>
+        <a:xfrm>
+          <a:off x="0" y="0"/>
+          <a:ext cx="0" cy="0"/>
+          <a:chOff x="0" y="0"/>
+          <a:chExt cx="0" cy="0"/>
+        </a:xfrm>
+      </p:grpSpPr>
+      <p:sp>
+        <p:nvSpPr>
+          <p:cNvPr id="2" name="Title 1">
+            <a:extLst>
+              <a:ext uri="{FF2B5EF4-FFF2-40B4-BE49-F238E27FC236}">
+                <a16:creationId xmlns:a16="http://schemas.microsoft.com/office/drawing/2014/main" id="{A04A47B7-61BE-0D4C-B4A4-6CC6F0BF5213}"/>
+              </a:ext>
+            </a:extLst>
+          </p:cNvPr>
+          <p:cNvSpPr>
+            <a:spLocks noGrp="1"/>
+          </p:cNvSpPr>
+          <p:nvPr>
+            <p:ph type="title"/>
+          </p:nvPr>
+        </p:nvSpPr>
+        <p:spPr/>
+        <p:txBody>
+          <a:bodyPr/>
+          <a:lstStyle/>
+          <a:p>
+            <a:endParaRPr lang="en-US"/>
+          </a:p>
+        </p:txBody>
+      </p:sp>
+    </p:spTree>
+    <p:extLst>
+      <p:ext uri="{BB962C8B-B14F-4D97-AF65-F5344CB8AC3E}">
+        <p14:creationId xmlns:p14="http://schemas.microsoft.com/office/powerpoint/2010/main" val="3109468112"/>
+      </p:ext>
+    </p:extLst>
+  </p:cSld>
+  <p:clrMapOvr>
+    <a:masterClrMapping/>
+  </p:clrMapOvr>
+</p:sld>
+</file>
+
+<file path=ppt/slides/slide33.xml><?xml version="1.0" encoding="utf-8"?>
+<p:sld xmlns:a="http://schemas.openxmlformats.org/drawingml/2006/main" xmlns:r="http://schemas.openxmlformats.org/officeDocument/2006/relationships" xmlns:p="http://schemas.openxmlformats.org/presentationml/2006/main">
+  <p:cSld>
+    <p:spTree>
+      <p:nvGrpSpPr>
+        <p:cNvPr id="1" name=""/>
+        <p:cNvGrpSpPr/>
+        <p:nvPr/>
+      </p:nvGrpSpPr>
+      <p:grpSpPr>
+        <a:xfrm>
+          <a:off x="0" y="0"/>
+          <a:ext cx="0" cy="0"/>
+          <a:chOff x="0" y="0"/>
+          <a:chExt cx="0" cy="0"/>
+        </a:xfrm>
+      </p:grpSpPr>
+      <p:sp>
+        <p:nvSpPr>
+          <p:cNvPr id="2" name="Picture Placeholder 1">
+            <a:extLst>
+              <a:ext uri="{FF2B5EF4-FFF2-40B4-BE49-F238E27FC236}">
+                <a16:creationId xmlns:a16="http://schemas.microsoft.com/office/drawing/2014/main" id="{1DBD7D0D-B1DE-8040-B44B-32162AA6C297}"/>
+              </a:ext>
+            </a:extLst>
+          </p:cNvPr>
+          <p:cNvSpPr>
+            <a:spLocks noGrp="1"/>
+          </p:cNvSpPr>
+          <p:nvPr>
+            <p:ph type="pic" idx="1"/>
+          </p:nvPr>
+        </p:nvSpPr>
+        <p:spPr/>
+        <p:txBody>
+          <a:bodyPr/>
+          <a:lstStyle/>
+          <a:p>
+            <a:endParaRPr lang="hr-HR"/>
+          </a:p>
+        </p:txBody>
+      </p:sp>
+    </p:spTree>
+    <p:extLst>
+      <p:ext uri="{BB962C8B-B14F-4D97-AF65-F5344CB8AC3E}">
+        <p14:creationId xmlns:p14="http://schemas.microsoft.com/office/powerpoint/2010/main" val="4203295900"/>
+      </p:ext>
+    </p:extLst>
+  </p:cSld>
+  <p:clrMapOvr>
+    <a:masterClrMapping/>
+  </p:clrMapOvr>
+</p:sld>
+</file>
+
+<file path=ppt/slides/slide34.xml><?xml version="1.0" encoding="utf-8"?>
+<p:sld xmlns:a="http://schemas.openxmlformats.org/drawingml/2006/main" xmlns:r="http://schemas.openxmlformats.org/officeDocument/2006/relationships" xmlns:p="http://schemas.openxmlformats.org/presentationml/2006/main">
+  <p:cSld>
+    <p:spTree>
+      <p:nvGrpSpPr>
+        <p:cNvPr id="1" name=""/>
+        <p:cNvGrpSpPr/>
+        <p:nvPr/>
+      </p:nvGrpSpPr>
+      <p:grpSpPr>
+        <a:xfrm>
+          <a:off x="0" y="0"/>
+          <a:ext cx="0" cy="0"/>
+          <a:chOff x="0" y="0"/>
+          <a:chExt cx="0" cy="0"/>
+        </a:xfrm>
+      </p:grpSpPr>
+      <p:sp>
+        <p:nvSpPr>
+          <p:cNvPr id="2" name="Picture Placeholder 1">
+            <a:extLst>
+              <a:ext uri="{FF2B5EF4-FFF2-40B4-BE49-F238E27FC236}">
+                <a16:creationId xmlns:a16="http://schemas.microsoft.com/office/drawing/2014/main" id="{B47FCF73-5994-0949-995C-6E9C93611ABA}"/>
+              </a:ext>
+            </a:extLst>
+          </p:cNvPr>
+          <p:cNvSpPr>
+            <a:spLocks noGrp="1"/>
+          </p:cNvSpPr>
+          <p:nvPr>
+            <p:ph type="pic" idx="1"/>
+          </p:nvPr>
+        </p:nvSpPr>
+        <p:spPr/>
+        <p:txBody>
+          <a:bodyPr/>
+          <a:lstStyle/>
+          <a:p>
+            <a:endParaRPr lang="hr-HR"/>
+          </a:p>
+        </p:txBody>
+      </p:sp>
+    </p:spTree>
+    <p:extLst>
+      <p:ext uri="{BB962C8B-B14F-4D97-AF65-F5344CB8AC3E}">
+        <p14:creationId xmlns:p14="http://schemas.microsoft.com/office/powerpoint/2010/main" val="2667114017"/>
       </p:ext>
     </p:extLst>
   </p:cSld>
@@ -19849,6 +22550,15 @@
 </file>
 
 <file path=customXml/item1.xml><?xml version="1.0" encoding="utf-8"?>
+<?mso-contentType ?>
+<FormTemplates xmlns="http://schemas.microsoft.com/sharepoint/v3/contenttype/forms">
+  <Display>DocumentLibraryForm</Display>
+  <Edit>DocumentLibraryForm</Edit>
+  <New>DocumentLibraryForm</New>
+</FormTemplates>
+</file>
+
+<file path=customXml/item2.xml><?xml version="1.0" encoding="utf-8"?>
 <p:properties xmlns:p="http://schemas.microsoft.com/office/2006/metadata/properties" xmlns:xsi="http://www.w3.org/2001/XMLSchema-instance" xmlns:pc="http://schemas.microsoft.com/office/infopath/2007/PartnerControls">
   <documentManagement>
     <lcf76f155ced4ddcb4097134ff3c332f xmlns="40806f44-bc4a-4ea4-b660-c6da93f8f179">
@@ -19857,15 +22567,6 @@
     <TaxCatchAll xmlns="758d0d8f-b783-4c78-ab73-9740c97b97cf" xsi:nil="true"/>
   </documentManagement>
 </p:properties>
-</file>
-
-<file path=customXml/item2.xml><?xml version="1.0" encoding="utf-8"?>
-<?mso-contentType ?>
-<FormTemplates xmlns="http://schemas.microsoft.com/sharepoint/v3/contenttype/forms">
-  <Display>DocumentLibraryForm</Display>
-  <Edit>DocumentLibraryForm</Edit>
-  <New>DocumentLibraryForm</New>
-</FormTemplates>
 </file>
 
 <file path=customXml/item3.xml><?xml version="1.0" encoding="utf-8"?>
@@ -20086,6 +22787,14 @@
 </file>
 
 <file path=customXml/itemProps1.xml><?xml version="1.0" encoding="utf-8"?>
+<ds:datastoreItem xmlns:ds="http://schemas.openxmlformats.org/officeDocument/2006/customXml" ds:itemID="{46915D30-CAA6-465E-907F-1770D4E3B01D}">
+  <ds:schemaRefs>
+    <ds:schemaRef ds:uri="http://schemas.microsoft.com/sharepoint/v3/contenttype/forms"/>
+  </ds:schemaRefs>
+</ds:datastoreItem>
+</file>
+
+<file path=customXml/itemProps2.xml><?xml version="1.0" encoding="utf-8"?>
 <ds:datastoreItem xmlns:ds="http://schemas.openxmlformats.org/officeDocument/2006/customXml" ds:itemID="{61E72F81-8533-461E-8E71-A6D77294CFEF}">
   <ds:schemaRefs>
     <ds:schemaRef ds:uri="http://purl.org/dc/elements/1.1/"/>
@@ -20098,14 +22807,6 @@
     <ds:schemaRef ds:uri="http://schemas.microsoft.com/office/infopath/2007/PartnerControls"/>
     <ds:schemaRef ds:uri="758d0d8f-b783-4c78-ab73-9740c97b97cf"/>
     <ds:schemaRef ds:uri="http://schemas.microsoft.com/office/2006/metadata/properties"/>
-  </ds:schemaRefs>
-</ds:datastoreItem>
-</file>
-
-<file path=customXml/itemProps2.xml><?xml version="1.0" encoding="utf-8"?>
-<ds:datastoreItem xmlns:ds="http://schemas.openxmlformats.org/officeDocument/2006/customXml" ds:itemID="{46915D30-CAA6-465E-907F-1770D4E3B01D}">
-  <ds:schemaRefs>
-    <ds:schemaRef ds:uri="http://schemas.microsoft.com/sharepoint/v3/contenttype/forms"/>
   </ds:schemaRefs>
 </ds:datastoreItem>
 </file>

--- a/Bootcamp/dan-22-html-css/dan-22-html-css.pptx
+++ b/Bootcamp/dan-22-html-css/dan-22-html-css.pptx
@@ -5,7 +5,7 @@
     <p:sldMasterId id="2147483648" r:id="rId4"/>
   </p:sldMasterIdLst>
   <p:notesMasterIdLst>
-    <p:notesMasterId r:id="rId39"/>
+    <p:notesMasterId r:id="rId38"/>
   </p:notesMasterIdLst>
   <p:sldIdLst>
     <p:sldId id="282" r:id="rId5"/>
@@ -13,35 +13,34 @@
     <p:sldId id="261" r:id="rId7"/>
     <p:sldId id="283" r:id="rId8"/>
     <p:sldId id="285" r:id="rId9"/>
-    <p:sldId id="284" r:id="rId10"/>
-    <p:sldId id="286" r:id="rId11"/>
-    <p:sldId id="287" r:id="rId12"/>
-    <p:sldId id="288" r:id="rId13"/>
-    <p:sldId id="289" r:id="rId14"/>
-    <p:sldId id="290" r:id="rId15"/>
-    <p:sldId id="291" r:id="rId16"/>
-    <p:sldId id="293" r:id="rId17"/>
-    <p:sldId id="294" r:id="rId18"/>
-    <p:sldId id="263" r:id="rId19"/>
-    <p:sldId id="270" r:id="rId20"/>
-    <p:sldId id="296" r:id="rId21"/>
-    <p:sldId id="298" r:id="rId22"/>
-    <p:sldId id="297" r:id="rId23"/>
-    <p:sldId id="299" r:id="rId24"/>
-    <p:sldId id="300" r:id="rId25"/>
-    <p:sldId id="301" r:id="rId26"/>
-    <p:sldId id="302" r:id="rId27"/>
-    <p:sldId id="266" r:id="rId28"/>
-    <p:sldId id="264" r:id="rId29"/>
-    <p:sldId id="272" r:id="rId30"/>
-    <p:sldId id="273" r:id="rId31"/>
-    <p:sldId id="274" r:id="rId32"/>
-    <p:sldId id="275" r:id="rId33"/>
-    <p:sldId id="267" r:id="rId34"/>
-    <p:sldId id="268" r:id="rId35"/>
-    <p:sldId id="269" r:id="rId36"/>
-    <p:sldId id="265" r:id="rId37"/>
-    <p:sldId id="276" r:id="rId38"/>
+    <p:sldId id="303" r:id="rId10"/>
+    <p:sldId id="284" r:id="rId11"/>
+    <p:sldId id="286" r:id="rId12"/>
+    <p:sldId id="287" r:id="rId13"/>
+    <p:sldId id="288" r:id="rId14"/>
+    <p:sldId id="289" r:id="rId15"/>
+    <p:sldId id="290" r:id="rId16"/>
+    <p:sldId id="291" r:id="rId17"/>
+    <p:sldId id="293" r:id="rId18"/>
+    <p:sldId id="294" r:id="rId19"/>
+    <p:sldId id="263" r:id="rId20"/>
+    <p:sldId id="270" r:id="rId21"/>
+    <p:sldId id="296" r:id="rId22"/>
+    <p:sldId id="298" r:id="rId23"/>
+    <p:sldId id="297" r:id="rId24"/>
+    <p:sldId id="299" r:id="rId25"/>
+    <p:sldId id="300" r:id="rId26"/>
+    <p:sldId id="301" r:id="rId27"/>
+    <p:sldId id="302" r:id="rId28"/>
+    <p:sldId id="304" r:id="rId29"/>
+    <p:sldId id="305" r:id="rId30"/>
+    <p:sldId id="306" r:id="rId31"/>
+    <p:sldId id="275" r:id="rId32"/>
+    <p:sldId id="267" r:id="rId33"/>
+    <p:sldId id="268" r:id="rId34"/>
+    <p:sldId id="269" r:id="rId35"/>
+    <p:sldId id="265" r:id="rId36"/>
+    <p:sldId id="276" r:id="rId37"/>
   </p:sldIdLst>
   <p:sldSz cx="12192000" cy="6858000"/>
   <p:notesSz cx="6858000" cy="9144000"/>
@@ -150,6 +149,7 @@
             <p14:sldId id="261"/>
             <p14:sldId id="283"/>
             <p14:sldId id="285"/>
+            <p14:sldId id="303"/>
             <p14:sldId id="284"/>
             <p14:sldId id="286"/>
             <p14:sldId id="287"/>
@@ -172,11 +172,9 @@
             <p14:sldId id="300"/>
             <p14:sldId id="301"/>
             <p14:sldId id="302"/>
-            <p14:sldId id="266"/>
-            <p14:sldId id="264"/>
-            <p14:sldId id="272"/>
-            <p14:sldId id="273"/>
-            <p14:sldId id="274"/>
+            <p14:sldId id="304"/>
+            <p14:sldId id="305"/>
+            <p14:sldId id="306"/>
             <p14:sldId id="275"/>
             <p14:sldId id="267"/>
             <p14:sldId id="268"/>
@@ -644,7 +642,13 @@
   <p:cSld>
     <p:spTree>
       <p:nvGrpSpPr>
-        <p:cNvPr id="1" name=""/>
+        <p:cNvPr id="1" name="">
+          <a:extLst>
+            <a:ext uri="{FF2B5EF4-FFF2-40B4-BE49-F238E27FC236}">
+              <a16:creationId xmlns:a16="http://schemas.microsoft.com/office/drawing/2014/main" id="{3FA18DC4-D021-7958-C24A-1C3F8F22FCF9}"/>
+            </a:ext>
+          </a:extLst>
+        </p:cNvPr>
         <p:cNvGrpSpPr/>
         <p:nvPr/>
       </p:nvGrpSpPr>
@@ -658,7 +662,13 @@
       </p:grpSpPr>
       <p:sp>
         <p:nvSpPr>
-          <p:cNvPr id="2" name="Slide Image Placeholder 1"/>
+          <p:cNvPr id="2" name="Slide Image Placeholder 1">
+            <a:extLst>
+              <a:ext uri="{FF2B5EF4-FFF2-40B4-BE49-F238E27FC236}">
+                <a16:creationId xmlns:a16="http://schemas.microsoft.com/office/drawing/2014/main" id="{579629FA-59DB-B2E3-C4A2-D5AEFF0781DC}"/>
+              </a:ext>
+            </a:extLst>
+          </p:cNvPr>
           <p:cNvSpPr>
             <a:spLocks noGrp="1" noRot="1" noChangeAspect="1"/>
           </p:cNvSpPr>
@@ -670,7 +680,13 @@
       </p:sp>
       <p:sp>
         <p:nvSpPr>
-          <p:cNvPr id="3" name="Notes Placeholder 2"/>
+          <p:cNvPr id="3" name="Notes Placeholder 2">
+            <a:extLst>
+              <a:ext uri="{FF2B5EF4-FFF2-40B4-BE49-F238E27FC236}">
+                <a16:creationId xmlns:a16="http://schemas.microsoft.com/office/drawing/2014/main" id="{1CFD8D40-B4F1-0787-9BBA-D2B23EEC5B9F}"/>
+              </a:ext>
+            </a:extLst>
+          </p:cNvPr>
           <p:cNvSpPr>
             <a:spLocks noGrp="1"/>
           </p:cNvSpPr>
@@ -684,40 +700,74 @@
           <a:lstStyle/>
           <a:p>
             <a:r>
-              <a:rPr lang="en-US" dirty="0"/>
-              <a:t>BONUS: </a:t>
-            </a:r>
-            <a:r>
-              <a:rPr lang="en-US" dirty="0" err="1"/>
-              <a:t>ispuni</a:t>
-            </a:r>
-            <a:r>
-              <a:rPr lang="en-US" dirty="0"/>
-              <a:t> </a:t>
-            </a:r>
-            <a:r>
-              <a:rPr lang="en-US" dirty="0" err="1"/>
-              <a:t>sve</a:t>
-            </a:r>
-            <a:r>
-              <a:rPr lang="en-US" dirty="0"/>
-              <a:t> </a:t>
-            </a:r>
-            <a:r>
-              <a:rPr lang="en-US" dirty="0" err="1"/>
-              <a:t>dane</a:t>
-            </a:r>
-            <a:r>
-              <a:rPr lang="en-US" dirty="0"/>
-              <a:t>.</a:t>
-            </a:r>
-            <a:endParaRPr lang="hr-HR" dirty="0"/>
+              <a:rPr lang="hr-HR" sz="1600" b="1" dirty="0"/>
+              <a:t>Uobičajene greške koje treba izbjegavati:</a:t>
+            </a:r>
+          </a:p>
+          <a:p>
+            <a:r>
+              <a:rPr lang="hr-HR" sz="1600" dirty="0"/>
+              <a:t>❌ </a:t>
+            </a:r>
+            <a:r>
+              <a:rPr lang="hr-HR" sz="1600" b="1" dirty="0"/>
+              <a:t>Zaboravljanje zatvaranja oznaka</a:t>
+            </a:r>
+            <a:r>
+              <a:rPr lang="hr-HR" sz="1600" dirty="0"/>
+              <a:t> (&lt;/</a:t>
+            </a:r>
+            <a:r>
+              <a:rPr lang="hr-HR" sz="1600" dirty="0" err="1"/>
+              <a:t>ul</a:t>
+            </a:r>
+            <a:r>
+              <a:rPr lang="hr-HR" sz="1600" dirty="0"/>
+              <a:t>&gt; ili &lt;/</a:t>
+            </a:r>
+            <a:r>
+              <a:rPr lang="hr-HR" sz="1600" dirty="0" err="1"/>
+              <a:t>ol</a:t>
+            </a:r>
+            <a:r>
+              <a:rPr lang="hr-HR" sz="1600" dirty="0"/>
+              <a:t>&gt;).</a:t>
+            </a:r>
+            <a:br>
+              <a:rPr lang="hr-HR" sz="1600" dirty="0"/>
+            </a:br>
+            <a:r>
+              <a:rPr lang="hr-HR" sz="1600" dirty="0"/>
+              <a:t>❌ </a:t>
+            </a:r>
+            <a:r>
+              <a:rPr lang="hr-HR" sz="1600" b="1" dirty="0"/>
+              <a:t>Nepravilno uvlačenje koda, što otežava čitanje i održavanje.</a:t>
+            </a:r>
+            <a:br>
+              <a:rPr lang="hr-HR" sz="1600" dirty="0"/>
+            </a:br>
+            <a:r>
+              <a:rPr lang="hr-HR" sz="1600" dirty="0"/>
+              <a:t>❌ </a:t>
+            </a:r>
+            <a:r>
+              <a:rPr lang="hr-HR" sz="1600" b="1" dirty="0"/>
+              <a:t>Postavljanje &lt;/li&gt; prije zatvaranja ugniježđene liste umjesto nakon nje.</a:t>
+            </a:r>
+            <a:endParaRPr lang="hr-HR" sz="1600" dirty="0"/>
           </a:p>
         </p:txBody>
       </p:sp>
       <p:sp>
         <p:nvSpPr>
-          <p:cNvPr id="4" name="Slide Number Placeholder 3"/>
+          <p:cNvPr id="4" name="Slide Number Placeholder 3">
+            <a:extLst>
+              <a:ext uri="{FF2B5EF4-FFF2-40B4-BE49-F238E27FC236}">
+                <a16:creationId xmlns:a16="http://schemas.microsoft.com/office/drawing/2014/main" id="{1AEF8008-E724-2DD3-7B02-FC9B92B29961}"/>
+              </a:ext>
+            </a:extLst>
+          </p:cNvPr>
           <p:cNvSpPr>
             <a:spLocks noGrp="1"/>
           </p:cNvSpPr>
@@ -741,7 +791,7 @@
     </p:spTree>
     <p:extLst>
       <p:ext uri="{BB962C8B-B14F-4D97-AF65-F5344CB8AC3E}">
-        <p14:creationId xmlns:p14="http://schemas.microsoft.com/office/powerpoint/2010/main" val="2169808605"/>
+        <p14:creationId xmlns:p14="http://schemas.microsoft.com/office/powerpoint/2010/main" val="2484443407"/>
       </p:ext>
     </p:extLst>
   </p:cSld>
@@ -796,22 +846,32 @@
           <a:lstStyle/>
           <a:p>
             <a:r>
+              <a:rPr lang="en-US" dirty="0"/>
+              <a:t>BONUS: </a:t>
+            </a:r>
+            <a:r>
               <a:rPr lang="en-US" dirty="0" err="1"/>
-              <a:t>Obavezno</a:t>
+              <a:t>ispuni</a:t>
             </a:r>
             <a:r>
               <a:rPr lang="en-US" dirty="0"/>
-              <a:t> resource</a:t>
-            </a:r>
-            <a:br>
+              <a:t> </a:t>
+            </a:r>
+            <a:r>
+              <a:rPr lang="en-US" dirty="0" err="1"/>
+              <a:t>sve</a:t>
+            </a:r>
+            <a:r>
               <a:rPr lang="en-US" dirty="0"/>
-            </a:br>
-            <a:br>
+              <a:t> </a:t>
+            </a:r>
+            <a:r>
+              <a:rPr lang="en-US" dirty="0" err="1"/>
+              <a:t>dane</a:t>
+            </a:r>
+            <a:r>
               <a:rPr lang="en-US" dirty="0"/>
-            </a:br>
-            <a:r>
-              <a:rPr lang="en-US" dirty="0"/>
-              <a:t>https://www.w3schools.com/html/html_attributes.asp</a:t>
+              <a:t>.</a:t>
             </a:r>
             <a:endParaRPr lang="hr-HR" dirty="0"/>
           </a:p>
@@ -843,7 +903,7 @@
     </p:spTree>
     <p:extLst>
       <p:ext uri="{BB962C8B-B14F-4D97-AF65-F5344CB8AC3E}">
-        <p14:creationId xmlns:p14="http://schemas.microsoft.com/office/powerpoint/2010/main" val="1496103376"/>
+        <p14:creationId xmlns:p14="http://schemas.microsoft.com/office/powerpoint/2010/main" val="2169808605"/>
       </p:ext>
     </p:extLst>
   </p:cSld>
@@ -898,6 +958,20 @@
           <a:lstStyle/>
           <a:p>
             <a:r>
+              <a:rPr lang="en-US" dirty="0" err="1"/>
+              <a:t>Obavezno</a:t>
+            </a:r>
+            <a:r>
+              <a:rPr lang="en-US" dirty="0"/>
+              <a:t> resource</a:t>
+            </a:r>
+            <a:br>
+              <a:rPr lang="en-US" dirty="0"/>
+            </a:br>
+            <a:br>
+              <a:rPr lang="en-US" dirty="0"/>
+            </a:br>
+            <a:r>
               <a:rPr lang="en-US" dirty="0"/>
               <a:t>https://www.w3schools.com/html/html_attributes.asp</a:t>
             </a:r>
@@ -922,7 +996,95 @@
           <a:p>
             <a:fld id="{343B951A-A665-1949-AEDB-B62DC9BE7F13}" type="slidenum">
               <a:rPr lang="en-US" smtClean="0"/>
-              <a:t>19</a:t>
+              <a:t>17</a:t>
+            </a:fld>
+            <a:endParaRPr lang="en-US"/>
+          </a:p>
+        </p:txBody>
+      </p:sp>
+    </p:spTree>
+    <p:extLst>
+      <p:ext uri="{BB962C8B-B14F-4D97-AF65-F5344CB8AC3E}">
+        <p14:creationId xmlns:p14="http://schemas.microsoft.com/office/powerpoint/2010/main" val="1496103376"/>
+      </p:ext>
+    </p:extLst>
+  </p:cSld>
+  <p:clrMapOvr>
+    <a:masterClrMapping/>
+  </p:clrMapOvr>
+</p:notes>
+</file>
+
+<file path=ppt/notesSlides/notesSlide13.xml><?xml version="1.0" encoding="utf-8"?>
+<p:notes xmlns:a="http://schemas.openxmlformats.org/drawingml/2006/main" xmlns:r="http://schemas.openxmlformats.org/officeDocument/2006/relationships" xmlns:p="http://schemas.openxmlformats.org/presentationml/2006/main">
+  <p:cSld>
+    <p:spTree>
+      <p:nvGrpSpPr>
+        <p:cNvPr id="1" name=""/>
+        <p:cNvGrpSpPr/>
+        <p:nvPr/>
+      </p:nvGrpSpPr>
+      <p:grpSpPr>
+        <a:xfrm>
+          <a:off x="0" y="0"/>
+          <a:ext cx="0" cy="0"/>
+          <a:chOff x="0" y="0"/>
+          <a:chExt cx="0" cy="0"/>
+        </a:xfrm>
+      </p:grpSpPr>
+      <p:sp>
+        <p:nvSpPr>
+          <p:cNvPr id="2" name="Slide Image Placeholder 1"/>
+          <p:cNvSpPr>
+            <a:spLocks noGrp="1" noRot="1" noChangeAspect="1"/>
+          </p:cNvSpPr>
+          <p:nvPr>
+            <p:ph type="sldImg"/>
+          </p:nvPr>
+        </p:nvSpPr>
+        <p:spPr/>
+      </p:sp>
+      <p:sp>
+        <p:nvSpPr>
+          <p:cNvPr id="3" name="Notes Placeholder 2"/>
+          <p:cNvSpPr>
+            <a:spLocks noGrp="1"/>
+          </p:cNvSpPr>
+          <p:nvPr>
+            <p:ph type="body" idx="1"/>
+          </p:nvPr>
+        </p:nvSpPr>
+        <p:spPr/>
+        <p:txBody>
+          <a:bodyPr/>
+          <a:lstStyle/>
+          <a:p>
+            <a:r>
+              <a:rPr lang="en-US" dirty="0"/>
+              <a:t>https://www.w3schools.com/html/html_attributes.asp</a:t>
+            </a:r>
+            <a:endParaRPr lang="hr-HR" dirty="0"/>
+          </a:p>
+        </p:txBody>
+      </p:sp>
+      <p:sp>
+        <p:nvSpPr>
+          <p:cNvPr id="4" name="Slide Number Placeholder 3"/>
+          <p:cNvSpPr>
+            <a:spLocks noGrp="1"/>
+          </p:cNvSpPr>
+          <p:nvPr>
+            <p:ph type="sldNum" sz="quarter" idx="5"/>
+          </p:nvPr>
+        </p:nvSpPr>
+        <p:spPr/>
+        <p:txBody>
+          <a:bodyPr/>
+          <a:lstStyle/>
+          <a:p>
+            <a:fld id="{343B951A-A665-1949-AEDB-B62DC9BE7F13}" type="slidenum">
+              <a:rPr lang="en-US" smtClean="0"/>
+              <a:t>20</a:t>
             </a:fld>
             <a:endParaRPr lang="en-US"/>
           </a:p>
@@ -941,7 +1103,7 @@
 </p:notes>
 </file>
 
-<file path=ppt/notesSlides/notesSlide13.xml><?xml version="1.0" encoding="utf-8"?>
+<file path=ppt/notesSlides/notesSlide14.xml><?xml version="1.0" encoding="utf-8"?>
 <p:notes xmlns:a="http://schemas.openxmlformats.org/drawingml/2006/main" xmlns:r="http://schemas.openxmlformats.org/officeDocument/2006/relationships" xmlns:p="http://schemas.openxmlformats.org/presentationml/2006/main">
   <p:cSld>
     <p:spTree>
@@ -1034,7 +1196,7 @@
           <a:p>
             <a:fld id="{343B951A-A665-1949-AEDB-B62DC9BE7F13}" type="slidenum">
               <a:rPr lang="en-US" smtClean="0"/>
-              <a:t>20</a:t>
+              <a:t>21</a:t>
             </a:fld>
             <a:endParaRPr lang="en-US"/>
           </a:p>
@@ -1053,7 +1215,7 @@
 </p:notes>
 </file>
 
-<file path=ppt/notesSlides/notesSlide14.xml><?xml version="1.0" encoding="utf-8"?>
+<file path=ppt/notesSlides/notesSlide15.xml><?xml version="1.0" encoding="utf-8"?>
 <p:notes xmlns:a="http://schemas.openxmlformats.org/drawingml/2006/main" xmlns:r="http://schemas.openxmlformats.org/officeDocument/2006/relationships" xmlns:p="http://schemas.openxmlformats.org/presentationml/2006/main">
   <p:cSld>
     <p:spTree>
@@ -1146,7 +1308,7 @@
           <a:p>
             <a:fld id="{343B951A-A665-1949-AEDB-B62DC9BE7F13}" type="slidenum">
               <a:rPr lang="en-US" smtClean="0"/>
-              <a:t>21</a:t>
+              <a:t>22</a:t>
             </a:fld>
             <a:endParaRPr lang="en-US"/>
           </a:p>
@@ -1165,7 +1327,7 @@
 </p:notes>
 </file>
 
-<file path=ppt/notesSlides/notesSlide15.xml><?xml version="1.0" encoding="utf-8"?>
+<file path=ppt/notesSlides/notesSlide16.xml><?xml version="1.0" encoding="utf-8"?>
 <p:notes xmlns:a="http://schemas.openxmlformats.org/drawingml/2006/main" xmlns:r="http://schemas.openxmlformats.org/officeDocument/2006/relationships" xmlns:p="http://schemas.openxmlformats.org/presentationml/2006/main">
   <p:cSld>
     <p:spTree>
@@ -1258,7 +1420,7 @@
           <a:p>
             <a:fld id="{343B951A-A665-1949-AEDB-B62DC9BE7F13}" type="slidenum">
               <a:rPr lang="en-US" smtClean="0"/>
-              <a:t>23</a:t>
+              <a:t>24</a:t>
             </a:fld>
             <a:endParaRPr lang="en-US"/>
           </a:p>
@@ -1268,6 +1430,520 @@
     <p:extLst>
       <p:ext uri="{BB962C8B-B14F-4D97-AF65-F5344CB8AC3E}">
         <p14:creationId xmlns:p14="http://schemas.microsoft.com/office/powerpoint/2010/main" val="1384151150"/>
+      </p:ext>
+    </p:extLst>
+  </p:cSld>
+  <p:clrMapOvr>
+    <a:masterClrMapping/>
+  </p:clrMapOvr>
+</p:notes>
+</file>
+
+<file path=ppt/notesSlides/notesSlide17.xml><?xml version="1.0" encoding="utf-8"?>
+<p:notes xmlns:a="http://schemas.openxmlformats.org/drawingml/2006/main" xmlns:r="http://schemas.openxmlformats.org/officeDocument/2006/relationships" xmlns:p="http://schemas.openxmlformats.org/presentationml/2006/main">
+  <p:cSld>
+    <p:spTree>
+      <p:nvGrpSpPr>
+        <p:cNvPr id="1" name="">
+          <a:extLst>
+            <a:ext uri="{FF2B5EF4-FFF2-40B4-BE49-F238E27FC236}">
+              <a16:creationId xmlns:a16="http://schemas.microsoft.com/office/drawing/2014/main" id="{94FA7F15-F4A3-7DE5-C189-9B2BB39872B2}"/>
+            </a:ext>
+          </a:extLst>
+        </p:cNvPr>
+        <p:cNvGrpSpPr/>
+        <p:nvPr/>
+      </p:nvGrpSpPr>
+      <p:grpSpPr>
+        <a:xfrm>
+          <a:off x="0" y="0"/>
+          <a:ext cx="0" cy="0"/>
+          <a:chOff x="0" y="0"/>
+          <a:chExt cx="0" cy="0"/>
+        </a:xfrm>
+      </p:grpSpPr>
+      <p:sp>
+        <p:nvSpPr>
+          <p:cNvPr id="2" name="Slide Image Placeholder 1">
+            <a:extLst>
+              <a:ext uri="{FF2B5EF4-FFF2-40B4-BE49-F238E27FC236}">
+                <a16:creationId xmlns:a16="http://schemas.microsoft.com/office/drawing/2014/main" id="{A5A5A00E-5D7E-E353-ADD5-F97D1727EB23}"/>
+              </a:ext>
+            </a:extLst>
+          </p:cNvPr>
+          <p:cNvSpPr>
+            <a:spLocks noGrp="1" noRot="1" noChangeAspect="1"/>
+          </p:cNvSpPr>
+          <p:nvPr>
+            <p:ph type="sldImg"/>
+          </p:nvPr>
+        </p:nvSpPr>
+        <p:spPr/>
+      </p:sp>
+      <p:sp>
+        <p:nvSpPr>
+          <p:cNvPr id="3" name="Notes Placeholder 2">
+            <a:extLst>
+              <a:ext uri="{FF2B5EF4-FFF2-40B4-BE49-F238E27FC236}">
+                <a16:creationId xmlns:a16="http://schemas.microsoft.com/office/drawing/2014/main" id="{940008BE-7B75-5E41-A50D-8BA7144AF079}"/>
+              </a:ext>
+            </a:extLst>
+          </p:cNvPr>
+          <p:cNvSpPr>
+            <a:spLocks noGrp="1"/>
+          </p:cNvSpPr>
+          <p:nvPr>
+            <p:ph type="body" idx="1"/>
+          </p:nvPr>
+        </p:nvSpPr>
+        <p:spPr/>
+        <p:txBody>
+          <a:bodyPr/>
+          <a:lstStyle/>
+          <a:p>
+            <a:r>
+              <a:rPr lang="hr-HR" dirty="0"/>
+              <a:t>U </a:t>
+            </a:r>
+            <a:r>
+              <a:rPr lang="hr-HR" b="1" dirty="0"/>
+              <a:t>ranoj fazi interneta</a:t>
+            </a:r>
+            <a:r>
+              <a:rPr lang="hr-HR" dirty="0"/>
+              <a:t> (1990-ih), nije bilo CSS-a!</a:t>
+            </a:r>
+            <a:br>
+              <a:rPr lang="hr-HR" dirty="0"/>
+            </a:br>
+            <a:r>
+              <a:rPr lang="hr-HR" dirty="0"/>
+              <a:t>🔹 </a:t>
+            </a:r>
+            <a:r>
+              <a:rPr lang="hr-HR" b="1" dirty="0"/>
+              <a:t>HTML je bio jedini alat za pravljenje sajtova</a:t>
+            </a:r>
+            <a:br>
+              <a:rPr lang="hr-HR" dirty="0"/>
+            </a:br>
+            <a:r>
+              <a:rPr lang="hr-HR" dirty="0"/>
+              <a:t>🔹 </a:t>
+            </a:r>
+            <a:r>
+              <a:rPr lang="hr-HR" b="1" dirty="0"/>
+              <a:t>Nije bilo načina za dizajniranje stranica</a:t>
+            </a:r>
+            <a:r>
+              <a:rPr lang="hr-HR" dirty="0"/>
+              <a:t> – sve su izgledale dosadno.</a:t>
+            </a:r>
+          </a:p>
+          <a:p>
+            <a:r>
+              <a:rPr lang="hr-HR" dirty="0"/>
+              <a:t>Marc Andreessen, osnivač prvog internet pretraživača </a:t>
+            </a:r>
+            <a:r>
+              <a:rPr lang="hr-HR" b="1" dirty="0"/>
+              <a:t>Mosaic</a:t>
+            </a:r>
+            <a:r>
+              <a:rPr lang="hr-HR" dirty="0"/>
+              <a:t>, 1994. godine je rekao:</a:t>
+            </a:r>
+            <a:br>
+              <a:rPr lang="hr-HR" dirty="0"/>
+            </a:br>
+            <a:r>
+              <a:rPr lang="hr-HR" dirty="0"/>
+              <a:t>👉 </a:t>
+            </a:r>
+            <a:r>
+              <a:rPr lang="hr-HR" b="1" dirty="0"/>
+              <a:t>"Ako želite da kontrolišete izgled sajta... nažalost, nemate sreće."</a:t>
+            </a:r>
+            <a:br>
+              <a:rPr lang="hr-HR" dirty="0"/>
+            </a:br>
+            <a:r>
+              <a:rPr lang="hr-HR" dirty="0"/>
+              <a:t>🔹 HTML </a:t>
+            </a:r>
+            <a:r>
+              <a:rPr lang="hr-HR" b="1" dirty="0"/>
+              <a:t>nije mogao da menja fontove, boje ili raspored sadržaja</a:t>
+            </a:r>
+            <a:r>
+              <a:rPr lang="hr-HR" dirty="0"/>
+              <a:t>.</a:t>
+            </a:r>
+            <a:endParaRPr lang="en-US" dirty="0"/>
+          </a:p>
+          <a:p>
+            <a:endParaRPr lang="en-US" dirty="0"/>
+          </a:p>
+          <a:p>
+            <a:r>
+              <a:rPr lang="hr-HR" b="1" dirty="0"/>
+              <a:t>Prvi pokušaj stilizacije – HTML 3.2 (1997)</a:t>
+            </a:r>
+          </a:p>
+          <a:p>
+            <a:pPr>
+              <a:buFont typeface="+mj-lt"/>
+              <a:buAutoNum type="arabicPeriod" startAt="1997"/>
+            </a:pPr>
+            <a:r>
+              <a:rPr lang="hr-HR" dirty="0"/>
+              <a:t>godine pojavljuje se </a:t>
+            </a:r>
+            <a:r>
+              <a:rPr lang="hr-HR" b="1" dirty="0"/>
+              <a:t>HTML 3.2</a:t>
+            </a:r>
+            <a:r>
+              <a:rPr lang="hr-HR" dirty="0"/>
+              <a:t>, koji je dodao:</a:t>
+            </a:r>
+            <a:br>
+              <a:rPr lang="hr-HR" dirty="0"/>
+            </a:br>
+            <a:r>
+              <a:rPr lang="hr-HR" dirty="0"/>
+              <a:t>✅ &lt;font&gt; – menja veličinu i boju teksta</a:t>
+            </a:r>
+            <a:br>
+              <a:rPr lang="hr-HR" dirty="0"/>
+            </a:br>
+            <a:r>
+              <a:rPr lang="hr-HR" dirty="0"/>
+              <a:t>✅ color – menja boju slova</a:t>
+            </a:r>
+            <a:br>
+              <a:rPr lang="hr-HR" dirty="0"/>
+            </a:br>
+            <a:r>
+              <a:rPr lang="hr-HR" dirty="0"/>
+              <a:t>✅ &lt;center&gt; – centriranje teksta</a:t>
+            </a:r>
+          </a:p>
+          <a:p>
+            <a:r>
+              <a:rPr lang="hr-HR" dirty="0"/>
+              <a:t>🚨 </a:t>
+            </a:r>
+            <a:r>
+              <a:rPr lang="hr-HR" b="1" dirty="0"/>
+              <a:t>Ali ovo je brzo postao haos!</a:t>
+            </a:r>
+            <a:br>
+              <a:rPr lang="hr-HR" dirty="0"/>
+            </a:br>
+            <a:r>
+              <a:rPr lang="hr-HR" dirty="0"/>
+              <a:t>🔹 HTML je </a:t>
+            </a:r>
+            <a:r>
+              <a:rPr lang="hr-HR" b="1" dirty="0"/>
+              <a:t>postao prepun neurednog koda</a:t>
+            </a:r>
+            <a:br>
+              <a:rPr lang="hr-HR" dirty="0"/>
+            </a:br>
+            <a:r>
+              <a:rPr lang="hr-HR" dirty="0"/>
+              <a:t>🔹 Mešanje </a:t>
+            </a:r>
+            <a:r>
+              <a:rPr lang="hr-HR" b="1" dirty="0"/>
+              <a:t>sadržaja i stilova</a:t>
+            </a:r>
+            <a:r>
+              <a:rPr lang="hr-HR" dirty="0"/>
+              <a:t> pravilo je probleme</a:t>
+            </a:r>
+            <a:br>
+              <a:rPr lang="hr-HR" dirty="0"/>
+            </a:br>
+            <a:r>
+              <a:rPr lang="hr-HR" dirty="0"/>
+              <a:t>🔹 </a:t>
+            </a:r>
+            <a:r>
+              <a:rPr lang="hr-HR" b="1" dirty="0"/>
+              <a:t>Web stranice su bile ogromne i teške za održavanje</a:t>
+            </a:r>
+            <a:endParaRPr lang="hr-HR" dirty="0"/>
+          </a:p>
+          <a:p>
+            <a:r>
+              <a:rPr lang="hr-HR" dirty="0"/>
+              <a:t>Rezultat? 🤦‍♂️</a:t>
+            </a:r>
+            <a:br>
+              <a:rPr lang="hr-HR" dirty="0"/>
+            </a:br>
+            <a:r>
+              <a:rPr lang="hr-HR" dirty="0"/>
+              <a:t>👉 </a:t>
+            </a:r>
+            <a:r>
+              <a:rPr lang="hr-HR" b="1" dirty="0"/>
+              <a:t>Ovaj način stilizacije je odbačen</a:t>
+            </a:r>
+            <a:r>
+              <a:rPr lang="hr-HR" dirty="0"/>
+              <a:t> </a:t>
+            </a:r>
+            <a:r>
+              <a:rPr lang="hr-HR" i="1" dirty="0"/>
+              <a:t>(depreciran)</a:t>
+            </a:r>
+            <a:r>
+              <a:rPr lang="hr-HR" dirty="0"/>
+              <a:t>.</a:t>
+            </a:r>
+            <a:endParaRPr lang="en-US" dirty="0"/>
+          </a:p>
+          <a:p>
+            <a:endParaRPr lang="en-US" dirty="0"/>
+          </a:p>
+          <a:p>
+            <a:r>
+              <a:rPr lang="hr-HR" b="1" dirty="0"/>
+              <a:t>Rešenje – CSS (1996)</a:t>
+            </a:r>
+          </a:p>
+          <a:p>
+            <a:r>
+              <a:rPr lang="hr-HR" dirty="0"/>
+              <a:t>🔹 </a:t>
+            </a:r>
+            <a:r>
+              <a:rPr lang="hr-HR" b="1" dirty="0"/>
+              <a:t>1996. godine, W3C je predstavio CSS kao rešenje!</a:t>
+            </a:r>
+            <a:br>
+              <a:rPr lang="hr-HR" dirty="0"/>
+            </a:br>
+            <a:r>
+              <a:rPr lang="hr-HR" dirty="0"/>
+              <a:t>🔹 </a:t>
+            </a:r>
+            <a:r>
+              <a:rPr lang="hr-HR" b="1" dirty="0"/>
+              <a:t>Glavna ideja CSS-a</a:t>
+            </a:r>
+            <a:r>
+              <a:rPr lang="hr-HR" dirty="0"/>
+              <a:t> – </a:t>
+            </a:r>
+            <a:r>
+              <a:rPr lang="hr-HR" b="1" dirty="0"/>
+              <a:t>razdvajanje sadržaja i dizajna</a:t>
+            </a:r>
+            <a:br>
+              <a:rPr lang="hr-HR" dirty="0"/>
+            </a:br>
+            <a:r>
+              <a:rPr lang="hr-HR" dirty="0"/>
+              <a:t>🔹 </a:t>
+            </a:r>
+            <a:r>
+              <a:rPr lang="hr-HR" b="1" dirty="0"/>
+              <a:t>CSS se brine o izgledu</a:t>
+            </a:r>
+            <a:r>
+              <a:rPr lang="hr-HR" dirty="0"/>
+              <a:t>, dok </a:t>
+            </a:r>
+            <a:r>
+              <a:rPr lang="hr-HR" b="1" dirty="0"/>
+              <a:t>HTML ostaje čist i fokusiran na sadržaj</a:t>
+            </a:r>
+            <a:endParaRPr lang="hr-HR" dirty="0"/>
+          </a:p>
+          <a:p>
+            <a:r>
+              <a:rPr lang="hr-HR" dirty="0"/>
+              <a:t>Håkon Wium Lie (tvorac CSS-a) rekao je:</a:t>
+            </a:r>
+            <a:br>
+              <a:rPr lang="hr-HR" dirty="0"/>
+            </a:br>
+            <a:r>
+              <a:rPr lang="hr-HR" dirty="0"/>
+              <a:t>👉 </a:t>
+            </a:r>
+            <a:r>
+              <a:rPr lang="hr-HR" b="1" dirty="0"/>
+              <a:t>"Ne treba ti haotičan HTML da bi napravio lep dizajn!"</a:t>
+            </a:r>
+            <a:endParaRPr lang="hr-HR" dirty="0"/>
+          </a:p>
+          <a:p>
+            <a:endParaRPr lang="hr-HR" dirty="0"/>
+          </a:p>
+          <a:p>
+            <a:endParaRPr lang="hr-HR" dirty="0"/>
+          </a:p>
+        </p:txBody>
+      </p:sp>
+      <p:sp>
+        <p:nvSpPr>
+          <p:cNvPr id="4" name="Slide Number Placeholder 3">
+            <a:extLst>
+              <a:ext uri="{FF2B5EF4-FFF2-40B4-BE49-F238E27FC236}">
+                <a16:creationId xmlns:a16="http://schemas.microsoft.com/office/drawing/2014/main" id="{9CFE1346-E3B4-7649-681B-F54BCF37F7A5}"/>
+              </a:ext>
+            </a:extLst>
+          </p:cNvPr>
+          <p:cNvSpPr>
+            <a:spLocks noGrp="1"/>
+          </p:cNvSpPr>
+          <p:nvPr>
+            <p:ph type="sldNum" sz="quarter" idx="5"/>
+          </p:nvPr>
+        </p:nvSpPr>
+        <p:spPr/>
+        <p:txBody>
+          <a:bodyPr/>
+          <a:lstStyle/>
+          <a:p>
+            <a:fld id="{343B951A-A665-1949-AEDB-B62DC9BE7F13}" type="slidenum">
+              <a:rPr lang="en-US" smtClean="0"/>
+              <a:t>26</a:t>
+            </a:fld>
+            <a:endParaRPr lang="en-US"/>
+          </a:p>
+        </p:txBody>
+      </p:sp>
+    </p:spTree>
+    <p:extLst>
+      <p:ext uri="{BB962C8B-B14F-4D97-AF65-F5344CB8AC3E}">
+        <p14:creationId xmlns:p14="http://schemas.microsoft.com/office/powerpoint/2010/main" val="320097878"/>
+      </p:ext>
+    </p:extLst>
+  </p:cSld>
+  <p:clrMapOvr>
+    <a:masterClrMapping/>
+  </p:clrMapOvr>
+</p:notes>
+</file>
+
+<file path=ppt/notesSlides/notesSlide18.xml><?xml version="1.0" encoding="utf-8"?>
+<p:notes xmlns:a="http://schemas.openxmlformats.org/drawingml/2006/main" xmlns:r="http://schemas.openxmlformats.org/officeDocument/2006/relationships" xmlns:p="http://schemas.openxmlformats.org/presentationml/2006/main">
+  <p:cSld>
+    <p:spTree>
+      <p:nvGrpSpPr>
+        <p:cNvPr id="1" name="">
+          <a:extLst>
+            <a:ext uri="{FF2B5EF4-FFF2-40B4-BE49-F238E27FC236}">
+              <a16:creationId xmlns:a16="http://schemas.microsoft.com/office/drawing/2014/main" id="{6E69C0DF-4325-4FE5-110E-1069EB11A32D}"/>
+            </a:ext>
+          </a:extLst>
+        </p:cNvPr>
+        <p:cNvGrpSpPr/>
+        <p:nvPr/>
+      </p:nvGrpSpPr>
+      <p:grpSpPr>
+        <a:xfrm>
+          <a:off x="0" y="0"/>
+          <a:ext cx="0" cy="0"/>
+          <a:chOff x="0" y="0"/>
+          <a:chExt cx="0" cy="0"/>
+        </a:xfrm>
+      </p:grpSpPr>
+      <p:sp>
+        <p:nvSpPr>
+          <p:cNvPr id="2" name="Slide Image Placeholder 1">
+            <a:extLst>
+              <a:ext uri="{FF2B5EF4-FFF2-40B4-BE49-F238E27FC236}">
+                <a16:creationId xmlns:a16="http://schemas.microsoft.com/office/drawing/2014/main" id="{79451D02-5BBB-4A7A-E748-1DC06B95D488}"/>
+              </a:ext>
+            </a:extLst>
+          </p:cNvPr>
+          <p:cNvSpPr>
+            <a:spLocks noGrp="1" noRot="1" noChangeAspect="1"/>
+          </p:cNvSpPr>
+          <p:nvPr>
+            <p:ph type="sldImg"/>
+          </p:nvPr>
+        </p:nvSpPr>
+        <p:spPr/>
+      </p:sp>
+      <p:sp>
+        <p:nvSpPr>
+          <p:cNvPr id="3" name="Notes Placeholder 2">
+            <a:extLst>
+              <a:ext uri="{FF2B5EF4-FFF2-40B4-BE49-F238E27FC236}">
+                <a16:creationId xmlns:a16="http://schemas.microsoft.com/office/drawing/2014/main" id="{748AC3AC-1D73-6D71-B6DE-5A8DEB08497F}"/>
+              </a:ext>
+            </a:extLst>
+          </p:cNvPr>
+          <p:cNvSpPr>
+            <a:spLocks noGrp="1"/>
+          </p:cNvSpPr>
+          <p:nvPr>
+            <p:ph type="body" idx="1"/>
+          </p:nvPr>
+        </p:nvSpPr>
+        <p:spPr/>
+        <p:txBody>
+          <a:bodyPr/>
+          <a:lstStyle/>
+          <a:p>
+            <a:r>
+              <a:rPr lang="en-US" dirty="0"/>
+              <a:t>https://dinoduvnjak.github.io/css-toogle/</a:t>
+            </a:r>
+          </a:p>
+          <a:p>
+            <a:endParaRPr lang="en-US" dirty="0"/>
+          </a:p>
+          <a:p>
+            <a:r>
+              <a:rPr lang="hr-HR" dirty="0"/>
+              <a:t>https://developer.mozilla.org/en-US/docs/MDN/Guides</a:t>
+            </a:r>
+          </a:p>
+        </p:txBody>
+      </p:sp>
+      <p:sp>
+        <p:nvSpPr>
+          <p:cNvPr id="4" name="Slide Number Placeholder 3">
+            <a:extLst>
+              <a:ext uri="{FF2B5EF4-FFF2-40B4-BE49-F238E27FC236}">
+                <a16:creationId xmlns:a16="http://schemas.microsoft.com/office/drawing/2014/main" id="{309EAAB6-00DB-F145-280F-EB4788C0F682}"/>
+              </a:ext>
+            </a:extLst>
+          </p:cNvPr>
+          <p:cNvSpPr>
+            <a:spLocks noGrp="1"/>
+          </p:cNvSpPr>
+          <p:nvPr>
+            <p:ph type="sldNum" sz="quarter" idx="5"/>
+          </p:nvPr>
+        </p:nvSpPr>
+        <p:spPr/>
+        <p:txBody>
+          <a:bodyPr/>
+          <a:lstStyle/>
+          <a:p>
+            <a:fld id="{343B951A-A665-1949-AEDB-B62DC9BE7F13}" type="slidenum">
+              <a:rPr lang="en-US" smtClean="0"/>
+              <a:t>27</a:t>
+            </a:fld>
+            <a:endParaRPr lang="en-US"/>
+          </a:p>
+        </p:txBody>
+      </p:sp>
+    </p:spTree>
+    <p:extLst>
+      <p:ext uri="{BB962C8B-B14F-4D97-AF65-F5344CB8AC3E}">
+        <p14:creationId xmlns:p14="http://schemas.microsoft.com/office/powerpoint/2010/main" val="83616497"/>
       </p:ext>
     </p:extLst>
   </p:cSld>
@@ -1322,27 +1998,24 @@
           <a:lstStyle/>
           <a:p>
             <a:r>
-              <a:rPr lang="hr-HR" dirty="0"/>
-              <a:t>https://developer.mozilla.org/en-US/docs/Web/HTML/Element/Heading_Elements</a:t>
+              <a:rPr lang="en-US" dirty="0" err="1"/>
+              <a:t>Upisite</a:t>
             </a:r>
             <a:r>
               <a:rPr lang="en-US" dirty="0"/>
-              <a:t> – docs za </a:t>
+              <a:t> ! U VS code </a:t>
             </a:r>
             <a:r>
               <a:rPr lang="en-US" dirty="0" err="1"/>
-              <a:t>tagove</a:t>
-            </a:r>
-            <a:endParaRPr lang="en-US" dirty="0"/>
-          </a:p>
-          <a:p>
+              <a:t>kako</a:t>
+            </a:r>
             <a:r>
               <a:rPr lang="en-US" dirty="0"/>
-              <a:t>BONUS – </a:t>
+              <a:t> bi ga </a:t>
             </a:r>
             <a:r>
               <a:rPr lang="en-US" dirty="0" err="1"/>
-              <a:t>tko</a:t>
+              <a:t>automatski</a:t>
             </a:r>
             <a:r>
               <a:rPr lang="en-US" dirty="0"/>
@@ -1350,43 +2023,11 @@
             </a:r>
             <a:r>
               <a:rPr lang="en-US" dirty="0" err="1"/>
-              <a:t>uspije</a:t>
+              <a:t>generirali</a:t>
             </a:r>
             <a:r>
               <a:rPr lang="en-US" dirty="0"/>
-              <a:t> </a:t>
-            </a:r>
-            <a:r>
-              <a:rPr lang="en-US" dirty="0" err="1"/>
-              <a:t>napraviti</a:t>
-            </a:r>
-            <a:r>
-              <a:rPr lang="en-US" dirty="0"/>
-              <a:t> </a:t>
-            </a:r>
-            <a:r>
-              <a:rPr lang="en-US" dirty="0" err="1"/>
-              <a:t>tanku</a:t>
-            </a:r>
-            <a:r>
-              <a:rPr lang="en-US" dirty="0"/>
-              <a:t> </a:t>
-            </a:r>
-            <a:r>
-              <a:rPr lang="en-US" dirty="0" err="1"/>
-              <a:t>crtu</a:t>
-            </a:r>
-            <a:r>
-              <a:rPr lang="en-US" dirty="0"/>
-              <a:t> </a:t>
-            </a:r>
-            <a:r>
-              <a:rPr lang="en-US" dirty="0" err="1"/>
-              <a:t>ispod</a:t>
-            </a:r>
-            <a:r>
-              <a:rPr lang="en-US" dirty="0"/>
-              <a:t> h2</a:t>
+              <a:t>.</a:t>
             </a:r>
             <a:endParaRPr lang="hr-HR" dirty="0"/>
           </a:p>
@@ -1409,7 +2050,7 @@
           <a:p>
             <a:fld id="{343B951A-A665-1949-AEDB-B62DC9BE7F13}" type="slidenum">
               <a:rPr lang="en-US" smtClean="0"/>
-              <a:t>7</a:t>
+              <a:t>6</a:t>
             </a:fld>
             <a:endParaRPr lang="en-US"/>
           </a:p>
@@ -1418,7 +2059,7 @@
     </p:spTree>
     <p:extLst>
       <p:ext uri="{BB962C8B-B14F-4D97-AF65-F5344CB8AC3E}">
-        <p14:creationId xmlns:p14="http://schemas.microsoft.com/office/powerpoint/2010/main" val="3412410273"/>
+        <p14:creationId xmlns:p14="http://schemas.microsoft.com/office/powerpoint/2010/main" val="2029211547"/>
       </p:ext>
     </p:extLst>
   </p:cSld>
@@ -1472,143 +2113,74 @@
           <a:bodyPr/>
           <a:lstStyle/>
           <a:p>
-            <a:pPr rtl="0" fontAlgn="base">
-              <a:spcBef>
-                <a:spcPts val="1200"/>
-              </a:spcBef>
-              <a:buFont typeface="Arial" panose="020B0604020202020204" pitchFamily="34" charset="0"/>
-              <a:buChar char="•"/>
-            </a:pPr>
-            <a:r>
-              <a:rPr lang="hr-HR" sz="1100" b="1" i="0" u="none" strike="noStrike" dirty="0">
-                <a:solidFill>
-                  <a:srgbClr val="000000"/>
-                </a:solidFill>
-                <a:effectLst/>
-                <a:latin typeface="Arial" panose="020B0604020202020204" pitchFamily="34" charset="0"/>
-              </a:rPr>
-              <a:t>Web tools for dummy text</a:t>
-            </a:r>
-            <a:r>
-              <a:rPr lang="hr-HR" sz="1100" b="0" i="0" u="none" strike="noStrike" dirty="0">
-                <a:solidFill>
-                  <a:srgbClr val="000000"/>
-                </a:solidFill>
-                <a:effectLst/>
-                <a:latin typeface="Arial" panose="020B0604020202020204" pitchFamily="34" charset="0"/>
-              </a:rPr>
-              <a:t>:</a:t>
-            </a:r>
-          </a:p>
-          <a:p>
-            <a:pPr marL="742950" lvl="1" indent="-285750" rtl="0" fontAlgn="base">
-              <a:buFont typeface="Arial" panose="020B0604020202020204" pitchFamily="34" charset="0"/>
-              <a:buChar char="•"/>
-            </a:pPr>
-            <a:r>
-              <a:rPr lang="hr-HR" sz="1100" b="0" i="0" u="sng" strike="noStrike" dirty="0">
-                <a:solidFill>
-                  <a:srgbClr val="1155CC"/>
-                </a:solidFill>
-                <a:effectLst/>
-                <a:latin typeface="Arial" panose="020B0604020202020204" pitchFamily="34" charset="0"/>
-                <a:hlinkClick r:id="rId3"/>
-              </a:rPr>
-              <a:t>Lipsum.com</a:t>
-            </a:r>
-            <a:r>
-              <a:rPr lang="hr-HR" sz="1100" b="0" i="0" u="none" strike="noStrike" dirty="0">
-                <a:solidFill>
-                  <a:srgbClr val="000000"/>
-                </a:solidFill>
-                <a:effectLst/>
-                <a:latin typeface="Arial" panose="020B0604020202020204" pitchFamily="34" charset="0"/>
-              </a:rPr>
-              <a:t> – Standard Lorem Ipsum.</a:t>
-            </a:r>
-          </a:p>
-          <a:p>
-            <a:pPr marL="742950" lvl="1" indent="-285750" rtl="0" fontAlgn="base">
-              <a:buFont typeface="Arial" panose="020B0604020202020204" pitchFamily="34" charset="0"/>
-              <a:buChar char="•"/>
-            </a:pPr>
-            <a:r>
-              <a:rPr lang="hr-HR" sz="1100" b="0" i="0" u="sng" strike="noStrike" dirty="0">
-                <a:solidFill>
-                  <a:srgbClr val="1155CC"/>
-                </a:solidFill>
-                <a:effectLst/>
-                <a:latin typeface="Arial" panose="020B0604020202020204" pitchFamily="34" charset="0"/>
-                <a:hlinkClick r:id="rId4"/>
-              </a:rPr>
-              <a:t>Bacon Ipsum</a:t>
-            </a:r>
-            <a:r>
-              <a:rPr lang="hr-HR" sz="1100" b="0" i="0" u="none" strike="noStrike" dirty="0">
-                <a:solidFill>
-                  <a:srgbClr val="000000"/>
-                </a:solidFill>
-                <a:effectLst/>
-                <a:latin typeface="Arial" panose="020B0604020202020204" pitchFamily="34" charset="0"/>
-              </a:rPr>
-              <a:t> – Meat-themed text.</a:t>
-            </a:r>
-          </a:p>
-          <a:p>
-            <a:pPr marL="742950" lvl="1" indent="-285750" rtl="0" fontAlgn="base">
-              <a:buFont typeface="Arial" panose="020B0604020202020204" pitchFamily="34" charset="0"/>
-              <a:buChar char="•"/>
-            </a:pPr>
-            <a:r>
-              <a:rPr lang="hr-HR" sz="1100" b="0" i="0" u="sng" strike="noStrike" dirty="0">
-                <a:solidFill>
-                  <a:srgbClr val="1155CC"/>
-                </a:solidFill>
-                <a:effectLst/>
-                <a:latin typeface="Arial" panose="020B0604020202020204" pitchFamily="34" charset="0"/>
-                <a:hlinkClick r:id="rId5"/>
-              </a:rPr>
-              <a:t>Bro Ipsum</a:t>
-            </a:r>
-            <a:r>
-              <a:rPr lang="hr-HR" sz="1100" b="0" i="0" u="none" strike="noStrike" dirty="0">
-                <a:solidFill>
-                  <a:srgbClr val="000000"/>
-                </a:solidFill>
-                <a:effectLst/>
-                <a:latin typeface="Arial" panose="020B0604020202020204" pitchFamily="34" charset="0"/>
-              </a:rPr>
-              <a:t> – Bro culture text.</a:t>
-            </a:r>
-          </a:p>
-          <a:p>
-            <a:pPr marL="742950" lvl="1" indent="-285750" rtl="0" fontAlgn="base">
-              <a:spcAft>
-                <a:spcPts val="1200"/>
-              </a:spcAft>
-              <a:buFont typeface="Arial" panose="020B0604020202020204" pitchFamily="34" charset="0"/>
-              <a:buChar char="•"/>
-            </a:pPr>
-            <a:r>
-              <a:rPr lang="hr-HR" sz="1100" b="1" i="0" u="none" strike="noStrike" dirty="0">
-                <a:solidFill>
-                  <a:srgbClr val="000000"/>
-                </a:solidFill>
-                <a:effectLst/>
-                <a:latin typeface="Arial" panose="020B0604020202020204" pitchFamily="34" charset="0"/>
-              </a:rPr>
-              <a:t>Search "Funny Lorem Ipsum"</a:t>
-            </a:r>
-            <a:r>
-              <a:rPr lang="hr-HR" sz="1100" b="0" i="0" u="none" strike="noStrike" dirty="0">
-                <a:solidFill>
-                  <a:srgbClr val="000000"/>
-                </a:solidFill>
-                <a:effectLst/>
-                <a:latin typeface="Arial" panose="020B0604020202020204" pitchFamily="34" charset="0"/>
-              </a:rPr>
-              <a:t> for more variations.</a:t>
-            </a:r>
+            <a:r>
+              <a:rPr lang="hr-HR" dirty="0"/>
+              <a:t>https://developer.mozilla.org/en-US/docs/Web/HTML/Element/Heading_Elements</a:t>
+            </a:r>
+            <a:r>
+              <a:rPr lang="en-US" dirty="0"/>
+              <a:t> – docs za </a:t>
+            </a:r>
+            <a:r>
+              <a:rPr lang="en-US" dirty="0" err="1"/>
+              <a:t>tagove</a:t>
+            </a:r>
+            <a:endParaRPr lang="en-US" dirty="0"/>
+          </a:p>
+          <a:p>
+            <a:r>
+              <a:rPr lang="en-US" dirty="0"/>
+              <a:t>BONUS – </a:t>
+            </a:r>
+            <a:r>
+              <a:rPr lang="en-US" dirty="0" err="1"/>
+              <a:t>tko</a:t>
+            </a:r>
+            <a:r>
+              <a:rPr lang="en-US" dirty="0"/>
+              <a:t> </a:t>
+            </a:r>
+            <a:r>
+              <a:rPr lang="en-US" dirty="0" err="1"/>
+              <a:t>uspije</a:t>
+            </a:r>
+            <a:r>
+              <a:rPr lang="en-US" dirty="0"/>
+              <a:t> </a:t>
+            </a:r>
+            <a:r>
+              <a:rPr lang="en-US" dirty="0" err="1"/>
+              <a:t>napraviti</a:t>
+            </a:r>
+            <a:r>
+              <a:rPr lang="en-US" dirty="0"/>
+              <a:t> </a:t>
+            </a:r>
+            <a:r>
+              <a:rPr lang="en-US" dirty="0" err="1"/>
+              <a:t>tanku</a:t>
+            </a:r>
+            <a:r>
+              <a:rPr lang="en-US" dirty="0"/>
+              <a:t> </a:t>
+            </a:r>
+            <a:r>
+              <a:rPr lang="en-US" dirty="0" err="1"/>
+              <a:t>crtu</a:t>
+            </a:r>
+            <a:r>
+              <a:rPr lang="en-US" dirty="0"/>
+              <a:t> </a:t>
+            </a:r>
+            <a:r>
+              <a:rPr lang="en-US" dirty="0" err="1"/>
+              <a:t>ispod</a:t>
+            </a:r>
+            <a:r>
+              <a:rPr lang="en-US" dirty="0"/>
+              <a:t> h2</a:t>
+            </a:r>
+            <a:endParaRPr lang="hr-HR" dirty="0"/>
           </a:p>
         </p:txBody>
       </p:sp>
@@ -1638,7 +2210,7 @@
     </p:spTree>
     <p:extLst>
       <p:ext uri="{BB962C8B-B14F-4D97-AF65-F5344CB8AC3E}">
-        <p14:creationId xmlns:p14="http://schemas.microsoft.com/office/powerpoint/2010/main" val="2395660904"/>
+        <p14:creationId xmlns:p14="http://schemas.microsoft.com/office/powerpoint/2010/main" val="3412410273"/>
       </p:ext>
     </p:extLst>
   </p:cSld>
@@ -1692,7 +2264,143 @@
           <a:bodyPr/>
           <a:lstStyle/>
           <a:p>
-            <a:endParaRPr lang="hr-HR" dirty="0"/>
+            <a:pPr rtl="0" fontAlgn="base">
+              <a:spcBef>
+                <a:spcPts val="1200"/>
+              </a:spcBef>
+              <a:buFont typeface="Arial" panose="020B0604020202020204" pitchFamily="34" charset="0"/>
+              <a:buChar char="•"/>
+            </a:pPr>
+            <a:r>
+              <a:rPr lang="hr-HR" sz="1100" b="1" i="0" u="none" strike="noStrike" dirty="0">
+                <a:solidFill>
+                  <a:srgbClr val="000000"/>
+                </a:solidFill>
+                <a:effectLst/>
+                <a:latin typeface="Arial" panose="020B0604020202020204" pitchFamily="34" charset="0"/>
+              </a:rPr>
+              <a:t>Web tools for dummy text</a:t>
+            </a:r>
+            <a:r>
+              <a:rPr lang="hr-HR" sz="1100" b="0" i="0" u="none" strike="noStrike" dirty="0">
+                <a:solidFill>
+                  <a:srgbClr val="000000"/>
+                </a:solidFill>
+                <a:effectLst/>
+                <a:latin typeface="Arial" panose="020B0604020202020204" pitchFamily="34" charset="0"/>
+              </a:rPr>
+              <a:t>:</a:t>
+            </a:r>
+          </a:p>
+          <a:p>
+            <a:pPr marL="742950" lvl="1" indent="-285750" rtl="0" fontAlgn="base">
+              <a:buFont typeface="Arial" panose="020B0604020202020204" pitchFamily="34" charset="0"/>
+              <a:buChar char="•"/>
+            </a:pPr>
+            <a:r>
+              <a:rPr lang="hr-HR" sz="1100" b="0" i="0" u="sng" strike="noStrike" dirty="0">
+                <a:solidFill>
+                  <a:srgbClr val="1155CC"/>
+                </a:solidFill>
+                <a:effectLst/>
+                <a:latin typeface="Arial" panose="020B0604020202020204" pitchFamily="34" charset="0"/>
+                <a:hlinkClick r:id="rId3"/>
+              </a:rPr>
+              <a:t>Lipsum.com</a:t>
+            </a:r>
+            <a:r>
+              <a:rPr lang="hr-HR" sz="1100" b="0" i="0" u="none" strike="noStrike" dirty="0">
+                <a:solidFill>
+                  <a:srgbClr val="000000"/>
+                </a:solidFill>
+                <a:effectLst/>
+                <a:latin typeface="Arial" panose="020B0604020202020204" pitchFamily="34" charset="0"/>
+              </a:rPr>
+              <a:t> – Standard Lorem Ipsum.</a:t>
+            </a:r>
+          </a:p>
+          <a:p>
+            <a:pPr marL="742950" lvl="1" indent="-285750" rtl="0" fontAlgn="base">
+              <a:buFont typeface="Arial" panose="020B0604020202020204" pitchFamily="34" charset="0"/>
+              <a:buChar char="•"/>
+            </a:pPr>
+            <a:r>
+              <a:rPr lang="hr-HR" sz="1100" b="0" i="0" u="sng" strike="noStrike" dirty="0">
+                <a:solidFill>
+                  <a:srgbClr val="1155CC"/>
+                </a:solidFill>
+                <a:effectLst/>
+                <a:latin typeface="Arial" panose="020B0604020202020204" pitchFamily="34" charset="0"/>
+                <a:hlinkClick r:id="rId4"/>
+              </a:rPr>
+              <a:t>Bacon Ipsum</a:t>
+            </a:r>
+            <a:r>
+              <a:rPr lang="hr-HR" sz="1100" b="0" i="0" u="none" strike="noStrike" dirty="0">
+                <a:solidFill>
+                  <a:srgbClr val="000000"/>
+                </a:solidFill>
+                <a:effectLst/>
+                <a:latin typeface="Arial" panose="020B0604020202020204" pitchFamily="34" charset="0"/>
+              </a:rPr>
+              <a:t> – Meat-themed text.</a:t>
+            </a:r>
+          </a:p>
+          <a:p>
+            <a:pPr marL="742950" lvl="1" indent="-285750" rtl="0" fontAlgn="base">
+              <a:buFont typeface="Arial" panose="020B0604020202020204" pitchFamily="34" charset="0"/>
+              <a:buChar char="•"/>
+            </a:pPr>
+            <a:r>
+              <a:rPr lang="hr-HR" sz="1100" b="0" i="0" u="sng" strike="noStrike" dirty="0">
+                <a:solidFill>
+                  <a:srgbClr val="1155CC"/>
+                </a:solidFill>
+                <a:effectLst/>
+                <a:latin typeface="Arial" panose="020B0604020202020204" pitchFamily="34" charset="0"/>
+                <a:hlinkClick r:id="rId5"/>
+              </a:rPr>
+              <a:t>Bro Ipsum</a:t>
+            </a:r>
+            <a:r>
+              <a:rPr lang="hr-HR" sz="1100" b="0" i="0" u="none" strike="noStrike" dirty="0">
+                <a:solidFill>
+                  <a:srgbClr val="000000"/>
+                </a:solidFill>
+                <a:effectLst/>
+                <a:latin typeface="Arial" panose="020B0604020202020204" pitchFamily="34" charset="0"/>
+              </a:rPr>
+              <a:t> – Bro culture text.</a:t>
+            </a:r>
+          </a:p>
+          <a:p>
+            <a:pPr marL="742950" lvl="1" indent="-285750" rtl="0" fontAlgn="base">
+              <a:spcAft>
+                <a:spcPts val="1200"/>
+              </a:spcAft>
+              <a:buFont typeface="Arial" panose="020B0604020202020204" pitchFamily="34" charset="0"/>
+              <a:buChar char="•"/>
+            </a:pPr>
+            <a:r>
+              <a:rPr lang="hr-HR" sz="1100" b="1" i="0" u="none" strike="noStrike" dirty="0">
+                <a:solidFill>
+                  <a:srgbClr val="000000"/>
+                </a:solidFill>
+                <a:effectLst/>
+                <a:latin typeface="Arial" panose="020B0604020202020204" pitchFamily="34" charset="0"/>
+              </a:rPr>
+              <a:t>Search "Funny Lorem Ipsum"</a:t>
+            </a:r>
+            <a:r>
+              <a:rPr lang="hr-HR" sz="1100" b="0" i="0" u="none" strike="noStrike" dirty="0">
+                <a:solidFill>
+                  <a:srgbClr val="000000"/>
+                </a:solidFill>
+                <a:effectLst/>
+                <a:latin typeface="Arial" panose="020B0604020202020204" pitchFamily="34" charset="0"/>
+              </a:rPr>
+              <a:t> for more variations.</a:t>
+            </a:r>
           </a:p>
         </p:txBody>
       </p:sp>
@@ -1722,6 +2430,90 @@
     </p:spTree>
     <p:extLst>
       <p:ext uri="{BB962C8B-B14F-4D97-AF65-F5344CB8AC3E}">
+        <p14:creationId xmlns:p14="http://schemas.microsoft.com/office/powerpoint/2010/main" val="2395660904"/>
+      </p:ext>
+    </p:extLst>
+  </p:cSld>
+  <p:clrMapOvr>
+    <a:masterClrMapping/>
+  </p:clrMapOvr>
+</p:notes>
+</file>
+
+<file path=ppt/notesSlides/notesSlide5.xml><?xml version="1.0" encoding="utf-8"?>
+<p:notes xmlns:a="http://schemas.openxmlformats.org/drawingml/2006/main" xmlns:r="http://schemas.openxmlformats.org/officeDocument/2006/relationships" xmlns:p="http://schemas.openxmlformats.org/presentationml/2006/main">
+  <p:cSld>
+    <p:spTree>
+      <p:nvGrpSpPr>
+        <p:cNvPr id="1" name=""/>
+        <p:cNvGrpSpPr/>
+        <p:nvPr/>
+      </p:nvGrpSpPr>
+      <p:grpSpPr>
+        <a:xfrm>
+          <a:off x="0" y="0"/>
+          <a:ext cx="0" cy="0"/>
+          <a:chOff x="0" y="0"/>
+          <a:chExt cx="0" cy="0"/>
+        </a:xfrm>
+      </p:grpSpPr>
+      <p:sp>
+        <p:nvSpPr>
+          <p:cNvPr id="2" name="Slide Image Placeholder 1"/>
+          <p:cNvSpPr>
+            <a:spLocks noGrp="1" noRot="1" noChangeAspect="1"/>
+          </p:cNvSpPr>
+          <p:nvPr>
+            <p:ph type="sldImg"/>
+          </p:nvPr>
+        </p:nvSpPr>
+        <p:spPr/>
+      </p:sp>
+      <p:sp>
+        <p:nvSpPr>
+          <p:cNvPr id="3" name="Notes Placeholder 2"/>
+          <p:cNvSpPr>
+            <a:spLocks noGrp="1"/>
+          </p:cNvSpPr>
+          <p:nvPr>
+            <p:ph type="body" idx="1"/>
+          </p:nvPr>
+        </p:nvSpPr>
+        <p:spPr/>
+        <p:txBody>
+          <a:bodyPr/>
+          <a:lstStyle/>
+          <a:p>
+            <a:endParaRPr lang="hr-HR" dirty="0"/>
+          </a:p>
+        </p:txBody>
+      </p:sp>
+      <p:sp>
+        <p:nvSpPr>
+          <p:cNvPr id="4" name="Slide Number Placeholder 3"/>
+          <p:cNvSpPr>
+            <a:spLocks noGrp="1"/>
+          </p:cNvSpPr>
+          <p:nvPr>
+            <p:ph type="sldNum" sz="quarter" idx="5"/>
+          </p:nvPr>
+        </p:nvSpPr>
+        <p:spPr/>
+        <p:txBody>
+          <a:bodyPr/>
+          <a:lstStyle/>
+          <a:p>
+            <a:fld id="{343B951A-A665-1949-AEDB-B62DC9BE7F13}" type="slidenum">
+              <a:rPr lang="en-US" smtClean="0"/>
+              <a:t>10</a:t>
+            </a:fld>
+            <a:endParaRPr lang="en-US"/>
+          </a:p>
+        </p:txBody>
+      </p:sp>
+    </p:spTree>
+    <p:extLst>
+      <p:ext uri="{BB962C8B-B14F-4D97-AF65-F5344CB8AC3E}">
         <p14:creationId xmlns:p14="http://schemas.microsoft.com/office/powerpoint/2010/main" val="4124754305"/>
       </p:ext>
     </p:extLst>
@@ -1732,7 +2524,7 @@
 </p:notes>
 </file>
 
-<file path=ppt/notesSlides/notesSlide5.xml><?xml version="1.0" encoding="utf-8"?>
+<file path=ppt/notesSlides/notesSlide6.xml><?xml version="1.0" encoding="utf-8"?>
 <p:notes xmlns:a="http://schemas.openxmlformats.org/drawingml/2006/main" xmlns:r="http://schemas.openxmlformats.org/officeDocument/2006/relationships" xmlns:p="http://schemas.openxmlformats.org/presentationml/2006/main">
   <p:cSld>
     <p:spTree>
@@ -2267,7 +3059,7 @@
           <a:p>
             <a:fld id="{343B951A-A665-1949-AEDB-B62DC9BE7F13}" type="slidenum">
               <a:rPr lang="en-US" smtClean="0"/>
-              <a:t>10</a:t>
+              <a:t>11</a:t>
             </a:fld>
             <a:endParaRPr lang="en-US"/>
           </a:p>
@@ -2286,7 +3078,7 @@
 </p:notes>
 </file>
 
-<file path=ppt/notesSlides/notesSlide6.xml><?xml version="1.0" encoding="utf-8"?>
+<file path=ppt/notesSlides/notesSlide7.xml><?xml version="1.0" encoding="utf-8"?>
 <p:notes xmlns:a="http://schemas.openxmlformats.org/drawingml/2006/main" xmlns:r="http://schemas.openxmlformats.org/officeDocument/2006/relationships" xmlns:p="http://schemas.openxmlformats.org/presentationml/2006/main">
   <p:cSld>
     <p:spTree>
@@ -2962,7 +3754,7 @@
           <a:p>
             <a:fld id="{343B951A-A665-1949-AEDB-B62DC9BE7F13}" type="slidenum">
               <a:rPr lang="en-US" smtClean="0"/>
-              <a:t>11</a:t>
+              <a:t>12</a:t>
             </a:fld>
             <a:endParaRPr lang="en-US"/>
           </a:p>
@@ -2981,7 +3773,7 @@
 </p:notes>
 </file>
 
-<file path=ppt/notesSlides/notesSlide7.xml><?xml version="1.0" encoding="utf-8"?>
+<file path=ppt/notesSlides/notesSlide8.xml><?xml version="1.0" encoding="utf-8"?>
 <p:notes xmlns:a="http://schemas.openxmlformats.org/drawingml/2006/main" xmlns:r="http://schemas.openxmlformats.org/officeDocument/2006/relationships" xmlns:p="http://schemas.openxmlformats.org/presentationml/2006/main">
   <p:cSld>
     <p:spTree>
@@ -3324,7 +4116,7 @@
           <a:p>
             <a:fld id="{343B951A-A665-1949-AEDB-B62DC9BE7F13}" type="slidenum">
               <a:rPr lang="en-US" smtClean="0"/>
-              <a:t>12</a:t>
+              <a:t>13</a:t>
             </a:fld>
             <a:endParaRPr lang="en-US"/>
           </a:p>
@@ -3343,7 +4135,7 @@
 </p:notes>
 </file>
 
-<file path=ppt/notesSlides/notesSlide8.xml><?xml version="1.0" encoding="utf-8"?>
+<file path=ppt/notesSlides/notesSlide9.xml><?xml version="1.0" encoding="utf-8"?>
 <p:notes xmlns:a="http://schemas.openxmlformats.org/drawingml/2006/main" xmlns:r="http://schemas.openxmlformats.org/officeDocument/2006/relationships" xmlns:p="http://schemas.openxmlformats.org/presentationml/2006/main">
   <p:cSld>
     <p:spTree>
@@ -3488,7 +4280,7 @@
           <a:p>
             <a:fld id="{343B951A-A665-1949-AEDB-B62DC9BE7F13}" type="slidenum">
               <a:rPr lang="en-US" smtClean="0"/>
-              <a:t>13</a:t>
+              <a:t>14</a:t>
             </a:fld>
             <a:endParaRPr lang="en-US"/>
           </a:p>
@@ -3498,170 +4290,6 @@
     <p:extLst>
       <p:ext uri="{BB962C8B-B14F-4D97-AF65-F5344CB8AC3E}">
         <p14:creationId xmlns:p14="http://schemas.microsoft.com/office/powerpoint/2010/main" val="895496564"/>
-      </p:ext>
-    </p:extLst>
-  </p:cSld>
-  <p:clrMapOvr>
-    <a:masterClrMapping/>
-  </p:clrMapOvr>
-</p:notes>
-</file>
-
-<file path=ppt/notesSlides/notesSlide9.xml><?xml version="1.0" encoding="utf-8"?>
-<p:notes xmlns:a="http://schemas.openxmlformats.org/drawingml/2006/main" xmlns:r="http://schemas.openxmlformats.org/officeDocument/2006/relationships" xmlns:p="http://schemas.openxmlformats.org/presentationml/2006/main">
-  <p:cSld>
-    <p:spTree>
-      <p:nvGrpSpPr>
-        <p:cNvPr id="1" name="">
-          <a:extLst>
-            <a:ext uri="{FF2B5EF4-FFF2-40B4-BE49-F238E27FC236}">
-              <a16:creationId xmlns:a16="http://schemas.microsoft.com/office/drawing/2014/main" id="{3FA18DC4-D021-7958-C24A-1C3F8F22FCF9}"/>
-            </a:ext>
-          </a:extLst>
-        </p:cNvPr>
-        <p:cNvGrpSpPr/>
-        <p:nvPr/>
-      </p:nvGrpSpPr>
-      <p:grpSpPr>
-        <a:xfrm>
-          <a:off x="0" y="0"/>
-          <a:ext cx="0" cy="0"/>
-          <a:chOff x="0" y="0"/>
-          <a:chExt cx="0" cy="0"/>
-        </a:xfrm>
-      </p:grpSpPr>
-      <p:sp>
-        <p:nvSpPr>
-          <p:cNvPr id="2" name="Slide Image Placeholder 1">
-            <a:extLst>
-              <a:ext uri="{FF2B5EF4-FFF2-40B4-BE49-F238E27FC236}">
-                <a16:creationId xmlns:a16="http://schemas.microsoft.com/office/drawing/2014/main" id="{579629FA-59DB-B2E3-C4A2-D5AEFF0781DC}"/>
-              </a:ext>
-            </a:extLst>
-          </p:cNvPr>
-          <p:cNvSpPr>
-            <a:spLocks noGrp="1" noRot="1" noChangeAspect="1"/>
-          </p:cNvSpPr>
-          <p:nvPr>
-            <p:ph type="sldImg"/>
-          </p:nvPr>
-        </p:nvSpPr>
-        <p:spPr/>
-      </p:sp>
-      <p:sp>
-        <p:nvSpPr>
-          <p:cNvPr id="3" name="Notes Placeholder 2">
-            <a:extLst>
-              <a:ext uri="{FF2B5EF4-FFF2-40B4-BE49-F238E27FC236}">
-                <a16:creationId xmlns:a16="http://schemas.microsoft.com/office/drawing/2014/main" id="{1CFD8D40-B4F1-0787-9BBA-D2B23EEC5B9F}"/>
-              </a:ext>
-            </a:extLst>
-          </p:cNvPr>
-          <p:cNvSpPr>
-            <a:spLocks noGrp="1"/>
-          </p:cNvSpPr>
-          <p:nvPr>
-            <p:ph type="body" idx="1"/>
-          </p:nvPr>
-        </p:nvSpPr>
-        <p:spPr/>
-        <p:txBody>
-          <a:bodyPr/>
-          <a:lstStyle/>
-          <a:p>
-            <a:r>
-              <a:rPr lang="hr-HR" sz="1600" b="1" dirty="0"/>
-              <a:t>Uobičajene greške koje treba izbjegavati:</a:t>
-            </a:r>
-          </a:p>
-          <a:p>
-            <a:r>
-              <a:rPr lang="hr-HR" sz="1600" dirty="0"/>
-              <a:t>❌ </a:t>
-            </a:r>
-            <a:r>
-              <a:rPr lang="hr-HR" sz="1600" b="1" dirty="0"/>
-              <a:t>Zaboravljanje zatvaranja oznaka</a:t>
-            </a:r>
-            <a:r>
-              <a:rPr lang="hr-HR" sz="1600" dirty="0"/>
-              <a:t> (&lt;/</a:t>
-            </a:r>
-            <a:r>
-              <a:rPr lang="hr-HR" sz="1600" dirty="0" err="1"/>
-              <a:t>ul</a:t>
-            </a:r>
-            <a:r>
-              <a:rPr lang="hr-HR" sz="1600" dirty="0"/>
-              <a:t>&gt; ili &lt;/</a:t>
-            </a:r>
-            <a:r>
-              <a:rPr lang="hr-HR" sz="1600" dirty="0" err="1"/>
-              <a:t>ol</a:t>
-            </a:r>
-            <a:r>
-              <a:rPr lang="hr-HR" sz="1600" dirty="0"/>
-              <a:t>&gt;).</a:t>
-            </a:r>
-            <a:br>
-              <a:rPr lang="hr-HR" sz="1600" dirty="0"/>
-            </a:br>
-            <a:r>
-              <a:rPr lang="hr-HR" sz="1600" dirty="0"/>
-              <a:t>❌ </a:t>
-            </a:r>
-            <a:r>
-              <a:rPr lang="hr-HR" sz="1600" b="1" dirty="0"/>
-              <a:t>Nepravilno uvlačenje koda, što otežava čitanje i održavanje.</a:t>
-            </a:r>
-            <a:br>
-              <a:rPr lang="hr-HR" sz="1600" dirty="0"/>
-            </a:br>
-            <a:r>
-              <a:rPr lang="hr-HR" sz="1600" dirty="0"/>
-              <a:t>❌ </a:t>
-            </a:r>
-            <a:r>
-              <a:rPr lang="hr-HR" sz="1600" b="1" dirty="0"/>
-              <a:t>Postavljanje &lt;/li&gt; prije zatvaranja ugniježđene liste umjesto nakon nje.</a:t>
-            </a:r>
-            <a:endParaRPr lang="hr-HR" sz="1600" dirty="0"/>
-          </a:p>
-        </p:txBody>
-      </p:sp>
-      <p:sp>
-        <p:nvSpPr>
-          <p:cNvPr id="4" name="Slide Number Placeholder 3">
-            <a:extLst>
-              <a:ext uri="{FF2B5EF4-FFF2-40B4-BE49-F238E27FC236}">
-                <a16:creationId xmlns:a16="http://schemas.microsoft.com/office/drawing/2014/main" id="{1AEF8008-E724-2DD3-7B02-FC9B92B29961}"/>
-              </a:ext>
-            </a:extLst>
-          </p:cNvPr>
-          <p:cNvSpPr>
-            <a:spLocks noGrp="1"/>
-          </p:cNvSpPr>
-          <p:nvPr>
-            <p:ph type="sldNum" sz="quarter" idx="5"/>
-          </p:nvPr>
-        </p:nvSpPr>
-        <p:spPr/>
-        <p:txBody>
-          <a:bodyPr/>
-          <a:lstStyle/>
-          <a:p>
-            <a:fld id="{343B951A-A665-1949-AEDB-B62DC9BE7F13}" type="slidenum">
-              <a:rPr lang="en-US" smtClean="0"/>
-              <a:t>14</a:t>
-            </a:fld>
-            <a:endParaRPr lang="en-US"/>
-          </a:p>
-        </p:txBody>
-      </p:sp>
-    </p:spTree>
-    <p:extLst>
-      <p:ext uri="{BB962C8B-B14F-4D97-AF65-F5344CB8AC3E}">
-        <p14:creationId xmlns:p14="http://schemas.microsoft.com/office/powerpoint/2010/main" val="2484443407"/>
       </p:ext>
     </p:extLst>
   </p:cSld>
@@ -14273,22 +14901,31 @@
           <a:lstStyle/>
           <a:p>
             <a:r>
+              <a:rPr lang="en-US" sz="3600" b="1" dirty="0" err="1">
+                <a:effectLst/>
+                <a:latin typeface="Calibri" panose="020F0502020204030204" pitchFamily="34" charset="0"/>
+                <a:ea typeface="Calibri" panose="020F0502020204030204" pitchFamily="34" charset="0"/>
+                <a:cs typeface="Times New Roman" panose="02020603050405020304" pitchFamily="18" charset="0"/>
+              </a:rPr>
+              <a:t>Uvod</a:t>
+            </a:r>
+            <a:r>
+              <a:rPr lang="en-US" sz="3600" b="1" dirty="0">
+                <a:effectLst/>
+                <a:latin typeface="Calibri" panose="020F0502020204030204" pitchFamily="34" charset="0"/>
+                <a:ea typeface="Calibri" panose="020F0502020204030204" pitchFamily="34" charset="0"/>
+                <a:cs typeface="Times New Roman" panose="02020603050405020304" pitchFamily="18" charset="0"/>
+              </a:rPr>
+              <a:t> u </a:t>
+            </a:r>
+            <a:r>
               <a:rPr lang="hr-HR" sz="3600" b="1" dirty="0">
                 <a:effectLst/>
                 <a:latin typeface="Calibri" panose="020F0502020204030204" pitchFamily="34" charset="0"/>
                 <a:ea typeface="Calibri" panose="020F0502020204030204" pitchFamily="34" charset="0"/>
                 <a:cs typeface="Times New Roman" panose="02020603050405020304" pitchFamily="18" charset="0"/>
               </a:rPr>
-              <a:t>HTML I</a:t>
-            </a:r>
-            <a:r>
-              <a:rPr lang="en-US" sz="3600" b="1" dirty="0">
-                <a:effectLst/>
-                <a:latin typeface="Calibri" panose="020F0502020204030204" pitchFamily="34" charset="0"/>
-                <a:ea typeface="Calibri" panose="020F0502020204030204" pitchFamily="34" charset="0"/>
-                <a:cs typeface="Times New Roman" panose="02020603050405020304" pitchFamily="18" charset="0"/>
-              </a:rPr>
-              <a:t> CSS</a:t>
+              <a:t>HTML</a:t>
             </a:r>
             <a:endParaRPr lang="en-US" sz="3600" dirty="0"/>
           </a:p>
@@ -14321,15 +14958,7 @@
             </a:r>
             <a:r>
               <a:rPr lang="en-US" dirty="0"/>
-              <a:t> HTML-a </a:t>
-            </a:r>
-            <a:r>
-              <a:rPr lang="en-US" dirty="0" err="1"/>
-              <a:t>i</a:t>
-            </a:r>
-            <a:r>
-              <a:rPr lang="en-US" dirty="0"/>
-              <a:t> CSS-a</a:t>
+              <a:t> HTML-a</a:t>
             </a:r>
             <a:endParaRPr lang="hr-HR" dirty="0"/>
           </a:p>
@@ -14349,6 +14978,336 @@
 </file>
 
 <file path=ppt/slides/slide10.xml><?xml version="1.0" encoding="utf-8"?>
+<p:sld xmlns:a="http://schemas.openxmlformats.org/drawingml/2006/main" xmlns:r="http://schemas.openxmlformats.org/officeDocument/2006/relationships" xmlns:p="http://schemas.openxmlformats.org/presentationml/2006/main">
+  <p:cSld>
+    <p:spTree>
+      <p:nvGrpSpPr>
+        <p:cNvPr id="1" name="">
+          <a:extLst>
+            <a:ext uri="{FF2B5EF4-FFF2-40B4-BE49-F238E27FC236}">
+              <a16:creationId xmlns:a16="http://schemas.microsoft.com/office/drawing/2014/main" id="{C95B213A-B644-0E5A-770C-A15F0C4B1A59}"/>
+            </a:ext>
+          </a:extLst>
+        </p:cNvPr>
+        <p:cNvGrpSpPr/>
+        <p:nvPr/>
+      </p:nvGrpSpPr>
+      <p:grpSpPr>
+        <a:xfrm>
+          <a:off x="0" y="0"/>
+          <a:ext cx="0" cy="0"/>
+          <a:chOff x="0" y="0"/>
+          <a:chExt cx="0" cy="0"/>
+        </a:xfrm>
+      </p:grpSpPr>
+      <p:sp>
+        <p:nvSpPr>
+          <p:cNvPr id="6" name="Content Placeholder 1">
+            <a:extLst>
+              <a:ext uri="{FF2B5EF4-FFF2-40B4-BE49-F238E27FC236}">
+                <a16:creationId xmlns:a16="http://schemas.microsoft.com/office/drawing/2014/main" id="{1477592D-3E45-4634-AD55-8BE9285D255D}"/>
+              </a:ext>
+            </a:extLst>
+          </p:cNvPr>
+          <p:cNvSpPr txBox="1">
+            <a:spLocks/>
+          </p:cNvSpPr>
+          <p:nvPr/>
+        </p:nvSpPr>
+        <p:spPr>
+          <a:xfrm>
+            <a:off x="1142999" y="515815"/>
+            <a:ext cx="10515600" cy="2274277"/>
+          </a:xfrm>
+          <a:prstGeom prst="rect">
+            <a:avLst/>
+          </a:prstGeom>
+        </p:spPr>
+        <p:txBody>
+          <a:bodyPr vert="horz" lIns="91440" tIns="45720" rIns="91440" bIns="45720" rtlCol="0">
+            <a:normAutofit/>
+          </a:bodyPr>
+          <a:lstStyle>
+            <a:lvl1pPr marL="368300" indent="-352425" algn="l" defTabSz="914400" rtl="0" eaLnBrk="1" latinLnBrk="0" hangingPunct="1">
+              <a:lnSpc>
+                <a:spcPct val="90000"/>
+              </a:lnSpc>
+              <a:spcBef>
+                <a:spcPts val="600"/>
+              </a:spcBef>
+              <a:spcAft>
+                <a:spcPts val="600"/>
+              </a:spcAft>
+              <a:buClr>
+                <a:schemeClr val="accent2"/>
+              </a:buClr>
+              <a:buFont typeface="Wingdings" pitchFamily="2" charset="2"/>
+              <a:buChar char="§"/>
+              <a:tabLst/>
+              <a:defRPr sz="2400" kern="1200">
+                <a:solidFill>
+                  <a:schemeClr val="tx1"/>
+                </a:solidFill>
+                <a:latin typeface="+mn-lt"/>
+                <a:ea typeface="Open Sans" panose="020B0606030504020204" pitchFamily="34" charset="0"/>
+                <a:cs typeface="Open Sans" panose="020B0606030504020204" pitchFamily="34" charset="0"/>
+              </a:defRPr>
+            </a:lvl1pPr>
+            <a:lvl2pPr marL="771525" indent="-322263" algn="l" defTabSz="914400" rtl="0" eaLnBrk="1" latinLnBrk="0" hangingPunct="1">
+              <a:lnSpc>
+                <a:spcPct val="90000"/>
+              </a:lnSpc>
+              <a:spcBef>
+                <a:spcPts val="600"/>
+              </a:spcBef>
+              <a:spcAft>
+                <a:spcPts val="600"/>
+              </a:spcAft>
+              <a:buClr>
+                <a:schemeClr val="accent2"/>
+              </a:buClr>
+              <a:buFont typeface="Wingdings" pitchFamily="2" charset="2"/>
+              <a:buChar char="§"/>
+              <a:tabLst/>
+              <a:defRPr sz="2000" kern="1200">
+                <a:solidFill>
+                  <a:schemeClr val="tx1"/>
+                </a:solidFill>
+                <a:latin typeface="+mn-lt"/>
+                <a:ea typeface="Open Sans" panose="020B0606030504020204" pitchFamily="34" charset="0"/>
+                <a:cs typeface="Open Sans" panose="020B0606030504020204" pitchFamily="34" charset="0"/>
+              </a:defRPr>
+            </a:lvl2pPr>
+            <a:lvl3pPr marL="1076325" indent="-257175" algn="l" defTabSz="914400" rtl="0" eaLnBrk="1" latinLnBrk="0" hangingPunct="1">
+              <a:lnSpc>
+                <a:spcPct val="90000"/>
+              </a:lnSpc>
+              <a:spcBef>
+                <a:spcPts val="600"/>
+              </a:spcBef>
+              <a:spcAft>
+                <a:spcPts val="600"/>
+              </a:spcAft>
+              <a:buClr>
+                <a:schemeClr val="accent2"/>
+              </a:buClr>
+              <a:buFont typeface="Wingdings" pitchFamily="2" charset="2"/>
+              <a:buChar char="§"/>
+              <a:tabLst/>
+              <a:defRPr sz="2000" kern="1200">
+                <a:solidFill>
+                  <a:schemeClr val="tx1"/>
+                </a:solidFill>
+                <a:latin typeface="+mn-lt"/>
+                <a:ea typeface="Open Sans" panose="020B0606030504020204" pitchFamily="34" charset="0"/>
+                <a:cs typeface="Open Sans" panose="020B0606030504020204" pitchFamily="34" charset="0"/>
+              </a:defRPr>
+            </a:lvl3pPr>
+            <a:lvl4pPr marL="1477963" indent="-225425" algn="l" defTabSz="914400" rtl="0" eaLnBrk="1" latinLnBrk="0" hangingPunct="1">
+              <a:lnSpc>
+                <a:spcPct val="90000"/>
+              </a:lnSpc>
+              <a:spcBef>
+                <a:spcPts val="600"/>
+              </a:spcBef>
+              <a:spcAft>
+                <a:spcPts val="600"/>
+              </a:spcAft>
+              <a:buClr>
+                <a:schemeClr val="accent2"/>
+              </a:buClr>
+              <a:buFont typeface="Wingdings" pitchFamily="2" charset="2"/>
+              <a:buChar char="§"/>
+              <a:tabLst/>
+              <a:defRPr sz="1800" kern="1200">
+                <a:solidFill>
+                  <a:schemeClr val="tx1"/>
+                </a:solidFill>
+                <a:latin typeface="+mn-lt"/>
+                <a:ea typeface="Open Sans" panose="020B0606030504020204" pitchFamily="34" charset="0"/>
+                <a:cs typeface="Open Sans" panose="020B0606030504020204" pitchFamily="34" charset="0"/>
+              </a:defRPr>
+            </a:lvl4pPr>
+            <a:lvl5pPr marL="1831975" indent="-225425" algn="l" defTabSz="914400" rtl="0" eaLnBrk="1" latinLnBrk="0" hangingPunct="1">
+              <a:lnSpc>
+                <a:spcPct val="90000"/>
+              </a:lnSpc>
+              <a:spcBef>
+                <a:spcPts val="600"/>
+              </a:spcBef>
+              <a:spcAft>
+                <a:spcPts val="600"/>
+              </a:spcAft>
+              <a:buClr>
+                <a:schemeClr val="accent2"/>
+              </a:buClr>
+              <a:buFont typeface="Wingdings" pitchFamily="2" charset="2"/>
+              <a:buChar char="§"/>
+              <a:tabLst/>
+              <a:defRPr sz="1600" kern="1200">
+                <a:solidFill>
+                  <a:schemeClr val="tx1"/>
+                </a:solidFill>
+                <a:latin typeface="+mn-lt"/>
+                <a:ea typeface="Open Sans" panose="020B0606030504020204" pitchFamily="34" charset="0"/>
+                <a:cs typeface="Open Sans" panose="020B0606030504020204" pitchFamily="34" charset="0"/>
+              </a:defRPr>
+            </a:lvl5pPr>
+            <a:lvl6pPr marL="2514600" indent="-228600" algn="l" defTabSz="914400" rtl="0" eaLnBrk="1" latinLnBrk="0" hangingPunct="1">
+              <a:lnSpc>
+                <a:spcPct val="90000"/>
+              </a:lnSpc>
+              <a:spcBef>
+                <a:spcPts val="500"/>
+              </a:spcBef>
+              <a:buFont typeface="Arial" panose="020B0604020202020204" pitchFamily="34" charset="0"/>
+              <a:buChar char="•"/>
+              <a:defRPr sz="1800" kern="1200">
+                <a:solidFill>
+                  <a:schemeClr val="tx1"/>
+                </a:solidFill>
+                <a:latin typeface="+mn-lt"/>
+                <a:ea typeface="+mn-ea"/>
+                <a:cs typeface="+mn-cs"/>
+              </a:defRPr>
+            </a:lvl6pPr>
+            <a:lvl7pPr marL="2971800" indent="-228600" algn="l" defTabSz="914400" rtl="0" eaLnBrk="1" latinLnBrk="0" hangingPunct="1">
+              <a:lnSpc>
+                <a:spcPct val="90000"/>
+              </a:lnSpc>
+              <a:spcBef>
+                <a:spcPts val="500"/>
+              </a:spcBef>
+              <a:buFont typeface="Arial" panose="020B0604020202020204" pitchFamily="34" charset="0"/>
+              <a:buChar char="•"/>
+              <a:defRPr sz="1800" kern="1200">
+                <a:solidFill>
+                  <a:schemeClr val="tx1"/>
+                </a:solidFill>
+                <a:latin typeface="+mn-lt"/>
+                <a:ea typeface="+mn-ea"/>
+                <a:cs typeface="+mn-cs"/>
+              </a:defRPr>
+            </a:lvl7pPr>
+            <a:lvl8pPr marL="3429000" indent="-228600" algn="l" defTabSz="914400" rtl="0" eaLnBrk="1" latinLnBrk="0" hangingPunct="1">
+              <a:lnSpc>
+                <a:spcPct val="90000"/>
+              </a:lnSpc>
+              <a:spcBef>
+                <a:spcPts val="500"/>
+              </a:spcBef>
+              <a:buFont typeface="Arial" panose="020B0604020202020204" pitchFamily="34" charset="0"/>
+              <a:buChar char="•"/>
+              <a:defRPr sz="1800" kern="1200">
+                <a:solidFill>
+                  <a:schemeClr val="tx1"/>
+                </a:solidFill>
+                <a:latin typeface="+mn-lt"/>
+                <a:ea typeface="+mn-ea"/>
+                <a:cs typeface="+mn-cs"/>
+              </a:defRPr>
+            </a:lvl8pPr>
+            <a:lvl9pPr marL="3886200" indent="-228600" algn="l" defTabSz="914400" rtl="0" eaLnBrk="1" latinLnBrk="0" hangingPunct="1">
+              <a:lnSpc>
+                <a:spcPct val="90000"/>
+              </a:lnSpc>
+              <a:spcBef>
+                <a:spcPts val="500"/>
+              </a:spcBef>
+              <a:buFont typeface="Arial" panose="020B0604020202020204" pitchFamily="34" charset="0"/>
+              <a:buChar char="•"/>
+              <a:defRPr sz="1800" kern="1200">
+                <a:solidFill>
+                  <a:schemeClr val="tx1"/>
+                </a:solidFill>
+                <a:latin typeface="+mn-lt"/>
+                <a:ea typeface="+mn-ea"/>
+                <a:cs typeface="+mn-cs"/>
+              </a:defRPr>
+            </a:lvl9pPr>
+          </a:lstStyle>
+          <a:p>
+            <a:pPr marL="15875" indent="0">
+              <a:buFont typeface="Wingdings" pitchFamily="2" charset="2"/>
+              <a:buNone/>
+            </a:pPr>
+            <a:r>
+              <a:rPr lang="hr-HR" dirty="0"/>
+              <a:t>Zašto koristiti oznake paragrafa</a:t>
+            </a:r>
+            <a:r>
+              <a:rPr lang="en-US" dirty="0"/>
+              <a:t>?</a:t>
+            </a:r>
+          </a:p>
+          <a:p>
+            <a:pPr>
+              <a:buFontTx/>
+              <a:buChar char="-"/>
+            </a:pPr>
+            <a:r>
+              <a:rPr lang="en-US" dirty="0"/>
+              <a:t>Bez &lt;p&gt; </a:t>
+            </a:r>
+            <a:r>
+              <a:rPr lang="pl-PL" dirty="0"/>
+              <a:t>oznaka, sav tekst bi bio u jednom dugačkom bloku.</a:t>
+            </a:r>
+            <a:endParaRPr lang="en-US" dirty="0"/>
+          </a:p>
+          <a:p>
+            <a:pPr>
+              <a:buFontTx/>
+              <a:buChar char="-"/>
+            </a:pPr>
+            <a:r>
+              <a:rPr lang="pl-PL" dirty="0"/>
+              <a:t>razdvaja tekst i dodaje vizualni razmak između paragrafa.</a:t>
+            </a:r>
+            <a:endParaRPr lang="en-US" dirty="0"/>
+          </a:p>
+          <a:p>
+            <a:pPr>
+              <a:buFontTx/>
+              <a:buChar char="-"/>
+            </a:pPr>
+            <a:r>
+              <a:rPr lang="hr-HR" dirty="0"/>
+              <a:t>Čitači ekrana koriste</a:t>
+            </a:r>
+            <a:r>
+              <a:rPr lang="en-US" dirty="0"/>
+              <a:t> &lt;p&gt; </a:t>
+            </a:r>
+            <a:r>
+              <a:rPr lang="hr-HR" dirty="0"/>
+              <a:t>oznake kako bi pomogli slabovidnim korisnicima u navigaciji kroz tekst</a:t>
+            </a:r>
+            <a:endParaRPr lang="en-US" dirty="0"/>
+          </a:p>
+          <a:p>
+            <a:pPr marL="15875" indent="0" algn="ctr">
+              <a:buFont typeface="Wingdings" pitchFamily="2" charset="2"/>
+              <a:buNone/>
+            </a:pPr>
+            <a:endParaRPr lang="en-US" dirty="0"/>
+          </a:p>
+        </p:txBody>
+      </p:sp>
+    </p:spTree>
+    <p:extLst>
+      <p:ext uri="{BB962C8B-B14F-4D97-AF65-F5344CB8AC3E}">
+        <p14:creationId xmlns:p14="http://schemas.microsoft.com/office/powerpoint/2010/main" val="2467128350"/>
+      </p:ext>
+    </p:extLst>
+  </p:cSld>
+  <p:clrMapOvr>
+    <a:masterClrMapping/>
+  </p:clrMapOvr>
+</p:sld>
+</file>
+
+<file path=ppt/slides/slide11.xml><?xml version="1.0" encoding="utf-8"?>
 <p:sld xmlns:a="http://schemas.openxmlformats.org/drawingml/2006/main" xmlns:r="http://schemas.openxmlformats.org/officeDocument/2006/relationships" xmlns:p="http://schemas.openxmlformats.org/presentationml/2006/main">
   <p:cSld>
     <p:spTree>
@@ -14745,7 +15704,7 @@
 </p:sld>
 </file>
 
-<file path=ppt/slides/slide11.xml><?xml version="1.0" encoding="utf-8"?>
+<file path=ppt/slides/slide12.xml><?xml version="1.0" encoding="utf-8"?>
 <p:sld xmlns:a="http://schemas.openxmlformats.org/drawingml/2006/main" xmlns:r="http://schemas.openxmlformats.org/officeDocument/2006/relationships" xmlns:p="http://schemas.openxmlformats.org/presentationml/2006/main">
   <p:cSld>
     <p:spTree>
@@ -14850,7 +15809,7 @@
 </p:sld>
 </file>
 
-<file path=ppt/slides/slide12.xml><?xml version="1.0" encoding="utf-8"?>
+<file path=ppt/slides/slide13.xml><?xml version="1.0" encoding="utf-8"?>
 <p:sld xmlns:a="http://schemas.openxmlformats.org/drawingml/2006/main" xmlns:r="http://schemas.openxmlformats.org/officeDocument/2006/relationships" xmlns:p="http://schemas.openxmlformats.org/presentationml/2006/main">
   <p:cSld>
     <p:spTree>
@@ -15208,7 +16167,7 @@
 </p:sld>
 </file>
 
-<file path=ppt/slides/slide13.xml><?xml version="1.0" encoding="utf-8"?>
+<file path=ppt/slides/slide14.xml><?xml version="1.0" encoding="utf-8"?>
 <p:sld xmlns:a="http://schemas.openxmlformats.org/drawingml/2006/main" xmlns:r="http://schemas.openxmlformats.org/officeDocument/2006/relationships" xmlns:p="http://schemas.openxmlformats.org/presentationml/2006/main">
   <p:cSld>
     <p:spTree>
@@ -15576,7 +16535,7 @@
 </p:sld>
 </file>
 
-<file path=ppt/slides/slide14.xml><?xml version="1.0" encoding="utf-8"?>
+<file path=ppt/slides/slide15.xml><?xml version="1.0" encoding="utf-8"?>
 <p:sld xmlns:a="http://schemas.openxmlformats.org/drawingml/2006/main" xmlns:r="http://schemas.openxmlformats.org/officeDocument/2006/relationships" xmlns:p="http://schemas.openxmlformats.org/presentationml/2006/main">
   <p:cSld>
     <p:spTree>
@@ -15758,103 +16717,6 @@
     <p:extLst>
       <p:ext uri="{BB962C8B-B14F-4D97-AF65-F5344CB8AC3E}">
         <p14:creationId xmlns:p14="http://schemas.microsoft.com/office/powerpoint/2010/main" val="4228893774"/>
-      </p:ext>
-    </p:extLst>
-  </p:cSld>
-  <p:clrMapOvr>
-    <a:masterClrMapping/>
-  </p:clrMapOvr>
-</p:sld>
-</file>
-
-<file path=ppt/slides/slide15.xml><?xml version="1.0" encoding="utf-8"?>
-<p:sld xmlns:a="http://schemas.openxmlformats.org/drawingml/2006/main" xmlns:r="http://schemas.openxmlformats.org/officeDocument/2006/relationships" xmlns:p="http://schemas.openxmlformats.org/presentationml/2006/main">
-  <p:cSld>
-    <p:spTree>
-      <p:nvGrpSpPr>
-        <p:cNvPr id="1" name=""/>
-        <p:cNvGrpSpPr/>
-        <p:nvPr/>
-      </p:nvGrpSpPr>
-      <p:grpSpPr>
-        <a:xfrm>
-          <a:off x="0" y="0"/>
-          <a:ext cx="0" cy="0"/>
-          <a:chOff x="0" y="0"/>
-          <a:chExt cx="0" cy="0"/>
-        </a:xfrm>
-      </p:grpSpPr>
-      <p:sp>
-        <p:nvSpPr>
-          <p:cNvPr id="5" name="Title 4">
-            <a:extLst>
-              <a:ext uri="{FF2B5EF4-FFF2-40B4-BE49-F238E27FC236}">
-                <a16:creationId xmlns:a16="http://schemas.microsoft.com/office/drawing/2014/main" id="{6637F820-3C11-004B-9B8C-B2AF88FDE9F5}"/>
-              </a:ext>
-            </a:extLst>
-          </p:cNvPr>
-          <p:cNvSpPr>
-            <a:spLocks noGrp="1"/>
-          </p:cNvSpPr>
-          <p:nvPr>
-            <p:ph type="title"/>
-          </p:nvPr>
-        </p:nvSpPr>
-        <p:spPr/>
-        <p:txBody>
-          <a:bodyPr/>
-          <a:lstStyle/>
-          <a:p>
-            <a:r>
-              <a:rPr lang="en-US" dirty="0"/>
-              <a:t>Ve</a:t>
-            </a:r>
-            <a:r>
-              <a:rPr lang="hr-HR" dirty="0" err="1"/>
-              <a:t>žba</a:t>
-            </a:r>
-            <a:r>
-              <a:rPr lang="hr-HR" dirty="0"/>
-              <a:t> 3</a:t>
-            </a:r>
-            <a:endParaRPr lang="en-US" dirty="0"/>
-          </a:p>
-        </p:txBody>
-      </p:sp>
-      <p:pic>
-        <p:nvPicPr>
-          <p:cNvPr id="8" name="Picture 7">
-            <a:extLst>
-              <a:ext uri="{FF2B5EF4-FFF2-40B4-BE49-F238E27FC236}">
-                <a16:creationId xmlns:a16="http://schemas.microsoft.com/office/drawing/2014/main" id="{E0077E34-EB90-48CA-BA56-BAA7161709EA}"/>
-              </a:ext>
-            </a:extLst>
-          </p:cNvPr>
-          <p:cNvPicPr>
-            <a:picLocks noChangeAspect="1"/>
-          </p:cNvPicPr>
-          <p:nvPr/>
-        </p:nvPicPr>
-        <p:blipFill>
-          <a:blip r:embed="rId3"/>
-          <a:stretch>
-            <a:fillRect/>
-          </a:stretch>
-        </p:blipFill>
-        <p:spPr>
-          <a:xfrm>
-            <a:off x="4035388" y="1907587"/>
-            <a:ext cx="4121224" cy="3692780"/>
-          </a:xfrm>
-          <a:prstGeom prst="rect">
-            <a:avLst/>
-          </a:prstGeom>
-        </p:spPr>
-      </p:pic>
-    </p:spTree>
-    <p:extLst>
-      <p:ext uri="{BB962C8B-B14F-4D97-AF65-F5344CB8AC3E}">
-        <p14:creationId xmlns:p14="http://schemas.microsoft.com/office/powerpoint/2010/main" val="2312110858"/>
       </p:ext>
     </p:extLst>
   </p:cSld>
@@ -15883,6 +16745,103 @@
       </p:grpSpPr>
       <p:sp>
         <p:nvSpPr>
+          <p:cNvPr id="5" name="Title 4">
+            <a:extLst>
+              <a:ext uri="{FF2B5EF4-FFF2-40B4-BE49-F238E27FC236}">
+                <a16:creationId xmlns:a16="http://schemas.microsoft.com/office/drawing/2014/main" id="{6637F820-3C11-004B-9B8C-B2AF88FDE9F5}"/>
+              </a:ext>
+            </a:extLst>
+          </p:cNvPr>
+          <p:cNvSpPr>
+            <a:spLocks noGrp="1"/>
+          </p:cNvSpPr>
+          <p:nvPr>
+            <p:ph type="title"/>
+          </p:nvPr>
+        </p:nvSpPr>
+        <p:spPr/>
+        <p:txBody>
+          <a:bodyPr/>
+          <a:lstStyle/>
+          <a:p>
+            <a:r>
+              <a:rPr lang="en-US" dirty="0"/>
+              <a:t>Ve</a:t>
+            </a:r>
+            <a:r>
+              <a:rPr lang="hr-HR" dirty="0" err="1"/>
+              <a:t>žba</a:t>
+            </a:r>
+            <a:r>
+              <a:rPr lang="hr-HR" dirty="0"/>
+              <a:t> 3</a:t>
+            </a:r>
+            <a:endParaRPr lang="en-US" dirty="0"/>
+          </a:p>
+        </p:txBody>
+      </p:sp>
+      <p:pic>
+        <p:nvPicPr>
+          <p:cNvPr id="8" name="Picture 7">
+            <a:extLst>
+              <a:ext uri="{FF2B5EF4-FFF2-40B4-BE49-F238E27FC236}">
+                <a16:creationId xmlns:a16="http://schemas.microsoft.com/office/drawing/2014/main" id="{E0077E34-EB90-48CA-BA56-BAA7161709EA}"/>
+              </a:ext>
+            </a:extLst>
+          </p:cNvPr>
+          <p:cNvPicPr>
+            <a:picLocks noChangeAspect="1"/>
+          </p:cNvPicPr>
+          <p:nvPr/>
+        </p:nvPicPr>
+        <p:blipFill>
+          <a:blip r:embed="rId3"/>
+          <a:stretch>
+            <a:fillRect/>
+          </a:stretch>
+        </p:blipFill>
+        <p:spPr>
+          <a:xfrm>
+            <a:off x="4035388" y="1907587"/>
+            <a:ext cx="4121224" cy="3692780"/>
+          </a:xfrm>
+          <a:prstGeom prst="rect">
+            <a:avLst/>
+          </a:prstGeom>
+        </p:spPr>
+      </p:pic>
+    </p:spTree>
+    <p:extLst>
+      <p:ext uri="{BB962C8B-B14F-4D97-AF65-F5344CB8AC3E}">
+        <p14:creationId xmlns:p14="http://schemas.microsoft.com/office/powerpoint/2010/main" val="2312110858"/>
+      </p:ext>
+    </p:extLst>
+  </p:cSld>
+  <p:clrMapOvr>
+    <a:masterClrMapping/>
+  </p:clrMapOvr>
+</p:sld>
+</file>
+
+<file path=ppt/slides/slide17.xml><?xml version="1.0" encoding="utf-8"?>
+<p:sld xmlns:a="http://schemas.openxmlformats.org/drawingml/2006/main" xmlns:r="http://schemas.openxmlformats.org/officeDocument/2006/relationships" xmlns:p="http://schemas.openxmlformats.org/presentationml/2006/main">
+  <p:cSld>
+    <p:spTree>
+      <p:nvGrpSpPr>
+        <p:cNvPr id="1" name=""/>
+        <p:cNvGrpSpPr/>
+        <p:nvPr/>
+      </p:nvGrpSpPr>
+      <p:grpSpPr>
+        <a:xfrm>
+          <a:off x="0" y="0"/>
+          <a:ext cx="0" cy="0"/>
+          <a:chOff x="0" y="0"/>
+          <a:chExt cx="0" cy="0"/>
+        </a:xfrm>
+      </p:grpSpPr>
+      <p:sp>
+        <p:nvSpPr>
           <p:cNvPr id="2" name="Title 1">
             <a:extLst>
               <a:ext uri="{FF2B5EF4-FFF2-40B4-BE49-F238E27FC236}">
@@ -16198,7 +17157,7 @@
 </p:sld>
 </file>
 
-<file path=ppt/slides/slide17.xml><?xml version="1.0" encoding="utf-8"?>
+<file path=ppt/slides/slide18.xml><?xml version="1.0" encoding="utf-8"?>
 <p:sld xmlns:a="http://schemas.openxmlformats.org/drawingml/2006/main" xmlns:r="http://schemas.openxmlformats.org/officeDocument/2006/relationships" xmlns:p="http://schemas.openxmlformats.org/presentationml/2006/main">
   <p:cSld>
     <p:spTree>
@@ -16390,7 +17349,7 @@
 </p:sld>
 </file>
 
-<file path=ppt/slides/slide18.xml><?xml version="1.0" encoding="utf-8"?>
+<file path=ppt/slides/slide19.xml><?xml version="1.0" encoding="utf-8"?>
 <p:sld xmlns:a="http://schemas.openxmlformats.org/drawingml/2006/main" xmlns:r="http://schemas.openxmlformats.org/officeDocument/2006/relationships" xmlns:p="http://schemas.openxmlformats.org/presentationml/2006/main">
   <p:cSld>
     <p:spTree>
@@ -16985,148 +17944,6 @@
     <p:extLst>
       <p:ext uri="{BB962C8B-B14F-4D97-AF65-F5344CB8AC3E}">
         <p14:creationId xmlns:p14="http://schemas.microsoft.com/office/powerpoint/2010/main" val="335678129"/>
-      </p:ext>
-    </p:extLst>
-  </p:cSld>
-  <p:clrMapOvr>
-    <a:masterClrMapping/>
-  </p:clrMapOvr>
-</p:sld>
-</file>
-
-<file path=ppt/slides/slide19.xml><?xml version="1.0" encoding="utf-8"?>
-<p:sld xmlns:a="http://schemas.openxmlformats.org/drawingml/2006/main" xmlns:r="http://schemas.openxmlformats.org/officeDocument/2006/relationships" xmlns:p="http://schemas.openxmlformats.org/presentationml/2006/main">
-  <p:cSld>
-    <p:spTree>
-      <p:nvGrpSpPr>
-        <p:cNvPr id="1" name=""/>
-        <p:cNvGrpSpPr/>
-        <p:nvPr/>
-      </p:nvGrpSpPr>
-      <p:grpSpPr>
-        <a:xfrm>
-          <a:off x="0" y="0"/>
-          <a:ext cx="0" cy="0"/>
-          <a:chOff x="0" y="0"/>
-          <a:chExt cx="0" cy="0"/>
-        </a:xfrm>
-      </p:grpSpPr>
-      <p:sp>
-        <p:nvSpPr>
-          <p:cNvPr id="2" name="Title 1">
-            <a:extLst>
-              <a:ext uri="{FF2B5EF4-FFF2-40B4-BE49-F238E27FC236}">
-                <a16:creationId xmlns:a16="http://schemas.microsoft.com/office/drawing/2014/main" id="{B12CF89F-AD41-B6E5-10AE-C058425E08A6}"/>
-              </a:ext>
-            </a:extLst>
-          </p:cNvPr>
-          <p:cNvSpPr>
-            <a:spLocks noGrp="1"/>
-          </p:cNvSpPr>
-          <p:nvPr>
-            <p:ph type="title"/>
-          </p:nvPr>
-        </p:nvSpPr>
-        <p:spPr/>
-        <p:txBody>
-          <a:bodyPr/>
-          <a:lstStyle/>
-          <a:p>
-            <a:r>
-              <a:rPr lang="en-US" dirty="0"/>
-              <a:t>VJE</a:t>
-            </a:r>
-            <a:r>
-              <a:rPr lang="hr-HR" dirty="0"/>
-              <a:t>ž</a:t>
-            </a:r>
-            <a:r>
-              <a:rPr lang="en-US" dirty="0"/>
-              <a:t>BA 4</a:t>
-            </a:r>
-            <a:endParaRPr lang="hr-HR" dirty="0"/>
-          </a:p>
-        </p:txBody>
-      </p:sp>
-      <p:sp>
-        <p:nvSpPr>
-          <p:cNvPr id="3" name="Content Placeholder 2">
-            <a:extLst>
-              <a:ext uri="{FF2B5EF4-FFF2-40B4-BE49-F238E27FC236}">
-                <a16:creationId xmlns:a16="http://schemas.microsoft.com/office/drawing/2014/main" id="{BA7FD5FC-31FD-BB75-D99F-EB82B07DDB48}"/>
-              </a:ext>
-            </a:extLst>
-          </p:cNvPr>
-          <p:cNvSpPr>
-            <a:spLocks noGrp="1"/>
-          </p:cNvSpPr>
-          <p:nvPr>
-            <p:ph sz="half" idx="1"/>
-          </p:nvPr>
-        </p:nvSpPr>
-        <p:spPr>
-          <a:xfrm>
-            <a:off x="838200" y="1928557"/>
-            <a:ext cx="10515600" cy="500983"/>
-          </a:xfrm>
-        </p:spPr>
-        <p:txBody>
-          <a:bodyPr/>
-          <a:lstStyle/>
-          <a:p>
-            <a:r>
-              <a:rPr lang="hr-HR" dirty="0" err="1"/>
-              <a:t>Procitati</a:t>
-            </a:r>
-            <a:r>
-              <a:rPr lang="hr-HR" dirty="0"/>
-              <a:t> stranicu na W3 </a:t>
-            </a:r>
-            <a:r>
-              <a:rPr lang="hr-HR" dirty="0" err="1"/>
-              <a:t>Schools</a:t>
-            </a:r>
-            <a:r>
-              <a:rPr lang="hr-HR" dirty="0"/>
-              <a:t> i riješiti kviz</a:t>
-            </a:r>
-          </a:p>
-        </p:txBody>
-      </p:sp>
-      <p:pic>
-        <p:nvPicPr>
-          <p:cNvPr id="6" name="Picture 5">
-            <a:extLst>
-              <a:ext uri="{FF2B5EF4-FFF2-40B4-BE49-F238E27FC236}">
-                <a16:creationId xmlns:a16="http://schemas.microsoft.com/office/drawing/2014/main" id="{D1AFA791-8E70-7FDE-D36D-785984762B6C}"/>
-              </a:ext>
-            </a:extLst>
-          </p:cNvPr>
-          <p:cNvPicPr>
-            <a:picLocks noChangeAspect="1"/>
-          </p:cNvPicPr>
-          <p:nvPr/>
-        </p:nvPicPr>
-        <p:blipFill>
-          <a:blip r:embed="rId3"/>
-          <a:stretch>
-            <a:fillRect/>
-          </a:stretch>
-        </p:blipFill>
-        <p:spPr>
-          <a:xfrm>
-            <a:off x="2515375" y="2667409"/>
-            <a:ext cx="7161249" cy="2709318"/>
-          </a:xfrm>
-          <a:prstGeom prst="rect">
-            <a:avLst/>
-          </a:prstGeom>
-        </p:spPr>
-      </p:pic>
-    </p:spTree>
-    <p:extLst>
-      <p:ext uri="{BB962C8B-B14F-4D97-AF65-F5344CB8AC3E}">
-        <p14:creationId xmlns:p14="http://schemas.microsoft.com/office/powerpoint/2010/main" val="2152335743"/>
       </p:ext>
     </p:extLst>
   </p:cSld>
@@ -17325,6 +18142,148 @@
   <p:cSld>
     <p:spTree>
       <p:nvGrpSpPr>
+        <p:cNvPr id="1" name=""/>
+        <p:cNvGrpSpPr/>
+        <p:nvPr/>
+      </p:nvGrpSpPr>
+      <p:grpSpPr>
+        <a:xfrm>
+          <a:off x="0" y="0"/>
+          <a:ext cx="0" cy="0"/>
+          <a:chOff x="0" y="0"/>
+          <a:chExt cx="0" cy="0"/>
+        </a:xfrm>
+      </p:grpSpPr>
+      <p:sp>
+        <p:nvSpPr>
+          <p:cNvPr id="2" name="Title 1">
+            <a:extLst>
+              <a:ext uri="{FF2B5EF4-FFF2-40B4-BE49-F238E27FC236}">
+                <a16:creationId xmlns:a16="http://schemas.microsoft.com/office/drawing/2014/main" id="{B12CF89F-AD41-B6E5-10AE-C058425E08A6}"/>
+              </a:ext>
+            </a:extLst>
+          </p:cNvPr>
+          <p:cNvSpPr>
+            <a:spLocks noGrp="1"/>
+          </p:cNvSpPr>
+          <p:nvPr>
+            <p:ph type="title"/>
+          </p:nvPr>
+        </p:nvSpPr>
+        <p:spPr/>
+        <p:txBody>
+          <a:bodyPr/>
+          <a:lstStyle/>
+          <a:p>
+            <a:r>
+              <a:rPr lang="en-US" dirty="0"/>
+              <a:t>VJE</a:t>
+            </a:r>
+            <a:r>
+              <a:rPr lang="hr-HR" dirty="0"/>
+              <a:t>ž</a:t>
+            </a:r>
+            <a:r>
+              <a:rPr lang="en-US" dirty="0"/>
+              <a:t>BA 4</a:t>
+            </a:r>
+            <a:endParaRPr lang="hr-HR" dirty="0"/>
+          </a:p>
+        </p:txBody>
+      </p:sp>
+      <p:sp>
+        <p:nvSpPr>
+          <p:cNvPr id="3" name="Content Placeholder 2">
+            <a:extLst>
+              <a:ext uri="{FF2B5EF4-FFF2-40B4-BE49-F238E27FC236}">
+                <a16:creationId xmlns:a16="http://schemas.microsoft.com/office/drawing/2014/main" id="{BA7FD5FC-31FD-BB75-D99F-EB82B07DDB48}"/>
+              </a:ext>
+            </a:extLst>
+          </p:cNvPr>
+          <p:cNvSpPr>
+            <a:spLocks noGrp="1"/>
+          </p:cNvSpPr>
+          <p:nvPr>
+            <p:ph sz="half" idx="1"/>
+          </p:nvPr>
+        </p:nvSpPr>
+        <p:spPr>
+          <a:xfrm>
+            <a:off x="838200" y="1928557"/>
+            <a:ext cx="10515600" cy="500983"/>
+          </a:xfrm>
+        </p:spPr>
+        <p:txBody>
+          <a:bodyPr/>
+          <a:lstStyle/>
+          <a:p>
+            <a:r>
+              <a:rPr lang="hr-HR" dirty="0" err="1"/>
+              <a:t>Procitati</a:t>
+            </a:r>
+            <a:r>
+              <a:rPr lang="hr-HR" dirty="0"/>
+              <a:t> stranicu na W3 </a:t>
+            </a:r>
+            <a:r>
+              <a:rPr lang="hr-HR" dirty="0" err="1"/>
+              <a:t>Schools</a:t>
+            </a:r>
+            <a:r>
+              <a:rPr lang="hr-HR" dirty="0"/>
+              <a:t> i riješiti kviz</a:t>
+            </a:r>
+          </a:p>
+        </p:txBody>
+      </p:sp>
+      <p:pic>
+        <p:nvPicPr>
+          <p:cNvPr id="6" name="Picture 5">
+            <a:extLst>
+              <a:ext uri="{FF2B5EF4-FFF2-40B4-BE49-F238E27FC236}">
+                <a16:creationId xmlns:a16="http://schemas.microsoft.com/office/drawing/2014/main" id="{D1AFA791-8E70-7FDE-D36D-785984762B6C}"/>
+              </a:ext>
+            </a:extLst>
+          </p:cNvPr>
+          <p:cNvPicPr>
+            <a:picLocks noChangeAspect="1"/>
+          </p:cNvPicPr>
+          <p:nvPr/>
+        </p:nvPicPr>
+        <p:blipFill>
+          <a:blip r:embed="rId3"/>
+          <a:stretch>
+            <a:fillRect/>
+          </a:stretch>
+        </p:blipFill>
+        <p:spPr>
+          <a:xfrm>
+            <a:off x="2515375" y="2667409"/>
+            <a:ext cx="7161249" cy="2709318"/>
+          </a:xfrm>
+          <a:prstGeom prst="rect">
+            <a:avLst/>
+          </a:prstGeom>
+        </p:spPr>
+      </p:pic>
+    </p:spTree>
+    <p:extLst>
+      <p:ext uri="{BB962C8B-B14F-4D97-AF65-F5344CB8AC3E}">
+        <p14:creationId xmlns:p14="http://schemas.microsoft.com/office/powerpoint/2010/main" val="2152335743"/>
+      </p:ext>
+    </p:extLst>
+  </p:cSld>
+  <p:clrMapOvr>
+    <a:masterClrMapping/>
+  </p:clrMapOvr>
+</p:sld>
+</file>
+
+<file path=ppt/slides/slide21.xml><?xml version="1.0" encoding="utf-8"?>
+<p:sld xmlns:a="http://schemas.openxmlformats.org/drawingml/2006/main" xmlns:r="http://schemas.openxmlformats.org/officeDocument/2006/relationships" xmlns:p="http://schemas.openxmlformats.org/presentationml/2006/main">
+  <p:cSld>
+    <p:spTree>
+      <p:nvGrpSpPr>
         <p:cNvPr id="1" name="">
           <a:extLst>
             <a:ext uri="{FF2B5EF4-FFF2-40B4-BE49-F238E27FC236}">
@@ -17829,7 +18788,7 @@
 </p:sld>
 </file>
 
-<file path=ppt/slides/slide21.xml><?xml version="1.0" encoding="utf-8"?>
+<file path=ppt/slides/slide22.xml><?xml version="1.0" encoding="utf-8"?>
 <p:sld xmlns:a="http://schemas.openxmlformats.org/drawingml/2006/main" xmlns:r="http://schemas.openxmlformats.org/officeDocument/2006/relationships" xmlns:p="http://schemas.openxmlformats.org/presentationml/2006/main">
   <p:cSld>
     <p:spTree>
@@ -18003,7 +18962,7 @@
 </p:sld>
 </file>
 
-<file path=ppt/slides/slide22.xml><?xml version="1.0" encoding="utf-8"?>
+<file path=ppt/slides/slide23.xml><?xml version="1.0" encoding="utf-8"?>
 <p:sld xmlns:a="http://schemas.openxmlformats.org/drawingml/2006/main" xmlns:r="http://schemas.openxmlformats.org/officeDocument/2006/relationships" xmlns:p="http://schemas.openxmlformats.org/presentationml/2006/main">
   <p:cSld>
     <p:spTree>
@@ -18199,7 +19158,7 @@
 </p:sld>
 </file>
 
-<file path=ppt/slides/slide23.xml><?xml version="1.0" encoding="utf-8"?>
+<file path=ppt/slides/slide24.xml><?xml version="1.0" encoding="utf-8"?>
 <p:sld xmlns:a="http://schemas.openxmlformats.org/drawingml/2006/main" xmlns:r="http://schemas.openxmlformats.org/officeDocument/2006/relationships" xmlns:p="http://schemas.openxmlformats.org/presentationml/2006/main">
   <p:cSld>
     <p:spTree>
@@ -18363,117 +19322,18 @@
 </p:sld>
 </file>
 
-<file path=ppt/slides/slide24.xml><?xml version="1.0" encoding="utf-8"?>
-<p:sld xmlns:a="http://schemas.openxmlformats.org/drawingml/2006/main" xmlns:r="http://schemas.openxmlformats.org/officeDocument/2006/relationships" xmlns:p="http://schemas.openxmlformats.org/presentationml/2006/main">
-  <p:cSld>
-    <p:spTree>
-      <p:nvGrpSpPr>
-        <p:cNvPr id="1" name=""/>
-        <p:cNvGrpSpPr/>
-        <p:nvPr/>
-      </p:nvGrpSpPr>
-      <p:grpSpPr>
-        <a:xfrm>
-          <a:off x="0" y="0"/>
-          <a:ext cx="0" cy="0"/>
-          <a:chOff x="0" y="0"/>
-          <a:chExt cx="0" cy="0"/>
-        </a:xfrm>
-      </p:grpSpPr>
-      <p:sp>
-        <p:nvSpPr>
-          <p:cNvPr id="2" name="Content Placeholder 1">
-            <a:extLst>
-              <a:ext uri="{FF2B5EF4-FFF2-40B4-BE49-F238E27FC236}">
-                <a16:creationId xmlns:a16="http://schemas.microsoft.com/office/drawing/2014/main" id="{539630EC-DDFF-DF4E-88AE-E9C1FFEB43AA}"/>
-              </a:ext>
-            </a:extLst>
-          </p:cNvPr>
-          <p:cNvSpPr>
-            <a:spLocks noGrp="1"/>
-          </p:cNvSpPr>
-          <p:nvPr>
-            <p:ph idx="1"/>
-          </p:nvPr>
-        </p:nvSpPr>
-        <p:spPr/>
-        <p:txBody>
-          <a:bodyPr/>
-          <a:lstStyle/>
-          <a:p>
-            <a:endParaRPr lang="en-US"/>
-          </a:p>
-        </p:txBody>
-      </p:sp>
-      <p:sp>
-        <p:nvSpPr>
-          <p:cNvPr id="3" name="Title 2">
-            <a:extLst>
-              <a:ext uri="{FF2B5EF4-FFF2-40B4-BE49-F238E27FC236}">
-                <a16:creationId xmlns:a16="http://schemas.microsoft.com/office/drawing/2014/main" id="{13298024-5B15-D141-85A6-2269E3D22835}"/>
-              </a:ext>
-            </a:extLst>
-          </p:cNvPr>
-          <p:cNvSpPr>
-            <a:spLocks noGrp="1"/>
-          </p:cNvSpPr>
-          <p:nvPr>
-            <p:ph type="title"/>
-          </p:nvPr>
-        </p:nvSpPr>
-        <p:spPr/>
-        <p:txBody>
-          <a:bodyPr/>
-          <a:lstStyle/>
-          <a:p>
-            <a:endParaRPr lang="en-US"/>
-          </a:p>
-        </p:txBody>
-      </p:sp>
-      <p:sp>
-        <p:nvSpPr>
-          <p:cNvPr id="4" name="Text Placeholder 3">
-            <a:extLst>
-              <a:ext uri="{FF2B5EF4-FFF2-40B4-BE49-F238E27FC236}">
-                <a16:creationId xmlns:a16="http://schemas.microsoft.com/office/drawing/2014/main" id="{9400F9F1-4EFC-E343-A949-0DD51C549CA4}"/>
-              </a:ext>
-            </a:extLst>
-          </p:cNvPr>
-          <p:cNvSpPr>
-            <a:spLocks noGrp="1"/>
-          </p:cNvSpPr>
-          <p:nvPr>
-            <p:ph type="body" sz="half" idx="2"/>
-          </p:nvPr>
-        </p:nvSpPr>
-        <p:spPr/>
-        <p:txBody>
-          <a:bodyPr/>
-          <a:lstStyle/>
-          <a:p>
-            <a:endParaRPr lang="en-US"/>
-          </a:p>
-        </p:txBody>
-      </p:sp>
-    </p:spTree>
-    <p:extLst>
-      <p:ext uri="{BB962C8B-B14F-4D97-AF65-F5344CB8AC3E}">
-        <p14:creationId xmlns:p14="http://schemas.microsoft.com/office/powerpoint/2010/main" val="4060528130"/>
-      </p:ext>
-    </p:extLst>
-  </p:cSld>
-  <p:clrMapOvr>
-    <a:masterClrMapping/>
-  </p:clrMapOvr>
-</p:sld>
-</file>
-
 <file path=ppt/slides/slide25.xml><?xml version="1.0" encoding="utf-8"?>
 <p:sld xmlns:a="http://schemas.openxmlformats.org/drawingml/2006/main" xmlns:r="http://schemas.openxmlformats.org/officeDocument/2006/relationships" xmlns:p="http://schemas.openxmlformats.org/presentationml/2006/main">
   <p:cSld>
     <p:spTree>
       <p:nvGrpSpPr>
-        <p:cNvPr id="1" name=""/>
+        <p:cNvPr id="1" name="">
+          <a:extLst>
+            <a:ext uri="{FF2B5EF4-FFF2-40B4-BE49-F238E27FC236}">
+              <a16:creationId xmlns:a16="http://schemas.microsoft.com/office/drawing/2014/main" id="{5017AFEA-5C4D-F5E9-33C4-0C604EFC774B}"/>
+            </a:ext>
+          </a:extLst>
+        </p:cNvPr>
         <p:cNvGrpSpPr/>
         <p:nvPr/>
       </p:nvGrpSpPr>
@@ -18490,7 +19350,7 @@
           <p:cNvPr id="2" name="Title 1">
             <a:extLst>
               <a:ext uri="{FF2B5EF4-FFF2-40B4-BE49-F238E27FC236}">
-                <a16:creationId xmlns:a16="http://schemas.microsoft.com/office/drawing/2014/main" id="{7A41964D-418A-5149-9251-325D8A052C92}"/>
+                <a16:creationId xmlns:a16="http://schemas.microsoft.com/office/drawing/2014/main" id="{B05BB044-B4BD-767A-124E-897543A3AF78}"/>
               </a:ext>
             </a:extLst>
           </p:cNvPr>
@@ -18503,19 +19363,30 @@
         </p:nvSpPr>
         <p:spPr/>
         <p:txBody>
-          <a:bodyPr/>
+          <a:bodyPr>
+            <a:normAutofit/>
+          </a:bodyPr>
           <a:lstStyle/>
           <a:p>
-            <a:endParaRPr lang="en-US"/>
+            <a:r>
+              <a:rPr lang="en-US" sz="3600" b="1" dirty="0">
+                <a:effectLst/>
+                <a:latin typeface="Calibri" panose="020F0502020204030204" pitchFamily="34" charset="0"/>
+                <a:ea typeface="Calibri" panose="020F0502020204030204" pitchFamily="34" charset="0"/>
+                <a:cs typeface="Times New Roman" panose="02020603050405020304" pitchFamily="18" charset="0"/>
+              </a:rPr>
+              <a:t>UVOD U CSS</a:t>
+            </a:r>
+            <a:endParaRPr lang="en-US" sz="3600" dirty="0"/>
           </a:p>
         </p:txBody>
       </p:sp>
       <p:sp>
         <p:nvSpPr>
-          <p:cNvPr id="3" name="Content Placeholder 2">
-            <a:extLst>
-              <a:ext uri="{FF2B5EF4-FFF2-40B4-BE49-F238E27FC236}">
-                <a16:creationId xmlns:a16="http://schemas.microsoft.com/office/drawing/2014/main" id="{C9E1C2D1-39CB-C34C-B94C-7E3FEA66BAD3}"/>
+          <p:cNvPr id="5" name="Text Placeholder 4">
+            <a:extLst>
+              <a:ext uri="{FF2B5EF4-FFF2-40B4-BE49-F238E27FC236}">
+                <a16:creationId xmlns:a16="http://schemas.microsoft.com/office/drawing/2014/main" id="{19616318-209D-387B-86DF-DB1FAB559476}"/>
               </a:ext>
             </a:extLst>
           </p:cNvPr>
@@ -18523,7 +19394,7 @@
             <a:spLocks noGrp="1"/>
           </p:cNvSpPr>
           <p:nvPr>
-            <p:ph idx="1"/>
+            <p:ph type="body" idx="1"/>
           </p:nvPr>
         </p:nvSpPr>
         <p:spPr/>
@@ -18531,39 +19402,26 @@
           <a:bodyPr/>
           <a:lstStyle/>
           <a:p>
-            <a:endParaRPr lang="en-US"/>
-          </a:p>
-        </p:txBody>
-      </p:sp>
-      <p:sp>
-        <p:nvSpPr>
-          <p:cNvPr id="4" name="Text Placeholder 3">
-            <a:extLst>
-              <a:ext uri="{FF2B5EF4-FFF2-40B4-BE49-F238E27FC236}">
-                <a16:creationId xmlns:a16="http://schemas.microsoft.com/office/drawing/2014/main" id="{1F6A4A2C-EF06-D64F-9502-7073E0189494}"/>
-              </a:ext>
-            </a:extLst>
-          </p:cNvPr>
-          <p:cNvSpPr>
-            <a:spLocks noGrp="1"/>
-          </p:cNvSpPr>
-          <p:nvPr>
-            <p:ph type="body" sz="half" idx="2"/>
-          </p:nvPr>
-        </p:nvSpPr>
-        <p:spPr/>
-        <p:txBody>
-          <a:bodyPr/>
-          <a:lstStyle/>
-          <a:p>
-            <a:endParaRPr lang="en-US"/>
+            <a:r>
+              <a:rPr lang="en-US" dirty="0" err="1"/>
+              <a:t>Stilizacija</a:t>
+            </a:r>
+            <a:r>
+              <a:rPr lang="en-US" dirty="0"/>
+              <a:t> web </a:t>
+            </a:r>
+            <a:r>
+              <a:rPr lang="en-US" dirty="0" err="1"/>
+              <a:t>stranica</a:t>
+            </a:r>
+            <a:endParaRPr lang="hr-HR" dirty="0"/>
           </a:p>
         </p:txBody>
       </p:sp>
     </p:spTree>
     <p:extLst>
       <p:ext uri="{BB962C8B-B14F-4D97-AF65-F5344CB8AC3E}">
-        <p14:creationId xmlns:p14="http://schemas.microsoft.com/office/powerpoint/2010/main" val="2910295038"/>
+        <p14:creationId xmlns:p14="http://schemas.microsoft.com/office/powerpoint/2010/main" val="3990747488"/>
       </p:ext>
     </p:extLst>
   </p:cSld>
@@ -18578,7 +19436,13 @@
   <p:cSld>
     <p:spTree>
       <p:nvGrpSpPr>
-        <p:cNvPr id="1" name=""/>
+        <p:cNvPr id="1" name="">
+          <a:extLst>
+            <a:ext uri="{FF2B5EF4-FFF2-40B4-BE49-F238E27FC236}">
+              <a16:creationId xmlns:a16="http://schemas.microsoft.com/office/drawing/2014/main" id="{CDCF0313-C99D-EAD0-6F3B-EA42B6A2277D}"/>
+            </a:ext>
+          </a:extLst>
+        </p:cNvPr>
         <p:cNvGrpSpPr/>
         <p:nvPr/>
       </p:nvGrpSpPr>
@@ -18590,37 +19454,42 @@
           <a:chExt cx="0" cy="0"/>
         </a:xfrm>
       </p:grpSpPr>
+      <p:pic>
+        <p:nvPicPr>
+          <p:cNvPr id="5" name="Picture 4" descr="A diagram of a waterfall&#10;&#10;AI-generated content may be incorrect.">
+            <a:extLst>
+              <a:ext uri="{FF2B5EF4-FFF2-40B4-BE49-F238E27FC236}">
+                <a16:creationId xmlns:a16="http://schemas.microsoft.com/office/drawing/2014/main" id="{FBAFAC77-96B4-7828-3D12-10114C92ABEB}"/>
+              </a:ext>
+            </a:extLst>
+          </p:cNvPr>
+          <p:cNvPicPr>
+            <a:picLocks noChangeAspect="1"/>
+          </p:cNvPicPr>
+          <p:nvPr/>
+        </p:nvPicPr>
+        <p:blipFill>
+          <a:blip r:embed="rId3"/>
+          <a:srcRect l="21703" r="4989" b="-1"/>
+          <a:stretch/>
+        </p:blipFill>
+        <p:spPr>
+          <a:xfrm>
+            <a:off x="6022976" y="987425"/>
+            <a:ext cx="5332412" cy="4873625"/>
+          </a:xfrm>
+          <a:prstGeom prst="rect">
+            <a:avLst/>
+          </a:prstGeom>
+          <a:noFill/>
+        </p:spPr>
+      </p:pic>
       <p:sp>
         <p:nvSpPr>
-          <p:cNvPr id="2" name="Picture Placeholder 1">
-            <a:extLst>
-              <a:ext uri="{FF2B5EF4-FFF2-40B4-BE49-F238E27FC236}">
-                <a16:creationId xmlns:a16="http://schemas.microsoft.com/office/drawing/2014/main" id="{370126AC-D15F-C34C-B689-671D8108B86D}"/>
-              </a:ext>
-            </a:extLst>
-          </p:cNvPr>
-          <p:cNvSpPr>
-            <a:spLocks noGrp="1"/>
-          </p:cNvSpPr>
-          <p:nvPr>
-            <p:ph type="pic" idx="1"/>
-          </p:nvPr>
-        </p:nvSpPr>
-        <p:spPr/>
-        <p:txBody>
-          <a:bodyPr/>
-          <a:lstStyle/>
-          <a:p>
-            <a:endParaRPr lang="hr-HR"/>
-          </a:p>
-        </p:txBody>
-      </p:sp>
-      <p:sp>
-        <p:nvSpPr>
-          <p:cNvPr id="3" name="Title 2">
-            <a:extLst>
-              <a:ext uri="{FF2B5EF4-FFF2-40B4-BE49-F238E27FC236}">
-                <a16:creationId xmlns:a16="http://schemas.microsoft.com/office/drawing/2014/main" id="{04919E52-B0DF-4744-A84F-2D4BB1527675}"/>
+          <p:cNvPr id="2" name="Title 1">
+            <a:extLst>
+              <a:ext uri="{FF2B5EF4-FFF2-40B4-BE49-F238E27FC236}">
+                <a16:creationId xmlns:a16="http://schemas.microsoft.com/office/drawing/2014/main" id="{25829A98-E11B-B641-1BFC-1C63F1903ECC}"/>
               </a:ext>
             </a:extLst>
           </p:cNvPr>
@@ -18631,21 +19500,32 @@
             <p:ph type="title"/>
           </p:nvPr>
         </p:nvSpPr>
-        <p:spPr/>
+        <p:spPr>
+          <a:xfrm>
+            <a:off x="839788" y="987424"/>
+            <a:ext cx="3932237" cy="1433464"/>
+          </a:xfrm>
+        </p:spPr>
         <p:txBody>
-          <a:bodyPr/>
+          <a:bodyPr anchor="b">
+            <a:normAutofit/>
+          </a:bodyPr>
           <a:lstStyle/>
           <a:p>
-            <a:endParaRPr lang="en-US"/>
+            <a:r>
+              <a:rPr lang="en-US" dirty="0"/>
+              <a:t>Sto je CSS?</a:t>
+            </a:r>
+            <a:endParaRPr lang="hr-HR" dirty="0"/>
           </a:p>
         </p:txBody>
       </p:sp>
       <p:sp>
         <p:nvSpPr>
-          <p:cNvPr id="4" name="Text Placeholder 3">
-            <a:extLst>
-              <a:ext uri="{FF2B5EF4-FFF2-40B4-BE49-F238E27FC236}">
-                <a16:creationId xmlns:a16="http://schemas.microsoft.com/office/drawing/2014/main" id="{E8D84524-89A4-DB47-BF72-911F1FE04E38}"/>
+          <p:cNvPr id="3" name="Content Placeholder 2">
+            <a:extLst>
+              <a:ext uri="{FF2B5EF4-FFF2-40B4-BE49-F238E27FC236}">
+                <a16:creationId xmlns:a16="http://schemas.microsoft.com/office/drawing/2014/main" id="{D07557F7-C7EB-BF18-35AE-7D014E536DD1}"/>
               </a:ext>
             </a:extLst>
           </p:cNvPr>
@@ -18656,19 +19536,117 @@
             <p:ph type="body" sz="half" idx="2"/>
           </p:nvPr>
         </p:nvSpPr>
-        <p:spPr/>
+        <p:spPr>
+          <a:xfrm>
+            <a:off x="839788" y="2708920"/>
+            <a:ext cx="3932237" cy="3161656"/>
+          </a:xfrm>
+        </p:spPr>
         <p:txBody>
-          <a:bodyPr/>
+          <a:bodyPr>
+            <a:normAutofit/>
+          </a:bodyPr>
           <a:lstStyle/>
           <a:p>
-            <a:endParaRPr lang="en-US"/>
+            <a:r>
+              <a:rPr lang="hr-HR" dirty="0"/>
+              <a:t>CSS je skraćenica za </a:t>
+            </a:r>
+            <a:r>
+              <a:rPr lang="hr-HR" b="1" dirty="0"/>
+              <a:t>Cascading Style Sheets</a:t>
+            </a:r>
+            <a:r>
+              <a:rPr lang="hr-HR" dirty="0"/>
+              <a:t> </a:t>
+            </a:r>
+            <a:r>
+              <a:rPr lang="hr-HR" i="1" dirty="0"/>
+              <a:t>(Kaskadne </a:t>
+            </a:r>
+            <a:r>
+              <a:rPr lang="en-US" i="1" dirty="0" err="1"/>
+              <a:t>Stilizirane</a:t>
+            </a:r>
+            <a:r>
+              <a:rPr lang="en-US" i="1" dirty="0"/>
+              <a:t> </a:t>
+            </a:r>
+            <a:r>
+              <a:rPr lang="en-US" i="1" dirty="0" err="1"/>
+              <a:t>tabele</a:t>
+            </a:r>
+            <a:endParaRPr lang="en-US" i="1" dirty="0"/>
+          </a:p>
+          <a:p>
+            <a:r>
+              <a:rPr lang="hr-HR" dirty="0"/>
+              <a:t>💡 </a:t>
+            </a:r>
+            <a:r>
+              <a:rPr lang="hr-HR" b="1" dirty="0"/>
+              <a:t>Šta znači "kaskadno" (Cascading)?</a:t>
+            </a:r>
+            <a:br>
+              <a:rPr lang="hr-HR" dirty="0"/>
+            </a:br>
+            <a:r>
+              <a:rPr lang="hr-HR" dirty="0"/>
+              <a:t>👉 Zamislimo </a:t>
+            </a:r>
+            <a:r>
+              <a:rPr lang="hr-HR" b="1" dirty="0"/>
+              <a:t>vodopad</a:t>
+            </a:r>
+            <a:r>
+              <a:rPr lang="hr-HR" dirty="0"/>
+              <a:t> – voda teče sa jednog nivoa na drugi.</a:t>
+            </a:r>
+            <a:br>
+              <a:rPr lang="hr-HR" dirty="0"/>
+            </a:br>
+            <a:r>
+              <a:rPr lang="hr-HR" dirty="0"/>
+              <a:t>👉 Isto tako, </a:t>
+            </a:r>
+            <a:r>
+              <a:rPr lang="hr-HR" b="1" dirty="0"/>
+              <a:t>CSS stilovi se primenjuju od najopštijih do najspecifičnijih pravila</a:t>
+            </a:r>
+            <a:r>
+              <a:rPr lang="hr-HR" dirty="0"/>
+              <a:t>.</a:t>
+            </a:r>
+            <a:br>
+              <a:rPr lang="hr-HR" dirty="0"/>
+            </a:br>
+            <a:r>
+              <a:rPr lang="hr-HR" dirty="0"/>
+              <a:t>👉 Ovo omogućava </a:t>
+            </a:r>
+            <a:r>
+              <a:rPr lang="hr-HR" b="1" dirty="0"/>
+              <a:t>kontrolu dizajna</a:t>
+            </a:r>
+            <a:r>
+              <a:rPr lang="hr-HR" dirty="0"/>
+              <a:t> i fleksibilnost.</a:t>
+            </a:r>
+            <a:r>
+              <a:rPr lang="hr-HR" i="1" dirty="0"/>
+              <a:t> Tabele)</a:t>
+            </a:r>
+            <a:r>
+              <a:rPr lang="hr-HR" dirty="0"/>
+              <a:t>.</a:t>
+            </a:r>
           </a:p>
         </p:txBody>
       </p:sp>
     </p:spTree>
     <p:extLst>
       <p:ext uri="{BB962C8B-B14F-4D97-AF65-F5344CB8AC3E}">
-        <p14:creationId xmlns:p14="http://schemas.microsoft.com/office/powerpoint/2010/main" val="467984945"/>
+        <p14:creationId xmlns:p14="http://schemas.microsoft.com/office/powerpoint/2010/main" val="1827180886"/>
       </p:ext>
     </p:extLst>
   </p:cSld>
@@ -18683,7 +19661,13 @@
   <p:cSld>
     <p:spTree>
       <p:nvGrpSpPr>
-        <p:cNvPr id="1" name=""/>
+        <p:cNvPr id="1" name="">
+          <a:extLst>
+            <a:ext uri="{FF2B5EF4-FFF2-40B4-BE49-F238E27FC236}">
+              <a16:creationId xmlns:a16="http://schemas.microsoft.com/office/drawing/2014/main" id="{53BF6CF5-EDE4-0A57-D87A-09F72FD6EE0B}"/>
+            </a:ext>
+          </a:extLst>
+        </p:cNvPr>
         <p:cNvGrpSpPr/>
         <p:nvPr/>
       </p:nvGrpSpPr>
@@ -18695,37 +19679,43 @@
           <a:chExt cx="0" cy="0"/>
         </a:xfrm>
       </p:grpSpPr>
+      <p:pic>
+        <p:nvPicPr>
+          <p:cNvPr id="5" name="Picture 4">
+            <a:extLst>
+              <a:ext uri="{FF2B5EF4-FFF2-40B4-BE49-F238E27FC236}">
+                <a16:creationId xmlns:a16="http://schemas.microsoft.com/office/drawing/2014/main" id="{708AAE8E-1FA9-2F2A-C197-4ECFEBD02BB4}"/>
+              </a:ext>
+            </a:extLst>
+          </p:cNvPr>
+          <p:cNvPicPr>
+            <a:picLocks noChangeAspect="1"/>
+          </p:cNvPicPr>
+          <p:nvPr/>
+        </p:nvPicPr>
+        <p:blipFill>
+          <a:blip r:embed="rId3"/>
+          <a:stretch>
+            <a:fillRect/>
+          </a:stretch>
+        </p:blipFill>
+        <p:spPr>
+          <a:xfrm>
+            <a:off x="5183188" y="1010959"/>
+            <a:ext cx="7008812" cy="4836080"/>
+          </a:xfrm>
+          <a:prstGeom prst="rect">
+            <a:avLst/>
+          </a:prstGeom>
+          <a:noFill/>
+        </p:spPr>
+      </p:pic>
       <p:sp>
         <p:nvSpPr>
-          <p:cNvPr id="2" name="Picture Placeholder 1">
-            <a:extLst>
-              <a:ext uri="{FF2B5EF4-FFF2-40B4-BE49-F238E27FC236}">
-                <a16:creationId xmlns:a16="http://schemas.microsoft.com/office/drawing/2014/main" id="{468A8BD2-A213-D84B-81C2-22B08D0AB3A5}"/>
-              </a:ext>
-            </a:extLst>
-          </p:cNvPr>
-          <p:cNvSpPr>
-            <a:spLocks noGrp="1"/>
-          </p:cNvSpPr>
-          <p:nvPr>
-            <p:ph type="pic" idx="1"/>
-          </p:nvPr>
-        </p:nvSpPr>
-        <p:spPr/>
-        <p:txBody>
-          <a:bodyPr/>
-          <a:lstStyle/>
-          <a:p>
-            <a:endParaRPr lang="hr-HR"/>
-          </a:p>
-        </p:txBody>
-      </p:sp>
-      <p:sp>
-        <p:nvSpPr>
-          <p:cNvPr id="3" name="Title 2">
-            <a:extLst>
-              <a:ext uri="{FF2B5EF4-FFF2-40B4-BE49-F238E27FC236}">
-                <a16:creationId xmlns:a16="http://schemas.microsoft.com/office/drawing/2014/main" id="{C2F5710F-F47B-5D48-AB17-8114747C121E}"/>
+          <p:cNvPr id="2" name="Title 1">
+            <a:extLst>
+              <a:ext uri="{FF2B5EF4-FFF2-40B4-BE49-F238E27FC236}">
+                <a16:creationId xmlns:a16="http://schemas.microsoft.com/office/drawing/2014/main" id="{E56E5785-3589-C08C-8BF2-17DBD948FB55}"/>
               </a:ext>
             </a:extLst>
           </p:cNvPr>
@@ -18736,21 +19726,32 @@
             <p:ph type="title"/>
           </p:nvPr>
         </p:nvSpPr>
-        <p:spPr/>
+        <p:spPr>
+          <a:xfrm>
+            <a:off x="839788" y="987424"/>
+            <a:ext cx="3932237" cy="1433464"/>
+          </a:xfrm>
+        </p:spPr>
         <p:txBody>
-          <a:bodyPr/>
+          <a:bodyPr anchor="b">
+            <a:normAutofit/>
+          </a:bodyPr>
           <a:lstStyle/>
           <a:p>
-            <a:endParaRPr lang="en-US"/>
+            <a:r>
+              <a:rPr lang="pt-BR" dirty="0"/>
+              <a:t>zaŠto KORISTIMO CSS?</a:t>
+            </a:r>
+            <a:endParaRPr lang="hr-HR" dirty="0"/>
           </a:p>
         </p:txBody>
       </p:sp>
       <p:sp>
         <p:nvSpPr>
-          <p:cNvPr id="4" name="Text Placeholder 3">
-            <a:extLst>
-              <a:ext uri="{FF2B5EF4-FFF2-40B4-BE49-F238E27FC236}">
-                <a16:creationId xmlns:a16="http://schemas.microsoft.com/office/drawing/2014/main" id="{D9C85A26-91D2-374F-9D13-0ADE24F86EB2}"/>
+          <p:cNvPr id="3" name="Content Placeholder 2">
+            <a:extLst>
+              <a:ext uri="{FF2B5EF4-FFF2-40B4-BE49-F238E27FC236}">
+                <a16:creationId xmlns:a16="http://schemas.microsoft.com/office/drawing/2014/main" id="{C9343F72-CA71-B353-B2F0-AE77656A959B}"/>
               </a:ext>
             </a:extLst>
           </p:cNvPr>
@@ -18761,19 +19762,136 @@
             <p:ph type="body" sz="half" idx="2"/>
           </p:nvPr>
         </p:nvSpPr>
-        <p:spPr/>
+        <p:spPr>
+          <a:xfrm>
+            <a:off x="839788" y="2708920"/>
+            <a:ext cx="3932237" cy="3161656"/>
+          </a:xfrm>
+        </p:spPr>
         <p:txBody>
-          <a:bodyPr/>
+          <a:bodyPr>
+            <a:normAutofit/>
+          </a:bodyPr>
           <a:lstStyle/>
           <a:p>
-            <a:endParaRPr lang="en-US"/>
+            <a:pPr marL="15875" indent="0">
+              <a:buNone/>
+            </a:pPr>
+            <a:r>
+              <a:rPr lang="hr-HR" sz="1500"/>
+              <a:t>🎨 </a:t>
+            </a:r>
+            <a:r>
+              <a:rPr lang="hr-HR" sz="1500" b="1"/>
+              <a:t>CSS </a:t>
+            </a:r>
+            <a:r>
+              <a:rPr lang="en-US" sz="1500" b="1" err="1"/>
+              <a:t>transformira</a:t>
+            </a:r>
+            <a:r>
+              <a:rPr lang="hr-HR" sz="1500" b="1"/>
+              <a:t> običan HTML u atraktivan dizajn!</a:t>
+            </a:r>
+            <a:endParaRPr lang="hr-HR" sz="1500"/>
+          </a:p>
+          <a:p>
+            <a:pPr marL="15875" indent="0">
+              <a:buNone/>
+            </a:pPr>
+            <a:r>
+              <a:rPr lang="hr-HR" sz="1500"/>
+              <a:t>🔹 Bez CSS-a – sajtovi su obični, crno-beli i dosadni.</a:t>
+            </a:r>
+            <a:br>
+              <a:rPr lang="hr-HR" sz="1500"/>
+            </a:br>
+            <a:r>
+              <a:rPr lang="hr-HR" sz="1500"/>
+              <a:t>🔹 </a:t>
+            </a:r>
+            <a:r>
+              <a:rPr lang="hr-HR" sz="1500" b="1"/>
+              <a:t>Uz CSS – možemo menjati:</a:t>
+            </a:r>
+            <a:endParaRPr lang="hr-HR" sz="1500"/>
+          </a:p>
+          <a:p>
+            <a:pPr marL="15875" indent="0">
+              <a:buNone/>
+            </a:pPr>
+            <a:r>
+              <a:rPr lang="hr-HR" sz="1500"/>
+              <a:t>🎨 </a:t>
+            </a:r>
+            <a:r>
+              <a:rPr lang="hr-HR" sz="1500" b="1"/>
+              <a:t>Boje</a:t>
+            </a:r>
+            <a:endParaRPr lang="hr-HR" sz="1500"/>
+          </a:p>
+          <a:p>
+            <a:pPr marL="15875" indent="0">
+              <a:buNone/>
+            </a:pPr>
+            <a:r>
+              <a:rPr lang="hr-HR" sz="1500"/>
+              <a:t>🔤 </a:t>
+            </a:r>
+            <a:r>
+              <a:rPr lang="hr-HR" sz="1500" b="1"/>
+              <a:t>Fontove</a:t>
+            </a:r>
+            <a:endParaRPr lang="hr-HR" sz="1500"/>
+          </a:p>
+          <a:p>
+            <a:pPr marL="15875" indent="0">
+              <a:buNone/>
+            </a:pPr>
+            <a:r>
+              <a:rPr lang="hr-HR" sz="1500"/>
+              <a:t>🖼 </a:t>
+            </a:r>
+            <a:r>
+              <a:rPr lang="hr-HR" sz="1500" b="1"/>
+              <a:t>Pozadinske slike</a:t>
+            </a:r>
+            <a:endParaRPr lang="hr-HR" sz="1500"/>
+          </a:p>
+          <a:p>
+            <a:pPr marL="15875" indent="0">
+              <a:buNone/>
+            </a:pPr>
+            <a:r>
+              <a:rPr lang="hr-HR" sz="1500"/>
+              <a:t>📏 </a:t>
+            </a:r>
+            <a:r>
+              <a:rPr lang="hr-HR" sz="1500" b="1"/>
+              <a:t>Raspored i veličinu elemenata</a:t>
+            </a:r>
+            <a:endParaRPr lang="hr-HR" sz="1500"/>
+          </a:p>
+          <a:p>
+            <a:pPr marL="15875" indent="0">
+              <a:buNone/>
+            </a:pPr>
+            <a:r>
+              <a:rPr lang="hr-HR" sz="1500"/>
+              <a:t>✨ </a:t>
+            </a:r>
+            <a:r>
+              <a:rPr lang="hr-HR" sz="1500" b="1"/>
+              <a:t>Animacije i efekte</a:t>
+            </a:r>
+            <a:endParaRPr lang="hr-HR" sz="1500"/>
           </a:p>
         </p:txBody>
       </p:sp>
     </p:spTree>
     <p:extLst>
       <p:ext uri="{BB962C8B-B14F-4D97-AF65-F5344CB8AC3E}">
-        <p14:creationId xmlns:p14="http://schemas.microsoft.com/office/powerpoint/2010/main" val="3792986467"/>
+        <p14:creationId xmlns:p14="http://schemas.microsoft.com/office/powerpoint/2010/main" val="3809409439"/>
       </p:ext>
     </p:extLst>
   </p:cSld>
@@ -18805,7 +19923,7 @@
           <p:cNvPr id="2" name="Picture Placeholder 1">
             <a:extLst>
               <a:ext uri="{FF2B5EF4-FFF2-40B4-BE49-F238E27FC236}">
-                <a16:creationId xmlns:a16="http://schemas.microsoft.com/office/drawing/2014/main" id="{27073D57-D0A7-D349-AD31-87A41BE5CCD7}"/>
+                <a16:creationId xmlns:a16="http://schemas.microsoft.com/office/drawing/2014/main" id="{76DF399B-6A53-F045-AB09-8553BE7D18AF}"/>
               </a:ext>
             </a:extLst>
           </p:cNvPr>
@@ -18830,7 +19948,7 @@
           <p:cNvPr id="3" name="Title 2">
             <a:extLst>
               <a:ext uri="{FF2B5EF4-FFF2-40B4-BE49-F238E27FC236}">
-                <a16:creationId xmlns:a16="http://schemas.microsoft.com/office/drawing/2014/main" id="{243E68CE-7075-714C-976F-A78F01BD8978}"/>
+                <a16:creationId xmlns:a16="http://schemas.microsoft.com/office/drawing/2014/main" id="{ECD12B56-F705-924A-AE46-58078BF5E475}"/>
               </a:ext>
             </a:extLst>
           </p:cNvPr>
@@ -18855,7 +19973,7 @@
           <p:cNvPr id="4" name="Text Placeholder 3">
             <a:extLst>
               <a:ext uri="{FF2B5EF4-FFF2-40B4-BE49-F238E27FC236}">
-                <a16:creationId xmlns:a16="http://schemas.microsoft.com/office/drawing/2014/main" id="{175F125A-4424-674F-9E40-B904CD37D3F8}"/>
+                <a16:creationId xmlns:a16="http://schemas.microsoft.com/office/drawing/2014/main" id="{84A19C17-CB0D-6D45-8CDC-6A8A3C7935D5}"/>
               </a:ext>
             </a:extLst>
           </p:cNvPr>
@@ -18878,7 +19996,7 @@
     </p:spTree>
     <p:extLst>
       <p:ext uri="{BB962C8B-B14F-4D97-AF65-F5344CB8AC3E}">
-        <p14:creationId xmlns:p14="http://schemas.microsoft.com/office/powerpoint/2010/main" val="3417820645"/>
+        <p14:creationId xmlns:p14="http://schemas.microsoft.com/office/powerpoint/2010/main" val="593540478"/>
       </p:ext>
     </p:extLst>
   </p:cSld>
@@ -18910,7 +20028,7 @@
           <p:cNvPr id="2" name="Picture Placeholder 1">
             <a:extLst>
               <a:ext uri="{FF2B5EF4-FFF2-40B4-BE49-F238E27FC236}">
-                <a16:creationId xmlns:a16="http://schemas.microsoft.com/office/drawing/2014/main" id="{76DF399B-6A53-F045-AB09-8553BE7D18AF}"/>
+                <a16:creationId xmlns:a16="http://schemas.microsoft.com/office/drawing/2014/main" id="{60BED653-EDD3-2740-B4D7-3BA94AB0927F}"/>
               </a:ext>
             </a:extLst>
           </p:cNvPr>
@@ -18935,7 +20053,7 @@
           <p:cNvPr id="3" name="Title 2">
             <a:extLst>
               <a:ext uri="{FF2B5EF4-FFF2-40B4-BE49-F238E27FC236}">
-                <a16:creationId xmlns:a16="http://schemas.microsoft.com/office/drawing/2014/main" id="{ECD12B56-F705-924A-AE46-58078BF5E475}"/>
+                <a16:creationId xmlns:a16="http://schemas.microsoft.com/office/drawing/2014/main" id="{F9EDE337-697C-1F4A-BD1C-1E21E5AC9CC3}"/>
               </a:ext>
             </a:extLst>
           </p:cNvPr>
@@ -18960,7 +20078,7 @@
           <p:cNvPr id="4" name="Text Placeholder 3">
             <a:extLst>
               <a:ext uri="{FF2B5EF4-FFF2-40B4-BE49-F238E27FC236}">
-                <a16:creationId xmlns:a16="http://schemas.microsoft.com/office/drawing/2014/main" id="{84A19C17-CB0D-6D45-8CDC-6A8A3C7935D5}"/>
+                <a16:creationId xmlns:a16="http://schemas.microsoft.com/office/drawing/2014/main" id="{EB844BC3-717A-7545-B49A-751CE87839A5}"/>
               </a:ext>
             </a:extLst>
           </p:cNvPr>
@@ -18983,7 +20101,7 @@
     </p:spTree>
     <p:extLst>
       <p:ext uri="{BB962C8B-B14F-4D97-AF65-F5344CB8AC3E}">
-        <p14:creationId xmlns:p14="http://schemas.microsoft.com/office/powerpoint/2010/main" val="593540478"/>
+        <p14:creationId xmlns:p14="http://schemas.microsoft.com/office/powerpoint/2010/main" val="1653808951"/>
       </p:ext>
     </p:extLst>
   </p:cSld>
@@ -19586,35 +20704,10 @@
       </p:grpSpPr>
       <p:sp>
         <p:nvSpPr>
-          <p:cNvPr id="2" name="Picture Placeholder 1">
-            <a:extLst>
-              <a:ext uri="{FF2B5EF4-FFF2-40B4-BE49-F238E27FC236}">
-                <a16:creationId xmlns:a16="http://schemas.microsoft.com/office/drawing/2014/main" id="{60BED653-EDD3-2740-B4D7-3BA94AB0927F}"/>
-              </a:ext>
-            </a:extLst>
-          </p:cNvPr>
-          <p:cNvSpPr>
-            <a:spLocks noGrp="1"/>
-          </p:cNvSpPr>
-          <p:nvPr>
-            <p:ph type="pic" idx="1"/>
-          </p:nvPr>
-        </p:nvSpPr>
-        <p:spPr/>
-        <p:txBody>
-          <a:bodyPr/>
-          <a:lstStyle/>
-          <a:p>
-            <a:endParaRPr lang="hr-HR"/>
-          </a:p>
-        </p:txBody>
-      </p:sp>
-      <p:sp>
-        <p:nvSpPr>
-          <p:cNvPr id="3" name="Title 2">
-            <a:extLst>
-              <a:ext uri="{FF2B5EF4-FFF2-40B4-BE49-F238E27FC236}">
-                <a16:creationId xmlns:a16="http://schemas.microsoft.com/office/drawing/2014/main" id="{F9EDE337-697C-1F4A-BD1C-1E21E5AC9CC3}"/>
+          <p:cNvPr id="2" name="Title 1">
+            <a:extLst>
+              <a:ext uri="{FF2B5EF4-FFF2-40B4-BE49-F238E27FC236}">
+                <a16:creationId xmlns:a16="http://schemas.microsoft.com/office/drawing/2014/main" id="{89615F57-06D6-114F-B0B0-2381BD57A614}"/>
               </a:ext>
             </a:extLst>
           </p:cNvPr>
@@ -19634,35 +20727,10 @@
           </a:p>
         </p:txBody>
       </p:sp>
-      <p:sp>
-        <p:nvSpPr>
-          <p:cNvPr id="4" name="Text Placeholder 3">
-            <a:extLst>
-              <a:ext uri="{FF2B5EF4-FFF2-40B4-BE49-F238E27FC236}">
-                <a16:creationId xmlns:a16="http://schemas.microsoft.com/office/drawing/2014/main" id="{EB844BC3-717A-7545-B49A-751CE87839A5}"/>
-              </a:ext>
-            </a:extLst>
-          </p:cNvPr>
-          <p:cNvSpPr>
-            <a:spLocks noGrp="1"/>
-          </p:cNvSpPr>
-          <p:nvPr>
-            <p:ph type="body" sz="half" idx="2"/>
-          </p:nvPr>
-        </p:nvSpPr>
-        <p:spPr/>
-        <p:txBody>
-          <a:bodyPr/>
-          <a:lstStyle/>
-          <a:p>
-            <a:endParaRPr lang="en-US"/>
-          </a:p>
-        </p:txBody>
-      </p:sp>
     </p:spTree>
     <p:extLst>
       <p:ext uri="{BB962C8B-B14F-4D97-AF65-F5344CB8AC3E}">
-        <p14:creationId xmlns:p14="http://schemas.microsoft.com/office/powerpoint/2010/main" val="1653808951"/>
+        <p14:creationId xmlns:p14="http://schemas.microsoft.com/office/powerpoint/2010/main" val="2898697033"/>
       </p:ext>
     </p:extLst>
   </p:cSld>
@@ -19694,7 +20762,7 @@
           <p:cNvPr id="2" name="Title 1">
             <a:extLst>
               <a:ext uri="{FF2B5EF4-FFF2-40B4-BE49-F238E27FC236}">
-                <a16:creationId xmlns:a16="http://schemas.microsoft.com/office/drawing/2014/main" id="{89615F57-06D6-114F-B0B0-2381BD57A614}"/>
+                <a16:creationId xmlns:a16="http://schemas.microsoft.com/office/drawing/2014/main" id="{A04A47B7-61BE-0D4C-B4A4-6CC6F0BF5213}"/>
               </a:ext>
             </a:extLst>
           </p:cNvPr>
@@ -19717,7 +20785,7 @@
     </p:spTree>
     <p:extLst>
       <p:ext uri="{BB962C8B-B14F-4D97-AF65-F5344CB8AC3E}">
-        <p14:creationId xmlns:p14="http://schemas.microsoft.com/office/powerpoint/2010/main" val="2898697033"/>
+        <p14:creationId xmlns:p14="http://schemas.microsoft.com/office/powerpoint/2010/main" val="3109468112"/>
       </p:ext>
     </p:extLst>
   </p:cSld>
@@ -19746,61 +20814,6 @@
       </p:grpSpPr>
       <p:sp>
         <p:nvSpPr>
-          <p:cNvPr id="2" name="Title 1">
-            <a:extLst>
-              <a:ext uri="{FF2B5EF4-FFF2-40B4-BE49-F238E27FC236}">
-                <a16:creationId xmlns:a16="http://schemas.microsoft.com/office/drawing/2014/main" id="{A04A47B7-61BE-0D4C-B4A4-6CC6F0BF5213}"/>
-              </a:ext>
-            </a:extLst>
-          </p:cNvPr>
-          <p:cNvSpPr>
-            <a:spLocks noGrp="1"/>
-          </p:cNvSpPr>
-          <p:nvPr>
-            <p:ph type="title"/>
-          </p:nvPr>
-        </p:nvSpPr>
-        <p:spPr/>
-        <p:txBody>
-          <a:bodyPr/>
-          <a:lstStyle/>
-          <a:p>
-            <a:endParaRPr lang="en-US"/>
-          </a:p>
-        </p:txBody>
-      </p:sp>
-    </p:spTree>
-    <p:extLst>
-      <p:ext uri="{BB962C8B-B14F-4D97-AF65-F5344CB8AC3E}">
-        <p14:creationId xmlns:p14="http://schemas.microsoft.com/office/powerpoint/2010/main" val="3109468112"/>
-      </p:ext>
-    </p:extLst>
-  </p:cSld>
-  <p:clrMapOvr>
-    <a:masterClrMapping/>
-  </p:clrMapOvr>
-</p:sld>
-</file>
-
-<file path=ppt/slides/slide33.xml><?xml version="1.0" encoding="utf-8"?>
-<p:sld xmlns:a="http://schemas.openxmlformats.org/drawingml/2006/main" xmlns:r="http://schemas.openxmlformats.org/officeDocument/2006/relationships" xmlns:p="http://schemas.openxmlformats.org/presentationml/2006/main">
-  <p:cSld>
-    <p:spTree>
-      <p:nvGrpSpPr>
-        <p:cNvPr id="1" name=""/>
-        <p:cNvGrpSpPr/>
-        <p:nvPr/>
-      </p:nvGrpSpPr>
-      <p:grpSpPr>
-        <a:xfrm>
-          <a:off x="0" y="0"/>
-          <a:ext cx="0" cy="0"/>
-          <a:chOff x="0" y="0"/>
-          <a:chExt cx="0" cy="0"/>
-        </a:xfrm>
-      </p:grpSpPr>
-      <p:sp>
-        <p:nvSpPr>
           <p:cNvPr id="2" name="Picture Placeholder 1">
             <a:extLst>
               <a:ext uri="{FF2B5EF4-FFF2-40B4-BE49-F238E27FC236}">
@@ -19837,7 +20850,7 @@
 </p:sld>
 </file>
 
-<file path=ppt/slides/slide34.xml><?xml version="1.0" encoding="utf-8"?>
+<file path=ppt/slides/slide33.xml><?xml version="1.0" encoding="utf-8"?>
 <p:sld xmlns:a="http://schemas.openxmlformats.org/drawingml/2006/main" xmlns:r="http://schemas.openxmlformats.org/officeDocument/2006/relationships" xmlns:p="http://schemas.openxmlformats.org/presentationml/2006/main">
   <p:cSld>
     <p:spTree>
@@ -20615,6 +21628,107 @@
         <p:cNvPr id="1" name="">
           <a:extLst>
             <a:ext uri="{FF2B5EF4-FFF2-40B4-BE49-F238E27FC236}">
+              <a16:creationId xmlns:a16="http://schemas.microsoft.com/office/drawing/2014/main" id="{432D48B8-C10E-533E-5B21-45A029172051}"/>
+            </a:ext>
+          </a:extLst>
+        </p:cNvPr>
+        <p:cNvGrpSpPr/>
+        <p:nvPr/>
+      </p:nvGrpSpPr>
+      <p:grpSpPr>
+        <a:xfrm>
+          <a:off x="0" y="0"/>
+          <a:ext cx="0" cy="0"/>
+          <a:chOff x="0" y="0"/>
+          <a:chExt cx="0" cy="0"/>
+        </a:xfrm>
+      </p:grpSpPr>
+      <p:sp>
+        <p:nvSpPr>
+          <p:cNvPr id="2" name="Title 1">
+            <a:extLst>
+              <a:ext uri="{FF2B5EF4-FFF2-40B4-BE49-F238E27FC236}">
+                <a16:creationId xmlns:a16="http://schemas.microsoft.com/office/drawing/2014/main" id="{5591EEDC-8401-DC09-C721-5DE263A3850D}"/>
+              </a:ext>
+            </a:extLst>
+          </p:cNvPr>
+          <p:cNvSpPr>
+            <a:spLocks noGrp="1"/>
+          </p:cNvSpPr>
+          <p:nvPr>
+            <p:ph type="title"/>
+          </p:nvPr>
+        </p:nvSpPr>
+        <p:spPr/>
+        <p:txBody>
+          <a:bodyPr>
+            <a:normAutofit fontScale="90000"/>
+          </a:bodyPr>
+          <a:lstStyle/>
+          <a:p>
+            <a:r>
+              <a:rPr lang="en-US" dirty="0"/>
+              <a:t>O</a:t>
+            </a:r>
+            <a:r>
+              <a:rPr lang="hr-HR" dirty="0"/>
+              <a:t>snovna struktura HTML fajla (Boilerplate)</a:t>
+            </a:r>
+            <a:endParaRPr lang="en-US" dirty="0"/>
+          </a:p>
+        </p:txBody>
+      </p:sp>
+      <p:pic>
+        <p:nvPicPr>
+          <p:cNvPr id="8" name="Picture 7">
+            <a:extLst>
+              <a:ext uri="{FF2B5EF4-FFF2-40B4-BE49-F238E27FC236}">
+                <a16:creationId xmlns:a16="http://schemas.microsoft.com/office/drawing/2014/main" id="{BC35637A-06F3-B314-EFBE-32B61A5EF9E5}"/>
+              </a:ext>
+            </a:extLst>
+          </p:cNvPr>
+          <p:cNvPicPr>
+            <a:picLocks noChangeAspect="1"/>
+          </p:cNvPicPr>
+          <p:nvPr/>
+        </p:nvPicPr>
+        <p:blipFill>
+          <a:blip r:embed="rId3"/>
+          <a:stretch>
+            <a:fillRect/>
+          </a:stretch>
+        </p:blipFill>
+        <p:spPr>
+          <a:xfrm>
+            <a:off x="0" y="1800109"/>
+            <a:ext cx="12192000" cy="3257781"/>
+          </a:xfrm>
+          <a:prstGeom prst="rect">
+            <a:avLst/>
+          </a:prstGeom>
+        </p:spPr>
+      </p:pic>
+    </p:spTree>
+    <p:extLst>
+      <p:ext uri="{BB962C8B-B14F-4D97-AF65-F5344CB8AC3E}">
+        <p14:creationId xmlns:p14="http://schemas.microsoft.com/office/powerpoint/2010/main" val="185019066"/>
+      </p:ext>
+    </p:extLst>
+  </p:cSld>
+  <p:clrMapOvr>
+    <a:masterClrMapping/>
+  </p:clrMapOvr>
+</p:sld>
+</file>
+
+<file path=ppt/slides/slide7.xml><?xml version="1.0" encoding="utf-8"?>
+<p:sld xmlns:a="http://schemas.openxmlformats.org/drawingml/2006/main" xmlns:r="http://schemas.openxmlformats.org/officeDocument/2006/relationships" xmlns:p="http://schemas.openxmlformats.org/presentationml/2006/main">
+  <p:cSld>
+    <p:spTree>
+      <p:nvGrpSpPr>
+        <p:cNvPr id="1" name="">
+          <a:extLst>
+            <a:ext uri="{FF2B5EF4-FFF2-40B4-BE49-F238E27FC236}">
               <a16:creationId xmlns:a16="http://schemas.microsoft.com/office/drawing/2014/main" id="{3A496CFF-2541-1EF2-8FC3-50CA26ECACDC}"/>
             </a:ext>
           </a:extLst>
@@ -20975,7 +22089,7 @@
 </p:sld>
 </file>
 
-<file path=ppt/slides/slide7.xml><?xml version="1.0" encoding="utf-8"?>
+<file path=ppt/slides/slide8.xml><?xml version="1.0" encoding="utf-8"?>
 <p:sld xmlns:a="http://schemas.openxmlformats.org/drawingml/2006/main" xmlns:r="http://schemas.openxmlformats.org/officeDocument/2006/relationships" xmlns:p="http://schemas.openxmlformats.org/presentationml/2006/main">
   <p:cSld>
     <p:spTree>
@@ -21377,7 +22491,7 @@
 </p:sld>
 </file>
 
-<file path=ppt/slides/slide8.xml><?xml version="1.0" encoding="utf-8"?>
+<file path=ppt/slides/slide9.xml><?xml version="1.0" encoding="utf-8"?>
 <p:sld xmlns:a="http://schemas.openxmlformats.org/drawingml/2006/main" xmlns:r="http://schemas.openxmlformats.org/officeDocument/2006/relationships" xmlns:p="http://schemas.openxmlformats.org/presentationml/2006/main">
   <p:cSld>
     <p:spTree>
@@ -21714,336 +22828,6 @@
     <p:extLst>
       <p:ext uri="{BB962C8B-B14F-4D97-AF65-F5344CB8AC3E}">
         <p14:creationId xmlns:p14="http://schemas.microsoft.com/office/powerpoint/2010/main" val="2405781611"/>
-      </p:ext>
-    </p:extLst>
-  </p:cSld>
-  <p:clrMapOvr>
-    <a:masterClrMapping/>
-  </p:clrMapOvr>
-</p:sld>
-</file>
-
-<file path=ppt/slides/slide9.xml><?xml version="1.0" encoding="utf-8"?>
-<p:sld xmlns:a="http://schemas.openxmlformats.org/drawingml/2006/main" xmlns:r="http://schemas.openxmlformats.org/officeDocument/2006/relationships" xmlns:p="http://schemas.openxmlformats.org/presentationml/2006/main">
-  <p:cSld>
-    <p:spTree>
-      <p:nvGrpSpPr>
-        <p:cNvPr id="1" name="">
-          <a:extLst>
-            <a:ext uri="{FF2B5EF4-FFF2-40B4-BE49-F238E27FC236}">
-              <a16:creationId xmlns:a16="http://schemas.microsoft.com/office/drawing/2014/main" id="{C95B213A-B644-0E5A-770C-A15F0C4B1A59}"/>
-            </a:ext>
-          </a:extLst>
-        </p:cNvPr>
-        <p:cNvGrpSpPr/>
-        <p:nvPr/>
-      </p:nvGrpSpPr>
-      <p:grpSpPr>
-        <a:xfrm>
-          <a:off x="0" y="0"/>
-          <a:ext cx="0" cy="0"/>
-          <a:chOff x="0" y="0"/>
-          <a:chExt cx="0" cy="0"/>
-        </a:xfrm>
-      </p:grpSpPr>
-      <p:sp>
-        <p:nvSpPr>
-          <p:cNvPr id="6" name="Content Placeholder 1">
-            <a:extLst>
-              <a:ext uri="{FF2B5EF4-FFF2-40B4-BE49-F238E27FC236}">
-                <a16:creationId xmlns:a16="http://schemas.microsoft.com/office/drawing/2014/main" id="{1477592D-3E45-4634-AD55-8BE9285D255D}"/>
-              </a:ext>
-            </a:extLst>
-          </p:cNvPr>
-          <p:cNvSpPr txBox="1">
-            <a:spLocks/>
-          </p:cNvSpPr>
-          <p:nvPr/>
-        </p:nvSpPr>
-        <p:spPr>
-          <a:xfrm>
-            <a:off x="1142999" y="515815"/>
-            <a:ext cx="10515600" cy="2274277"/>
-          </a:xfrm>
-          <a:prstGeom prst="rect">
-            <a:avLst/>
-          </a:prstGeom>
-        </p:spPr>
-        <p:txBody>
-          <a:bodyPr vert="horz" lIns="91440" tIns="45720" rIns="91440" bIns="45720" rtlCol="0">
-            <a:normAutofit/>
-          </a:bodyPr>
-          <a:lstStyle>
-            <a:lvl1pPr marL="368300" indent="-352425" algn="l" defTabSz="914400" rtl="0" eaLnBrk="1" latinLnBrk="0" hangingPunct="1">
-              <a:lnSpc>
-                <a:spcPct val="90000"/>
-              </a:lnSpc>
-              <a:spcBef>
-                <a:spcPts val="600"/>
-              </a:spcBef>
-              <a:spcAft>
-                <a:spcPts val="600"/>
-              </a:spcAft>
-              <a:buClr>
-                <a:schemeClr val="accent2"/>
-              </a:buClr>
-              <a:buFont typeface="Wingdings" pitchFamily="2" charset="2"/>
-              <a:buChar char="§"/>
-              <a:tabLst/>
-              <a:defRPr sz="2400" kern="1200">
-                <a:solidFill>
-                  <a:schemeClr val="tx1"/>
-                </a:solidFill>
-                <a:latin typeface="+mn-lt"/>
-                <a:ea typeface="Open Sans" panose="020B0606030504020204" pitchFamily="34" charset="0"/>
-                <a:cs typeface="Open Sans" panose="020B0606030504020204" pitchFamily="34" charset="0"/>
-              </a:defRPr>
-            </a:lvl1pPr>
-            <a:lvl2pPr marL="771525" indent="-322263" algn="l" defTabSz="914400" rtl="0" eaLnBrk="1" latinLnBrk="0" hangingPunct="1">
-              <a:lnSpc>
-                <a:spcPct val="90000"/>
-              </a:lnSpc>
-              <a:spcBef>
-                <a:spcPts val="600"/>
-              </a:spcBef>
-              <a:spcAft>
-                <a:spcPts val="600"/>
-              </a:spcAft>
-              <a:buClr>
-                <a:schemeClr val="accent2"/>
-              </a:buClr>
-              <a:buFont typeface="Wingdings" pitchFamily="2" charset="2"/>
-              <a:buChar char="§"/>
-              <a:tabLst/>
-              <a:defRPr sz="2000" kern="1200">
-                <a:solidFill>
-                  <a:schemeClr val="tx1"/>
-                </a:solidFill>
-                <a:latin typeface="+mn-lt"/>
-                <a:ea typeface="Open Sans" panose="020B0606030504020204" pitchFamily="34" charset="0"/>
-                <a:cs typeface="Open Sans" panose="020B0606030504020204" pitchFamily="34" charset="0"/>
-              </a:defRPr>
-            </a:lvl2pPr>
-            <a:lvl3pPr marL="1076325" indent="-257175" algn="l" defTabSz="914400" rtl="0" eaLnBrk="1" latinLnBrk="0" hangingPunct="1">
-              <a:lnSpc>
-                <a:spcPct val="90000"/>
-              </a:lnSpc>
-              <a:spcBef>
-                <a:spcPts val="600"/>
-              </a:spcBef>
-              <a:spcAft>
-                <a:spcPts val="600"/>
-              </a:spcAft>
-              <a:buClr>
-                <a:schemeClr val="accent2"/>
-              </a:buClr>
-              <a:buFont typeface="Wingdings" pitchFamily="2" charset="2"/>
-              <a:buChar char="§"/>
-              <a:tabLst/>
-              <a:defRPr sz="2000" kern="1200">
-                <a:solidFill>
-                  <a:schemeClr val="tx1"/>
-                </a:solidFill>
-                <a:latin typeface="+mn-lt"/>
-                <a:ea typeface="Open Sans" panose="020B0606030504020204" pitchFamily="34" charset="0"/>
-                <a:cs typeface="Open Sans" panose="020B0606030504020204" pitchFamily="34" charset="0"/>
-              </a:defRPr>
-            </a:lvl3pPr>
-            <a:lvl4pPr marL="1477963" indent="-225425" algn="l" defTabSz="914400" rtl="0" eaLnBrk="1" latinLnBrk="0" hangingPunct="1">
-              <a:lnSpc>
-                <a:spcPct val="90000"/>
-              </a:lnSpc>
-              <a:spcBef>
-                <a:spcPts val="600"/>
-              </a:spcBef>
-              <a:spcAft>
-                <a:spcPts val="600"/>
-              </a:spcAft>
-              <a:buClr>
-                <a:schemeClr val="accent2"/>
-              </a:buClr>
-              <a:buFont typeface="Wingdings" pitchFamily="2" charset="2"/>
-              <a:buChar char="§"/>
-              <a:tabLst/>
-              <a:defRPr sz="1800" kern="1200">
-                <a:solidFill>
-                  <a:schemeClr val="tx1"/>
-                </a:solidFill>
-                <a:latin typeface="+mn-lt"/>
-                <a:ea typeface="Open Sans" panose="020B0606030504020204" pitchFamily="34" charset="0"/>
-                <a:cs typeface="Open Sans" panose="020B0606030504020204" pitchFamily="34" charset="0"/>
-              </a:defRPr>
-            </a:lvl4pPr>
-            <a:lvl5pPr marL="1831975" indent="-225425" algn="l" defTabSz="914400" rtl="0" eaLnBrk="1" latinLnBrk="0" hangingPunct="1">
-              <a:lnSpc>
-                <a:spcPct val="90000"/>
-              </a:lnSpc>
-              <a:spcBef>
-                <a:spcPts val="600"/>
-              </a:spcBef>
-              <a:spcAft>
-                <a:spcPts val="600"/>
-              </a:spcAft>
-              <a:buClr>
-                <a:schemeClr val="accent2"/>
-              </a:buClr>
-              <a:buFont typeface="Wingdings" pitchFamily="2" charset="2"/>
-              <a:buChar char="§"/>
-              <a:tabLst/>
-              <a:defRPr sz="1600" kern="1200">
-                <a:solidFill>
-                  <a:schemeClr val="tx1"/>
-                </a:solidFill>
-                <a:latin typeface="+mn-lt"/>
-                <a:ea typeface="Open Sans" panose="020B0606030504020204" pitchFamily="34" charset="0"/>
-                <a:cs typeface="Open Sans" panose="020B0606030504020204" pitchFamily="34" charset="0"/>
-              </a:defRPr>
-            </a:lvl5pPr>
-            <a:lvl6pPr marL="2514600" indent="-228600" algn="l" defTabSz="914400" rtl="0" eaLnBrk="1" latinLnBrk="0" hangingPunct="1">
-              <a:lnSpc>
-                <a:spcPct val="90000"/>
-              </a:lnSpc>
-              <a:spcBef>
-                <a:spcPts val="500"/>
-              </a:spcBef>
-              <a:buFont typeface="Arial" panose="020B0604020202020204" pitchFamily="34" charset="0"/>
-              <a:buChar char="•"/>
-              <a:defRPr sz="1800" kern="1200">
-                <a:solidFill>
-                  <a:schemeClr val="tx1"/>
-                </a:solidFill>
-                <a:latin typeface="+mn-lt"/>
-                <a:ea typeface="+mn-ea"/>
-                <a:cs typeface="+mn-cs"/>
-              </a:defRPr>
-            </a:lvl6pPr>
-            <a:lvl7pPr marL="2971800" indent="-228600" algn="l" defTabSz="914400" rtl="0" eaLnBrk="1" latinLnBrk="0" hangingPunct="1">
-              <a:lnSpc>
-                <a:spcPct val="90000"/>
-              </a:lnSpc>
-              <a:spcBef>
-                <a:spcPts val="500"/>
-              </a:spcBef>
-              <a:buFont typeface="Arial" panose="020B0604020202020204" pitchFamily="34" charset="0"/>
-              <a:buChar char="•"/>
-              <a:defRPr sz="1800" kern="1200">
-                <a:solidFill>
-                  <a:schemeClr val="tx1"/>
-                </a:solidFill>
-                <a:latin typeface="+mn-lt"/>
-                <a:ea typeface="+mn-ea"/>
-                <a:cs typeface="+mn-cs"/>
-              </a:defRPr>
-            </a:lvl7pPr>
-            <a:lvl8pPr marL="3429000" indent="-228600" algn="l" defTabSz="914400" rtl="0" eaLnBrk="1" latinLnBrk="0" hangingPunct="1">
-              <a:lnSpc>
-                <a:spcPct val="90000"/>
-              </a:lnSpc>
-              <a:spcBef>
-                <a:spcPts val="500"/>
-              </a:spcBef>
-              <a:buFont typeface="Arial" panose="020B0604020202020204" pitchFamily="34" charset="0"/>
-              <a:buChar char="•"/>
-              <a:defRPr sz="1800" kern="1200">
-                <a:solidFill>
-                  <a:schemeClr val="tx1"/>
-                </a:solidFill>
-                <a:latin typeface="+mn-lt"/>
-                <a:ea typeface="+mn-ea"/>
-                <a:cs typeface="+mn-cs"/>
-              </a:defRPr>
-            </a:lvl8pPr>
-            <a:lvl9pPr marL="3886200" indent="-228600" algn="l" defTabSz="914400" rtl="0" eaLnBrk="1" latinLnBrk="0" hangingPunct="1">
-              <a:lnSpc>
-                <a:spcPct val="90000"/>
-              </a:lnSpc>
-              <a:spcBef>
-                <a:spcPts val="500"/>
-              </a:spcBef>
-              <a:buFont typeface="Arial" panose="020B0604020202020204" pitchFamily="34" charset="0"/>
-              <a:buChar char="•"/>
-              <a:defRPr sz="1800" kern="1200">
-                <a:solidFill>
-                  <a:schemeClr val="tx1"/>
-                </a:solidFill>
-                <a:latin typeface="+mn-lt"/>
-                <a:ea typeface="+mn-ea"/>
-                <a:cs typeface="+mn-cs"/>
-              </a:defRPr>
-            </a:lvl9pPr>
-          </a:lstStyle>
-          <a:p>
-            <a:pPr marL="15875" indent="0">
-              <a:buFont typeface="Wingdings" pitchFamily="2" charset="2"/>
-              <a:buNone/>
-            </a:pPr>
-            <a:r>
-              <a:rPr lang="hr-HR" dirty="0"/>
-              <a:t>Zašto koristiti oznake paragrafa</a:t>
-            </a:r>
-            <a:r>
-              <a:rPr lang="en-US" dirty="0"/>
-              <a:t>?</a:t>
-            </a:r>
-          </a:p>
-          <a:p>
-            <a:pPr>
-              <a:buFontTx/>
-              <a:buChar char="-"/>
-            </a:pPr>
-            <a:r>
-              <a:rPr lang="en-US" dirty="0"/>
-              <a:t>Bez &lt;p&gt; </a:t>
-            </a:r>
-            <a:r>
-              <a:rPr lang="pl-PL" dirty="0"/>
-              <a:t>oznaka, sav tekst bi bio u jednom dugačkom bloku.</a:t>
-            </a:r>
-            <a:endParaRPr lang="en-US" dirty="0"/>
-          </a:p>
-          <a:p>
-            <a:pPr>
-              <a:buFontTx/>
-              <a:buChar char="-"/>
-            </a:pPr>
-            <a:r>
-              <a:rPr lang="pl-PL" dirty="0"/>
-              <a:t>razdvaja tekst i dodaje vizualni razmak između paragrafa.</a:t>
-            </a:r>
-            <a:endParaRPr lang="en-US" dirty="0"/>
-          </a:p>
-          <a:p>
-            <a:pPr>
-              <a:buFontTx/>
-              <a:buChar char="-"/>
-            </a:pPr>
-            <a:r>
-              <a:rPr lang="hr-HR" dirty="0"/>
-              <a:t>Čitači ekrana koriste</a:t>
-            </a:r>
-            <a:r>
-              <a:rPr lang="en-US" dirty="0"/>
-              <a:t> &lt;p&gt; </a:t>
-            </a:r>
-            <a:r>
-              <a:rPr lang="hr-HR" dirty="0"/>
-              <a:t>oznake kako bi pomogli slabovidnim korisnicima u navigaciji kroz tekst</a:t>
-            </a:r>
-            <a:endParaRPr lang="en-US" dirty="0"/>
-          </a:p>
-          <a:p>
-            <a:pPr marL="15875" indent="0" algn="ctr">
-              <a:buFont typeface="Wingdings" pitchFamily="2" charset="2"/>
-              <a:buNone/>
-            </a:pPr>
-            <a:endParaRPr lang="en-US" dirty="0"/>
-          </a:p>
-        </p:txBody>
-      </p:sp>
-    </p:spTree>
-    <p:extLst>
-      <p:ext uri="{BB962C8B-B14F-4D97-AF65-F5344CB8AC3E}">
-        <p14:creationId xmlns:p14="http://schemas.microsoft.com/office/powerpoint/2010/main" val="2467128350"/>
       </p:ext>
     </p:extLst>
   </p:cSld>
@@ -22550,15 +23334,6 @@
 </file>
 
 <file path=customXml/item1.xml><?xml version="1.0" encoding="utf-8"?>
-<?mso-contentType ?>
-<FormTemplates xmlns="http://schemas.microsoft.com/sharepoint/v3/contenttype/forms">
-  <Display>DocumentLibraryForm</Display>
-  <Edit>DocumentLibraryForm</Edit>
-  <New>DocumentLibraryForm</New>
-</FormTemplates>
-</file>
-
-<file path=customXml/item2.xml><?xml version="1.0" encoding="utf-8"?>
 <p:properties xmlns:p="http://schemas.microsoft.com/office/2006/metadata/properties" xmlns:xsi="http://www.w3.org/2001/XMLSchema-instance" xmlns:pc="http://schemas.microsoft.com/office/infopath/2007/PartnerControls">
   <documentManagement>
     <lcf76f155ced4ddcb4097134ff3c332f xmlns="40806f44-bc4a-4ea4-b660-c6da93f8f179">
@@ -22567,6 +23342,15 @@
     <TaxCatchAll xmlns="758d0d8f-b783-4c78-ab73-9740c97b97cf" xsi:nil="true"/>
   </documentManagement>
 </p:properties>
+</file>
+
+<file path=customXml/item2.xml><?xml version="1.0" encoding="utf-8"?>
+<?mso-contentType ?>
+<FormTemplates xmlns="http://schemas.microsoft.com/sharepoint/v3/contenttype/forms">
+  <Display>DocumentLibraryForm</Display>
+  <Edit>DocumentLibraryForm</Edit>
+  <New>DocumentLibraryForm</New>
+</FormTemplates>
 </file>
 
 <file path=customXml/item3.xml><?xml version="1.0" encoding="utf-8"?>
@@ -22787,14 +23571,6 @@
 </file>
 
 <file path=customXml/itemProps1.xml><?xml version="1.0" encoding="utf-8"?>
-<ds:datastoreItem xmlns:ds="http://schemas.openxmlformats.org/officeDocument/2006/customXml" ds:itemID="{46915D30-CAA6-465E-907F-1770D4E3B01D}">
-  <ds:schemaRefs>
-    <ds:schemaRef ds:uri="http://schemas.microsoft.com/sharepoint/v3/contenttype/forms"/>
-  </ds:schemaRefs>
-</ds:datastoreItem>
-</file>
-
-<file path=customXml/itemProps2.xml><?xml version="1.0" encoding="utf-8"?>
 <ds:datastoreItem xmlns:ds="http://schemas.openxmlformats.org/officeDocument/2006/customXml" ds:itemID="{61E72F81-8533-461E-8E71-A6D77294CFEF}">
   <ds:schemaRefs>
     <ds:schemaRef ds:uri="http://purl.org/dc/elements/1.1/"/>
@@ -22807,6 +23583,14 @@
     <ds:schemaRef ds:uri="http://schemas.microsoft.com/office/infopath/2007/PartnerControls"/>
     <ds:schemaRef ds:uri="758d0d8f-b783-4c78-ab73-9740c97b97cf"/>
     <ds:schemaRef ds:uri="http://schemas.microsoft.com/office/2006/metadata/properties"/>
+  </ds:schemaRefs>
+</ds:datastoreItem>
+</file>
+
+<file path=customXml/itemProps2.xml><?xml version="1.0" encoding="utf-8"?>
+<ds:datastoreItem xmlns:ds="http://schemas.openxmlformats.org/officeDocument/2006/customXml" ds:itemID="{46915D30-CAA6-465E-907F-1770D4E3B01D}">
+  <ds:schemaRefs>
+    <ds:schemaRef ds:uri="http://schemas.microsoft.com/sharepoint/v3/contenttype/forms"/>
   </ds:schemaRefs>
 </ds:datastoreItem>
 </file>
